--- a/pics/2020-08-19-divergence_theorem_2D/pics.pptx
+++ b/pics/2020-08-19-divergence_theorem_2D/pics.pptx
@@ -246,7 +246,7 @@
           <a:p>
             <a:fld id="{0379DBDA-FAAE-48AD-A451-E5EFCE7993C9}" type="datetimeFigureOut">
               <a:rPr lang="ko-KR" altLang="en-US" smtClean="0"/>
-              <a:t>2020-08-23</a:t>
+              <a:t>2020-08-24</a:t>
             </a:fld>
             <a:endParaRPr lang="ko-KR" altLang="en-US"/>
           </a:p>
@@ -416,7 +416,7 @@
           <a:p>
             <a:fld id="{0379DBDA-FAAE-48AD-A451-E5EFCE7993C9}" type="datetimeFigureOut">
               <a:rPr lang="ko-KR" altLang="en-US" smtClean="0"/>
-              <a:t>2020-08-23</a:t>
+              <a:t>2020-08-24</a:t>
             </a:fld>
             <a:endParaRPr lang="ko-KR" altLang="en-US"/>
           </a:p>
@@ -596,7 +596,7 @@
           <a:p>
             <a:fld id="{0379DBDA-FAAE-48AD-A451-E5EFCE7993C9}" type="datetimeFigureOut">
               <a:rPr lang="ko-KR" altLang="en-US" smtClean="0"/>
-              <a:t>2020-08-23</a:t>
+              <a:t>2020-08-24</a:t>
             </a:fld>
             <a:endParaRPr lang="ko-KR" altLang="en-US"/>
           </a:p>
@@ -766,7 +766,7 @@
           <a:p>
             <a:fld id="{0379DBDA-FAAE-48AD-A451-E5EFCE7993C9}" type="datetimeFigureOut">
               <a:rPr lang="ko-KR" altLang="en-US" smtClean="0"/>
-              <a:t>2020-08-23</a:t>
+              <a:t>2020-08-24</a:t>
             </a:fld>
             <a:endParaRPr lang="ko-KR" altLang="en-US"/>
           </a:p>
@@ -1010,7 +1010,7 @@
           <a:p>
             <a:fld id="{0379DBDA-FAAE-48AD-A451-E5EFCE7993C9}" type="datetimeFigureOut">
               <a:rPr lang="ko-KR" altLang="en-US" smtClean="0"/>
-              <a:t>2020-08-23</a:t>
+              <a:t>2020-08-24</a:t>
             </a:fld>
             <a:endParaRPr lang="ko-KR" altLang="en-US"/>
           </a:p>
@@ -1242,7 +1242,7 @@
           <a:p>
             <a:fld id="{0379DBDA-FAAE-48AD-A451-E5EFCE7993C9}" type="datetimeFigureOut">
               <a:rPr lang="ko-KR" altLang="en-US" smtClean="0"/>
-              <a:t>2020-08-23</a:t>
+              <a:t>2020-08-24</a:t>
             </a:fld>
             <a:endParaRPr lang="ko-KR" altLang="en-US"/>
           </a:p>
@@ -1609,7 +1609,7 @@
           <a:p>
             <a:fld id="{0379DBDA-FAAE-48AD-A451-E5EFCE7993C9}" type="datetimeFigureOut">
               <a:rPr lang="ko-KR" altLang="en-US" smtClean="0"/>
-              <a:t>2020-08-23</a:t>
+              <a:t>2020-08-24</a:t>
             </a:fld>
             <a:endParaRPr lang="ko-KR" altLang="en-US"/>
           </a:p>
@@ -1727,7 +1727,7 @@
           <a:p>
             <a:fld id="{0379DBDA-FAAE-48AD-A451-E5EFCE7993C9}" type="datetimeFigureOut">
               <a:rPr lang="ko-KR" altLang="en-US" smtClean="0"/>
-              <a:t>2020-08-23</a:t>
+              <a:t>2020-08-24</a:t>
             </a:fld>
             <a:endParaRPr lang="ko-KR" altLang="en-US"/>
           </a:p>
@@ -1822,7 +1822,7 @@
           <a:p>
             <a:fld id="{0379DBDA-FAAE-48AD-A451-E5EFCE7993C9}" type="datetimeFigureOut">
               <a:rPr lang="ko-KR" altLang="en-US" smtClean="0"/>
-              <a:t>2020-08-23</a:t>
+              <a:t>2020-08-24</a:t>
             </a:fld>
             <a:endParaRPr lang="ko-KR" altLang="en-US"/>
           </a:p>
@@ -2099,7 +2099,7 @@
           <a:p>
             <a:fld id="{0379DBDA-FAAE-48AD-A451-E5EFCE7993C9}" type="datetimeFigureOut">
               <a:rPr lang="ko-KR" altLang="en-US" smtClean="0"/>
-              <a:t>2020-08-23</a:t>
+              <a:t>2020-08-24</a:t>
             </a:fld>
             <a:endParaRPr lang="ko-KR" altLang="en-US"/>
           </a:p>
@@ -2356,7 +2356,7 @@
           <a:p>
             <a:fld id="{0379DBDA-FAAE-48AD-A451-E5EFCE7993C9}" type="datetimeFigureOut">
               <a:rPr lang="ko-KR" altLang="en-US" smtClean="0"/>
-              <a:t>2020-08-23</a:t>
+              <a:t>2020-08-24</a:t>
             </a:fld>
             <a:endParaRPr lang="ko-KR" altLang="en-US"/>
           </a:p>
@@ -2569,7 +2569,7 @@
           <a:p>
             <a:fld id="{0379DBDA-FAAE-48AD-A451-E5EFCE7993C9}" type="datetimeFigureOut">
               <a:rPr lang="ko-KR" altLang="en-US" smtClean="0"/>
-              <a:t>2020-08-23</a:t>
+              <a:t>2020-08-24</a:t>
             </a:fld>
             <a:endParaRPr lang="ko-KR" altLang="en-US"/>
           </a:p>
@@ -3431,7 +3431,7 @@
         </p:nvCxnSpPr>
         <p:spPr>
           <a:xfrm flipV="1">
-            <a:off x="1593908" y="1182848"/>
+            <a:off x="2403446" y="1545672"/>
             <a:ext cx="0" cy="3766657"/>
           </a:xfrm>
           <a:prstGeom prst="straightConnector1">
@@ -3467,7 +3467,7 @@
         </p:nvCxnSpPr>
         <p:spPr>
           <a:xfrm>
-            <a:off x="1291905" y="4555222"/>
+            <a:off x="2101443" y="4918046"/>
             <a:ext cx="4941115" cy="0"/>
           </a:xfrm>
           <a:prstGeom prst="straightConnector1">
@@ -3503,7 +3503,7 @@
         </p:nvSpPr>
         <p:spPr>
           <a:xfrm>
-            <a:off x="2077292" y="1949349"/>
+            <a:off x="2886830" y="2312173"/>
             <a:ext cx="3576888" cy="2001866"/>
           </a:xfrm>
           <a:custGeom>
@@ -3632,7 +3632,7 @@
         </p:nvSpPr>
         <p:spPr>
           <a:xfrm rot="7168053">
-            <a:off x="2608975" y="2214694"/>
+            <a:off x="3418513" y="2577518"/>
             <a:ext cx="184558" cy="293614"/>
           </a:xfrm>
           <a:prstGeom prst="chevron">
@@ -3682,7 +3682,7 @@
         </p:nvSpPr>
         <p:spPr>
           <a:xfrm rot="20700000">
-            <a:off x="3138881" y="3596776"/>
+            <a:off x="3948419" y="3959600"/>
             <a:ext cx="184558" cy="293614"/>
           </a:xfrm>
           <a:prstGeom prst="chevron">
@@ -3732,7 +3732,7 @@
         </p:nvSpPr>
         <p:spPr>
           <a:xfrm rot="15300000">
-            <a:off x="5534141" y="2969163"/>
+            <a:off x="6343679" y="3331987"/>
             <a:ext cx="184558" cy="293614"/>
           </a:xfrm>
           <a:prstGeom prst="chevron">
@@ -3782,7 +3782,7 @@
         </p:nvSpPr>
         <p:spPr>
           <a:xfrm rot="11700000">
-            <a:off x="4486916" y="1947044"/>
+            <a:off x="5296454" y="2309868"/>
             <a:ext cx="184558" cy="293614"/>
           </a:xfrm>
           <a:prstGeom prst="chevron">
@@ -3834,7 +3834,7 @@
         </p:nvCxnSpPr>
         <p:spPr>
           <a:xfrm>
-            <a:off x="3957638" y="1949349"/>
+            <a:off x="4767176" y="2312173"/>
             <a:ext cx="6323" cy="1694046"/>
           </a:xfrm>
           <a:prstGeom prst="line">
@@ -3857,8 +3857,8 @@
           </a:fontRef>
         </p:style>
       </p:cxnSp>
-      <mc:AlternateContent xmlns:mc="http://schemas.openxmlformats.org/markup-compatibility/2006" xmlns:a14="http://schemas.microsoft.com/office/drawing/2010/main">
-        <mc:Choice Requires="a14">
+      <mc:AlternateContent xmlns:mc="http://schemas.openxmlformats.org/markup-compatibility/2006">
+        <mc:Choice xmlns:a14="http://schemas.microsoft.com/office/drawing/2010/main" Requires="a14">
           <p:sp>
             <p:nvSpPr>
               <p:cNvPr id="15" name="TextBox 14"/>
@@ -3867,7 +3867,7 @@
             </p:nvSpPr>
             <p:spPr>
               <a:xfrm>
-                <a:off x="2986455" y="2765616"/>
+                <a:off x="3795993" y="3128440"/>
                 <a:ext cx="483081" cy="369332"/>
               </a:xfrm>
               <a:prstGeom prst="rect">
@@ -3921,7 +3921,7 @@
             </p:txBody>
           </p:sp>
         </mc:Choice>
-        <mc:Fallback xmlns="">
+        <mc:Fallback>
           <p:sp>
             <p:nvSpPr>
               <p:cNvPr id="15" name="TextBox 14"/>
@@ -3932,7 +3932,7 @@
             </p:nvSpPr>
             <p:spPr>
               <a:xfrm>
-                <a:off x="2986455" y="2765616"/>
+                <a:off x="3795993" y="3128440"/>
                 <a:ext cx="483081" cy="369332"/>
               </a:xfrm>
               <a:prstGeom prst="rect">
@@ -3960,8 +3960,8 @@
           </p:sp>
         </mc:Fallback>
       </mc:AlternateContent>
-      <mc:AlternateContent xmlns:mc="http://schemas.openxmlformats.org/markup-compatibility/2006" xmlns:a14="http://schemas.microsoft.com/office/drawing/2010/main">
-        <mc:Choice Requires="a14">
+      <mc:AlternateContent xmlns:mc="http://schemas.openxmlformats.org/markup-compatibility/2006">
+        <mc:Choice xmlns:a14="http://schemas.microsoft.com/office/drawing/2010/main" Requires="a14">
           <p:sp>
             <p:nvSpPr>
               <p:cNvPr id="16" name="TextBox 15"/>
@@ -3970,7 +3970,7 @@
             </p:nvSpPr>
             <p:spPr>
               <a:xfrm>
-                <a:off x="4447344" y="2765616"/>
+                <a:off x="5256882" y="3128440"/>
                 <a:ext cx="488402" cy="369332"/>
               </a:xfrm>
               <a:prstGeom prst="rect">
@@ -4024,7 +4024,7 @@
             </p:txBody>
           </p:sp>
         </mc:Choice>
-        <mc:Fallback xmlns="">
+        <mc:Fallback>
           <p:sp>
             <p:nvSpPr>
               <p:cNvPr id="16" name="TextBox 15"/>
@@ -4035,7 +4035,7 @@
             </p:nvSpPr>
             <p:spPr>
               <a:xfrm>
-                <a:off x="4447344" y="2765616"/>
+                <a:off x="5256882" y="3128440"/>
                 <a:ext cx="488402" cy="369332"/>
               </a:xfrm>
               <a:prstGeom prst="rect">
@@ -4043,6 +4043,1105 @@
               </a:prstGeom>
               <a:blipFill>
                 <a:blip r:embed="rId3"/>
+                <a:stretch>
+                  <a:fillRect/>
+                </a:stretch>
+              </a:blipFill>
+            </p:spPr>
+            <p:txBody>
+              <a:bodyPr/>
+              <a:lstStyle/>
+              <a:p>
+                <a:r>
+                  <a:rPr lang="ko-KR" altLang="en-US">
+                    <a:noFill/>
+                  </a:rPr>
+                  <a:t> </a:t>
+                </a:r>
+              </a:p>
+            </p:txBody>
+          </p:sp>
+        </mc:Fallback>
+      </mc:AlternateContent>
+      <mc:AlternateContent xmlns:mc="http://schemas.openxmlformats.org/markup-compatibility/2006">
+        <mc:Choice xmlns:a14="http://schemas.microsoft.com/office/drawing/2010/main" Requires="a14">
+          <p:sp>
+            <p:nvSpPr>
+              <p:cNvPr id="2" name="TextBox 1">
+                <a:extLst>
+                  <a:ext uri="{FF2B5EF4-FFF2-40B4-BE49-F238E27FC236}">
+                    <a16:creationId xmlns:a16="http://schemas.microsoft.com/office/drawing/2014/main" id="{0E441BCC-42E3-4CD9-8AB3-8CEA4FF22D83}"/>
+                  </a:ext>
+                </a:extLst>
+              </p:cNvPr>
+              <p:cNvSpPr txBox="1"/>
+              <p:nvPr/>
+            </p:nvSpPr>
+            <p:spPr>
+              <a:xfrm>
+                <a:off x="2936289" y="3821553"/>
+                <a:ext cx="463909" cy="369332"/>
+              </a:xfrm>
+              <a:prstGeom prst="rect">
+                <a:avLst/>
+              </a:prstGeom>
+              <a:noFill/>
+            </p:spPr>
+            <p:txBody>
+              <a:bodyPr wrap="none" rtlCol="0">
+                <a:spAutoFit/>
+              </a:bodyPr>
+              <a:lstStyle/>
+              <a:p>
+                <a14:m>
+                  <m:oMathPara xmlns:m="http://schemas.openxmlformats.org/officeDocument/2006/math">
+                    <m:oMathParaPr>
+                      <m:jc m:val="centerGroup"/>
+                    </m:oMathParaPr>
+                    <m:oMath xmlns:m="http://schemas.openxmlformats.org/officeDocument/2006/math">
+                      <m:sSub>
+                        <m:sSubPr>
+                          <m:ctrlPr>
+                            <a:rPr lang="en-US" altLang="ko-KR" b="0" i="1" smtClean="0">
+                              <a:latin typeface="Cambria Math" panose="02040503050406030204" pitchFamily="18" charset="0"/>
+                            </a:rPr>
+                          </m:ctrlPr>
+                        </m:sSubPr>
+                        <m:e>
+                          <m:r>
+                            <a:rPr lang="en-US" altLang="ko-KR" b="0" i="1" smtClean="0">
+                              <a:latin typeface="Cambria Math" panose="02040503050406030204" pitchFamily="18" charset="0"/>
+                            </a:rPr>
+                            <m:t>𝐶</m:t>
+                          </m:r>
+                        </m:e>
+                        <m:sub>
+                          <m:r>
+                            <a:rPr lang="en-US" altLang="ko-KR" b="0" i="1" smtClean="0">
+                              <a:latin typeface="Cambria Math" panose="02040503050406030204" pitchFamily="18" charset="0"/>
+                            </a:rPr>
+                            <m:t>1</m:t>
+                          </m:r>
+                        </m:sub>
+                      </m:sSub>
+                    </m:oMath>
+                  </m:oMathPara>
+                </a14:m>
+                <a:endParaRPr lang="ko-KR" altLang="en-US" dirty="0"/>
+              </a:p>
+            </p:txBody>
+          </p:sp>
+        </mc:Choice>
+        <mc:Fallback>
+          <p:sp>
+            <p:nvSpPr>
+              <p:cNvPr id="2" name="TextBox 1">
+                <a:extLst>
+                  <a:ext uri="{FF2B5EF4-FFF2-40B4-BE49-F238E27FC236}">
+                    <a16:creationId xmlns:a16="http://schemas.microsoft.com/office/drawing/2014/main" id="{0E441BCC-42E3-4CD9-8AB3-8CEA4FF22D83}"/>
+                  </a:ext>
+                </a:extLst>
+              </p:cNvPr>
+              <p:cNvSpPr txBox="1">
+                <a:spLocks noRot="1" noChangeAspect="1" noMove="1" noResize="1" noEditPoints="1" noAdjustHandles="1" noChangeArrowheads="1" noChangeShapeType="1" noTextEdit="1"/>
+              </p:cNvSpPr>
+              <p:nvPr/>
+            </p:nvSpPr>
+            <p:spPr>
+              <a:xfrm>
+                <a:off x="2936289" y="3821553"/>
+                <a:ext cx="463909" cy="369332"/>
+              </a:xfrm>
+              <a:prstGeom prst="rect">
+                <a:avLst/>
+              </a:prstGeom>
+              <a:blipFill>
+                <a:blip r:embed="rId4"/>
+                <a:stretch>
+                  <a:fillRect/>
+                </a:stretch>
+              </a:blipFill>
+            </p:spPr>
+            <p:txBody>
+              <a:bodyPr/>
+              <a:lstStyle/>
+              <a:p>
+                <a:r>
+                  <a:rPr lang="ko-KR" altLang="en-US">
+                    <a:noFill/>
+                  </a:rPr>
+                  <a:t> </a:t>
+                </a:r>
+              </a:p>
+            </p:txBody>
+          </p:sp>
+        </mc:Fallback>
+      </mc:AlternateContent>
+      <mc:AlternateContent xmlns:mc="http://schemas.openxmlformats.org/markup-compatibility/2006">
+        <mc:Choice xmlns:a14="http://schemas.microsoft.com/office/drawing/2010/main" Requires="a14">
+          <p:sp>
+            <p:nvSpPr>
+              <p:cNvPr id="14" name="TextBox 13">
+                <a:extLst>
+                  <a:ext uri="{FF2B5EF4-FFF2-40B4-BE49-F238E27FC236}">
+                    <a16:creationId xmlns:a16="http://schemas.microsoft.com/office/drawing/2014/main" id="{0344EA29-1A33-4825-A792-BFD461AAD49F}"/>
+                  </a:ext>
+                </a:extLst>
+              </p:cNvPr>
+              <p:cNvSpPr txBox="1"/>
+              <p:nvPr/>
+            </p:nvSpPr>
+            <p:spPr>
+              <a:xfrm>
+                <a:off x="5855754" y="3892577"/>
+                <a:ext cx="469231" cy="369332"/>
+              </a:xfrm>
+              <a:prstGeom prst="rect">
+                <a:avLst/>
+              </a:prstGeom>
+              <a:noFill/>
+            </p:spPr>
+            <p:txBody>
+              <a:bodyPr wrap="none" rtlCol="0">
+                <a:spAutoFit/>
+              </a:bodyPr>
+              <a:lstStyle/>
+              <a:p>
+                <a14:m>
+                  <m:oMathPara xmlns:m="http://schemas.openxmlformats.org/officeDocument/2006/math">
+                    <m:oMathParaPr>
+                      <m:jc m:val="centerGroup"/>
+                    </m:oMathParaPr>
+                    <m:oMath xmlns:m="http://schemas.openxmlformats.org/officeDocument/2006/math">
+                      <m:sSub>
+                        <m:sSubPr>
+                          <m:ctrlPr>
+                            <a:rPr lang="en-US" altLang="ko-KR" b="0" i="1" smtClean="0">
+                              <a:latin typeface="Cambria Math" panose="02040503050406030204" pitchFamily="18" charset="0"/>
+                            </a:rPr>
+                          </m:ctrlPr>
+                        </m:sSubPr>
+                        <m:e>
+                          <m:r>
+                            <a:rPr lang="en-US" altLang="ko-KR" b="0" i="1" smtClean="0">
+                              <a:latin typeface="Cambria Math" panose="02040503050406030204" pitchFamily="18" charset="0"/>
+                            </a:rPr>
+                            <m:t>𝐶</m:t>
+                          </m:r>
+                        </m:e>
+                        <m:sub>
+                          <m:r>
+                            <a:rPr lang="en-US" altLang="ko-KR" b="0" i="1" smtClean="0">
+                              <a:latin typeface="Cambria Math" panose="02040503050406030204" pitchFamily="18" charset="0"/>
+                            </a:rPr>
+                            <m:t>2</m:t>
+                          </m:r>
+                        </m:sub>
+                      </m:sSub>
+                    </m:oMath>
+                  </m:oMathPara>
+                </a14:m>
+                <a:endParaRPr lang="ko-KR" altLang="en-US" dirty="0"/>
+              </a:p>
+            </p:txBody>
+          </p:sp>
+        </mc:Choice>
+        <mc:Fallback>
+          <p:sp>
+            <p:nvSpPr>
+              <p:cNvPr id="14" name="TextBox 13">
+                <a:extLst>
+                  <a:ext uri="{FF2B5EF4-FFF2-40B4-BE49-F238E27FC236}">
+                    <a16:creationId xmlns:a16="http://schemas.microsoft.com/office/drawing/2014/main" id="{0344EA29-1A33-4825-A792-BFD461AAD49F}"/>
+                  </a:ext>
+                </a:extLst>
+              </p:cNvPr>
+              <p:cNvSpPr txBox="1">
+                <a:spLocks noRot="1" noChangeAspect="1" noMove="1" noResize="1" noEditPoints="1" noAdjustHandles="1" noChangeArrowheads="1" noChangeShapeType="1" noTextEdit="1"/>
+              </p:cNvSpPr>
+              <p:nvPr/>
+            </p:nvSpPr>
+            <p:spPr>
+              <a:xfrm>
+                <a:off x="5855754" y="3892577"/>
+                <a:ext cx="469231" cy="369332"/>
+              </a:xfrm>
+              <a:prstGeom prst="rect">
+                <a:avLst/>
+              </a:prstGeom>
+              <a:blipFill>
+                <a:blip r:embed="rId5"/>
+                <a:stretch>
+                  <a:fillRect/>
+                </a:stretch>
+              </a:blipFill>
+            </p:spPr>
+            <p:txBody>
+              <a:bodyPr/>
+              <a:lstStyle/>
+              <a:p>
+                <a:r>
+                  <a:rPr lang="ko-KR" altLang="en-US">
+                    <a:noFill/>
+                  </a:rPr>
+                  <a:t> </a:t>
+                </a:r>
+              </a:p>
+            </p:txBody>
+          </p:sp>
+        </mc:Fallback>
+      </mc:AlternateContent>
+      <p:grpSp>
+        <p:nvGrpSpPr>
+          <p:cNvPr id="21" name="그룹 20">
+            <a:extLst>
+              <a:ext uri="{FF2B5EF4-FFF2-40B4-BE49-F238E27FC236}">
+                <a16:creationId xmlns:a16="http://schemas.microsoft.com/office/drawing/2014/main" id="{07113C08-0503-4E57-B9CF-44CB3A477BDD}"/>
+              </a:ext>
+            </a:extLst>
+          </p:cNvPr>
+          <p:cNvGrpSpPr/>
+          <p:nvPr/>
+        </p:nvGrpSpPr>
+        <p:grpSpPr>
+          <a:xfrm>
+            <a:off x="3806153" y="3108120"/>
+            <a:ext cx="446198" cy="446198"/>
+            <a:chOff x="2996615" y="2745296"/>
+            <a:chExt cx="446198" cy="446198"/>
+          </a:xfrm>
+        </p:grpSpPr>
+        <p:sp>
+          <p:nvSpPr>
+            <p:cNvPr id="4" name="원호 3">
+              <a:extLst>
+                <a:ext uri="{FF2B5EF4-FFF2-40B4-BE49-F238E27FC236}">
+                  <a16:creationId xmlns:a16="http://schemas.microsoft.com/office/drawing/2014/main" id="{BF2201DA-3733-487B-9617-A10E8A33D47E}"/>
+                </a:ext>
+              </a:extLst>
+            </p:cNvPr>
+            <p:cNvSpPr/>
+            <p:nvPr/>
+          </p:nvSpPr>
+          <p:spPr>
+            <a:xfrm>
+              <a:off x="2996615" y="2745296"/>
+              <a:ext cx="446198" cy="446198"/>
+            </a:xfrm>
+            <a:prstGeom prst="arc">
+              <a:avLst>
+                <a:gd name="adj1" fmla="val 1042338"/>
+                <a:gd name="adj2" fmla="val 19461494"/>
+              </a:avLst>
+            </a:prstGeom>
+            <a:ln w="19050">
+              <a:solidFill>
+                <a:srgbClr val="FF0000"/>
+              </a:solidFill>
+              <a:headEnd type="none" w="med" len="med"/>
+              <a:tailEnd type="none" w="med" len="med"/>
+            </a:ln>
+          </p:spPr>
+          <p:style>
+            <a:lnRef idx="1">
+              <a:schemeClr val="accent1"/>
+            </a:lnRef>
+            <a:fillRef idx="0">
+              <a:schemeClr val="accent1"/>
+            </a:fillRef>
+            <a:effectRef idx="0">
+              <a:schemeClr val="accent1"/>
+            </a:effectRef>
+            <a:fontRef idx="minor">
+              <a:schemeClr val="tx1"/>
+            </a:fontRef>
+          </p:style>
+          <p:txBody>
+            <a:bodyPr rtlCol="0" anchor="ctr"/>
+            <a:lstStyle/>
+            <a:p>
+              <a:pPr algn="ctr"/>
+              <a:endParaRPr lang="ko-KR" altLang="en-US"/>
+            </a:p>
+          </p:txBody>
+        </p:sp>
+        <p:cxnSp>
+          <p:nvCxnSpPr>
+            <p:cNvPr id="8" name="직선 연결선 7">
+              <a:extLst>
+                <a:ext uri="{FF2B5EF4-FFF2-40B4-BE49-F238E27FC236}">
+                  <a16:creationId xmlns:a16="http://schemas.microsoft.com/office/drawing/2014/main" id="{80518CFE-7F72-406C-AACF-ED392A8B49E9}"/>
+                </a:ext>
+              </a:extLst>
+            </p:cNvPr>
+            <p:cNvCxnSpPr>
+              <a:stCxn id="4" idx="0"/>
+            </p:cNvCxnSpPr>
+            <p:nvPr/>
+          </p:nvCxnSpPr>
+          <p:spPr>
+            <a:xfrm flipH="1">
+              <a:off x="3358292" y="3035008"/>
+              <a:ext cx="74344" cy="1562"/>
+            </a:xfrm>
+            <a:prstGeom prst="line">
+              <a:avLst/>
+            </a:prstGeom>
+            <a:ln w="19050">
+              <a:solidFill>
+                <a:srgbClr val="FF0000"/>
+              </a:solidFill>
+            </a:ln>
+          </p:spPr>
+          <p:style>
+            <a:lnRef idx="1">
+              <a:schemeClr val="accent1"/>
+            </a:lnRef>
+            <a:fillRef idx="0">
+              <a:schemeClr val="accent1"/>
+            </a:fillRef>
+            <a:effectRef idx="0">
+              <a:schemeClr val="accent1"/>
+            </a:effectRef>
+            <a:fontRef idx="minor">
+              <a:schemeClr val="tx1"/>
+            </a:fontRef>
+          </p:style>
+        </p:cxnSp>
+        <p:cxnSp>
+          <p:nvCxnSpPr>
+            <p:cNvPr id="18" name="직선 연결선 17">
+              <a:extLst>
+                <a:ext uri="{FF2B5EF4-FFF2-40B4-BE49-F238E27FC236}">
+                  <a16:creationId xmlns:a16="http://schemas.microsoft.com/office/drawing/2014/main" id="{BB7C7BDE-CDA0-4048-B0DC-251CD6242DD8}"/>
+                </a:ext>
+              </a:extLst>
+            </p:cNvPr>
+            <p:cNvCxnSpPr>
+              <a:cxnSpLocks/>
+            </p:cNvCxnSpPr>
+            <p:nvPr/>
+          </p:nvCxnSpPr>
+          <p:spPr>
+            <a:xfrm flipH="1">
+              <a:off x="3431057" y="3024848"/>
+              <a:ext cx="1579" cy="99940"/>
+            </a:xfrm>
+            <a:prstGeom prst="line">
+              <a:avLst/>
+            </a:prstGeom>
+            <a:ln w="19050">
+              <a:solidFill>
+                <a:srgbClr val="FF0000"/>
+              </a:solidFill>
+            </a:ln>
+          </p:spPr>
+          <p:style>
+            <a:lnRef idx="1">
+              <a:schemeClr val="accent1"/>
+            </a:lnRef>
+            <a:fillRef idx="0">
+              <a:schemeClr val="accent1"/>
+            </a:fillRef>
+            <a:effectRef idx="0">
+              <a:schemeClr val="accent1"/>
+            </a:effectRef>
+            <a:fontRef idx="minor">
+              <a:schemeClr val="tx1"/>
+            </a:fontRef>
+          </p:style>
+        </p:cxnSp>
+      </p:grpSp>
+      <p:grpSp>
+        <p:nvGrpSpPr>
+          <p:cNvPr id="23" name="그룹 22">
+            <a:extLst>
+              <a:ext uri="{FF2B5EF4-FFF2-40B4-BE49-F238E27FC236}">
+                <a16:creationId xmlns:a16="http://schemas.microsoft.com/office/drawing/2014/main" id="{EDCB18B1-A069-4B6D-884B-C8605254A2FA}"/>
+              </a:ext>
+            </a:extLst>
+          </p:cNvPr>
+          <p:cNvGrpSpPr/>
+          <p:nvPr/>
+        </p:nvGrpSpPr>
+        <p:grpSpPr>
+          <a:xfrm>
+            <a:off x="5277984" y="3108120"/>
+            <a:ext cx="446198" cy="446198"/>
+            <a:chOff x="2996615" y="2745296"/>
+            <a:chExt cx="446198" cy="446198"/>
+          </a:xfrm>
+        </p:grpSpPr>
+        <p:sp>
+          <p:nvSpPr>
+            <p:cNvPr id="24" name="원호 23">
+              <a:extLst>
+                <a:ext uri="{FF2B5EF4-FFF2-40B4-BE49-F238E27FC236}">
+                  <a16:creationId xmlns:a16="http://schemas.microsoft.com/office/drawing/2014/main" id="{79C8D5A6-CA18-4218-BC7A-C2CB25FD1455}"/>
+                </a:ext>
+              </a:extLst>
+            </p:cNvPr>
+            <p:cNvSpPr/>
+            <p:nvPr/>
+          </p:nvSpPr>
+          <p:spPr>
+            <a:xfrm>
+              <a:off x="2996615" y="2745296"/>
+              <a:ext cx="446198" cy="446198"/>
+            </a:xfrm>
+            <a:prstGeom prst="arc">
+              <a:avLst>
+                <a:gd name="adj1" fmla="val 1042338"/>
+                <a:gd name="adj2" fmla="val 19461494"/>
+              </a:avLst>
+            </a:prstGeom>
+            <a:ln w="19050">
+              <a:solidFill>
+                <a:srgbClr val="00B0F0"/>
+              </a:solidFill>
+              <a:headEnd type="none" w="med" len="med"/>
+              <a:tailEnd type="none" w="med" len="med"/>
+            </a:ln>
+          </p:spPr>
+          <p:style>
+            <a:lnRef idx="1">
+              <a:schemeClr val="accent1"/>
+            </a:lnRef>
+            <a:fillRef idx="0">
+              <a:schemeClr val="accent1"/>
+            </a:fillRef>
+            <a:effectRef idx="0">
+              <a:schemeClr val="accent1"/>
+            </a:effectRef>
+            <a:fontRef idx="minor">
+              <a:schemeClr val="tx1"/>
+            </a:fontRef>
+          </p:style>
+          <p:txBody>
+            <a:bodyPr rtlCol="0" anchor="ctr"/>
+            <a:lstStyle/>
+            <a:p>
+              <a:pPr algn="ctr"/>
+              <a:endParaRPr lang="ko-KR" altLang="en-US"/>
+            </a:p>
+          </p:txBody>
+        </p:sp>
+        <p:cxnSp>
+          <p:nvCxnSpPr>
+            <p:cNvPr id="25" name="직선 연결선 24">
+              <a:extLst>
+                <a:ext uri="{FF2B5EF4-FFF2-40B4-BE49-F238E27FC236}">
+                  <a16:creationId xmlns:a16="http://schemas.microsoft.com/office/drawing/2014/main" id="{FAFEA94F-5E34-4405-B131-27A42B3D12B1}"/>
+                </a:ext>
+              </a:extLst>
+            </p:cNvPr>
+            <p:cNvCxnSpPr>
+              <a:stCxn id="24" idx="0"/>
+            </p:cNvCxnSpPr>
+            <p:nvPr/>
+          </p:nvCxnSpPr>
+          <p:spPr>
+            <a:xfrm flipH="1">
+              <a:off x="3358292" y="3035008"/>
+              <a:ext cx="74344" cy="1562"/>
+            </a:xfrm>
+            <a:prstGeom prst="line">
+              <a:avLst/>
+            </a:prstGeom>
+            <a:ln w="19050">
+              <a:solidFill>
+                <a:srgbClr val="00B0F0"/>
+              </a:solidFill>
+            </a:ln>
+          </p:spPr>
+          <p:style>
+            <a:lnRef idx="1">
+              <a:schemeClr val="accent1"/>
+            </a:lnRef>
+            <a:fillRef idx="0">
+              <a:schemeClr val="accent1"/>
+            </a:fillRef>
+            <a:effectRef idx="0">
+              <a:schemeClr val="accent1"/>
+            </a:effectRef>
+            <a:fontRef idx="minor">
+              <a:schemeClr val="tx1"/>
+            </a:fontRef>
+          </p:style>
+        </p:cxnSp>
+        <p:cxnSp>
+          <p:nvCxnSpPr>
+            <p:cNvPr id="26" name="직선 연결선 25">
+              <a:extLst>
+                <a:ext uri="{FF2B5EF4-FFF2-40B4-BE49-F238E27FC236}">
+                  <a16:creationId xmlns:a16="http://schemas.microsoft.com/office/drawing/2014/main" id="{77C948DD-2C87-4902-AC9C-BA9496B7A5C5}"/>
+                </a:ext>
+              </a:extLst>
+            </p:cNvPr>
+            <p:cNvCxnSpPr>
+              <a:cxnSpLocks/>
+            </p:cNvCxnSpPr>
+            <p:nvPr/>
+          </p:nvCxnSpPr>
+          <p:spPr>
+            <a:xfrm flipH="1">
+              <a:off x="3431057" y="3024848"/>
+              <a:ext cx="1579" cy="99940"/>
+            </a:xfrm>
+            <a:prstGeom prst="line">
+              <a:avLst/>
+            </a:prstGeom>
+            <a:ln w="19050">
+              <a:solidFill>
+                <a:srgbClr val="00B0F0"/>
+              </a:solidFill>
+            </a:ln>
+          </p:spPr>
+          <p:style>
+            <a:lnRef idx="1">
+              <a:schemeClr val="accent1"/>
+            </a:lnRef>
+            <a:fillRef idx="0">
+              <a:schemeClr val="accent1"/>
+            </a:fillRef>
+            <a:effectRef idx="0">
+              <a:schemeClr val="accent1"/>
+            </a:effectRef>
+            <a:fontRef idx="minor">
+              <a:schemeClr val="tx1"/>
+            </a:fontRef>
+          </p:style>
+        </p:cxnSp>
+      </p:grpSp>
+      <p:cxnSp>
+        <p:nvCxnSpPr>
+          <p:cNvPr id="28" name="직선 화살표 연결선 27">
+            <a:extLst>
+              <a:ext uri="{FF2B5EF4-FFF2-40B4-BE49-F238E27FC236}">
+                <a16:creationId xmlns:a16="http://schemas.microsoft.com/office/drawing/2014/main" id="{E0EF1262-7EE8-43E2-AD8E-F59EA483A164}"/>
+              </a:ext>
+            </a:extLst>
+          </p:cNvPr>
+          <p:cNvCxnSpPr>
+            <a:cxnSpLocks/>
+          </p:cNvCxnSpPr>
+          <p:nvPr/>
+        </p:nvCxnSpPr>
+        <p:spPr>
+          <a:xfrm flipH="1" flipV="1">
+            <a:off x="3059721" y="2638664"/>
+            <a:ext cx="299964" cy="211425"/>
+          </a:xfrm>
+          <a:prstGeom prst="straightConnector1">
+            <a:avLst/>
+          </a:prstGeom>
+          <a:ln w="38100">
+            <a:solidFill>
+              <a:srgbClr val="FF0000"/>
+            </a:solidFill>
+            <a:tailEnd type="triangle"/>
+          </a:ln>
+        </p:spPr>
+        <p:style>
+          <a:lnRef idx="1">
+            <a:schemeClr val="accent1"/>
+          </a:lnRef>
+          <a:fillRef idx="0">
+            <a:schemeClr val="accent1"/>
+          </a:fillRef>
+          <a:effectRef idx="0">
+            <a:schemeClr val="accent1"/>
+          </a:effectRef>
+          <a:fontRef idx="minor">
+            <a:schemeClr val="tx1"/>
+          </a:fontRef>
+        </p:style>
+      </p:cxnSp>
+      <p:cxnSp>
+        <p:nvCxnSpPr>
+          <p:cNvPr id="29" name="직선 화살표 연결선 28">
+            <a:extLst>
+              <a:ext uri="{FF2B5EF4-FFF2-40B4-BE49-F238E27FC236}">
+                <a16:creationId xmlns:a16="http://schemas.microsoft.com/office/drawing/2014/main" id="{FCA96B2C-D972-4D90-978C-1B02C9716BA5}"/>
+              </a:ext>
+            </a:extLst>
+          </p:cNvPr>
+          <p:cNvCxnSpPr>
+            <a:cxnSpLocks/>
+          </p:cNvCxnSpPr>
+          <p:nvPr/>
+        </p:nvCxnSpPr>
+        <p:spPr>
+          <a:xfrm>
+            <a:off x="3727998" y="4198505"/>
+            <a:ext cx="90057" cy="466011"/>
+          </a:xfrm>
+          <a:prstGeom prst="straightConnector1">
+            <a:avLst/>
+          </a:prstGeom>
+          <a:ln w="38100">
+            <a:solidFill>
+              <a:srgbClr val="FF0000"/>
+            </a:solidFill>
+            <a:tailEnd type="triangle"/>
+          </a:ln>
+        </p:spPr>
+        <p:style>
+          <a:lnRef idx="1">
+            <a:schemeClr val="accent1"/>
+          </a:lnRef>
+          <a:fillRef idx="0">
+            <a:schemeClr val="accent1"/>
+          </a:fillRef>
+          <a:effectRef idx="0">
+            <a:schemeClr val="accent1"/>
+          </a:effectRef>
+          <a:fontRef idx="minor">
+            <a:schemeClr val="tx1"/>
+          </a:fontRef>
+        </p:style>
+      </p:cxnSp>
+      <p:cxnSp>
+        <p:nvCxnSpPr>
+          <p:cNvPr id="33" name="직선 화살표 연결선 32">
+            <a:extLst>
+              <a:ext uri="{FF2B5EF4-FFF2-40B4-BE49-F238E27FC236}">
+                <a16:creationId xmlns:a16="http://schemas.microsoft.com/office/drawing/2014/main" id="{70942603-182B-4138-8E1E-D1BE84F60741}"/>
+              </a:ext>
+            </a:extLst>
+          </p:cNvPr>
+          <p:cNvCxnSpPr>
+            <a:cxnSpLocks/>
+          </p:cNvCxnSpPr>
+          <p:nvPr/>
+        </p:nvCxnSpPr>
+        <p:spPr>
+          <a:xfrm>
+            <a:off x="4802652" y="3313106"/>
+            <a:ext cx="352306" cy="0"/>
+          </a:xfrm>
+          <a:prstGeom prst="straightConnector1">
+            <a:avLst/>
+          </a:prstGeom>
+          <a:ln w="38100">
+            <a:solidFill>
+              <a:srgbClr val="FF0000"/>
+            </a:solidFill>
+            <a:tailEnd type="triangle"/>
+          </a:ln>
+        </p:spPr>
+        <p:style>
+          <a:lnRef idx="1">
+            <a:schemeClr val="accent1"/>
+          </a:lnRef>
+          <a:fillRef idx="0">
+            <a:schemeClr val="accent1"/>
+          </a:fillRef>
+          <a:effectRef idx="0">
+            <a:schemeClr val="accent1"/>
+          </a:effectRef>
+          <a:fontRef idx="minor">
+            <a:schemeClr val="tx1"/>
+          </a:fontRef>
+        </p:style>
+      </p:cxnSp>
+      <p:cxnSp>
+        <p:nvCxnSpPr>
+          <p:cNvPr id="35" name="직선 화살표 연결선 34">
+            <a:extLst>
+              <a:ext uri="{FF2B5EF4-FFF2-40B4-BE49-F238E27FC236}">
+                <a16:creationId xmlns:a16="http://schemas.microsoft.com/office/drawing/2014/main" id="{D3CE9EF4-9719-44F7-B8CD-34F7C433A539}"/>
+              </a:ext>
+            </a:extLst>
+          </p:cNvPr>
+          <p:cNvCxnSpPr>
+            <a:cxnSpLocks/>
+          </p:cNvCxnSpPr>
+          <p:nvPr/>
+        </p:nvCxnSpPr>
+        <p:spPr>
+          <a:xfrm flipH="1">
+            <a:off x="4388883" y="3313106"/>
+            <a:ext cx="352306" cy="0"/>
+          </a:xfrm>
+          <a:prstGeom prst="straightConnector1">
+            <a:avLst/>
+          </a:prstGeom>
+          <a:ln w="38100">
+            <a:solidFill>
+              <a:srgbClr val="00B0F0"/>
+            </a:solidFill>
+            <a:tailEnd type="triangle"/>
+          </a:ln>
+        </p:spPr>
+        <p:style>
+          <a:lnRef idx="1">
+            <a:schemeClr val="accent1"/>
+          </a:lnRef>
+          <a:fillRef idx="0">
+            <a:schemeClr val="accent1"/>
+          </a:fillRef>
+          <a:effectRef idx="0">
+            <a:schemeClr val="accent1"/>
+          </a:effectRef>
+          <a:fontRef idx="minor">
+            <a:schemeClr val="tx1"/>
+          </a:fontRef>
+        </p:style>
+      </p:cxnSp>
+      <p:cxnSp>
+        <p:nvCxnSpPr>
+          <p:cNvPr id="36" name="직선 화살표 연결선 35">
+            <a:extLst>
+              <a:ext uri="{FF2B5EF4-FFF2-40B4-BE49-F238E27FC236}">
+                <a16:creationId xmlns:a16="http://schemas.microsoft.com/office/drawing/2014/main" id="{28C629AC-6A29-40C7-987A-6EF2008476C7}"/>
+              </a:ext>
+            </a:extLst>
+          </p:cNvPr>
+          <p:cNvCxnSpPr>
+            <a:cxnSpLocks/>
+          </p:cNvCxnSpPr>
+          <p:nvPr/>
+        </p:nvCxnSpPr>
+        <p:spPr>
+          <a:xfrm flipV="1">
+            <a:off x="6095309" y="2638664"/>
+            <a:ext cx="299964" cy="211425"/>
+          </a:xfrm>
+          <a:prstGeom prst="straightConnector1">
+            <a:avLst/>
+          </a:prstGeom>
+          <a:ln w="38100">
+            <a:solidFill>
+              <a:srgbClr val="00B0F0"/>
+            </a:solidFill>
+            <a:tailEnd type="triangle"/>
+          </a:ln>
+        </p:spPr>
+        <p:style>
+          <a:lnRef idx="1">
+            <a:schemeClr val="accent1"/>
+          </a:lnRef>
+          <a:fillRef idx="0">
+            <a:schemeClr val="accent1"/>
+          </a:fillRef>
+          <a:effectRef idx="0">
+            <a:schemeClr val="accent1"/>
+          </a:effectRef>
+          <a:fontRef idx="minor">
+            <a:schemeClr val="tx1"/>
+          </a:fontRef>
+        </p:style>
+      </p:cxnSp>
+      <p:cxnSp>
+        <p:nvCxnSpPr>
+          <p:cNvPr id="37" name="직선 화살표 연결선 36">
+            <a:extLst>
+              <a:ext uri="{FF2B5EF4-FFF2-40B4-BE49-F238E27FC236}">
+                <a16:creationId xmlns:a16="http://schemas.microsoft.com/office/drawing/2014/main" id="{0ED3750D-8470-4B4E-A92A-D8024A2B6DFA}"/>
+              </a:ext>
+            </a:extLst>
+          </p:cNvPr>
+          <p:cNvCxnSpPr>
+            <a:cxnSpLocks/>
+          </p:cNvCxnSpPr>
+          <p:nvPr/>
+        </p:nvCxnSpPr>
+        <p:spPr>
+          <a:xfrm flipH="1">
+            <a:off x="5263747" y="4158325"/>
+            <a:ext cx="90057" cy="466011"/>
+          </a:xfrm>
+          <a:prstGeom prst="straightConnector1">
+            <a:avLst/>
+          </a:prstGeom>
+          <a:ln w="38100">
+            <a:solidFill>
+              <a:srgbClr val="00B0F0"/>
+            </a:solidFill>
+            <a:tailEnd type="triangle"/>
+          </a:ln>
+        </p:spPr>
+        <p:style>
+          <a:lnRef idx="1">
+            <a:schemeClr val="accent1"/>
+          </a:lnRef>
+          <a:fillRef idx="0">
+            <a:schemeClr val="accent1"/>
+          </a:fillRef>
+          <a:effectRef idx="0">
+            <a:schemeClr val="accent1"/>
+          </a:effectRef>
+          <a:fontRef idx="minor">
+            <a:schemeClr val="tx1"/>
+          </a:fontRef>
+        </p:style>
+      </p:cxnSp>
+      <mc:AlternateContent xmlns:mc="http://schemas.openxmlformats.org/markup-compatibility/2006">
+        <mc:Choice xmlns:a14="http://schemas.microsoft.com/office/drawing/2010/main" Requires="a14">
+          <p:sp>
+            <p:nvSpPr>
+              <p:cNvPr id="39" name="TextBox 38">
+                <a:extLst>
+                  <a:ext uri="{FF2B5EF4-FFF2-40B4-BE49-F238E27FC236}">
+                    <a16:creationId xmlns:a16="http://schemas.microsoft.com/office/drawing/2014/main" id="{BD9B3DB6-F8E5-48CC-9D22-29FBE221E414}"/>
+                  </a:ext>
+                </a:extLst>
+              </p:cNvPr>
+              <p:cNvSpPr txBox="1"/>
+              <p:nvPr/>
+            </p:nvSpPr>
+            <p:spPr>
+              <a:xfrm>
+                <a:off x="2039298" y="4927106"/>
+                <a:ext cx="365805" cy="369332"/>
+              </a:xfrm>
+              <a:prstGeom prst="rect">
+                <a:avLst/>
+              </a:prstGeom>
+              <a:noFill/>
+            </p:spPr>
+            <p:txBody>
+              <a:bodyPr wrap="none" rtlCol="0">
+                <a:spAutoFit/>
+              </a:bodyPr>
+              <a:lstStyle/>
+              <a:p>
+                <a14:m>
+                  <m:oMathPara xmlns:m="http://schemas.openxmlformats.org/officeDocument/2006/math">
+                    <m:oMathParaPr>
+                      <m:jc m:val="centerGroup"/>
+                    </m:oMathParaPr>
+                    <m:oMath xmlns:m="http://schemas.openxmlformats.org/officeDocument/2006/math">
+                      <m:r>
+                        <a:rPr lang="en-US" altLang="ko-KR" b="0" i="1" smtClean="0">
+                          <a:latin typeface="Cambria Math" panose="02040503050406030204" pitchFamily="18" charset="0"/>
+                        </a:rPr>
+                        <m:t>0</m:t>
+                      </m:r>
+                    </m:oMath>
+                  </m:oMathPara>
+                </a14:m>
+                <a:endParaRPr lang="ko-KR" altLang="en-US" dirty="0"/>
+              </a:p>
+            </p:txBody>
+          </p:sp>
+        </mc:Choice>
+        <mc:Fallback>
+          <p:sp>
+            <p:nvSpPr>
+              <p:cNvPr id="39" name="TextBox 38">
+                <a:extLst>
+                  <a:ext uri="{FF2B5EF4-FFF2-40B4-BE49-F238E27FC236}">
+                    <a16:creationId xmlns:a16="http://schemas.microsoft.com/office/drawing/2014/main" id="{BD9B3DB6-F8E5-48CC-9D22-29FBE221E414}"/>
+                  </a:ext>
+                </a:extLst>
+              </p:cNvPr>
+              <p:cNvSpPr txBox="1">
+                <a:spLocks noRot="1" noChangeAspect="1" noMove="1" noResize="1" noEditPoints="1" noAdjustHandles="1" noChangeArrowheads="1" noChangeShapeType="1" noTextEdit="1"/>
+              </p:cNvSpPr>
+              <p:nvPr/>
+            </p:nvSpPr>
+            <p:spPr>
+              <a:xfrm>
+                <a:off x="2039298" y="4927106"/>
+                <a:ext cx="365805" cy="369332"/>
+              </a:xfrm>
+              <a:prstGeom prst="rect">
+                <a:avLst/>
+              </a:prstGeom>
+              <a:blipFill>
+                <a:blip r:embed="rId6"/>
+                <a:stretch>
+                  <a:fillRect/>
+                </a:stretch>
+              </a:blipFill>
+            </p:spPr>
+            <p:txBody>
+              <a:bodyPr/>
+              <a:lstStyle/>
+              <a:p>
+                <a:r>
+                  <a:rPr lang="ko-KR" altLang="en-US">
+                    <a:noFill/>
+                  </a:rPr>
+                  <a:t> </a:t>
+                </a:r>
+              </a:p>
+            </p:txBody>
+          </p:sp>
+        </mc:Fallback>
+      </mc:AlternateContent>
+      <mc:AlternateContent xmlns:mc="http://schemas.openxmlformats.org/markup-compatibility/2006">
+        <mc:Choice xmlns:a14="http://schemas.microsoft.com/office/drawing/2010/main" Requires="a14">
+          <p:sp>
+            <p:nvSpPr>
+              <p:cNvPr id="40" name="TextBox 39">
+                <a:extLst>
+                  <a:ext uri="{FF2B5EF4-FFF2-40B4-BE49-F238E27FC236}">
+                    <a16:creationId xmlns:a16="http://schemas.microsoft.com/office/drawing/2014/main" id="{D28E2A9F-3210-4DD7-A4F8-9FDF0E9E592D}"/>
+                  </a:ext>
+                </a:extLst>
+              </p:cNvPr>
+              <p:cNvSpPr txBox="1"/>
+              <p:nvPr/>
+            </p:nvSpPr>
+            <p:spPr>
+              <a:xfrm>
+                <a:off x="2039298" y="1642368"/>
+                <a:ext cx="371384" cy="369332"/>
+              </a:xfrm>
+              <a:prstGeom prst="rect">
+                <a:avLst/>
+              </a:prstGeom>
+              <a:noFill/>
+            </p:spPr>
+            <p:txBody>
+              <a:bodyPr wrap="none" rtlCol="0">
+                <a:spAutoFit/>
+              </a:bodyPr>
+              <a:lstStyle/>
+              <a:p>
+                <a14:m>
+                  <m:oMathPara xmlns:m="http://schemas.openxmlformats.org/officeDocument/2006/math">
+                    <m:oMathParaPr>
+                      <m:jc m:val="centerGroup"/>
+                    </m:oMathParaPr>
+                    <m:oMath xmlns:m="http://schemas.openxmlformats.org/officeDocument/2006/math">
+                      <m:r>
+                        <a:rPr lang="en-US" altLang="ko-KR" b="0" i="1" smtClean="0">
+                          <a:latin typeface="Cambria Math" panose="02040503050406030204" pitchFamily="18" charset="0"/>
+                        </a:rPr>
+                        <m:t>𝑦</m:t>
+                      </m:r>
+                    </m:oMath>
+                  </m:oMathPara>
+                </a14:m>
+                <a:endParaRPr lang="ko-KR" altLang="en-US" dirty="0"/>
+              </a:p>
+            </p:txBody>
+          </p:sp>
+        </mc:Choice>
+        <mc:Fallback>
+          <p:sp>
+            <p:nvSpPr>
+              <p:cNvPr id="40" name="TextBox 39">
+                <a:extLst>
+                  <a:ext uri="{FF2B5EF4-FFF2-40B4-BE49-F238E27FC236}">
+                    <a16:creationId xmlns:a16="http://schemas.microsoft.com/office/drawing/2014/main" id="{D28E2A9F-3210-4DD7-A4F8-9FDF0E9E592D}"/>
+                  </a:ext>
+                </a:extLst>
+              </p:cNvPr>
+              <p:cNvSpPr txBox="1">
+                <a:spLocks noRot="1" noChangeAspect="1" noMove="1" noResize="1" noEditPoints="1" noAdjustHandles="1" noChangeArrowheads="1" noChangeShapeType="1" noTextEdit="1"/>
+              </p:cNvSpPr>
+              <p:nvPr/>
+            </p:nvSpPr>
+            <p:spPr>
+              <a:xfrm>
+                <a:off x="2039298" y="1642368"/>
+                <a:ext cx="371384" cy="369332"/>
+              </a:xfrm>
+              <a:prstGeom prst="rect">
+                <a:avLst/>
+              </a:prstGeom>
+              <a:blipFill>
+                <a:blip r:embed="rId7"/>
+                <a:stretch>
+                  <a:fillRect b="-6557"/>
+                </a:stretch>
+              </a:blipFill>
+            </p:spPr>
+            <p:txBody>
+              <a:bodyPr/>
+              <a:lstStyle/>
+              <a:p>
+                <a:r>
+                  <a:rPr lang="ko-KR" altLang="en-US">
+                    <a:noFill/>
+                  </a:rPr>
+                  <a:t> </a:t>
+                </a:r>
+              </a:p>
+            </p:txBody>
+          </p:sp>
+        </mc:Fallback>
+      </mc:AlternateContent>
+      <mc:AlternateContent xmlns:mc="http://schemas.openxmlformats.org/markup-compatibility/2006">
+        <mc:Choice xmlns:a14="http://schemas.microsoft.com/office/drawing/2010/main" Requires="a14">
+          <p:sp>
+            <p:nvSpPr>
+              <p:cNvPr id="41" name="TextBox 40">
+                <a:extLst>
+                  <a:ext uri="{FF2B5EF4-FFF2-40B4-BE49-F238E27FC236}">
+                    <a16:creationId xmlns:a16="http://schemas.microsoft.com/office/drawing/2014/main" id="{95BCD3F4-3F3D-40B2-8654-9EA74F1CD3B2}"/>
+                  </a:ext>
+                </a:extLst>
+              </p:cNvPr>
+              <p:cNvSpPr txBox="1"/>
+              <p:nvPr/>
+            </p:nvSpPr>
+            <p:spPr>
+              <a:xfrm>
+                <a:off x="6733318" y="4942997"/>
+                <a:ext cx="371384" cy="369332"/>
+              </a:xfrm>
+              <a:prstGeom prst="rect">
+                <a:avLst/>
+              </a:prstGeom>
+              <a:noFill/>
+            </p:spPr>
+            <p:txBody>
+              <a:bodyPr wrap="none" rtlCol="0">
+                <a:spAutoFit/>
+              </a:bodyPr>
+              <a:lstStyle/>
+              <a:p>
+                <a14:m>
+                  <m:oMathPara xmlns:m="http://schemas.openxmlformats.org/officeDocument/2006/math">
+                    <m:oMathParaPr>
+                      <m:jc m:val="centerGroup"/>
+                    </m:oMathParaPr>
+                    <m:oMath xmlns:m="http://schemas.openxmlformats.org/officeDocument/2006/math">
+                      <m:r>
+                        <a:rPr lang="en-US" altLang="ko-KR" b="0" i="1" smtClean="0">
+                          <a:latin typeface="Cambria Math" panose="02040503050406030204" pitchFamily="18" charset="0"/>
+                        </a:rPr>
+                        <m:t>𝑥</m:t>
+                      </m:r>
+                    </m:oMath>
+                  </m:oMathPara>
+                </a14:m>
+                <a:endParaRPr lang="ko-KR" altLang="en-US" dirty="0"/>
+              </a:p>
+            </p:txBody>
+          </p:sp>
+        </mc:Choice>
+        <mc:Fallback>
+          <p:sp>
+            <p:nvSpPr>
+              <p:cNvPr id="41" name="TextBox 40">
+                <a:extLst>
+                  <a:ext uri="{FF2B5EF4-FFF2-40B4-BE49-F238E27FC236}">
+                    <a16:creationId xmlns:a16="http://schemas.microsoft.com/office/drawing/2014/main" id="{95BCD3F4-3F3D-40B2-8654-9EA74F1CD3B2}"/>
+                  </a:ext>
+                </a:extLst>
+              </p:cNvPr>
+              <p:cNvSpPr txBox="1">
+                <a:spLocks noRot="1" noChangeAspect="1" noMove="1" noResize="1" noEditPoints="1" noAdjustHandles="1" noChangeArrowheads="1" noChangeShapeType="1" noTextEdit="1"/>
+              </p:cNvSpPr>
+              <p:nvPr/>
+            </p:nvSpPr>
+            <p:spPr>
+              <a:xfrm>
+                <a:off x="6733318" y="4942997"/>
+                <a:ext cx="371384" cy="369332"/>
+              </a:xfrm>
+              <a:prstGeom prst="rect">
+                <a:avLst/>
+              </a:prstGeom>
+              <a:blipFill>
+                <a:blip r:embed="rId8"/>
                 <a:stretch>
                   <a:fillRect/>
                 </a:stretch>
@@ -4101,7 +5200,7 @@
         </p:nvCxnSpPr>
         <p:spPr>
           <a:xfrm flipV="1">
-            <a:off x="1593908" y="1182848"/>
+            <a:off x="2403446" y="1545672"/>
             <a:ext cx="0" cy="3766657"/>
           </a:xfrm>
           <a:prstGeom prst="straightConnector1">
@@ -4137,7 +5236,7 @@
         </p:nvCxnSpPr>
         <p:spPr>
           <a:xfrm>
-            <a:off x="1291905" y="4555222"/>
+            <a:off x="2101443" y="4918046"/>
             <a:ext cx="4941115" cy="0"/>
           </a:xfrm>
           <a:prstGeom prst="straightConnector1">
@@ -4167,13 +5266,2146 @@
       </p:cxnSp>
       <p:sp>
         <p:nvSpPr>
+          <p:cNvPr id="10" name="갈매기형 수장 9"/>
+          <p:cNvSpPr/>
+          <p:nvPr/>
+        </p:nvSpPr>
+        <p:spPr>
+          <a:xfrm rot="7168053">
+            <a:off x="3418513" y="2577518"/>
+            <a:ext cx="184558" cy="293614"/>
+          </a:xfrm>
+          <a:prstGeom prst="chevron">
+            <a:avLst/>
+          </a:prstGeom>
+          <a:solidFill>
+            <a:schemeClr val="accent6"/>
+          </a:solidFill>
+          <a:ln>
+            <a:noFill/>
+          </a:ln>
+        </p:spPr>
+        <p:style>
+          <a:lnRef idx="2">
+            <a:schemeClr val="accent1">
+              <a:shade val="50000"/>
+            </a:schemeClr>
+          </a:lnRef>
+          <a:fillRef idx="1">
+            <a:schemeClr val="accent1"/>
+          </a:fillRef>
+          <a:effectRef idx="0">
+            <a:schemeClr val="accent1"/>
+          </a:effectRef>
+          <a:fontRef idx="minor">
+            <a:schemeClr val="lt1"/>
+          </a:fontRef>
+        </p:style>
+        <p:txBody>
+          <a:bodyPr rtlCol="0" anchor="ctr"/>
+          <a:lstStyle/>
+          <a:p>
+            <a:pPr algn="ctr"/>
+            <a:endParaRPr lang="ko-KR" altLang="en-US">
+              <a:solidFill>
+                <a:schemeClr val="tx1"/>
+              </a:solidFill>
+            </a:endParaRPr>
+          </a:p>
+        </p:txBody>
+      </p:sp>
+      <p:sp>
+        <p:nvSpPr>
+          <p:cNvPr id="11" name="갈매기형 수장 10"/>
+          <p:cNvSpPr/>
+          <p:nvPr/>
+        </p:nvSpPr>
+        <p:spPr>
+          <a:xfrm rot="20700000">
+            <a:off x="3948419" y="3959600"/>
+            <a:ext cx="184558" cy="293614"/>
+          </a:xfrm>
+          <a:prstGeom prst="chevron">
+            <a:avLst/>
+          </a:prstGeom>
+          <a:solidFill>
+            <a:schemeClr val="accent6"/>
+          </a:solidFill>
+          <a:ln>
+            <a:noFill/>
+          </a:ln>
+        </p:spPr>
+        <p:style>
+          <a:lnRef idx="2">
+            <a:schemeClr val="accent1">
+              <a:shade val="50000"/>
+            </a:schemeClr>
+          </a:lnRef>
+          <a:fillRef idx="1">
+            <a:schemeClr val="accent1"/>
+          </a:fillRef>
+          <a:effectRef idx="0">
+            <a:schemeClr val="accent1"/>
+          </a:effectRef>
+          <a:fontRef idx="minor">
+            <a:schemeClr val="lt1"/>
+          </a:fontRef>
+        </p:style>
+        <p:txBody>
+          <a:bodyPr rtlCol="0" anchor="ctr"/>
+          <a:lstStyle/>
+          <a:p>
+            <a:pPr algn="ctr"/>
+            <a:endParaRPr lang="ko-KR" altLang="en-US">
+              <a:solidFill>
+                <a:schemeClr val="tx1"/>
+              </a:solidFill>
+            </a:endParaRPr>
+          </a:p>
+        </p:txBody>
+      </p:sp>
+      <p:sp>
+        <p:nvSpPr>
+          <p:cNvPr id="12" name="갈매기형 수장 11"/>
+          <p:cNvSpPr/>
+          <p:nvPr/>
+        </p:nvSpPr>
+        <p:spPr>
+          <a:xfrm rot="15300000">
+            <a:off x="6343679" y="3331987"/>
+            <a:ext cx="184558" cy="293614"/>
+          </a:xfrm>
+          <a:prstGeom prst="chevron">
+            <a:avLst/>
+          </a:prstGeom>
+          <a:solidFill>
+            <a:schemeClr val="accent6"/>
+          </a:solidFill>
+          <a:ln>
+            <a:noFill/>
+          </a:ln>
+        </p:spPr>
+        <p:style>
+          <a:lnRef idx="2">
+            <a:schemeClr val="accent1">
+              <a:shade val="50000"/>
+            </a:schemeClr>
+          </a:lnRef>
+          <a:fillRef idx="1">
+            <a:schemeClr val="accent1"/>
+          </a:fillRef>
+          <a:effectRef idx="0">
+            <a:schemeClr val="accent1"/>
+          </a:effectRef>
+          <a:fontRef idx="minor">
+            <a:schemeClr val="lt1"/>
+          </a:fontRef>
+        </p:style>
+        <p:txBody>
+          <a:bodyPr rtlCol="0" anchor="ctr"/>
+          <a:lstStyle/>
+          <a:p>
+            <a:pPr algn="ctr"/>
+            <a:endParaRPr lang="ko-KR" altLang="en-US">
+              <a:solidFill>
+                <a:schemeClr val="tx1"/>
+              </a:solidFill>
+            </a:endParaRPr>
+          </a:p>
+        </p:txBody>
+      </p:sp>
+      <p:sp>
+        <p:nvSpPr>
+          <p:cNvPr id="13" name="갈매기형 수장 12"/>
+          <p:cNvSpPr/>
+          <p:nvPr/>
+        </p:nvSpPr>
+        <p:spPr>
+          <a:xfrm rot="11700000">
+            <a:off x="5296454" y="2309868"/>
+            <a:ext cx="184558" cy="293614"/>
+          </a:xfrm>
+          <a:prstGeom prst="chevron">
+            <a:avLst/>
+          </a:prstGeom>
+          <a:solidFill>
+            <a:schemeClr val="accent6"/>
+          </a:solidFill>
+          <a:ln>
+            <a:noFill/>
+          </a:ln>
+        </p:spPr>
+        <p:style>
+          <a:lnRef idx="2">
+            <a:schemeClr val="accent1">
+              <a:shade val="50000"/>
+            </a:schemeClr>
+          </a:lnRef>
+          <a:fillRef idx="1">
+            <a:schemeClr val="accent1"/>
+          </a:fillRef>
+          <a:effectRef idx="0">
+            <a:schemeClr val="accent1"/>
+          </a:effectRef>
+          <a:fontRef idx="minor">
+            <a:schemeClr val="lt1"/>
+          </a:fontRef>
+        </p:style>
+        <p:txBody>
+          <a:bodyPr rtlCol="0" anchor="ctr"/>
+          <a:lstStyle/>
+          <a:p>
+            <a:pPr algn="ctr"/>
+            <a:endParaRPr lang="ko-KR" altLang="en-US">
+              <a:solidFill>
+                <a:schemeClr val="tx1"/>
+              </a:solidFill>
+            </a:endParaRPr>
+          </a:p>
+        </p:txBody>
+      </p:sp>
+      <p:cxnSp>
+        <p:nvCxnSpPr>
+          <p:cNvPr id="3" name="직선 연결선 2"/>
+          <p:cNvCxnSpPr>
+            <a:endCxn id="9" idx="2"/>
+          </p:cNvCxnSpPr>
+          <p:nvPr/>
+        </p:nvCxnSpPr>
+        <p:spPr>
+          <a:xfrm>
+            <a:off x="4767176" y="2312173"/>
+            <a:ext cx="6323" cy="1694046"/>
+          </a:xfrm>
+          <a:prstGeom prst="line">
+            <a:avLst/>
+          </a:prstGeom>
+          <a:ln w="57150"/>
+        </p:spPr>
+        <p:style>
+          <a:lnRef idx="1">
+            <a:schemeClr val="accent6"/>
+          </a:lnRef>
+          <a:fillRef idx="0">
+            <a:schemeClr val="accent6"/>
+          </a:fillRef>
+          <a:effectRef idx="0">
+            <a:schemeClr val="accent6"/>
+          </a:effectRef>
+          <a:fontRef idx="minor">
+            <a:schemeClr val="tx1"/>
+          </a:fontRef>
+        </p:style>
+      </p:cxnSp>
+      <mc:AlternateContent xmlns:mc="http://schemas.openxmlformats.org/markup-compatibility/2006">
+        <mc:Choice xmlns:a14="http://schemas.microsoft.com/office/drawing/2010/main" Requires="a14">
+          <p:sp>
+            <p:nvSpPr>
+              <p:cNvPr id="15" name="TextBox 14"/>
+              <p:cNvSpPr txBox="1"/>
+              <p:nvPr/>
+            </p:nvSpPr>
+            <p:spPr>
+              <a:xfrm>
+                <a:off x="3807387" y="2692220"/>
+                <a:ext cx="483081" cy="369332"/>
+              </a:xfrm>
+              <a:prstGeom prst="rect">
+                <a:avLst/>
+              </a:prstGeom>
+              <a:noFill/>
+            </p:spPr>
+            <p:txBody>
+              <a:bodyPr wrap="none" rtlCol="0">
+                <a:spAutoFit/>
+              </a:bodyPr>
+              <a:lstStyle/>
+              <a:p>
+                <a:pPr/>
+                <a14:m>
+                  <m:oMathPara xmlns:m="http://schemas.openxmlformats.org/officeDocument/2006/math">
+                    <m:oMathParaPr>
+                      <m:jc m:val="centerGroup"/>
+                    </m:oMathParaPr>
+                    <m:oMath xmlns:m="http://schemas.openxmlformats.org/officeDocument/2006/math">
+                      <m:sSub>
+                        <m:sSubPr>
+                          <m:ctrlPr>
+                            <a:rPr lang="en-US" altLang="ko-KR" b="0" i="1" smtClean="0">
+                              <a:latin typeface="Cambria Math" panose="02040503050406030204" pitchFamily="18" charset="0"/>
+                            </a:rPr>
+                          </m:ctrlPr>
+                        </m:sSubPr>
+                        <m:e>
+                          <m:r>
+                            <a:rPr lang="en-US" altLang="ko-KR" b="0" i="1" smtClean="0">
+                              <a:latin typeface="Cambria Math" panose="02040503050406030204" pitchFamily="18" charset="0"/>
+                            </a:rPr>
+                            <m:t>𝑅</m:t>
+                          </m:r>
+                        </m:e>
+                        <m:sub>
+                          <m:r>
+                            <a:rPr lang="en-US" altLang="ko-KR" b="0" i="1" smtClean="0">
+                              <a:latin typeface="Cambria Math" panose="02040503050406030204" pitchFamily="18" charset="0"/>
+                            </a:rPr>
+                            <m:t>1</m:t>
+                          </m:r>
+                        </m:sub>
+                      </m:sSub>
+                    </m:oMath>
+                  </m:oMathPara>
+                </a14:m>
+                <a:endParaRPr lang="ko-KR" altLang="en-US" dirty="0"/>
+              </a:p>
+            </p:txBody>
+          </p:sp>
+        </mc:Choice>
+        <mc:Fallback>
+          <p:sp>
+            <p:nvSpPr>
+              <p:cNvPr id="15" name="TextBox 14"/>
+              <p:cNvSpPr txBox="1">
+                <a:spLocks noRot="1" noChangeAspect="1" noMove="1" noResize="1" noEditPoints="1" noAdjustHandles="1" noChangeArrowheads="1" noChangeShapeType="1" noTextEdit="1"/>
+              </p:cNvSpPr>
+              <p:nvPr/>
+            </p:nvSpPr>
+            <p:spPr>
+              <a:xfrm>
+                <a:off x="3807387" y="2692220"/>
+                <a:ext cx="483081" cy="369332"/>
+              </a:xfrm>
+              <a:prstGeom prst="rect">
+                <a:avLst/>
+              </a:prstGeom>
+              <a:blipFill>
+                <a:blip r:embed="rId2"/>
+                <a:stretch>
+                  <a:fillRect/>
+                </a:stretch>
+              </a:blipFill>
+            </p:spPr>
+            <p:txBody>
+              <a:bodyPr/>
+              <a:lstStyle/>
+              <a:p>
+                <a:r>
+                  <a:rPr lang="ko-KR" altLang="en-US">
+                    <a:noFill/>
+                  </a:rPr>
+                  <a:t> </a:t>
+                </a:r>
+              </a:p>
+            </p:txBody>
+          </p:sp>
+        </mc:Fallback>
+      </mc:AlternateContent>
+      <mc:AlternateContent xmlns:mc="http://schemas.openxmlformats.org/markup-compatibility/2006">
+        <mc:Choice xmlns:a14="http://schemas.microsoft.com/office/drawing/2010/main" Requires="a14">
+          <p:sp>
+            <p:nvSpPr>
+              <p:cNvPr id="16" name="TextBox 15"/>
+              <p:cNvSpPr txBox="1"/>
+              <p:nvPr/>
+            </p:nvSpPr>
+            <p:spPr>
+              <a:xfrm>
+                <a:off x="5250207" y="2692220"/>
+                <a:ext cx="488402" cy="369332"/>
+              </a:xfrm>
+              <a:prstGeom prst="rect">
+                <a:avLst/>
+              </a:prstGeom>
+              <a:noFill/>
+            </p:spPr>
+            <p:txBody>
+              <a:bodyPr wrap="none" rtlCol="0">
+                <a:spAutoFit/>
+              </a:bodyPr>
+              <a:lstStyle/>
+              <a:p>
+                <a:pPr/>
+                <a14:m>
+                  <m:oMathPara xmlns:m="http://schemas.openxmlformats.org/officeDocument/2006/math">
+                    <m:oMathParaPr>
+                      <m:jc m:val="centerGroup"/>
+                    </m:oMathParaPr>
+                    <m:oMath xmlns:m="http://schemas.openxmlformats.org/officeDocument/2006/math">
+                      <m:sSub>
+                        <m:sSubPr>
+                          <m:ctrlPr>
+                            <a:rPr lang="en-US" altLang="ko-KR" b="0" i="1" smtClean="0">
+                              <a:latin typeface="Cambria Math" panose="02040503050406030204" pitchFamily="18" charset="0"/>
+                            </a:rPr>
+                          </m:ctrlPr>
+                        </m:sSubPr>
+                        <m:e>
+                          <m:r>
+                            <a:rPr lang="en-US" altLang="ko-KR" b="0" i="1" smtClean="0">
+                              <a:latin typeface="Cambria Math" panose="02040503050406030204" pitchFamily="18" charset="0"/>
+                            </a:rPr>
+                            <m:t>𝑅</m:t>
+                          </m:r>
+                        </m:e>
+                        <m:sub>
+                          <m:r>
+                            <a:rPr lang="en-US" altLang="ko-KR" b="0" i="1" smtClean="0">
+                              <a:latin typeface="Cambria Math" panose="02040503050406030204" pitchFamily="18" charset="0"/>
+                            </a:rPr>
+                            <m:t>2</m:t>
+                          </m:r>
+                        </m:sub>
+                      </m:sSub>
+                    </m:oMath>
+                  </m:oMathPara>
+                </a14:m>
+                <a:endParaRPr lang="ko-KR" altLang="en-US" dirty="0"/>
+              </a:p>
+            </p:txBody>
+          </p:sp>
+        </mc:Choice>
+        <mc:Fallback>
+          <p:sp>
+            <p:nvSpPr>
+              <p:cNvPr id="16" name="TextBox 15"/>
+              <p:cNvSpPr txBox="1">
+                <a:spLocks noRot="1" noChangeAspect="1" noMove="1" noResize="1" noEditPoints="1" noAdjustHandles="1" noChangeArrowheads="1" noChangeShapeType="1" noTextEdit="1"/>
+              </p:cNvSpPr>
+              <p:nvPr/>
+            </p:nvSpPr>
+            <p:spPr>
+              <a:xfrm>
+                <a:off x="5250207" y="2692220"/>
+                <a:ext cx="488402" cy="369332"/>
+              </a:xfrm>
+              <a:prstGeom prst="rect">
+                <a:avLst/>
+              </a:prstGeom>
+              <a:blipFill>
+                <a:blip r:embed="rId3"/>
+                <a:stretch>
+                  <a:fillRect/>
+                </a:stretch>
+              </a:blipFill>
+            </p:spPr>
+            <p:txBody>
+              <a:bodyPr/>
+              <a:lstStyle/>
+              <a:p>
+                <a:r>
+                  <a:rPr lang="ko-KR" altLang="en-US">
+                    <a:noFill/>
+                  </a:rPr>
+                  <a:t> </a:t>
+                </a:r>
+              </a:p>
+            </p:txBody>
+          </p:sp>
+        </mc:Fallback>
+      </mc:AlternateContent>
+      <p:cxnSp>
+        <p:nvCxnSpPr>
+          <p:cNvPr id="14" name="직선 연결선 13"/>
+          <p:cNvCxnSpPr/>
+          <p:nvPr/>
+        </p:nvCxnSpPr>
+        <p:spPr>
+          <a:xfrm flipH="1">
+            <a:off x="3135560" y="3248479"/>
+            <a:ext cx="3213718" cy="41695"/>
+          </a:xfrm>
+          <a:prstGeom prst="line">
+            <a:avLst/>
+          </a:prstGeom>
+          <a:ln w="57150"/>
+        </p:spPr>
+        <p:style>
+          <a:lnRef idx="1">
+            <a:schemeClr val="accent6"/>
+          </a:lnRef>
+          <a:fillRef idx="0">
+            <a:schemeClr val="accent6"/>
+          </a:fillRef>
+          <a:effectRef idx="0">
+            <a:schemeClr val="accent6"/>
+          </a:effectRef>
+          <a:fontRef idx="minor">
+            <a:schemeClr val="tx1"/>
+          </a:fontRef>
+        </p:style>
+      </p:cxnSp>
+      <mc:AlternateContent xmlns:mc="http://schemas.openxmlformats.org/markup-compatibility/2006">
+        <mc:Choice xmlns:a14="http://schemas.microsoft.com/office/drawing/2010/main" Requires="a14">
+          <p:sp>
+            <p:nvSpPr>
+              <p:cNvPr id="17" name="TextBox 16"/>
+              <p:cNvSpPr txBox="1"/>
+              <p:nvPr/>
+            </p:nvSpPr>
+            <p:spPr>
+              <a:xfrm>
+                <a:off x="3807387" y="3463530"/>
+                <a:ext cx="488402" cy="369332"/>
+              </a:xfrm>
+              <a:prstGeom prst="rect">
+                <a:avLst/>
+              </a:prstGeom>
+              <a:noFill/>
+            </p:spPr>
+            <p:txBody>
+              <a:bodyPr wrap="none" rtlCol="0">
+                <a:spAutoFit/>
+              </a:bodyPr>
+              <a:lstStyle/>
+              <a:p>
+                <a:pPr/>
+                <a14:m>
+                  <m:oMathPara xmlns:m="http://schemas.openxmlformats.org/officeDocument/2006/math">
+                    <m:oMathParaPr>
+                      <m:jc m:val="centerGroup"/>
+                    </m:oMathParaPr>
+                    <m:oMath xmlns:m="http://schemas.openxmlformats.org/officeDocument/2006/math">
+                      <m:sSub>
+                        <m:sSubPr>
+                          <m:ctrlPr>
+                            <a:rPr lang="en-US" altLang="ko-KR" b="0" i="1" smtClean="0">
+                              <a:latin typeface="Cambria Math" panose="02040503050406030204" pitchFamily="18" charset="0"/>
+                            </a:rPr>
+                          </m:ctrlPr>
+                        </m:sSubPr>
+                        <m:e>
+                          <m:r>
+                            <a:rPr lang="en-US" altLang="ko-KR" b="0" i="1" smtClean="0">
+                              <a:latin typeface="Cambria Math" panose="02040503050406030204" pitchFamily="18" charset="0"/>
+                            </a:rPr>
+                            <m:t>𝑅</m:t>
+                          </m:r>
+                        </m:e>
+                        <m:sub>
+                          <m:r>
+                            <a:rPr lang="en-US" altLang="ko-KR" b="0" i="1" smtClean="0">
+                              <a:latin typeface="Cambria Math" panose="02040503050406030204" pitchFamily="18" charset="0"/>
+                            </a:rPr>
+                            <m:t>3</m:t>
+                          </m:r>
+                        </m:sub>
+                      </m:sSub>
+                    </m:oMath>
+                  </m:oMathPara>
+                </a14:m>
+                <a:endParaRPr lang="ko-KR" altLang="en-US" dirty="0"/>
+              </a:p>
+            </p:txBody>
+          </p:sp>
+        </mc:Choice>
+        <mc:Fallback>
+          <p:sp>
+            <p:nvSpPr>
+              <p:cNvPr id="17" name="TextBox 16"/>
+              <p:cNvSpPr txBox="1">
+                <a:spLocks noRot="1" noChangeAspect="1" noMove="1" noResize="1" noEditPoints="1" noAdjustHandles="1" noChangeArrowheads="1" noChangeShapeType="1" noTextEdit="1"/>
+              </p:cNvSpPr>
+              <p:nvPr/>
+            </p:nvSpPr>
+            <p:spPr>
+              <a:xfrm>
+                <a:off x="3807387" y="3463530"/>
+                <a:ext cx="488402" cy="369332"/>
+              </a:xfrm>
+              <a:prstGeom prst="rect">
+                <a:avLst/>
+              </a:prstGeom>
+              <a:blipFill>
+                <a:blip r:embed="rId4"/>
+                <a:stretch>
+                  <a:fillRect/>
+                </a:stretch>
+              </a:blipFill>
+            </p:spPr>
+            <p:txBody>
+              <a:bodyPr/>
+              <a:lstStyle/>
+              <a:p>
+                <a:r>
+                  <a:rPr lang="ko-KR" altLang="en-US">
+                    <a:noFill/>
+                  </a:rPr>
+                  <a:t> </a:t>
+                </a:r>
+              </a:p>
+            </p:txBody>
+          </p:sp>
+        </mc:Fallback>
+      </mc:AlternateContent>
+      <mc:AlternateContent xmlns:mc="http://schemas.openxmlformats.org/markup-compatibility/2006">
+        <mc:Choice xmlns:a14="http://schemas.microsoft.com/office/drawing/2010/main" Requires="a14">
+          <p:sp>
+            <p:nvSpPr>
+              <p:cNvPr id="18" name="TextBox 17"/>
+              <p:cNvSpPr txBox="1"/>
+              <p:nvPr/>
+            </p:nvSpPr>
+            <p:spPr>
+              <a:xfrm>
+                <a:off x="5250207" y="3463530"/>
+                <a:ext cx="488402" cy="369332"/>
+              </a:xfrm>
+              <a:prstGeom prst="rect">
+                <a:avLst/>
+              </a:prstGeom>
+              <a:noFill/>
+            </p:spPr>
+            <p:txBody>
+              <a:bodyPr wrap="none" rtlCol="0">
+                <a:spAutoFit/>
+              </a:bodyPr>
+              <a:lstStyle/>
+              <a:p>
+                <a:pPr/>
+                <a14:m>
+                  <m:oMathPara xmlns:m="http://schemas.openxmlformats.org/officeDocument/2006/math">
+                    <m:oMathParaPr>
+                      <m:jc m:val="centerGroup"/>
+                    </m:oMathParaPr>
+                    <m:oMath xmlns:m="http://schemas.openxmlformats.org/officeDocument/2006/math">
+                      <m:sSub>
+                        <m:sSubPr>
+                          <m:ctrlPr>
+                            <a:rPr lang="en-US" altLang="ko-KR" b="0" i="1" smtClean="0">
+                              <a:latin typeface="Cambria Math" panose="02040503050406030204" pitchFamily="18" charset="0"/>
+                            </a:rPr>
+                          </m:ctrlPr>
+                        </m:sSubPr>
+                        <m:e>
+                          <m:r>
+                            <a:rPr lang="en-US" altLang="ko-KR" b="0" i="1" smtClean="0">
+                              <a:latin typeface="Cambria Math" panose="02040503050406030204" pitchFamily="18" charset="0"/>
+                            </a:rPr>
+                            <m:t>𝑅</m:t>
+                          </m:r>
+                        </m:e>
+                        <m:sub>
+                          <m:r>
+                            <a:rPr lang="en-US" altLang="ko-KR" b="0" i="1" smtClean="0">
+                              <a:latin typeface="Cambria Math" panose="02040503050406030204" pitchFamily="18" charset="0"/>
+                            </a:rPr>
+                            <m:t>4</m:t>
+                          </m:r>
+                        </m:sub>
+                      </m:sSub>
+                    </m:oMath>
+                  </m:oMathPara>
+                </a14:m>
+                <a:endParaRPr lang="ko-KR" altLang="en-US" dirty="0"/>
+              </a:p>
+            </p:txBody>
+          </p:sp>
+        </mc:Choice>
+        <mc:Fallback>
+          <p:sp>
+            <p:nvSpPr>
+              <p:cNvPr id="18" name="TextBox 17"/>
+              <p:cNvSpPr txBox="1">
+                <a:spLocks noRot="1" noChangeAspect="1" noMove="1" noResize="1" noEditPoints="1" noAdjustHandles="1" noChangeArrowheads="1" noChangeShapeType="1" noTextEdit="1"/>
+              </p:cNvSpPr>
+              <p:nvPr/>
+            </p:nvSpPr>
+            <p:spPr>
+              <a:xfrm>
+                <a:off x="5250207" y="3463530"/>
+                <a:ext cx="488402" cy="369332"/>
+              </a:xfrm>
+              <a:prstGeom prst="rect">
+                <a:avLst/>
+              </a:prstGeom>
+              <a:blipFill>
+                <a:blip r:embed="rId5"/>
+                <a:stretch>
+                  <a:fillRect/>
+                </a:stretch>
+              </a:blipFill>
+            </p:spPr>
+            <p:txBody>
+              <a:bodyPr/>
+              <a:lstStyle/>
+              <a:p>
+                <a:r>
+                  <a:rPr lang="ko-KR" altLang="en-US">
+                    <a:noFill/>
+                  </a:rPr>
+                  <a:t> </a:t>
+                </a:r>
+              </a:p>
+            </p:txBody>
+          </p:sp>
+        </mc:Fallback>
+      </mc:AlternateContent>
+      <mc:AlternateContent xmlns:mc="http://schemas.openxmlformats.org/markup-compatibility/2006">
+        <mc:Choice xmlns:a14="http://schemas.microsoft.com/office/drawing/2010/main" Requires="a14">
+          <p:sp>
+            <p:nvSpPr>
+              <p:cNvPr id="19" name="TextBox 18">
+                <a:extLst>
+                  <a:ext uri="{FF2B5EF4-FFF2-40B4-BE49-F238E27FC236}">
+                    <a16:creationId xmlns:a16="http://schemas.microsoft.com/office/drawing/2014/main" id="{0D4C9014-8A68-4E44-AB4A-F6663ECAE3FE}"/>
+                  </a:ext>
+                </a:extLst>
+              </p:cNvPr>
+              <p:cNvSpPr txBox="1"/>
+              <p:nvPr/>
+            </p:nvSpPr>
+            <p:spPr>
+              <a:xfrm>
+                <a:off x="2039298" y="4927106"/>
+                <a:ext cx="365805" cy="369332"/>
+              </a:xfrm>
+              <a:prstGeom prst="rect">
+                <a:avLst/>
+              </a:prstGeom>
+              <a:noFill/>
+            </p:spPr>
+            <p:txBody>
+              <a:bodyPr wrap="none" rtlCol="0">
+                <a:spAutoFit/>
+              </a:bodyPr>
+              <a:lstStyle/>
+              <a:p>
+                <a14:m>
+                  <m:oMathPara xmlns:m="http://schemas.openxmlformats.org/officeDocument/2006/math">
+                    <m:oMathParaPr>
+                      <m:jc m:val="centerGroup"/>
+                    </m:oMathParaPr>
+                    <m:oMath xmlns:m="http://schemas.openxmlformats.org/officeDocument/2006/math">
+                      <m:r>
+                        <a:rPr lang="en-US" altLang="ko-KR" b="0" i="1" smtClean="0">
+                          <a:latin typeface="Cambria Math" panose="02040503050406030204" pitchFamily="18" charset="0"/>
+                        </a:rPr>
+                        <m:t>0</m:t>
+                      </m:r>
+                    </m:oMath>
+                  </m:oMathPara>
+                </a14:m>
+                <a:endParaRPr lang="ko-KR" altLang="en-US" dirty="0"/>
+              </a:p>
+            </p:txBody>
+          </p:sp>
+        </mc:Choice>
+        <mc:Fallback>
+          <p:sp>
+            <p:nvSpPr>
+              <p:cNvPr id="19" name="TextBox 18">
+                <a:extLst>
+                  <a:ext uri="{FF2B5EF4-FFF2-40B4-BE49-F238E27FC236}">
+                    <a16:creationId xmlns:a16="http://schemas.microsoft.com/office/drawing/2014/main" id="{0D4C9014-8A68-4E44-AB4A-F6663ECAE3FE}"/>
+                  </a:ext>
+                </a:extLst>
+              </p:cNvPr>
+              <p:cNvSpPr txBox="1">
+                <a:spLocks noRot="1" noChangeAspect="1" noMove="1" noResize="1" noEditPoints="1" noAdjustHandles="1" noChangeArrowheads="1" noChangeShapeType="1" noTextEdit="1"/>
+              </p:cNvSpPr>
+              <p:nvPr/>
+            </p:nvSpPr>
+            <p:spPr>
+              <a:xfrm>
+                <a:off x="2039298" y="4927106"/>
+                <a:ext cx="365805" cy="369332"/>
+              </a:xfrm>
+              <a:prstGeom prst="rect">
+                <a:avLst/>
+              </a:prstGeom>
+              <a:blipFill>
+                <a:blip r:embed="rId6"/>
+                <a:stretch>
+                  <a:fillRect/>
+                </a:stretch>
+              </a:blipFill>
+            </p:spPr>
+            <p:txBody>
+              <a:bodyPr/>
+              <a:lstStyle/>
+              <a:p>
+                <a:r>
+                  <a:rPr lang="ko-KR" altLang="en-US">
+                    <a:noFill/>
+                  </a:rPr>
+                  <a:t> </a:t>
+                </a:r>
+              </a:p>
+            </p:txBody>
+          </p:sp>
+        </mc:Fallback>
+      </mc:AlternateContent>
+      <mc:AlternateContent xmlns:mc="http://schemas.openxmlformats.org/markup-compatibility/2006">
+        <mc:Choice xmlns:a14="http://schemas.microsoft.com/office/drawing/2010/main" Requires="a14">
+          <p:sp>
+            <p:nvSpPr>
+              <p:cNvPr id="20" name="TextBox 19">
+                <a:extLst>
+                  <a:ext uri="{FF2B5EF4-FFF2-40B4-BE49-F238E27FC236}">
+                    <a16:creationId xmlns:a16="http://schemas.microsoft.com/office/drawing/2014/main" id="{96BB0EDF-07BF-4B32-AADA-D36CB5E29E4E}"/>
+                  </a:ext>
+                </a:extLst>
+              </p:cNvPr>
+              <p:cNvSpPr txBox="1"/>
+              <p:nvPr/>
+            </p:nvSpPr>
+            <p:spPr>
+              <a:xfrm>
+                <a:off x="2039298" y="1642368"/>
+                <a:ext cx="371384" cy="369332"/>
+              </a:xfrm>
+              <a:prstGeom prst="rect">
+                <a:avLst/>
+              </a:prstGeom>
+              <a:noFill/>
+            </p:spPr>
+            <p:txBody>
+              <a:bodyPr wrap="none" rtlCol="0">
+                <a:spAutoFit/>
+              </a:bodyPr>
+              <a:lstStyle/>
+              <a:p>
+                <a14:m>
+                  <m:oMathPara xmlns:m="http://schemas.openxmlformats.org/officeDocument/2006/math">
+                    <m:oMathParaPr>
+                      <m:jc m:val="centerGroup"/>
+                    </m:oMathParaPr>
+                    <m:oMath xmlns:m="http://schemas.openxmlformats.org/officeDocument/2006/math">
+                      <m:r>
+                        <a:rPr lang="en-US" altLang="ko-KR" b="0" i="1" smtClean="0">
+                          <a:latin typeface="Cambria Math" panose="02040503050406030204" pitchFamily="18" charset="0"/>
+                        </a:rPr>
+                        <m:t>𝑦</m:t>
+                      </m:r>
+                    </m:oMath>
+                  </m:oMathPara>
+                </a14:m>
+                <a:endParaRPr lang="ko-KR" altLang="en-US" dirty="0"/>
+              </a:p>
+            </p:txBody>
+          </p:sp>
+        </mc:Choice>
+        <mc:Fallback>
+          <p:sp>
+            <p:nvSpPr>
+              <p:cNvPr id="20" name="TextBox 19">
+                <a:extLst>
+                  <a:ext uri="{FF2B5EF4-FFF2-40B4-BE49-F238E27FC236}">
+                    <a16:creationId xmlns:a16="http://schemas.microsoft.com/office/drawing/2014/main" id="{96BB0EDF-07BF-4B32-AADA-D36CB5E29E4E}"/>
+                  </a:ext>
+                </a:extLst>
+              </p:cNvPr>
+              <p:cNvSpPr txBox="1">
+                <a:spLocks noRot="1" noChangeAspect="1" noMove="1" noResize="1" noEditPoints="1" noAdjustHandles="1" noChangeArrowheads="1" noChangeShapeType="1" noTextEdit="1"/>
+              </p:cNvSpPr>
+              <p:nvPr/>
+            </p:nvSpPr>
+            <p:spPr>
+              <a:xfrm>
+                <a:off x="2039298" y="1642368"/>
+                <a:ext cx="371384" cy="369332"/>
+              </a:xfrm>
+              <a:prstGeom prst="rect">
+                <a:avLst/>
+              </a:prstGeom>
+              <a:blipFill>
+                <a:blip r:embed="rId7"/>
+                <a:stretch>
+                  <a:fillRect b="-6557"/>
+                </a:stretch>
+              </a:blipFill>
+            </p:spPr>
+            <p:txBody>
+              <a:bodyPr/>
+              <a:lstStyle/>
+              <a:p>
+                <a:r>
+                  <a:rPr lang="ko-KR" altLang="en-US">
+                    <a:noFill/>
+                  </a:rPr>
+                  <a:t> </a:t>
+                </a:r>
+              </a:p>
+            </p:txBody>
+          </p:sp>
+        </mc:Fallback>
+      </mc:AlternateContent>
+      <mc:AlternateContent xmlns:mc="http://schemas.openxmlformats.org/markup-compatibility/2006">
+        <mc:Choice xmlns:a14="http://schemas.microsoft.com/office/drawing/2010/main" Requires="a14">
+          <p:sp>
+            <p:nvSpPr>
+              <p:cNvPr id="21" name="TextBox 20">
+                <a:extLst>
+                  <a:ext uri="{FF2B5EF4-FFF2-40B4-BE49-F238E27FC236}">
+                    <a16:creationId xmlns:a16="http://schemas.microsoft.com/office/drawing/2014/main" id="{B0C93AA0-FA77-4806-AF33-C01E32CF9BEE}"/>
+                  </a:ext>
+                </a:extLst>
+              </p:cNvPr>
+              <p:cNvSpPr txBox="1"/>
+              <p:nvPr/>
+            </p:nvSpPr>
+            <p:spPr>
+              <a:xfrm>
+                <a:off x="6733318" y="4942997"/>
+                <a:ext cx="371384" cy="369332"/>
+              </a:xfrm>
+              <a:prstGeom prst="rect">
+                <a:avLst/>
+              </a:prstGeom>
+              <a:noFill/>
+            </p:spPr>
+            <p:txBody>
+              <a:bodyPr wrap="none" rtlCol="0">
+                <a:spAutoFit/>
+              </a:bodyPr>
+              <a:lstStyle/>
+              <a:p>
+                <a14:m>
+                  <m:oMathPara xmlns:m="http://schemas.openxmlformats.org/officeDocument/2006/math">
+                    <m:oMathParaPr>
+                      <m:jc m:val="centerGroup"/>
+                    </m:oMathParaPr>
+                    <m:oMath xmlns:m="http://schemas.openxmlformats.org/officeDocument/2006/math">
+                      <m:r>
+                        <a:rPr lang="en-US" altLang="ko-KR" b="0" i="1" smtClean="0">
+                          <a:latin typeface="Cambria Math" panose="02040503050406030204" pitchFamily="18" charset="0"/>
+                        </a:rPr>
+                        <m:t>𝑥</m:t>
+                      </m:r>
+                    </m:oMath>
+                  </m:oMathPara>
+                </a14:m>
+                <a:endParaRPr lang="ko-KR" altLang="en-US" dirty="0"/>
+              </a:p>
+            </p:txBody>
+          </p:sp>
+        </mc:Choice>
+        <mc:Fallback>
+          <p:sp>
+            <p:nvSpPr>
+              <p:cNvPr id="21" name="TextBox 20">
+                <a:extLst>
+                  <a:ext uri="{FF2B5EF4-FFF2-40B4-BE49-F238E27FC236}">
+                    <a16:creationId xmlns:a16="http://schemas.microsoft.com/office/drawing/2014/main" id="{B0C93AA0-FA77-4806-AF33-C01E32CF9BEE}"/>
+                  </a:ext>
+                </a:extLst>
+              </p:cNvPr>
+              <p:cNvSpPr txBox="1">
+                <a:spLocks noRot="1" noChangeAspect="1" noMove="1" noResize="1" noEditPoints="1" noAdjustHandles="1" noChangeArrowheads="1" noChangeShapeType="1" noTextEdit="1"/>
+              </p:cNvSpPr>
+              <p:nvPr/>
+            </p:nvSpPr>
+            <p:spPr>
+              <a:xfrm>
+                <a:off x="6733318" y="4942997"/>
+                <a:ext cx="371384" cy="369332"/>
+              </a:xfrm>
+              <a:prstGeom prst="rect">
+                <a:avLst/>
+              </a:prstGeom>
+              <a:blipFill>
+                <a:blip r:embed="rId8"/>
+                <a:stretch>
+                  <a:fillRect/>
+                </a:stretch>
+              </a:blipFill>
+            </p:spPr>
+            <p:txBody>
+              <a:bodyPr/>
+              <a:lstStyle/>
+              <a:p>
+                <a:r>
+                  <a:rPr lang="ko-KR" altLang="en-US">
+                    <a:noFill/>
+                  </a:rPr>
+                  <a:t> </a:t>
+                </a:r>
+              </a:p>
+            </p:txBody>
+          </p:sp>
+        </mc:Fallback>
+      </mc:AlternateContent>
+      <p:grpSp>
+        <p:nvGrpSpPr>
+          <p:cNvPr id="22" name="그룹 21">
+            <a:extLst>
+              <a:ext uri="{FF2B5EF4-FFF2-40B4-BE49-F238E27FC236}">
+                <a16:creationId xmlns:a16="http://schemas.microsoft.com/office/drawing/2014/main" id="{8BC8A852-E7A9-4C81-AAC2-A49207E9D438}"/>
+              </a:ext>
+            </a:extLst>
+          </p:cNvPr>
+          <p:cNvGrpSpPr/>
+          <p:nvPr/>
+        </p:nvGrpSpPr>
+        <p:grpSpPr>
+          <a:xfrm>
+            <a:off x="3806153" y="2674464"/>
+            <a:ext cx="446198" cy="446198"/>
+            <a:chOff x="2996615" y="2745296"/>
+            <a:chExt cx="446198" cy="446198"/>
+          </a:xfrm>
+        </p:grpSpPr>
+        <p:sp>
+          <p:nvSpPr>
+            <p:cNvPr id="23" name="원호 22">
+              <a:extLst>
+                <a:ext uri="{FF2B5EF4-FFF2-40B4-BE49-F238E27FC236}">
+                  <a16:creationId xmlns:a16="http://schemas.microsoft.com/office/drawing/2014/main" id="{85FB2F30-E9E3-4ABC-B02B-3F4D4B17FB5D}"/>
+                </a:ext>
+              </a:extLst>
+            </p:cNvPr>
+            <p:cNvSpPr/>
+            <p:nvPr/>
+          </p:nvSpPr>
+          <p:spPr>
+            <a:xfrm>
+              <a:off x="2996615" y="2745296"/>
+              <a:ext cx="446198" cy="446198"/>
+            </a:xfrm>
+            <a:prstGeom prst="arc">
+              <a:avLst>
+                <a:gd name="adj1" fmla="val 1042338"/>
+                <a:gd name="adj2" fmla="val 19461494"/>
+              </a:avLst>
+            </a:prstGeom>
+            <a:ln w="19050">
+              <a:solidFill>
+                <a:srgbClr val="FF0000"/>
+              </a:solidFill>
+              <a:headEnd type="none" w="med" len="med"/>
+              <a:tailEnd type="none" w="med" len="med"/>
+            </a:ln>
+          </p:spPr>
+          <p:style>
+            <a:lnRef idx="1">
+              <a:schemeClr val="accent1"/>
+            </a:lnRef>
+            <a:fillRef idx="0">
+              <a:schemeClr val="accent1"/>
+            </a:fillRef>
+            <a:effectRef idx="0">
+              <a:schemeClr val="accent1"/>
+            </a:effectRef>
+            <a:fontRef idx="minor">
+              <a:schemeClr val="tx1"/>
+            </a:fontRef>
+          </p:style>
+          <p:txBody>
+            <a:bodyPr rtlCol="0" anchor="ctr"/>
+            <a:lstStyle/>
+            <a:p>
+              <a:pPr algn="ctr"/>
+              <a:endParaRPr lang="ko-KR" altLang="en-US"/>
+            </a:p>
+          </p:txBody>
+        </p:sp>
+        <p:cxnSp>
+          <p:nvCxnSpPr>
+            <p:cNvPr id="24" name="직선 연결선 23">
+              <a:extLst>
+                <a:ext uri="{FF2B5EF4-FFF2-40B4-BE49-F238E27FC236}">
+                  <a16:creationId xmlns:a16="http://schemas.microsoft.com/office/drawing/2014/main" id="{AA45652A-11AF-430F-9529-EBD4B0DAD44E}"/>
+                </a:ext>
+              </a:extLst>
+            </p:cNvPr>
+            <p:cNvCxnSpPr>
+              <a:stCxn id="23" idx="0"/>
+            </p:cNvCxnSpPr>
+            <p:nvPr/>
+          </p:nvCxnSpPr>
+          <p:spPr>
+            <a:xfrm flipH="1">
+              <a:off x="3358292" y="3035008"/>
+              <a:ext cx="74344" cy="1562"/>
+            </a:xfrm>
+            <a:prstGeom prst="line">
+              <a:avLst/>
+            </a:prstGeom>
+            <a:ln w="19050">
+              <a:solidFill>
+                <a:srgbClr val="FF0000"/>
+              </a:solidFill>
+            </a:ln>
+          </p:spPr>
+          <p:style>
+            <a:lnRef idx="1">
+              <a:schemeClr val="accent1"/>
+            </a:lnRef>
+            <a:fillRef idx="0">
+              <a:schemeClr val="accent1"/>
+            </a:fillRef>
+            <a:effectRef idx="0">
+              <a:schemeClr val="accent1"/>
+            </a:effectRef>
+            <a:fontRef idx="minor">
+              <a:schemeClr val="tx1"/>
+            </a:fontRef>
+          </p:style>
+        </p:cxnSp>
+        <p:cxnSp>
+          <p:nvCxnSpPr>
+            <p:cNvPr id="25" name="직선 연결선 24">
+              <a:extLst>
+                <a:ext uri="{FF2B5EF4-FFF2-40B4-BE49-F238E27FC236}">
+                  <a16:creationId xmlns:a16="http://schemas.microsoft.com/office/drawing/2014/main" id="{C9F4EC5F-A735-46AD-8067-063E40324259}"/>
+                </a:ext>
+              </a:extLst>
+            </p:cNvPr>
+            <p:cNvCxnSpPr>
+              <a:cxnSpLocks/>
+            </p:cNvCxnSpPr>
+            <p:nvPr/>
+          </p:nvCxnSpPr>
+          <p:spPr>
+            <a:xfrm flipH="1">
+              <a:off x="3431057" y="3024848"/>
+              <a:ext cx="1579" cy="99940"/>
+            </a:xfrm>
+            <a:prstGeom prst="line">
+              <a:avLst/>
+            </a:prstGeom>
+            <a:ln w="19050">
+              <a:solidFill>
+                <a:srgbClr val="FF0000"/>
+              </a:solidFill>
+            </a:ln>
+          </p:spPr>
+          <p:style>
+            <a:lnRef idx="1">
+              <a:schemeClr val="accent1"/>
+            </a:lnRef>
+            <a:fillRef idx="0">
+              <a:schemeClr val="accent1"/>
+            </a:fillRef>
+            <a:effectRef idx="0">
+              <a:schemeClr val="accent1"/>
+            </a:effectRef>
+            <a:fontRef idx="minor">
+              <a:schemeClr val="tx1"/>
+            </a:fontRef>
+          </p:style>
+        </p:cxnSp>
+      </p:grpSp>
+      <p:grpSp>
+        <p:nvGrpSpPr>
+          <p:cNvPr id="26" name="그룹 25">
+            <a:extLst>
+              <a:ext uri="{FF2B5EF4-FFF2-40B4-BE49-F238E27FC236}">
+                <a16:creationId xmlns:a16="http://schemas.microsoft.com/office/drawing/2014/main" id="{BAB16DBC-92B8-4D9F-AE6D-92E4D35A7BBF}"/>
+              </a:ext>
+            </a:extLst>
+          </p:cNvPr>
+          <p:cNvGrpSpPr/>
+          <p:nvPr/>
+        </p:nvGrpSpPr>
+        <p:grpSpPr>
+          <a:xfrm>
+            <a:off x="5277984" y="2692220"/>
+            <a:ext cx="446198" cy="446198"/>
+            <a:chOff x="2996615" y="2745296"/>
+            <a:chExt cx="446198" cy="446198"/>
+          </a:xfrm>
+        </p:grpSpPr>
+        <p:sp>
+          <p:nvSpPr>
+            <p:cNvPr id="27" name="원호 26">
+              <a:extLst>
+                <a:ext uri="{FF2B5EF4-FFF2-40B4-BE49-F238E27FC236}">
+                  <a16:creationId xmlns:a16="http://schemas.microsoft.com/office/drawing/2014/main" id="{59C905A8-4AC6-4473-B7B6-8A04330CEB44}"/>
+                </a:ext>
+              </a:extLst>
+            </p:cNvPr>
+            <p:cNvSpPr/>
+            <p:nvPr/>
+          </p:nvSpPr>
+          <p:spPr>
+            <a:xfrm>
+              <a:off x="2996615" y="2745296"/>
+              <a:ext cx="446198" cy="446198"/>
+            </a:xfrm>
+            <a:prstGeom prst="arc">
+              <a:avLst>
+                <a:gd name="adj1" fmla="val 1042338"/>
+                <a:gd name="adj2" fmla="val 19461494"/>
+              </a:avLst>
+            </a:prstGeom>
+            <a:ln w="19050">
+              <a:solidFill>
+                <a:srgbClr val="00B0F0"/>
+              </a:solidFill>
+              <a:headEnd type="none" w="med" len="med"/>
+              <a:tailEnd type="none" w="med" len="med"/>
+            </a:ln>
+          </p:spPr>
+          <p:style>
+            <a:lnRef idx="1">
+              <a:schemeClr val="accent1"/>
+            </a:lnRef>
+            <a:fillRef idx="0">
+              <a:schemeClr val="accent1"/>
+            </a:fillRef>
+            <a:effectRef idx="0">
+              <a:schemeClr val="accent1"/>
+            </a:effectRef>
+            <a:fontRef idx="minor">
+              <a:schemeClr val="tx1"/>
+            </a:fontRef>
+          </p:style>
+          <p:txBody>
+            <a:bodyPr rtlCol="0" anchor="ctr"/>
+            <a:lstStyle/>
+            <a:p>
+              <a:pPr algn="ctr"/>
+              <a:endParaRPr lang="ko-KR" altLang="en-US"/>
+            </a:p>
+          </p:txBody>
+        </p:sp>
+        <p:cxnSp>
+          <p:nvCxnSpPr>
+            <p:cNvPr id="28" name="직선 연결선 27">
+              <a:extLst>
+                <a:ext uri="{FF2B5EF4-FFF2-40B4-BE49-F238E27FC236}">
+                  <a16:creationId xmlns:a16="http://schemas.microsoft.com/office/drawing/2014/main" id="{784613CF-E792-46DB-A257-9E1305419C96}"/>
+                </a:ext>
+              </a:extLst>
+            </p:cNvPr>
+            <p:cNvCxnSpPr>
+              <a:stCxn id="27" idx="0"/>
+            </p:cNvCxnSpPr>
+            <p:nvPr/>
+          </p:nvCxnSpPr>
+          <p:spPr>
+            <a:xfrm flipH="1">
+              <a:off x="3358292" y="3035008"/>
+              <a:ext cx="74344" cy="1562"/>
+            </a:xfrm>
+            <a:prstGeom prst="line">
+              <a:avLst/>
+            </a:prstGeom>
+            <a:ln w="19050">
+              <a:solidFill>
+                <a:srgbClr val="00B0F0"/>
+              </a:solidFill>
+            </a:ln>
+          </p:spPr>
+          <p:style>
+            <a:lnRef idx="1">
+              <a:schemeClr val="accent1"/>
+            </a:lnRef>
+            <a:fillRef idx="0">
+              <a:schemeClr val="accent1"/>
+            </a:fillRef>
+            <a:effectRef idx="0">
+              <a:schemeClr val="accent1"/>
+            </a:effectRef>
+            <a:fontRef idx="minor">
+              <a:schemeClr val="tx1"/>
+            </a:fontRef>
+          </p:style>
+        </p:cxnSp>
+        <p:cxnSp>
+          <p:nvCxnSpPr>
+            <p:cNvPr id="29" name="직선 연결선 28">
+              <a:extLst>
+                <a:ext uri="{FF2B5EF4-FFF2-40B4-BE49-F238E27FC236}">
+                  <a16:creationId xmlns:a16="http://schemas.microsoft.com/office/drawing/2014/main" id="{775DB610-DDF2-44DC-86B7-4A7450BCF17F}"/>
+                </a:ext>
+              </a:extLst>
+            </p:cNvPr>
+            <p:cNvCxnSpPr>
+              <a:cxnSpLocks/>
+            </p:cNvCxnSpPr>
+            <p:nvPr/>
+          </p:nvCxnSpPr>
+          <p:spPr>
+            <a:xfrm flipH="1">
+              <a:off x="3431057" y="3024848"/>
+              <a:ext cx="1579" cy="99940"/>
+            </a:xfrm>
+            <a:prstGeom prst="line">
+              <a:avLst/>
+            </a:prstGeom>
+            <a:ln w="19050">
+              <a:solidFill>
+                <a:srgbClr val="00B0F0"/>
+              </a:solidFill>
+            </a:ln>
+          </p:spPr>
+          <p:style>
+            <a:lnRef idx="1">
+              <a:schemeClr val="accent1"/>
+            </a:lnRef>
+            <a:fillRef idx="0">
+              <a:schemeClr val="accent1"/>
+            </a:fillRef>
+            <a:effectRef idx="0">
+              <a:schemeClr val="accent1"/>
+            </a:effectRef>
+            <a:fontRef idx="minor">
+              <a:schemeClr val="tx1"/>
+            </a:fontRef>
+          </p:style>
+        </p:cxnSp>
+      </p:grpSp>
+      <p:grpSp>
+        <p:nvGrpSpPr>
+          <p:cNvPr id="30" name="그룹 29">
+            <a:extLst>
+              <a:ext uri="{FF2B5EF4-FFF2-40B4-BE49-F238E27FC236}">
+                <a16:creationId xmlns:a16="http://schemas.microsoft.com/office/drawing/2014/main" id="{DE45FA77-5028-41E3-BE3D-B186C0705FC2}"/>
+              </a:ext>
+            </a:extLst>
+          </p:cNvPr>
+          <p:cNvGrpSpPr/>
+          <p:nvPr/>
+        </p:nvGrpSpPr>
+        <p:grpSpPr>
+          <a:xfrm>
+            <a:off x="3806153" y="3430386"/>
+            <a:ext cx="446198" cy="446198"/>
+            <a:chOff x="2996615" y="2745296"/>
+            <a:chExt cx="446198" cy="446198"/>
+          </a:xfrm>
+        </p:grpSpPr>
+        <p:sp>
+          <p:nvSpPr>
+            <p:cNvPr id="31" name="원호 30">
+              <a:extLst>
+                <a:ext uri="{FF2B5EF4-FFF2-40B4-BE49-F238E27FC236}">
+                  <a16:creationId xmlns:a16="http://schemas.microsoft.com/office/drawing/2014/main" id="{4CC158AC-D970-4191-AF32-756C13F69A16}"/>
+                </a:ext>
+              </a:extLst>
+            </p:cNvPr>
+            <p:cNvSpPr/>
+            <p:nvPr/>
+          </p:nvSpPr>
+          <p:spPr>
+            <a:xfrm>
+              <a:off x="2996615" y="2745296"/>
+              <a:ext cx="446198" cy="446198"/>
+            </a:xfrm>
+            <a:prstGeom prst="arc">
+              <a:avLst>
+                <a:gd name="adj1" fmla="val 1042338"/>
+                <a:gd name="adj2" fmla="val 19461494"/>
+              </a:avLst>
+            </a:prstGeom>
+            <a:ln w="19050">
+              <a:solidFill>
+                <a:srgbClr val="FF9966"/>
+              </a:solidFill>
+              <a:headEnd type="none" w="med" len="med"/>
+              <a:tailEnd type="none" w="med" len="med"/>
+            </a:ln>
+          </p:spPr>
+          <p:style>
+            <a:lnRef idx="1">
+              <a:schemeClr val="accent1"/>
+            </a:lnRef>
+            <a:fillRef idx="0">
+              <a:schemeClr val="accent1"/>
+            </a:fillRef>
+            <a:effectRef idx="0">
+              <a:schemeClr val="accent1"/>
+            </a:effectRef>
+            <a:fontRef idx="minor">
+              <a:schemeClr val="tx1"/>
+            </a:fontRef>
+          </p:style>
+          <p:txBody>
+            <a:bodyPr rtlCol="0" anchor="ctr"/>
+            <a:lstStyle/>
+            <a:p>
+              <a:pPr algn="ctr"/>
+              <a:endParaRPr lang="ko-KR" altLang="en-US"/>
+            </a:p>
+          </p:txBody>
+        </p:sp>
+        <p:cxnSp>
+          <p:nvCxnSpPr>
+            <p:cNvPr id="32" name="직선 연결선 31">
+              <a:extLst>
+                <a:ext uri="{FF2B5EF4-FFF2-40B4-BE49-F238E27FC236}">
+                  <a16:creationId xmlns:a16="http://schemas.microsoft.com/office/drawing/2014/main" id="{EF85BA41-DDED-482A-91CF-E6BBCA07B594}"/>
+                </a:ext>
+              </a:extLst>
+            </p:cNvPr>
+            <p:cNvCxnSpPr>
+              <a:stCxn id="31" idx="0"/>
+            </p:cNvCxnSpPr>
+            <p:nvPr/>
+          </p:nvCxnSpPr>
+          <p:spPr>
+            <a:xfrm flipH="1">
+              <a:off x="3358292" y="3035008"/>
+              <a:ext cx="74344" cy="1562"/>
+            </a:xfrm>
+            <a:prstGeom prst="line">
+              <a:avLst/>
+            </a:prstGeom>
+            <a:ln w="19050">
+              <a:solidFill>
+                <a:srgbClr val="FF9966"/>
+              </a:solidFill>
+            </a:ln>
+          </p:spPr>
+          <p:style>
+            <a:lnRef idx="1">
+              <a:schemeClr val="accent1"/>
+            </a:lnRef>
+            <a:fillRef idx="0">
+              <a:schemeClr val="accent1"/>
+            </a:fillRef>
+            <a:effectRef idx="0">
+              <a:schemeClr val="accent1"/>
+            </a:effectRef>
+            <a:fontRef idx="minor">
+              <a:schemeClr val="tx1"/>
+            </a:fontRef>
+          </p:style>
+        </p:cxnSp>
+        <p:cxnSp>
+          <p:nvCxnSpPr>
+            <p:cNvPr id="33" name="직선 연결선 32">
+              <a:extLst>
+                <a:ext uri="{FF2B5EF4-FFF2-40B4-BE49-F238E27FC236}">
+                  <a16:creationId xmlns:a16="http://schemas.microsoft.com/office/drawing/2014/main" id="{4FF03A8B-09EF-42A3-8A4A-BB98ACC63A3D}"/>
+                </a:ext>
+              </a:extLst>
+            </p:cNvPr>
+            <p:cNvCxnSpPr>
+              <a:cxnSpLocks/>
+            </p:cNvCxnSpPr>
+            <p:nvPr/>
+          </p:nvCxnSpPr>
+          <p:spPr>
+            <a:xfrm flipH="1">
+              <a:off x="3431057" y="3024848"/>
+              <a:ext cx="1579" cy="99940"/>
+            </a:xfrm>
+            <a:prstGeom prst="line">
+              <a:avLst/>
+            </a:prstGeom>
+            <a:ln w="19050">
+              <a:solidFill>
+                <a:srgbClr val="FF9966"/>
+              </a:solidFill>
+            </a:ln>
+          </p:spPr>
+          <p:style>
+            <a:lnRef idx="1">
+              <a:schemeClr val="accent1"/>
+            </a:lnRef>
+            <a:fillRef idx="0">
+              <a:schemeClr val="accent1"/>
+            </a:fillRef>
+            <a:effectRef idx="0">
+              <a:schemeClr val="accent1"/>
+            </a:effectRef>
+            <a:fontRef idx="minor">
+              <a:schemeClr val="tx1"/>
+            </a:fontRef>
+          </p:style>
+        </p:cxnSp>
+      </p:grpSp>
+      <p:grpSp>
+        <p:nvGrpSpPr>
+          <p:cNvPr id="34" name="그룹 33">
+            <a:extLst>
+              <a:ext uri="{FF2B5EF4-FFF2-40B4-BE49-F238E27FC236}">
+                <a16:creationId xmlns:a16="http://schemas.microsoft.com/office/drawing/2014/main" id="{1E87B292-76C5-4621-82F5-36544EE9054A}"/>
+              </a:ext>
+            </a:extLst>
+          </p:cNvPr>
+          <p:cNvGrpSpPr/>
+          <p:nvPr/>
+        </p:nvGrpSpPr>
+        <p:grpSpPr>
+          <a:xfrm>
+            <a:off x="5277984" y="3430386"/>
+            <a:ext cx="446198" cy="446198"/>
+            <a:chOff x="2996615" y="2745296"/>
+            <a:chExt cx="446198" cy="446198"/>
+          </a:xfrm>
+        </p:grpSpPr>
+        <p:sp>
+          <p:nvSpPr>
+            <p:cNvPr id="35" name="원호 34">
+              <a:extLst>
+                <a:ext uri="{FF2B5EF4-FFF2-40B4-BE49-F238E27FC236}">
+                  <a16:creationId xmlns:a16="http://schemas.microsoft.com/office/drawing/2014/main" id="{A2ABCDAD-4768-4F80-8FB0-1DD4D927C9B6}"/>
+                </a:ext>
+              </a:extLst>
+            </p:cNvPr>
+            <p:cNvSpPr/>
+            <p:nvPr/>
+          </p:nvSpPr>
+          <p:spPr>
+            <a:xfrm>
+              <a:off x="2996615" y="2745296"/>
+              <a:ext cx="446198" cy="446198"/>
+            </a:xfrm>
+            <a:prstGeom prst="arc">
+              <a:avLst>
+                <a:gd name="adj1" fmla="val 1042338"/>
+                <a:gd name="adj2" fmla="val 19461494"/>
+              </a:avLst>
+            </a:prstGeom>
+            <a:ln w="19050">
+              <a:solidFill>
+                <a:srgbClr val="CB05AF"/>
+              </a:solidFill>
+              <a:headEnd type="none" w="med" len="med"/>
+              <a:tailEnd type="none" w="med" len="med"/>
+            </a:ln>
+          </p:spPr>
+          <p:style>
+            <a:lnRef idx="1">
+              <a:schemeClr val="accent1"/>
+            </a:lnRef>
+            <a:fillRef idx="0">
+              <a:schemeClr val="accent1"/>
+            </a:fillRef>
+            <a:effectRef idx="0">
+              <a:schemeClr val="accent1"/>
+            </a:effectRef>
+            <a:fontRef idx="minor">
+              <a:schemeClr val="tx1"/>
+            </a:fontRef>
+          </p:style>
+          <p:txBody>
+            <a:bodyPr rtlCol="0" anchor="ctr"/>
+            <a:lstStyle/>
+            <a:p>
+              <a:pPr algn="ctr"/>
+              <a:endParaRPr lang="ko-KR" altLang="en-US"/>
+            </a:p>
+          </p:txBody>
+        </p:sp>
+        <p:cxnSp>
+          <p:nvCxnSpPr>
+            <p:cNvPr id="36" name="직선 연결선 35">
+              <a:extLst>
+                <a:ext uri="{FF2B5EF4-FFF2-40B4-BE49-F238E27FC236}">
+                  <a16:creationId xmlns:a16="http://schemas.microsoft.com/office/drawing/2014/main" id="{94DAAB78-4A8A-4045-99D3-6A5AD51100D9}"/>
+                </a:ext>
+              </a:extLst>
+            </p:cNvPr>
+            <p:cNvCxnSpPr>
+              <a:stCxn id="35" idx="0"/>
+            </p:cNvCxnSpPr>
+            <p:nvPr/>
+          </p:nvCxnSpPr>
+          <p:spPr>
+            <a:xfrm flipH="1">
+              <a:off x="3358292" y="3035008"/>
+              <a:ext cx="74344" cy="1562"/>
+            </a:xfrm>
+            <a:prstGeom prst="line">
+              <a:avLst/>
+            </a:prstGeom>
+            <a:ln w="19050">
+              <a:solidFill>
+                <a:srgbClr val="CB05AF"/>
+              </a:solidFill>
+            </a:ln>
+          </p:spPr>
+          <p:style>
+            <a:lnRef idx="1">
+              <a:schemeClr val="accent1"/>
+            </a:lnRef>
+            <a:fillRef idx="0">
+              <a:schemeClr val="accent1"/>
+            </a:fillRef>
+            <a:effectRef idx="0">
+              <a:schemeClr val="accent1"/>
+            </a:effectRef>
+            <a:fontRef idx="minor">
+              <a:schemeClr val="tx1"/>
+            </a:fontRef>
+          </p:style>
+        </p:cxnSp>
+        <p:cxnSp>
+          <p:nvCxnSpPr>
+            <p:cNvPr id="37" name="직선 연결선 36">
+              <a:extLst>
+                <a:ext uri="{FF2B5EF4-FFF2-40B4-BE49-F238E27FC236}">
+                  <a16:creationId xmlns:a16="http://schemas.microsoft.com/office/drawing/2014/main" id="{3AD9A2F4-8BB6-411D-B53D-1BBF7DBB8152}"/>
+                </a:ext>
+              </a:extLst>
+            </p:cNvPr>
+            <p:cNvCxnSpPr>
+              <a:cxnSpLocks/>
+            </p:cNvCxnSpPr>
+            <p:nvPr/>
+          </p:nvCxnSpPr>
+          <p:spPr>
+            <a:xfrm flipH="1">
+              <a:off x="3431057" y="3024848"/>
+              <a:ext cx="1579" cy="99940"/>
+            </a:xfrm>
+            <a:prstGeom prst="line">
+              <a:avLst/>
+            </a:prstGeom>
+            <a:ln w="19050">
+              <a:solidFill>
+                <a:srgbClr val="CB05AF"/>
+              </a:solidFill>
+            </a:ln>
+          </p:spPr>
+          <p:style>
+            <a:lnRef idx="1">
+              <a:schemeClr val="accent1"/>
+            </a:lnRef>
+            <a:fillRef idx="0">
+              <a:schemeClr val="accent1"/>
+            </a:fillRef>
+            <a:effectRef idx="0">
+              <a:schemeClr val="accent1"/>
+            </a:effectRef>
+            <a:fontRef idx="minor">
+              <a:schemeClr val="tx1"/>
+            </a:fontRef>
+          </p:style>
+        </p:cxnSp>
+      </p:grpSp>
+      <p:cxnSp>
+        <p:nvCxnSpPr>
+          <p:cNvPr id="38" name="직선 화살표 연결선 37">
+            <a:extLst>
+              <a:ext uri="{FF2B5EF4-FFF2-40B4-BE49-F238E27FC236}">
+                <a16:creationId xmlns:a16="http://schemas.microsoft.com/office/drawing/2014/main" id="{1D6081BE-275F-4FF4-A56F-866CDDA5B286}"/>
+              </a:ext>
+            </a:extLst>
+          </p:cNvPr>
+          <p:cNvCxnSpPr>
+            <a:cxnSpLocks/>
+          </p:cNvCxnSpPr>
+          <p:nvPr/>
+        </p:nvCxnSpPr>
+        <p:spPr>
+          <a:xfrm flipH="1" flipV="1">
+            <a:off x="3398520" y="2349992"/>
+            <a:ext cx="219032" cy="197209"/>
+          </a:xfrm>
+          <a:prstGeom prst="straightConnector1">
+            <a:avLst/>
+          </a:prstGeom>
+          <a:ln w="38100">
+            <a:solidFill>
+              <a:srgbClr val="FF0000"/>
+            </a:solidFill>
+            <a:tailEnd type="triangle"/>
+          </a:ln>
+        </p:spPr>
+        <p:style>
+          <a:lnRef idx="1">
+            <a:schemeClr val="accent1"/>
+          </a:lnRef>
+          <a:fillRef idx="0">
+            <a:schemeClr val="accent1"/>
+          </a:fillRef>
+          <a:effectRef idx="0">
+            <a:schemeClr val="accent1"/>
+          </a:effectRef>
+          <a:fontRef idx="minor">
+            <a:schemeClr val="tx1"/>
+          </a:fontRef>
+        </p:style>
+      </p:cxnSp>
+      <p:cxnSp>
+        <p:nvCxnSpPr>
+          <p:cNvPr id="39" name="직선 화살표 연결선 38">
+            <a:extLst>
+              <a:ext uri="{FF2B5EF4-FFF2-40B4-BE49-F238E27FC236}">
+                <a16:creationId xmlns:a16="http://schemas.microsoft.com/office/drawing/2014/main" id="{3A4649E2-AA54-43A4-8521-051A6BC0F76B}"/>
+              </a:ext>
+            </a:extLst>
+          </p:cNvPr>
+          <p:cNvCxnSpPr>
+            <a:cxnSpLocks/>
+          </p:cNvCxnSpPr>
+          <p:nvPr/>
+        </p:nvCxnSpPr>
+        <p:spPr>
+          <a:xfrm rot="60000">
+            <a:off x="3659502" y="3315678"/>
+            <a:ext cx="5998" cy="312712"/>
+          </a:xfrm>
+          <a:prstGeom prst="straightConnector1">
+            <a:avLst/>
+          </a:prstGeom>
+          <a:ln w="38100">
+            <a:solidFill>
+              <a:srgbClr val="FF0000"/>
+            </a:solidFill>
+            <a:tailEnd type="triangle"/>
+          </a:ln>
+        </p:spPr>
+        <p:style>
+          <a:lnRef idx="1">
+            <a:schemeClr val="accent1"/>
+          </a:lnRef>
+          <a:fillRef idx="0">
+            <a:schemeClr val="accent1"/>
+          </a:fillRef>
+          <a:effectRef idx="0">
+            <a:schemeClr val="accent1"/>
+          </a:effectRef>
+          <a:fontRef idx="minor">
+            <a:schemeClr val="tx1"/>
+          </a:fontRef>
+        </p:style>
+      </p:cxnSp>
+      <p:cxnSp>
+        <p:nvCxnSpPr>
+          <p:cNvPr id="41" name="직선 화살표 연결선 40">
+            <a:extLst>
+              <a:ext uri="{FF2B5EF4-FFF2-40B4-BE49-F238E27FC236}">
+                <a16:creationId xmlns:a16="http://schemas.microsoft.com/office/drawing/2014/main" id="{D88AECF9-8031-4AEA-923B-FFB16F57E98E}"/>
+              </a:ext>
+            </a:extLst>
+          </p:cNvPr>
+          <p:cNvCxnSpPr>
+            <a:cxnSpLocks/>
+          </p:cNvCxnSpPr>
+          <p:nvPr/>
+        </p:nvCxnSpPr>
+        <p:spPr>
+          <a:xfrm>
+            <a:off x="4801275" y="2873076"/>
+            <a:ext cx="314001" cy="0"/>
+          </a:xfrm>
+          <a:prstGeom prst="straightConnector1">
+            <a:avLst/>
+          </a:prstGeom>
+          <a:ln w="38100">
+            <a:solidFill>
+              <a:srgbClr val="FF0000"/>
+            </a:solidFill>
+            <a:tailEnd type="triangle"/>
+          </a:ln>
+        </p:spPr>
+        <p:style>
+          <a:lnRef idx="1">
+            <a:schemeClr val="accent1"/>
+          </a:lnRef>
+          <a:fillRef idx="0">
+            <a:schemeClr val="accent1"/>
+          </a:fillRef>
+          <a:effectRef idx="0">
+            <a:schemeClr val="accent1"/>
+          </a:effectRef>
+          <a:fontRef idx="minor">
+            <a:schemeClr val="tx1"/>
+          </a:fontRef>
+        </p:style>
+      </p:cxnSp>
+      <p:cxnSp>
+        <p:nvCxnSpPr>
+          <p:cNvPr id="43" name="직선 화살표 연결선 42">
+            <a:extLst>
+              <a:ext uri="{FF2B5EF4-FFF2-40B4-BE49-F238E27FC236}">
+                <a16:creationId xmlns:a16="http://schemas.microsoft.com/office/drawing/2014/main" id="{85AE36EF-208D-4908-8623-F4CBD3A493FB}"/>
+              </a:ext>
+            </a:extLst>
+          </p:cNvPr>
+          <p:cNvCxnSpPr>
+            <a:cxnSpLocks/>
+          </p:cNvCxnSpPr>
+          <p:nvPr/>
+        </p:nvCxnSpPr>
+        <p:spPr>
+          <a:xfrm flipH="1">
+            <a:off x="4431030" y="2877939"/>
+            <a:ext cx="308839" cy="0"/>
+          </a:xfrm>
+          <a:prstGeom prst="straightConnector1">
+            <a:avLst/>
+          </a:prstGeom>
+          <a:ln w="38100">
+            <a:solidFill>
+              <a:srgbClr val="00B0F0"/>
+            </a:solidFill>
+            <a:tailEnd type="triangle"/>
+          </a:ln>
+        </p:spPr>
+        <p:style>
+          <a:lnRef idx="1">
+            <a:schemeClr val="accent1"/>
+          </a:lnRef>
+          <a:fillRef idx="0">
+            <a:schemeClr val="accent1"/>
+          </a:fillRef>
+          <a:effectRef idx="0">
+            <a:schemeClr val="accent1"/>
+          </a:effectRef>
+          <a:fontRef idx="minor">
+            <a:schemeClr val="tx1"/>
+          </a:fontRef>
+        </p:style>
+      </p:cxnSp>
+      <p:cxnSp>
+        <p:nvCxnSpPr>
+          <p:cNvPr id="44" name="직선 화살표 연결선 43">
+            <a:extLst>
+              <a:ext uri="{FF2B5EF4-FFF2-40B4-BE49-F238E27FC236}">
+                <a16:creationId xmlns:a16="http://schemas.microsoft.com/office/drawing/2014/main" id="{028B0F61-7724-456B-80FE-F898995BE463}"/>
+              </a:ext>
+            </a:extLst>
+          </p:cNvPr>
+          <p:cNvCxnSpPr>
+            <a:cxnSpLocks/>
+          </p:cNvCxnSpPr>
+          <p:nvPr/>
+        </p:nvCxnSpPr>
+        <p:spPr>
+          <a:xfrm flipV="1">
+            <a:off x="5836120" y="2392680"/>
+            <a:ext cx="159318" cy="218255"/>
+          </a:xfrm>
+          <a:prstGeom prst="straightConnector1">
+            <a:avLst/>
+          </a:prstGeom>
+          <a:ln w="38100">
+            <a:solidFill>
+              <a:srgbClr val="00B0F0"/>
+            </a:solidFill>
+            <a:tailEnd type="triangle"/>
+          </a:ln>
+        </p:spPr>
+        <p:style>
+          <a:lnRef idx="1">
+            <a:schemeClr val="accent1"/>
+          </a:lnRef>
+          <a:fillRef idx="0">
+            <a:schemeClr val="accent1"/>
+          </a:fillRef>
+          <a:effectRef idx="0">
+            <a:schemeClr val="accent1"/>
+          </a:effectRef>
+          <a:fontRef idx="minor">
+            <a:schemeClr val="tx1"/>
+          </a:fontRef>
+        </p:style>
+      </p:cxnSp>
+      <p:cxnSp>
+        <p:nvCxnSpPr>
+          <p:cNvPr id="50" name="직선 화살표 연결선 49">
+            <a:extLst>
+              <a:ext uri="{FF2B5EF4-FFF2-40B4-BE49-F238E27FC236}">
+                <a16:creationId xmlns:a16="http://schemas.microsoft.com/office/drawing/2014/main" id="{B36F47B6-4B75-492F-BD62-982EB47A272B}"/>
+              </a:ext>
+            </a:extLst>
+          </p:cNvPr>
+          <p:cNvCxnSpPr>
+            <a:cxnSpLocks/>
+          </p:cNvCxnSpPr>
+          <p:nvPr/>
+        </p:nvCxnSpPr>
+        <p:spPr>
+          <a:xfrm rot="-120000" flipV="1">
+            <a:off x="3656503" y="2934713"/>
+            <a:ext cx="5998" cy="312712"/>
+          </a:xfrm>
+          <a:prstGeom prst="straightConnector1">
+            <a:avLst/>
+          </a:prstGeom>
+          <a:ln w="38100">
+            <a:solidFill>
+              <a:srgbClr val="FF9966"/>
+            </a:solidFill>
+            <a:tailEnd type="triangle"/>
+          </a:ln>
+        </p:spPr>
+        <p:style>
+          <a:lnRef idx="1">
+            <a:schemeClr val="accent1"/>
+          </a:lnRef>
+          <a:fillRef idx="0">
+            <a:schemeClr val="accent1"/>
+          </a:fillRef>
+          <a:effectRef idx="0">
+            <a:schemeClr val="accent1"/>
+          </a:effectRef>
+          <a:fontRef idx="minor">
+            <a:schemeClr val="tx1"/>
+          </a:fontRef>
+        </p:style>
+      </p:cxnSp>
+      <p:cxnSp>
+        <p:nvCxnSpPr>
+          <p:cNvPr id="51" name="직선 화살표 연결선 50">
+            <a:extLst>
+              <a:ext uri="{FF2B5EF4-FFF2-40B4-BE49-F238E27FC236}">
+                <a16:creationId xmlns:a16="http://schemas.microsoft.com/office/drawing/2014/main" id="{712A7897-D59C-4F2B-9B12-381C03D56CCE}"/>
+              </a:ext>
+            </a:extLst>
+          </p:cNvPr>
+          <p:cNvCxnSpPr>
+            <a:cxnSpLocks/>
+          </p:cNvCxnSpPr>
+          <p:nvPr/>
+        </p:nvCxnSpPr>
+        <p:spPr>
+          <a:xfrm flipH="1">
+            <a:off x="2585347" y="4092940"/>
+            <a:ext cx="283523" cy="72130"/>
+          </a:xfrm>
+          <a:prstGeom prst="straightConnector1">
+            <a:avLst/>
+          </a:prstGeom>
+          <a:ln w="38100">
+            <a:solidFill>
+              <a:srgbClr val="FF9966"/>
+            </a:solidFill>
+            <a:tailEnd type="triangle"/>
+          </a:ln>
+        </p:spPr>
+        <p:style>
+          <a:lnRef idx="1">
+            <a:schemeClr val="accent1"/>
+          </a:lnRef>
+          <a:fillRef idx="0">
+            <a:schemeClr val="accent1"/>
+          </a:fillRef>
+          <a:effectRef idx="0">
+            <a:schemeClr val="accent1"/>
+          </a:effectRef>
+          <a:fontRef idx="minor">
+            <a:schemeClr val="tx1"/>
+          </a:fontRef>
+        </p:style>
+      </p:cxnSp>
+      <p:cxnSp>
+        <p:nvCxnSpPr>
+          <p:cNvPr id="54" name="직선 화살표 연결선 53">
+            <a:extLst>
+              <a:ext uri="{FF2B5EF4-FFF2-40B4-BE49-F238E27FC236}">
+                <a16:creationId xmlns:a16="http://schemas.microsoft.com/office/drawing/2014/main" id="{2E9E854E-9C5C-4E4E-9BD6-762E3D5475CE}"/>
+              </a:ext>
+            </a:extLst>
+          </p:cNvPr>
+          <p:cNvCxnSpPr>
+            <a:cxnSpLocks/>
+          </p:cNvCxnSpPr>
+          <p:nvPr/>
+        </p:nvCxnSpPr>
+        <p:spPr>
+          <a:xfrm rot="5280000" flipV="1">
+            <a:off x="4959434" y="3484701"/>
+            <a:ext cx="5998" cy="312712"/>
+          </a:xfrm>
+          <a:prstGeom prst="straightConnector1">
+            <a:avLst/>
+          </a:prstGeom>
+          <a:ln w="38100">
+            <a:solidFill>
+              <a:srgbClr val="FF9966"/>
+            </a:solidFill>
+            <a:tailEnd type="triangle"/>
+          </a:ln>
+        </p:spPr>
+        <p:style>
+          <a:lnRef idx="1">
+            <a:schemeClr val="accent1"/>
+          </a:lnRef>
+          <a:fillRef idx="0">
+            <a:schemeClr val="accent1"/>
+          </a:fillRef>
+          <a:effectRef idx="0">
+            <a:schemeClr val="accent1"/>
+          </a:effectRef>
+          <a:fontRef idx="minor">
+            <a:schemeClr val="tx1"/>
+          </a:fontRef>
+        </p:style>
+      </p:cxnSp>
+      <p:cxnSp>
+        <p:nvCxnSpPr>
+          <p:cNvPr id="55" name="직선 화살표 연결선 54">
+            <a:extLst>
+              <a:ext uri="{FF2B5EF4-FFF2-40B4-BE49-F238E27FC236}">
+                <a16:creationId xmlns:a16="http://schemas.microsoft.com/office/drawing/2014/main" id="{0746DF91-48D7-4DB1-B335-30FF5B4773C9}"/>
+              </a:ext>
+            </a:extLst>
+          </p:cNvPr>
+          <p:cNvCxnSpPr>
+            <a:cxnSpLocks/>
+          </p:cNvCxnSpPr>
+          <p:nvPr/>
+        </p:nvCxnSpPr>
+        <p:spPr>
+          <a:xfrm rot="16320000" flipH="1" flipV="1">
+            <a:off x="4583055" y="3485654"/>
+            <a:ext cx="5998" cy="312712"/>
+          </a:xfrm>
+          <a:prstGeom prst="straightConnector1">
+            <a:avLst/>
+          </a:prstGeom>
+          <a:ln w="38100">
+            <a:solidFill>
+              <a:srgbClr val="CB05AF"/>
+            </a:solidFill>
+            <a:tailEnd type="triangle"/>
+          </a:ln>
+        </p:spPr>
+        <p:style>
+          <a:lnRef idx="1">
+            <a:schemeClr val="accent1"/>
+          </a:lnRef>
+          <a:fillRef idx="0">
+            <a:schemeClr val="accent1"/>
+          </a:fillRef>
+          <a:effectRef idx="0">
+            <a:schemeClr val="accent1"/>
+          </a:effectRef>
+          <a:fontRef idx="minor">
+            <a:schemeClr val="tx1"/>
+          </a:fontRef>
+        </p:style>
+      </p:cxnSp>
+      <p:cxnSp>
+        <p:nvCxnSpPr>
+          <p:cNvPr id="56" name="직선 화살표 연결선 55">
+            <a:extLst>
+              <a:ext uri="{FF2B5EF4-FFF2-40B4-BE49-F238E27FC236}">
+                <a16:creationId xmlns:a16="http://schemas.microsoft.com/office/drawing/2014/main" id="{6D643F86-1F2A-47CF-88C2-BA3C237E01DB}"/>
+              </a:ext>
+            </a:extLst>
+          </p:cNvPr>
+          <p:cNvCxnSpPr>
+            <a:cxnSpLocks/>
+          </p:cNvCxnSpPr>
+          <p:nvPr/>
+        </p:nvCxnSpPr>
+        <p:spPr>
+          <a:xfrm flipH="1" flipV="1">
+            <a:off x="5853233" y="2914297"/>
+            <a:ext cx="5998" cy="312712"/>
+          </a:xfrm>
+          <a:prstGeom prst="straightConnector1">
+            <a:avLst/>
+          </a:prstGeom>
+          <a:ln w="38100">
+            <a:solidFill>
+              <a:srgbClr val="CB05AF"/>
+            </a:solidFill>
+            <a:tailEnd type="triangle"/>
+          </a:ln>
+        </p:spPr>
+        <p:style>
+          <a:lnRef idx="1">
+            <a:schemeClr val="accent1"/>
+          </a:lnRef>
+          <a:fillRef idx="0">
+            <a:schemeClr val="accent1"/>
+          </a:fillRef>
+          <a:effectRef idx="0">
+            <a:schemeClr val="accent1"/>
+          </a:effectRef>
+          <a:fontRef idx="minor">
+            <a:schemeClr val="tx1"/>
+          </a:fontRef>
+        </p:style>
+      </p:cxnSp>
+      <p:cxnSp>
+        <p:nvCxnSpPr>
+          <p:cNvPr id="57" name="직선 화살표 연결선 56">
+            <a:extLst>
+              <a:ext uri="{FF2B5EF4-FFF2-40B4-BE49-F238E27FC236}">
+                <a16:creationId xmlns:a16="http://schemas.microsoft.com/office/drawing/2014/main" id="{A34D5F17-BFE3-4530-9C5F-A715C468E7D9}"/>
+              </a:ext>
+            </a:extLst>
+          </p:cNvPr>
+          <p:cNvCxnSpPr>
+            <a:cxnSpLocks/>
+          </p:cNvCxnSpPr>
+          <p:nvPr/>
+        </p:nvCxnSpPr>
+        <p:spPr>
+          <a:xfrm rot="-120000" flipH="1">
+            <a:off x="5862517" y="3282931"/>
+            <a:ext cx="5998" cy="312712"/>
+          </a:xfrm>
+          <a:prstGeom prst="straightConnector1">
+            <a:avLst/>
+          </a:prstGeom>
+          <a:ln w="38100">
+            <a:solidFill>
+              <a:srgbClr val="00B0F0"/>
+            </a:solidFill>
+            <a:tailEnd type="triangle"/>
+          </a:ln>
+        </p:spPr>
+        <p:style>
+          <a:lnRef idx="1">
+            <a:schemeClr val="accent1"/>
+          </a:lnRef>
+          <a:fillRef idx="0">
+            <a:schemeClr val="accent1"/>
+          </a:fillRef>
+          <a:effectRef idx="0">
+            <a:schemeClr val="accent1"/>
+          </a:effectRef>
+          <a:fontRef idx="minor">
+            <a:schemeClr val="tx1"/>
+          </a:fontRef>
+        </p:style>
+      </p:cxnSp>
+      <p:cxnSp>
+        <p:nvCxnSpPr>
+          <p:cNvPr id="59" name="직선 화살표 연결선 58">
+            <a:extLst>
+              <a:ext uri="{FF2B5EF4-FFF2-40B4-BE49-F238E27FC236}">
+                <a16:creationId xmlns:a16="http://schemas.microsoft.com/office/drawing/2014/main" id="{2C3E2AC6-4463-4535-A578-B5D13F44D2EC}"/>
+              </a:ext>
+            </a:extLst>
+          </p:cNvPr>
+          <p:cNvCxnSpPr>
+            <a:cxnSpLocks/>
+          </p:cNvCxnSpPr>
+          <p:nvPr/>
+        </p:nvCxnSpPr>
+        <p:spPr>
+          <a:xfrm rot="660000">
+            <a:off x="6413252" y="4092940"/>
+            <a:ext cx="283523" cy="72130"/>
+          </a:xfrm>
+          <a:prstGeom prst="straightConnector1">
+            <a:avLst/>
+          </a:prstGeom>
+          <a:ln w="38100">
+            <a:solidFill>
+              <a:srgbClr val="CB05AF"/>
+            </a:solidFill>
+            <a:tailEnd type="triangle"/>
+          </a:ln>
+        </p:spPr>
+        <p:style>
+          <a:lnRef idx="1">
+            <a:schemeClr val="accent1"/>
+          </a:lnRef>
+          <a:fillRef idx="0">
+            <a:schemeClr val="accent1"/>
+          </a:fillRef>
+          <a:effectRef idx="0">
+            <a:schemeClr val="accent1"/>
+          </a:effectRef>
+          <a:fontRef idx="minor">
+            <a:schemeClr val="tx1"/>
+          </a:fontRef>
+        </p:style>
+      </p:cxnSp>
+      <p:sp>
+        <p:nvSpPr>
           <p:cNvPr id="9" name="자유형 8"/>
           <p:cNvSpPr/>
           <p:nvPr/>
         </p:nvSpPr>
         <p:spPr>
           <a:xfrm>
-            <a:off x="2077292" y="1949349"/>
+            <a:off x="2886830" y="2312173"/>
             <a:ext cx="3576888" cy="2001866"/>
           </a:xfrm>
           <a:custGeom>
@@ -4294,682 +7526,6 @@
           </a:p>
         </p:txBody>
       </p:sp>
-      <p:sp>
-        <p:nvSpPr>
-          <p:cNvPr id="10" name="갈매기형 수장 9"/>
-          <p:cNvSpPr/>
-          <p:nvPr/>
-        </p:nvSpPr>
-        <p:spPr>
-          <a:xfrm rot="7168053">
-            <a:off x="2608975" y="2214694"/>
-            <a:ext cx="184558" cy="293614"/>
-          </a:xfrm>
-          <a:prstGeom prst="chevron">
-            <a:avLst/>
-          </a:prstGeom>
-          <a:solidFill>
-            <a:schemeClr val="accent6"/>
-          </a:solidFill>
-          <a:ln>
-            <a:noFill/>
-          </a:ln>
-        </p:spPr>
-        <p:style>
-          <a:lnRef idx="2">
-            <a:schemeClr val="accent1">
-              <a:shade val="50000"/>
-            </a:schemeClr>
-          </a:lnRef>
-          <a:fillRef idx="1">
-            <a:schemeClr val="accent1"/>
-          </a:fillRef>
-          <a:effectRef idx="0">
-            <a:schemeClr val="accent1"/>
-          </a:effectRef>
-          <a:fontRef idx="minor">
-            <a:schemeClr val="lt1"/>
-          </a:fontRef>
-        </p:style>
-        <p:txBody>
-          <a:bodyPr rtlCol="0" anchor="ctr"/>
-          <a:lstStyle/>
-          <a:p>
-            <a:pPr algn="ctr"/>
-            <a:endParaRPr lang="ko-KR" altLang="en-US">
-              <a:solidFill>
-                <a:schemeClr val="tx1"/>
-              </a:solidFill>
-            </a:endParaRPr>
-          </a:p>
-        </p:txBody>
-      </p:sp>
-      <p:sp>
-        <p:nvSpPr>
-          <p:cNvPr id="11" name="갈매기형 수장 10"/>
-          <p:cNvSpPr/>
-          <p:nvPr/>
-        </p:nvSpPr>
-        <p:spPr>
-          <a:xfrm rot="20700000">
-            <a:off x="3138881" y="3596776"/>
-            <a:ext cx="184558" cy="293614"/>
-          </a:xfrm>
-          <a:prstGeom prst="chevron">
-            <a:avLst/>
-          </a:prstGeom>
-          <a:solidFill>
-            <a:schemeClr val="accent6"/>
-          </a:solidFill>
-          <a:ln>
-            <a:noFill/>
-          </a:ln>
-        </p:spPr>
-        <p:style>
-          <a:lnRef idx="2">
-            <a:schemeClr val="accent1">
-              <a:shade val="50000"/>
-            </a:schemeClr>
-          </a:lnRef>
-          <a:fillRef idx="1">
-            <a:schemeClr val="accent1"/>
-          </a:fillRef>
-          <a:effectRef idx="0">
-            <a:schemeClr val="accent1"/>
-          </a:effectRef>
-          <a:fontRef idx="minor">
-            <a:schemeClr val="lt1"/>
-          </a:fontRef>
-        </p:style>
-        <p:txBody>
-          <a:bodyPr rtlCol="0" anchor="ctr"/>
-          <a:lstStyle/>
-          <a:p>
-            <a:pPr algn="ctr"/>
-            <a:endParaRPr lang="ko-KR" altLang="en-US">
-              <a:solidFill>
-                <a:schemeClr val="tx1"/>
-              </a:solidFill>
-            </a:endParaRPr>
-          </a:p>
-        </p:txBody>
-      </p:sp>
-      <p:sp>
-        <p:nvSpPr>
-          <p:cNvPr id="12" name="갈매기형 수장 11"/>
-          <p:cNvSpPr/>
-          <p:nvPr/>
-        </p:nvSpPr>
-        <p:spPr>
-          <a:xfrm rot="15300000">
-            <a:off x="5534141" y="2969163"/>
-            <a:ext cx="184558" cy="293614"/>
-          </a:xfrm>
-          <a:prstGeom prst="chevron">
-            <a:avLst/>
-          </a:prstGeom>
-          <a:solidFill>
-            <a:schemeClr val="accent6"/>
-          </a:solidFill>
-          <a:ln>
-            <a:noFill/>
-          </a:ln>
-        </p:spPr>
-        <p:style>
-          <a:lnRef idx="2">
-            <a:schemeClr val="accent1">
-              <a:shade val="50000"/>
-            </a:schemeClr>
-          </a:lnRef>
-          <a:fillRef idx="1">
-            <a:schemeClr val="accent1"/>
-          </a:fillRef>
-          <a:effectRef idx="0">
-            <a:schemeClr val="accent1"/>
-          </a:effectRef>
-          <a:fontRef idx="minor">
-            <a:schemeClr val="lt1"/>
-          </a:fontRef>
-        </p:style>
-        <p:txBody>
-          <a:bodyPr rtlCol="0" anchor="ctr"/>
-          <a:lstStyle/>
-          <a:p>
-            <a:pPr algn="ctr"/>
-            <a:endParaRPr lang="ko-KR" altLang="en-US">
-              <a:solidFill>
-                <a:schemeClr val="tx1"/>
-              </a:solidFill>
-            </a:endParaRPr>
-          </a:p>
-        </p:txBody>
-      </p:sp>
-      <p:sp>
-        <p:nvSpPr>
-          <p:cNvPr id="13" name="갈매기형 수장 12"/>
-          <p:cNvSpPr/>
-          <p:nvPr/>
-        </p:nvSpPr>
-        <p:spPr>
-          <a:xfrm rot="11700000">
-            <a:off x="4486916" y="1947044"/>
-            <a:ext cx="184558" cy="293614"/>
-          </a:xfrm>
-          <a:prstGeom prst="chevron">
-            <a:avLst/>
-          </a:prstGeom>
-          <a:solidFill>
-            <a:schemeClr val="accent6"/>
-          </a:solidFill>
-          <a:ln>
-            <a:noFill/>
-          </a:ln>
-        </p:spPr>
-        <p:style>
-          <a:lnRef idx="2">
-            <a:schemeClr val="accent1">
-              <a:shade val="50000"/>
-            </a:schemeClr>
-          </a:lnRef>
-          <a:fillRef idx="1">
-            <a:schemeClr val="accent1"/>
-          </a:fillRef>
-          <a:effectRef idx="0">
-            <a:schemeClr val="accent1"/>
-          </a:effectRef>
-          <a:fontRef idx="minor">
-            <a:schemeClr val="lt1"/>
-          </a:fontRef>
-        </p:style>
-        <p:txBody>
-          <a:bodyPr rtlCol="0" anchor="ctr"/>
-          <a:lstStyle/>
-          <a:p>
-            <a:pPr algn="ctr"/>
-            <a:endParaRPr lang="ko-KR" altLang="en-US">
-              <a:solidFill>
-                <a:schemeClr val="tx1"/>
-              </a:solidFill>
-            </a:endParaRPr>
-          </a:p>
-        </p:txBody>
-      </p:sp>
-      <p:cxnSp>
-        <p:nvCxnSpPr>
-          <p:cNvPr id="3" name="직선 연결선 2"/>
-          <p:cNvCxnSpPr>
-            <a:endCxn id="9" idx="2"/>
-          </p:cNvCxnSpPr>
-          <p:nvPr/>
-        </p:nvCxnSpPr>
-        <p:spPr>
-          <a:xfrm>
-            <a:off x="3957638" y="1949349"/>
-            <a:ext cx="6323" cy="1694046"/>
-          </a:xfrm>
-          <a:prstGeom prst="line">
-            <a:avLst/>
-          </a:prstGeom>
-          <a:ln w="57150"/>
-        </p:spPr>
-        <p:style>
-          <a:lnRef idx="1">
-            <a:schemeClr val="accent6"/>
-          </a:lnRef>
-          <a:fillRef idx="0">
-            <a:schemeClr val="accent6"/>
-          </a:fillRef>
-          <a:effectRef idx="0">
-            <a:schemeClr val="accent6"/>
-          </a:effectRef>
-          <a:fontRef idx="minor">
-            <a:schemeClr val="tx1"/>
-          </a:fontRef>
-        </p:style>
-      </p:cxnSp>
-      <mc:AlternateContent xmlns:mc="http://schemas.openxmlformats.org/markup-compatibility/2006" xmlns:a14="http://schemas.microsoft.com/office/drawing/2010/main">
-        <mc:Choice Requires="a14">
-          <p:sp>
-            <p:nvSpPr>
-              <p:cNvPr id="15" name="TextBox 14"/>
-              <p:cNvSpPr txBox="1"/>
-              <p:nvPr/>
-            </p:nvSpPr>
-            <p:spPr>
-              <a:xfrm>
-                <a:off x="2997849" y="2329396"/>
-                <a:ext cx="483081" cy="369332"/>
-              </a:xfrm>
-              <a:prstGeom prst="rect">
-                <a:avLst/>
-              </a:prstGeom>
-              <a:noFill/>
-            </p:spPr>
-            <p:txBody>
-              <a:bodyPr wrap="none" rtlCol="0">
-                <a:spAutoFit/>
-              </a:bodyPr>
-              <a:lstStyle/>
-              <a:p>
-                <a:pPr/>
-                <a14:m>
-                  <m:oMathPara xmlns:m="http://schemas.openxmlformats.org/officeDocument/2006/math">
-                    <m:oMathParaPr>
-                      <m:jc m:val="centerGroup"/>
-                    </m:oMathParaPr>
-                    <m:oMath xmlns:m="http://schemas.openxmlformats.org/officeDocument/2006/math">
-                      <m:sSub>
-                        <m:sSubPr>
-                          <m:ctrlPr>
-                            <a:rPr lang="en-US" altLang="ko-KR" b="0" i="1" smtClean="0">
-                              <a:latin typeface="Cambria Math" panose="02040503050406030204" pitchFamily="18" charset="0"/>
-                            </a:rPr>
-                          </m:ctrlPr>
-                        </m:sSubPr>
-                        <m:e>
-                          <m:r>
-                            <a:rPr lang="en-US" altLang="ko-KR" b="0" i="1" smtClean="0">
-                              <a:latin typeface="Cambria Math" panose="02040503050406030204" pitchFamily="18" charset="0"/>
-                            </a:rPr>
-                            <m:t>𝑅</m:t>
-                          </m:r>
-                        </m:e>
-                        <m:sub>
-                          <m:r>
-                            <a:rPr lang="en-US" altLang="ko-KR" b="0" i="1" smtClean="0">
-                              <a:latin typeface="Cambria Math" panose="02040503050406030204" pitchFamily="18" charset="0"/>
-                            </a:rPr>
-                            <m:t>1</m:t>
-                          </m:r>
-                        </m:sub>
-                      </m:sSub>
-                    </m:oMath>
-                  </m:oMathPara>
-                </a14:m>
-                <a:endParaRPr lang="ko-KR" altLang="en-US" dirty="0"/>
-              </a:p>
-            </p:txBody>
-          </p:sp>
-        </mc:Choice>
-        <mc:Fallback xmlns="">
-          <p:sp>
-            <p:nvSpPr>
-              <p:cNvPr id="15" name="TextBox 14"/>
-              <p:cNvSpPr txBox="1">
-                <a:spLocks noRot="1" noChangeAspect="1" noMove="1" noResize="1" noEditPoints="1" noAdjustHandles="1" noChangeArrowheads="1" noChangeShapeType="1" noTextEdit="1"/>
-              </p:cNvSpPr>
-              <p:nvPr/>
-            </p:nvSpPr>
-            <p:spPr>
-              <a:xfrm>
-                <a:off x="2997849" y="2329396"/>
-                <a:ext cx="483081" cy="369332"/>
-              </a:xfrm>
-              <a:prstGeom prst="rect">
-                <a:avLst/>
-              </a:prstGeom>
-              <a:blipFill>
-                <a:blip r:embed="rId2"/>
-                <a:stretch>
-                  <a:fillRect/>
-                </a:stretch>
-              </a:blipFill>
-            </p:spPr>
-            <p:txBody>
-              <a:bodyPr/>
-              <a:lstStyle/>
-              <a:p>
-                <a:r>
-                  <a:rPr lang="ko-KR" altLang="en-US">
-                    <a:noFill/>
-                  </a:rPr>
-                  <a:t> </a:t>
-                </a:r>
-              </a:p>
-            </p:txBody>
-          </p:sp>
-        </mc:Fallback>
-      </mc:AlternateContent>
-      <mc:AlternateContent xmlns:mc="http://schemas.openxmlformats.org/markup-compatibility/2006" xmlns:a14="http://schemas.microsoft.com/office/drawing/2010/main">
-        <mc:Choice Requires="a14">
-          <p:sp>
-            <p:nvSpPr>
-              <p:cNvPr id="16" name="TextBox 15"/>
-              <p:cNvSpPr txBox="1"/>
-              <p:nvPr/>
-            </p:nvSpPr>
-            <p:spPr>
-              <a:xfrm>
-                <a:off x="4440669" y="2329396"/>
-                <a:ext cx="488402" cy="369332"/>
-              </a:xfrm>
-              <a:prstGeom prst="rect">
-                <a:avLst/>
-              </a:prstGeom>
-              <a:noFill/>
-            </p:spPr>
-            <p:txBody>
-              <a:bodyPr wrap="none" rtlCol="0">
-                <a:spAutoFit/>
-              </a:bodyPr>
-              <a:lstStyle/>
-              <a:p>
-                <a:pPr/>
-                <a14:m>
-                  <m:oMathPara xmlns:m="http://schemas.openxmlformats.org/officeDocument/2006/math">
-                    <m:oMathParaPr>
-                      <m:jc m:val="centerGroup"/>
-                    </m:oMathParaPr>
-                    <m:oMath xmlns:m="http://schemas.openxmlformats.org/officeDocument/2006/math">
-                      <m:sSub>
-                        <m:sSubPr>
-                          <m:ctrlPr>
-                            <a:rPr lang="en-US" altLang="ko-KR" b="0" i="1" smtClean="0">
-                              <a:latin typeface="Cambria Math" panose="02040503050406030204" pitchFamily="18" charset="0"/>
-                            </a:rPr>
-                          </m:ctrlPr>
-                        </m:sSubPr>
-                        <m:e>
-                          <m:r>
-                            <a:rPr lang="en-US" altLang="ko-KR" b="0" i="1" smtClean="0">
-                              <a:latin typeface="Cambria Math" panose="02040503050406030204" pitchFamily="18" charset="0"/>
-                            </a:rPr>
-                            <m:t>𝑅</m:t>
-                          </m:r>
-                        </m:e>
-                        <m:sub>
-                          <m:r>
-                            <a:rPr lang="en-US" altLang="ko-KR" b="0" i="1" smtClean="0">
-                              <a:latin typeface="Cambria Math" panose="02040503050406030204" pitchFamily="18" charset="0"/>
-                            </a:rPr>
-                            <m:t>2</m:t>
-                          </m:r>
-                        </m:sub>
-                      </m:sSub>
-                    </m:oMath>
-                  </m:oMathPara>
-                </a14:m>
-                <a:endParaRPr lang="ko-KR" altLang="en-US" dirty="0"/>
-              </a:p>
-            </p:txBody>
-          </p:sp>
-        </mc:Choice>
-        <mc:Fallback xmlns="">
-          <p:sp>
-            <p:nvSpPr>
-              <p:cNvPr id="16" name="TextBox 15"/>
-              <p:cNvSpPr txBox="1">
-                <a:spLocks noRot="1" noChangeAspect="1" noMove="1" noResize="1" noEditPoints="1" noAdjustHandles="1" noChangeArrowheads="1" noChangeShapeType="1" noTextEdit="1"/>
-              </p:cNvSpPr>
-              <p:nvPr/>
-            </p:nvSpPr>
-            <p:spPr>
-              <a:xfrm>
-                <a:off x="4440669" y="2329396"/>
-                <a:ext cx="488402" cy="369332"/>
-              </a:xfrm>
-              <a:prstGeom prst="rect">
-                <a:avLst/>
-              </a:prstGeom>
-              <a:blipFill>
-                <a:blip r:embed="rId3"/>
-                <a:stretch>
-                  <a:fillRect/>
-                </a:stretch>
-              </a:blipFill>
-            </p:spPr>
-            <p:txBody>
-              <a:bodyPr/>
-              <a:lstStyle/>
-              <a:p>
-                <a:r>
-                  <a:rPr lang="ko-KR" altLang="en-US">
-                    <a:noFill/>
-                  </a:rPr>
-                  <a:t> </a:t>
-                </a:r>
-              </a:p>
-            </p:txBody>
-          </p:sp>
-        </mc:Fallback>
-      </mc:AlternateContent>
-      <p:cxnSp>
-        <p:nvCxnSpPr>
-          <p:cNvPr id="14" name="직선 연결선 13"/>
-          <p:cNvCxnSpPr/>
-          <p:nvPr/>
-        </p:nvCxnSpPr>
-        <p:spPr>
-          <a:xfrm flipH="1">
-            <a:off x="2326022" y="2885655"/>
-            <a:ext cx="3213718" cy="41695"/>
-          </a:xfrm>
-          <a:prstGeom prst="line">
-            <a:avLst/>
-          </a:prstGeom>
-          <a:ln w="57150"/>
-        </p:spPr>
-        <p:style>
-          <a:lnRef idx="1">
-            <a:schemeClr val="accent6"/>
-          </a:lnRef>
-          <a:fillRef idx="0">
-            <a:schemeClr val="accent6"/>
-          </a:fillRef>
-          <a:effectRef idx="0">
-            <a:schemeClr val="accent6"/>
-          </a:effectRef>
-          <a:fontRef idx="minor">
-            <a:schemeClr val="tx1"/>
-          </a:fontRef>
-        </p:style>
-      </p:cxnSp>
-      <mc:AlternateContent xmlns:mc="http://schemas.openxmlformats.org/markup-compatibility/2006" xmlns:a14="http://schemas.microsoft.com/office/drawing/2010/main">
-        <mc:Choice Requires="a14">
-          <p:sp>
-            <p:nvSpPr>
-              <p:cNvPr id="17" name="TextBox 16"/>
-              <p:cNvSpPr txBox="1"/>
-              <p:nvPr/>
-            </p:nvSpPr>
-            <p:spPr>
-              <a:xfrm>
-                <a:off x="2997849" y="3100706"/>
-                <a:ext cx="488402" cy="369332"/>
-              </a:xfrm>
-              <a:prstGeom prst="rect">
-                <a:avLst/>
-              </a:prstGeom>
-              <a:noFill/>
-            </p:spPr>
-            <p:txBody>
-              <a:bodyPr wrap="none" rtlCol="0">
-                <a:spAutoFit/>
-              </a:bodyPr>
-              <a:lstStyle/>
-              <a:p>
-                <a:pPr/>
-                <a14:m>
-                  <m:oMathPara xmlns:m="http://schemas.openxmlformats.org/officeDocument/2006/math">
-                    <m:oMathParaPr>
-                      <m:jc m:val="centerGroup"/>
-                    </m:oMathParaPr>
-                    <m:oMath xmlns:m="http://schemas.openxmlformats.org/officeDocument/2006/math">
-                      <m:sSub>
-                        <m:sSubPr>
-                          <m:ctrlPr>
-                            <a:rPr lang="en-US" altLang="ko-KR" b="0" i="1" smtClean="0">
-                              <a:latin typeface="Cambria Math" panose="02040503050406030204" pitchFamily="18" charset="0"/>
-                            </a:rPr>
-                          </m:ctrlPr>
-                        </m:sSubPr>
-                        <m:e>
-                          <m:r>
-                            <a:rPr lang="en-US" altLang="ko-KR" b="0" i="1" smtClean="0">
-                              <a:latin typeface="Cambria Math" panose="02040503050406030204" pitchFamily="18" charset="0"/>
-                            </a:rPr>
-                            <m:t>𝑅</m:t>
-                          </m:r>
-                        </m:e>
-                        <m:sub>
-                          <m:r>
-                            <a:rPr lang="en-US" altLang="ko-KR" b="0" i="1" smtClean="0">
-                              <a:latin typeface="Cambria Math" panose="02040503050406030204" pitchFamily="18" charset="0"/>
-                            </a:rPr>
-                            <m:t>3</m:t>
-                          </m:r>
-                        </m:sub>
-                      </m:sSub>
-                    </m:oMath>
-                  </m:oMathPara>
-                </a14:m>
-                <a:endParaRPr lang="ko-KR" altLang="en-US" dirty="0"/>
-              </a:p>
-            </p:txBody>
-          </p:sp>
-        </mc:Choice>
-        <mc:Fallback xmlns="">
-          <p:sp>
-            <p:nvSpPr>
-              <p:cNvPr id="17" name="TextBox 16"/>
-              <p:cNvSpPr txBox="1">
-                <a:spLocks noRot="1" noChangeAspect="1" noMove="1" noResize="1" noEditPoints="1" noAdjustHandles="1" noChangeArrowheads="1" noChangeShapeType="1" noTextEdit="1"/>
-              </p:cNvSpPr>
-              <p:nvPr/>
-            </p:nvSpPr>
-            <p:spPr>
-              <a:xfrm>
-                <a:off x="2997849" y="3100706"/>
-                <a:ext cx="488402" cy="369332"/>
-              </a:xfrm>
-              <a:prstGeom prst="rect">
-                <a:avLst/>
-              </a:prstGeom>
-              <a:blipFill>
-                <a:blip r:embed="rId4"/>
-                <a:stretch>
-                  <a:fillRect/>
-                </a:stretch>
-              </a:blipFill>
-            </p:spPr>
-            <p:txBody>
-              <a:bodyPr/>
-              <a:lstStyle/>
-              <a:p>
-                <a:r>
-                  <a:rPr lang="ko-KR" altLang="en-US">
-                    <a:noFill/>
-                  </a:rPr>
-                  <a:t> </a:t>
-                </a:r>
-              </a:p>
-            </p:txBody>
-          </p:sp>
-        </mc:Fallback>
-      </mc:AlternateContent>
-      <mc:AlternateContent xmlns:mc="http://schemas.openxmlformats.org/markup-compatibility/2006" xmlns:a14="http://schemas.microsoft.com/office/drawing/2010/main">
-        <mc:Choice Requires="a14">
-          <p:sp>
-            <p:nvSpPr>
-              <p:cNvPr id="18" name="TextBox 17"/>
-              <p:cNvSpPr txBox="1"/>
-              <p:nvPr/>
-            </p:nvSpPr>
-            <p:spPr>
-              <a:xfrm>
-                <a:off x="4440669" y="3100706"/>
-                <a:ext cx="488402" cy="369332"/>
-              </a:xfrm>
-              <a:prstGeom prst="rect">
-                <a:avLst/>
-              </a:prstGeom>
-              <a:noFill/>
-            </p:spPr>
-            <p:txBody>
-              <a:bodyPr wrap="none" rtlCol="0">
-                <a:spAutoFit/>
-              </a:bodyPr>
-              <a:lstStyle/>
-              <a:p>
-                <a:pPr/>
-                <a14:m>
-                  <m:oMathPara xmlns:m="http://schemas.openxmlformats.org/officeDocument/2006/math">
-                    <m:oMathParaPr>
-                      <m:jc m:val="centerGroup"/>
-                    </m:oMathParaPr>
-                    <m:oMath xmlns:m="http://schemas.openxmlformats.org/officeDocument/2006/math">
-                      <m:sSub>
-                        <m:sSubPr>
-                          <m:ctrlPr>
-                            <a:rPr lang="en-US" altLang="ko-KR" b="0" i="1" smtClean="0">
-                              <a:latin typeface="Cambria Math" panose="02040503050406030204" pitchFamily="18" charset="0"/>
-                            </a:rPr>
-                          </m:ctrlPr>
-                        </m:sSubPr>
-                        <m:e>
-                          <m:r>
-                            <a:rPr lang="en-US" altLang="ko-KR" b="0" i="1" smtClean="0">
-                              <a:latin typeface="Cambria Math" panose="02040503050406030204" pitchFamily="18" charset="0"/>
-                            </a:rPr>
-                            <m:t>𝑅</m:t>
-                          </m:r>
-                        </m:e>
-                        <m:sub>
-                          <m:r>
-                            <a:rPr lang="en-US" altLang="ko-KR" b="0" i="1" smtClean="0">
-                              <a:latin typeface="Cambria Math" panose="02040503050406030204" pitchFamily="18" charset="0"/>
-                            </a:rPr>
-                            <m:t>4</m:t>
-                          </m:r>
-                        </m:sub>
-                      </m:sSub>
-                    </m:oMath>
-                  </m:oMathPara>
-                </a14:m>
-                <a:endParaRPr lang="ko-KR" altLang="en-US" dirty="0"/>
-              </a:p>
-            </p:txBody>
-          </p:sp>
-        </mc:Choice>
-        <mc:Fallback xmlns="">
-          <p:sp>
-            <p:nvSpPr>
-              <p:cNvPr id="18" name="TextBox 17"/>
-              <p:cNvSpPr txBox="1">
-                <a:spLocks noRot="1" noChangeAspect="1" noMove="1" noResize="1" noEditPoints="1" noAdjustHandles="1" noChangeArrowheads="1" noChangeShapeType="1" noTextEdit="1"/>
-              </p:cNvSpPr>
-              <p:nvPr/>
-            </p:nvSpPr>
-            <p:spPr>
-              <a:xfrm>
-                <a:off x="4440669" y="3100706"/>
-                <a:ext cx="488402" cy="369332"/>
-              </a:xfrm>
-              <a:prstGeom prst="rect">
-                <a:avLst/>
-              </a:prstGeom>
-              <a:blipFill>
-                <a:blip r:embed="rId5"/>
-                <a:stretch>
-                  <a:fillRect/>
-                </a:stretch>
-              </a:blipFill>
-            </p:spPr>
-            <p:txBody>
-              <a:bodyPr/>
-              <a:lstStyle/>
-              <a:p>
-                <a:r>
-                  <a:rPr lang="ko-KR" altLang="en-US">
-                    <a:noFill/>
-                  </a:rPr>
-                  <a:t> </a:t>
-                </a:r>
-              </a:p>
-            </p:txBody>
-          </p:sp>
-        </mc:Fallback>
-      </mc:AlternateContent>
     </p:spTree>
     <p:extLst>
       <p:ext uri="{BB962C8B-B14F-4D97-AF65-F5344CB8AC3E}">
@@ -5416,7 +7972,7 @@
         </p:nvSpPr>
         <p:spPr>
           <a:xfrm>
-            <a:off x="3187817" y="2581174"/>
+            <a:off x="3164957" y="2550694"/>
             <a:ext cx="162026" cy="162026"/>
           </a:xfrm>
           <a:prstGeom prst="ellipse">
@@ -5508,7 +8064,7 @@
         </p:nvSpPr>
         <p:spPr>
           <a:xfrm rot="5400000">
-            <a:off x="6133648" y="2506526"/>
+            <a:off x="6133648" y="2827959"/>
             <a:ext cx="131632" cy="204900"/>
           </a:xfrm>
           <a:prstGeom prst="chevron">
@@ -5560,7 +8116,7 @@
         </p:nvSpPr>
         <p:spPr>
           <a:xfrm>
-            <a:off x="6922213" y="3295091"/>
+            <a:off x="7286224" y="3295091"/>
             <a:ext cx="131632" cy="204900"/>
           </a:xfrm>
           <a:prstGeom prst="chevron">
@@ -5612,7 +8168,7 @@
         </p:nvSpPr>
         <p:spPr>
           <a:xfrm rot="16200000">
-            <a:off x="7710778" y="2506526"/>
+            <a:off x="7710778" y="2158386"/>
             <a:ext cx="131632" cy="204900"/>
           </a:xfrm>
           <a:prstGeom prst="chevron">
@@ -5664,7 +8220,7 @@
         </p:nvSpPr>
         <p:spPr>
           <a:xfrm rot="10800000">
-            <a:off x="6922213" y="1717961"/>
+            <a:off x="6588477" y="1717961"/>
             <a:ext cx="131632" cy="204900"/>
           </a:xfrm>
           <a:prstGeom prst="chevron">
@@ -5900,8 +8456,8 @@
           </p:sp>
         </mc:Fallback>
       </mc:AlternateContent>
-      <mc:AlternateContent xmlns:mc="http://schemas.openxmlformats.org/markup-compatibility/2006" xmlns:a14="http://schemas.microsoft.com/office/drawing/2010/main">
-        <mc:Choice Requires="a14">
+      <mc:AlternateContent xmlns:mc="http://schemas.openxmlformats.org/markup-compatibility/2006">
+        <mc:Choice xmlns:a14="http://schemas.microsoft.com/office/drawing/2010/main" Requires="a14">
           <p:sp>
             <p:nvSpPr>
               <p:cNvPr id="56" name="TextBox 55"/>
@@ -5910,7 +8466,7 @@
             </p:nvSpPr>
             <p:spPr>
               <a:xfrm>
-                <a:off x="6376675" y="3511741"/>
+                <a:off x="6376675" y="3780273"/>
                 <a:ext cx="1222707" cy="369332"/>
               </a:xfrm>
               <a:prstGeom prst="rect">
@@ -5978,7 +8534,7 @@
             </p:txBody>
           </p:sp>
         </mc:Choice>
-        <mc:Fallback xmlns="">
+        <mc:Fallback>
           <p:sp>
             <p:nvSpPr>
               <p:cNvPr id="56" name="TextBox 55"/>
@@ -5989,7 +8545,7 @@
             </p:nvSpPr>
             <p:spPr>
               <a:xfrm>
-                <a:off x="6376675" y="3511741"/>
+                <a:off x="6376675" y="3780273"/>
                 <a:ext cx="1222707" cy="369332"/>
               </a:xfrm>
               <a:prstGeom prst="rect">
@@ -6027,13 +8583,302 @@
         </p:nvCxnSpPr>
         <p:spPr>
           <a:xfrm rot="5400000" flipH="1" flipV="1">
-            <a:off x="4598364" y="1003803"/>
+            <a:off x="4575504" y="973323"/>
             <a:ext cx="328850" cy="2873349"/>
           </a:xfrm>
           <a:prstGeom prst="curvedConnector2">
             <a:avLst/>
           </a:prstGeom>
           <a:ln>
+            <a:solidFill>
+              <a:srgbClr val="FF0000"/>
+            </a:solidFill>
+            <a:tailEnd type="triangle"/>
+          </a:ln>
+        </p:spPr>
+        <p:style>
+          <a:lnRef idx="1">
+            <a:schemeClr val="accent1"/>
+          </a:lnRef>
+          <a:fillRef idx="0">
+            <a:schemeClr val="accent1"/>
+          </a:fillRef>
+          <a:effectRef idx="0">
+            <a:schemeClr val="accent1"/>
+          </a:effectRef>
+          <a:fontRef idx="minor">
+            <a:schemeClr val="tx1"/>
+          </a:fontRef>
+        </p:style>
+      </p:cxnSp>
+      <p:cxnSp>
+        <p:nvCxnSpPr>
+          <p:cNvPr id="3" name="직선 화살표 연결선 2">
+            <a:extLst>
+              <a:ext uri="{FF2B5EF4-FFF2-40B4-BE49-F238E27FC236}">
+                <a16:creationId xmlns:a16="http://schemas.microsoft.com/office/drawing/2014/main" id="{83CA1B03-06FD-4B41-B4B0-48290E00D51F}"/>
+              </a:ext>
+            </a:extLst>
+          </p:cNvPr>
+          <p:cNvCxnSpPr/>
+          <p:nvPr/>
+        </p:nvCxnSpPr>
+        <p:spPr>
+          <a:xfrm flipV="1">
+            <a:off x="7011378" y="1478279"/>
+            <a:ext cx="0" cy="342131"/>
+          </a:xfrm>
+          <a:prstGeom prst="straightConnector1">
+            <a:avLst/>
+          </a:prstGeom>
+          <a:ln w="28575">
+            <a:solidFill>
+              <a:srgbClr val="FF0000"/>
+            </a:solidFill>
+            <a:tailEnd type="triangle"/>
+          </a:ln>
+        </p:spPr>
+        <p:style>
+          <a:lnRef idx="1">
+            <a:schemeClr val="accent1"/>
+          </a:lnRef>
+          <a:fillRef idx="0">
+            <a:schemeClr val="accent1"/>
+          </a:fillRef>
+          <a:effectRef idx="0">
+            <a:schemeClr val="accent1"/>
+          </a:effectRef>
+          <a:fontRef idx="minor">
+            <a:schemeClr val="tx1"/>
+          </a:fontRef>
+        </p:style>
+      </p:cxnSp>
+      <p:cxnSp>
+        <p:nvCxnSpPr>
+          <p:cNvPr id="21" name="직선 화살표 연결선 20">
+            <a:extLst>
+              <a:ext uri="{FF2B5EF4-FFF2-40B4-BE49-F238E27FC236}">
+                <a16:creationId xmlns:a16="http://schemas.microsoft.com/office/drawing/2014/main" id="{A41AB78A-D4CD-4021-9FCC-81AF481915E7}"/>
+              </a:ext>
+            </a:extLst>
+          </p:cNvPr>
+          <p:cNvCxnSpPr>
+            <a:cxnSpLocks/>
+          </p:cNvCxnSpPr>
+          <p:nvPr/>
+        </p:nvCxnSpPr>
+        <p:spPr>
+          <a:xfrm rot="16200000" flipV="1">
+            <a:off x="6028398" y="2451632"/>
+            <a:ext cx="0" cy="342131"/>
+          </a:xfrm>
+          <a:prstGeom prst="straightConnector1">
+            <a:avLst/>
+          </a:prstGeom>
+          <a:ln w="28575">
+            <a:solidFill>
+              <a:srgbClr val="FF0000"/>
+            </a:solidFill>
+            <a:tailEnd type="triangle"/>
+          </a:ln>
+        </p:spPr>
+        <p:style>
+          <a:lnRef idx="1">
+            <a:schemeClr val="accent1"/>
+          </a:lnRef>
+          <a:fillRef idx="0">
+            <a:schemeClr val="accent1"/>
+          </a:fillRef>
+          <a:effectRef idx="0">
+            <a:schemeClr val="accent1"/>
+          </a:effectRef>
+          <a:fontRef idx="minor">
+            <a:schemeClr val="tx1"/>
+          </a:fontRef>
+        </p:style>
+      </p:cxnSp>
+      <p:cxnSp>
+        <p:nvCxnSpPr>
+          <p:cNvPr id="22" name="직선 화살표 연결선 21">
+            <a:extLst>
+              <a:ext uri="{FF2B5EF4-FFF2-40B4-BE49-F238E27FC236}">
+                <a16:creationId xmlns:a16="http://schemas.microsoft.com/office/drawing/2014/main" id="{A41A8CD2-CB14-453D-8B8D-E842B4DC5C92}"/>
+              </a:ext>
+            </a:extLst>
+          </p:cNvPr>
+          <p:cNvCxnSpPr>
+            <a:cxnSpLocks/>
+          </p:cNvCxnSpPr>
+          <p:nvPr/>
+        </p:nvCxnSpPr>
+        <p:spPr>
+          <a:xfrm rot="10800000" flipV="1">
+            <a:off x="7011378" y="3409291"/>
+            <a:ext cx="0" cy="342131"/>
+          </a:xfrm>
+          <a:prstGeom prst="straightConnector1">
+            <a:avLst/>
+          </a:prstGeom>
+          <a:ln w="28575">
+            <a:solidFill>
+              <a:srgbClr val="FF0000"/>
+            </a:solidFill>
+            <a:tailEnd type="triangle"/>
+          </a:ln>
+        </p:spPr>
+        <p:style>
+          <a:lnRef idx="1">
+            <a:schemeClr val="accent1"/>
+          </a:lnRef>
+          <a:fillRef idx="0">
+            <a:schemeClr val="accent1"/>
+          </a:fillRef>
+          <a:effectRef idx="0">
+            <a:schemeClr val="accent1"/>
+          </a:effectRef>
+          <a:fontRef idx="minor">
+            <a:schemeClr val="tx1"/>
+          </a:fontRef>
+        </p:style>
+      </p:cxnSp>
+      <mc:AlternateContent xmlns:mc="http://schemas.openxmlformats.org/markup-compatibility/2006">
+        <mc:Choice xmlns:a14="http://schemas.microsoft.com/office/drawing/2010/main" Requires="a14">
+          <p:sp>
+            <p:nvSpPr>
+              <p:cNvPr id="23" name="TextBox 22">
+                <a:extLst>
+                  <a:ext uri="{FF2B5EF4-FFF2-40B4-BE49-F238E27FC236}">
+                    <a16:creationId xmlns:a16="http://schemas.microsoft.com/office/drawing/2014/main" id="{DF27BADB-0108-4EEF-B95A-840802FCF7A3}"/>
+                  </a:ext>
+                </a:extLst>
+              </p:cNvPr>
+              <p:cNvSpPr txBox="1"/>
+              <p:nvPr/>
+            </p:nvSpPr>
+            <p:spPr>
+              <a:xfrm>
+                <a:off x="6122836" y="3031118"/>
+                <a:ext cx="478977" cy="369332"/>
+              </a:xfrm>
+              <a:prstGeom prst="rect">
+                <a:avLst/>
+              </a:prstGeom>
+              <a:noFill/>
+            </p:spPr>
+            <p:txBody>
+              <a:bodyPr wrap="none" rtlCol="0">
+                <a:spAutoFit/>
+              </a:bodyPr>
+              <a:lstStyle/>
+              <a:p>
+                <a:pPr/>
+                <a14:m>
+                  <m:oMathPara xmlns:m="http://schemas.openxmlformats.org/officeDocument/2006/math">
+                    <m:oMathParaPr>
+                      <m:jc m:val="centerGroup"/>
+                    </m:oMathParaPr>
+                    <m:oMath xmlns:m="http://schemas.openxmlformats.org/officeDocument/2006/math">
+                      <m:sSub>
+                        <m:sSubPr>
+                          <m:ctrlPr>
+                            <a:rPr lang="en-US" altLang="ko-KR" b="0" i="1" smtClean="0">
+                              <a:latin typeface="Cambria Math" panose="02040503050406030204" pitchFamily="18" charset="0"/>
+                            </a:rPr>
+                          </m:ctrlPr>
+                        </m:sSubPr>
+                        <m:e>
+                          <m:r>
+                            <a:rPr lang="en-US" altLang="ko-KR" b="0" i="1" smtClean="0">
+                              <a:latin typeface="Cambria Math" panose="02040503050406030204" pitchFamily="18" charset="0"/>
+                            </a:rPr>
+                            <m:t>𝐶</m:t>
+                          </m:r>
+                        </m:e>
+                        <m:sub>
+                          <m:r>
+                            <a:rPr lang="en-US" altLang="ko-KR" b="0" i="1" smtClean="0">
+                              <a:latin typeface="Cambria Math" panose="02040503050406030204" pitchFamily="18" charset="0"/>
+                            </a:rPr>
+                            <m:t>𝑘</m:t>
+                          </m:r>
+                        </m:sub>
+                      </m:sSub>
+                    </m:oMath>
+                  </m:oMathPara>
+                </a14:m>
+                <a:endParaRPr lang="ko-KR" altLang="en-US" dirty="0"/>
+              </a:p>
+            </p:txBody>
+          </p:sp>
+        </mc:Choice>
+        <mc:Fallback>
+          <p:sp>
+            <p:nvSpPr>
+              <p:cNvPr id="23" name="TextBox 22">
+                <a:extLst>
+                  <a:ext uri="{FF2B5EF4-FFF2-40B4-BE49-F238E27FC236}">
+                    <a16:creationId xmlns:a16="http://schemas.microsoft.com/office/drawing/2014/main" id="{DF27BADB-0108-4EEF-B95A-840802FCF7A3}"/>
+                  </a:ext>
+                </a:extLst>
+              </p:cNvPr>
+              <p:cNvSpPr txBox="1">
+                <a:spLocks noRot="1" noChangeAspect="1" noMove="1" noResize="1" noEditPoints="1" noAdjustHandles="1" noChangeArrowheads="1" noChangeShapeType="1" noTextEdit="1"/>
+              </p:cNvSpPr>
+              <p:nvPr/>
+            </p:nvSpPr>
+            <p:spPr>
+              <a:xfrm>
+                <a:off x="6122836" y="3031118"/>
+                <a:ext cx="478977" cy="369332"/>
+              </a:xfrm>
+              <a:prstGeom prst="rect">
+                <a:avLst/>
+              </a:prstGeom>
+              <a:blipFill>
+                <a:blip r:embed="rId4"/>
+                <a:stretch>
+                  <a:fillRect/>
+                </a:stretch>
+              </a:blipFill>
+            </p:spPr>
+            <p:txBody>
+              <a:bodyPr/>
+              <a:lstStyle/>
+              <a:p>
+                <a:r>
+                  <a:rPr lang="ko-KR" altLang="en-US">
+                    <a:noFill/>
+                  </a:rPr>
+                  <a:t> </a:t>
+                </a:r>
+              </a:p>
+            </p:txBody>
+          </p:sp>
+        </mc:Fallback>
+      </mc:AlternateContent>
+      <p:cxnSp>
+        <p:nvCxnSpPr>
+          <p:cNvPr id="24" name="직선 화살표 연결선 23">
+            <a:extLst>
+              <a:ext uri="{FF2B5EF4-FFF2-40B4-BE49-F238E27FC236}">
+                <a16:creationId xmlns:a16="http://schemas.microsoft.com/office/drawing/2014/main" id="{25B065F8-B265-4B89-B7E4-A7F6AF41925D}"/>
+              </a:ext>
+            </a:extLst>
+          </p:cNvPr>
+          <p:cNvCxnSpPr>
+            <a:cxnSpLocks/>
+          </p:cNvCxnSpPr>
+          <p:nvPr/>
+        </p:nvCxnSpPr>
+        <p:spPr>
+          <a:xfrm rot="5400000" flipH="1" flipV="1">
+            <a:off x="7948577" y="2464762"/>
+            <a:ext cx="0" cy="342131"/>
+          </a:xfrm>
+          <a:prstGeom prst="straightConnector1">
+            <a:avLst/>
+          </a:prstGeom>
+          <a:ln w="28575">
             <a:solidFill>
               <a:srgbClr val="FF0000"/>
             </a:solidFill>

--- a/pics/2020-08-19-divergence_theorem_2D/pics.pptx
+++ b/pics/2020-08-19-divergence_theorem_2D/pics.pptx
@@ -9,6 +9,7 @@
     <p:sldId id="257" r:id="rId3"/>
     <p:sldId id="258" r:id="rId4"/>
     <p:sldId id="259" r:id="rId5"/>
+    <p:sldId id="260" r:id="rId6"/>
   </p:sldIdLst>
   <p:sldSz cx="9144000" cy="6858000" type="screen4x3"/>
   <p:notesSz cx="6858000" cy="9144000"/>
@@ -8900,10 +8901,2919 @@
           </a:fontRef>
         </p:style>
       </p:cxnSp>
+      <mc:AlternateContent xmlns:mc="http://schemas.openxmlformats.org/markup-compatibility/2006">
+        <mc:Choice xmlns:a14="http://schemas.microsoft.com/office/drawing/2010/main" Requires="a14">
+          <p:sp>
+            <p:nvSpPr>
+              <p:cNvPr id="25" name="TextBox 24">
+                <a:extLst>
+                  <a:ext uri="{FF2B5EF4-FFF2-40B4-BE49-F238E27FC236}">
+                    <a16:creationId xmlns:a16="http://schemas.microsoft.com/office/drawing/2014/main" id="{8C6CF9B0-F5FF-44B9-AC5E-A2725FF976B9}"/>
+                  </a:ext>
+                </a:extLst>
+              </p:cNvPr>
+              <p:cNvSpPr txBox="1"/>
+              <p:nvPr/>
+            </p:nvSpPr>
+            <p:spPr>
+              <a:xfrm>
+                <a:off x="757600" y="4622334"/>
+                <a:ext cx="365805" cy="369332"/>
+              </a:xfrm>
+              <a:prstGeom prst="rect">
+                <a:avLst/>
+              </a:prstGeom>
+              <a:noFill/>
+            </p:spPr>
+            <p:txBody>
+              <a:bodyPr wrap="none" rtlCol="0">
+                <a:spAutoFit/>
+              </a:bodyPr>
+              <a:lstStyle/>
+              <a:p>
+                <a14:m>
+                  <m:oMathPara xmlns:m="http://schemas.openxmlformats.org/officeDocument/2006/math">
+                    <m:oMathParaPr>
+                      <m:jc m:val="centerGroup"/>
+                    </m:oMathParaPr>
+                    <m:oMath xmlns:m="http://schemas.openxmlformats.org/officeDocument/2006/math">
+                      <m:r>
+                        <a:rPr lang="en-US" altLang="ko-KR" b="0" i="1" smtClean="0">
+                          <a:latin typeface="Cambria Math" panose="02040503050406030204" pitchFamily="18" charset="0"/>
+                        </a:rPr>
+                        <m:t>0</m:t>
+                      </m:r>
+                    </m:oMath>
+                  </m:oMathPara>
+                </a14:m>
+                <a:endParaRPr lang="ko-KR" altLang="en-US" dirty="0"/>
+              </a:p>
+            </p:txBody>
+          </p:sp>
+        </mc:Choice>
+        <mc:Fallback>
+          <p:sp>
+            <p:nvSpPr>
+              <p:cNvPr id="25" name="TextBox 24">
+                <a:extLst>
+                  <a:ext uri="{FF2B5EF4-FFF2-40B4-BE49-F238E27FC236}">
+                    <a16:creationId xmlns:a16="http://schemas.microsoft.com/office/drawing/2014/main" id="{8C6CF9B0-F5FF-44B9-AC5E-A2725FF976B9}"/>
+                  </a:ext>
+                </a:extLst>
+              </p:cNvPr>
+              <p:cNvSpPr txBox="1">
+                <a:spLocks noRot="1" noChangeAspect="1" noMove="1" noResize="1" noEditPoints="1" noAdjustHandles="1" noChangeArrowheads="1" noChangeShapeType="1" noTextEdit="1"/>
+              </p:cNvSpPr>
+              <p:nvPr/>
+            </p:nvSpPr>
+            <p:spPr>
+              <a:xfrm>
+                <a:off x="757600" y="4622334"/>
+                <a:ext cx="365805" cy="369332"/>
+              </a:xfrm>
+              <a:prstGeom prst="rect">
+                <a:avLst/>
+              </a:prstGeom>
+              <a:blipFill>
+                <a:blip r:embed="rId5"/>
+                <a:stretch>
+                  <a:fillRect/>
+                </a:stretch>
+              </a:blipFill>
+            </p:spPr>
+            <p:txBody>
+              <a:bodyPr/>
+              <a:lstStyle/>
+              <a:p>
+                <a:r>
+                  <a:rPr lang="ko-KR" altLang="en-US">
+                    <a:noFill/>
+                  </a:rPr>
+                  <a:t> </a:t>
+                </a:r>
+              </a:p>
+            </p:txBody>
+          </p:sp>
+        </mc:Fallback>
+      </mc:AlternateContent>
+      <mc:AlternateContent xmlns:mc="http://schemas.openxmlformats.org/markup-compatibility/2006">
+        <mc:Choice xmlns:a14="http://schemas.microsoft.com/office/drawing/2010/main" Requires="a14">
+          <p:sp>
+            <p:nvSpPr>
+              <p:cNvPr id="26" name="TextBox 25">
+                <a:extLst>
+                  <a:ext uri="{FF2B5EF4-FFF2-40B4-BE49-F238E27FC236}">
+                    <a16:creationId xmlns:a16="http://schemas.microsoft.com/office/drawing/2014/main" id="{2A0775B3-CF85-4576-88A4-E52014211B37}"/>
+                  </a:ext>
+                </a:extLst>
+              </p:cNvPr>
+              <p:cNvSpPr txBox="1"/>
+              <p:nvPr/>
+            </p:nvSpPr>
+            <p:spPr>
+              <a:xfrm>
+                <a:off x="757600" y="1337596"/>
+                <a:ext cx="371384" cy="369332"/>
+              </a:xfrm>
+              <a:prstGeom prst="rect">
+                <a:avLst/>
+              </a:prstGeom>
+              <a:noFill/>
+            </p:spPr>
+            <p:txBody>
+              <a:bodyPr wrap="none" rtlCol="0">
+                <a:spAutoFit/>
+              </a:bodyPr>
+              <a:lstStyle/>
+              <a:p>
+                <a14:m>
+                  <m:oMathPara xmlns:m="http://schemas.openxmlformats.org/officeDocument/2006/math">
+                    <m:oMathParaPr>
+                      <m:jc m:val="centerGroup"/>
+                    </m:oMathParaPr>
+                    <m:oMath xmlns:m="http://schemas.openxmlformats.org/officeDocument/2006/math">
+                      <m:r>
+                        <a:rPr lang="en-US" altLang="ko-KR" b="0" i="1" smtClean="0">
+                          <a:latin typeface="Cambria Math" panose="02040503050406030204" pitchFamily="18" charset="0"/>
+                        </a:rPr>
+                        <m:t>𝑦</m:t>
+                      </m:r>
+                    </m:oMath>
+                  </m:oMathPara>
+                </a14:m>
+                <a:endParaRPr lang="ko-KR" altLang="en-US" dirty="0"/>
+              </a:p>
+            </p:txBody>
+          </p:sp>
+        </mc:Choice>
+        <mc:Fallback>
+          <p:sp>
+            <p:nvSpPr>
+              <p:cNvPr id="26" name="TextBox 25">
+                <a:extLst>
+                  <a:ext uri="{FF2B5EF4-FFF2-40B4-BE49-F238E27FC236}">
+                    <a16:creationId xmlns:a16="http://schemas.microsoft.com/office/drawing/2014/main" id="{2A0775B3-CF85-4576-88A4-E52014211B37}"/>
+                  </a:ext>
+                </a:extLst>
+              </p:cNvPr>
+              <p:cNvSpPr txBox="1">
+                <a:spLocks noRot="1" noChangeAspect="1" noMove="1" noResize="1" noEditPoints="1" noAdjustHandles="1" noChangeArrowheads="1" noChangeShapeType="1" noTextEdit="1"/>
+              </p:cNvSpPr>
+              <p:nvPr/>
+            </p:nvSpPr>
+            <p:spPr>
+              <a:xfrm>
+                <a:off x="757600" y="1337596"/>
+                <a:ext cx="371384" cy="369332"/>
+              </a:xfrm>
+              <a:prstGeom prst="rect">
+                <a:avLst/>
+              </a:prstGeom>
+              <a:blipFill>
+                <a:blip r:embed="rId6"/>
+                <a:stretch>
+                  <a:fillRect b="-6557"/>
+                </a:stretch>
+              </a:blipFill>
+            </p:spPr>
+            <p:txBody>
+              <a:bodyPr/>
+              <a:lstStyle/>
+              <a:p>
+                <a:r>
+                  <a:rPr lang="ko-KR" altLang="en-US">
+                    <a:noFill/>
+                  </a:rPr>
+                  <a:t> </a:t>
+                </a:r>
+              </a:p>
+            </p:txBody>
+          </p:sp>
+        </mc:Fallback>
+      </mc:AlternateContent>
+      <mc:AlternateContent xmlns:mc="http://schemas.openxmlformats.org/markup-compatibility/2006">
+        <mc:Choice xmlns:a14="http://schemas.microsoft.com/office/drawing/2010/main" Requires="a14">
+          <p:sp>
+            <p:nvSpPr>
+              <p:cNvPr id="27" name="TextBox 26">
+                <a:extLst>
+                  <a:ext uri="{FF2B5EF4-FFF2-40B4-BE49-F238E27FC236}">
+                    <a16:creationId xmlns:a16="http://schemas.microsoft.com/office/drawing/2014/main" id="{A9E18999-CC6C-4BEB-8D8E-CE63E911E6AD}"/>
+                  </a:ext>
+                </a:extLst>
+              </p:cNvPr>
+              <p:cNvSpPr txBox="1"/>
+              <p:nvPr/>
+            </p:nvSpPr>
+            <p:spPr>
+              <a:xfrm>
+                <a:off x="5451620" y="4638225"/>
+                <a:ext cx="371384" cy="369332"/>
+              </a:xfrm>
+              <a:prstGeom prst="rect">
+                <a:avLst/>
+              </a:prstGeom>
+              <a:noFill/>
+            </p:spPr>
+            <p:txBody>
+              <a:bodyPr wrap="none" rtlCol="0">
+                <a:spAutoFit/>
+              </a:bodyPr>
+              <a:lstStyle/>
+              <a:p>
+                <a14:m>
+                  <m:oMathPara xmlns:m="http://schemas.openxmlformats.org/officeDocument/2006/math">
+                    <m:oMathParaPr>
+                      <m:jc m:val="centerGroup"/>
+                    </m:oMathParaPr>
+                    <m:oMath xmlns:m="http://schemas.openxmlformats.org/officeDocument/2006/math">
+                      <m:r>
+                        <a:rPr lang="en-US" altLang="ko-KR" b="0" i="1" smtClean="0">
+                          <a:latin typeface="Cambria Math" panose="02040503050406030204" pitchFamily="18" charset="0"/>
+                        </a:rPr>
+                        <m:t>𝑥</m:t>
+                      </m:r>
+                    </m:oMath>
+                  </m:oMathPara>
+                </a14:m>
+                <a:endParaRPr lang="ko-KR" altLang="en-US" dirty="0"/>
+              </a:p>
+            </p:txBody>
+          </p:sp>
+        </mc:Choice>
+        <mc:Fallback>
+          <p:sp>
+            <p:nvSpPr>
+              <p:cNvPr id="27" name="TextBox 26">
+                <a:extLst>
+                  <a:ext uri="{FF2B5EF4-FFF2-40B4-BE49-F238E27FC236}">
+                    <a16:creationId xmlns:a16="http://schemas.microsoft.com/office/drawing/2014/main" id="{A9E18999-CC6C-4BEB-8D8E-CE63E911E6AD}"/>
+                  </a:ext>
+                </a:extLst>
+              </p:cNvPr>
+              <p:cNvSpPr txBox="1">
+                <a:spLocks noRot="1" noChangeAspect="1" noMove="1" noResize="1" noEditPoints="1" noAdjustHandles="1" noChangeArrowheads="1" noChangeShapeType="1" noTextEdit="1"/>
+              </p:cNvSpPr>
+              <p:nvPr/>
+            </p:nvSpPr>
+            <p:spPr>
+              <a:xfrm>
+                <a:off x="5451620" y="4638225"/>
+                <a:ext cx="371384" cy="369332"/>
+              </a:xfrm>
+              <a:prstGeom prst="rect">
+                <a:avLst/>
+              </a:prstGeom>
+              <a:blipFill>
+                <a:blip r:embed="rId7"/>
+                <a:stretch>
+                  <a:fillRect/>
+                </a:stretch>
+              </a:blipFill>
+            </p:spPr>
+            <p:txBody>
+              <a:bodyPr/>
+              <a:lstStyle/>
+              <a:p>
+                <a:r>
+                  <a:rPr lang="ko-KR" altLang="en-US">
+                    <a:noFill/>
+                  </a:rPr>
+                  <a:t> </a:t>
+                </a:r>
+              </a:p>
+            </p:txBody>
+          </p:sp>
+        </mc:Fallback>
+      </mc:AlternateContent>
     </p:spTree>
     <p:extLst>
       <p:ext uri="{BB962C8B-B14F-4D97-AF65-F5344CB8AC3E}">
         <p14:creationId xmlns:p14="http://schemas.microsoft.com/office/powerpoint/2010/main" val="3261841088"/>
+      </p:ext>
+    </p:extLst>
+  </p:cSld>
+  <p:clrMapOvr>
+    <a:masterClrMapping/>
+  </p:clrMapOvr>
+</p:sld>
+</file>
+
+<file path=ppt/slides/slide5.xml><?xml version="1.0" encoding="utf-8"?>
+<p:sld xmlns:a="http://schemas.openxmlformats.org/drawingml/2006/main" xmlns:r="http://schemas.openxmlformats.org/officeDocument/2006/relationships" xmlns:p="http://schemas.openxmlformats.org/presentationml/2006/main">
+  <p:cSld>
+    <p:spTree>
+      <p:nvGrpSpPr>
+        <p:cNvPr id="1" name=""/>
+        <p:cNvGrpSpPr/>
+        <p:nvPr/>
+      </p:nvGrpSpPr>
+      <p:grpSpPr>
+        <a:xfrm>
+          <a:off x="0" y="0"/>
+          <a:ext cx="0" cy="0"/>
+          <a:chOff x="0" y="0"/>
+          <a:chExt cx="0" cy="0"/>
+        </a:xfrm>
+      </p:grpSpPr>
+      <p:sp>
+        <p:nvSpPr>
+          <p:cNvPr id="4" name="직사각형 3">
+            <a:extLst>
+              <a:ext uri="{FF2B5EF4-FFF2-40B4-BE49-F238E27FC236}">
+                <a16:creationId xmlns:a16="http://schemas.microsoft.com/office/drawing/2014/main" id="{71E7ABBB-662C-403B-840A-3461BA2278E9}"/>
+              </a:ext>
+            </a:extLst>
+          </p:cNvPr>
+          <p:cNvSpPr/>
+          <p:nvPr/>
+        </p:nvSpPr>
+        <p:spPr>
+          <a:xfrm>
+            <a:off x="3300704" y="1810042"/>
+            <a:ext cx="2921618" cy="2921618"/>
+          </a:xfrm>
+          <a:prstGeom prst="rect">
+            <a:avLst/>
+          </a:prstGeom>
+          <a:noFill/>
+          <a:ln w="38100">
+            <a:solidFill>
+              <a:srgbClr val="92D050"/>
+            </a:solidFill>
+          </a:ln>
+        </p:spPr>
+        <p:style>
+          <a:lnRef idx="2">
+            <a:schemeClr val="accent1">
+              <a:shade val="50000"/>
+            </a:schemeClr>
+          </a:lnRef>
+          <a:fillRef idx="1">
+            <a:schemeClr val="accent1"/>
+          </a:fillRef>
+          <a:effectRef idx="0">
+            <a:schemeClr val="accent1"/>
+          </a:effectRef>
+          <a:fontRef idx="minor">
+            <a:schemeClr val="lt1"/>
+          </a:fontRef>
+        </p:style>
+        <p:txBody>
+          <a:bodyPr rtlCol="0" anchor="ctr"/>
+          <a:lstStyle/>
+          <a:p>
+            <a:pPr algn="ctr"/>
+            <a:endParaRPr lang="ko-KR" altLang="en-US"/>
+          </a:p>
+        </p:txBody>
+      </p:sp>
+      <p:sp>
+        <p:nvSpPr>
+          <p:cNvPr id="9" name="타원 8">
+            <a:extLst>
+              <a:ext uri="{FF2B5EF4-FFF2-40B4-BE49-F238E27FC236}">
+                <a16:creationId xmlns:a16="http://schemas.microsoft.com/office/drawing/2014/main" id="{5FB67DDB-20E7-4A7F-A099-6EDA9078A4D2}"/>
+              </a:ext>
+            </a:extLst>
+          </p:cNvPr>
+          <p:cNvSpPr/>
+          <p:nvPr/>
+        </p:nvSpPr>
+        <p:spPr>
+          <a:xfrm>
+            <a:off x="4720073" y="3219348"/>
+            <a:ext cx="84694" cy="84694"/>
+          </a:xfrm>
+          <a:prstGeom prst="ellipse">
+            <a:avLst/>
+          </a:prstGeom>
+          <a:solidFill>
+            <a:schemeClr val="accent6"/>
+          </a:solidFill>
+          <a:ln>
+            <a:noFill/>
+          </a:ln>
+        </p:spPr>
+        <p:style>
+          <a:lnRef idx="2">
+            <a:schemeClr val="accent1">
+              <a:shade val="50000"/>
+            </a:schemeClr>
+          </a:lnRef>
+          <a:fillRef idx="1">
+            <a:schemeClr val="accent1"/>
+          </a:fillRef>
+          <a:effectRef idx="0">
+            <a:schemeClr val="accent1"/>
+          </a:effectRef>
+          <a:fontRef idx="minor">
+            <a:schemeClr val="lt1"/>
+          </a:fontRef>
+        </p:style>
+        <p:txBody>
+          <a:bodyPr rtlCol="0" anchor="ctr"/>
+          <a:lstStyle/>
+          <a:p>
+            <a:pPr algn="ctr"/>
+            <a:endParaRPr lang="ko-KR" altLang="en-US"/>
+          </a:p>
+        </p:txBody>
+      </p:sp>
+      <mc:AlternateContent xmlns:mc="http://schemas.openxmlformats.org/markup-compatibility/2006">
+        <mc:Choice xmlns:a14="http://schemas.microsoft.com/office/drawing/2010/main" Requires="a14">
+          <p:sp>
+            <p:nvSpPr>
+              <p:cNvPr id="10" name="TextBox 9">
+                <a:extLst>
+                  <a:ext uri="{FF2B5EF4-FFF2-40B4-BE49-F238E27FC236}">
+                    <a16:creationId xmlns:a16="http://schemas.microsoft.com/office/drawing/2014/main" id="{83E52B73-A700-4F03-97C0-BB3A793A86FF}"/>
+                  </a:ext>
+                </a:extLst>
+              </p:cNvPr>
+              <p:cNvSpPr txBox="1"/>
+              <p:nvPr/>
+            </p:nvSpPr>
+            <p:spPr>
+              <a:xfrm>
+                <a:off x="4373535" y="3304043"/>
+                <a:ext cx="780727" cy="369332"/>
+              </a:xfrm>
+              <a:prstGeom prst="rect">
+                <a:avLst/>
+              </a:prstGeom>
+              <a:noFill/>
+            </p:spPr>
+            <p:txBody>
+              <a:bodyPr wrap="none" rtlCol="0">
+                <a:spAutoFit/>
+              </a:bodyPr>
+              <a:lstStyle/>
+              <a:p>
+                <a:pPr/>
+                <a14:m>
+                  <m:oMathPara xmlns:m="http://schemas.openxmlformats.org/officeDocument/2006/math">
+                    <m:oMathParaPr>
+                      <m:jc m:val="centerGroup"/>
+                    </m:oMathParaPr>
+                    <m:oMath xmlns:m="http://schemas.openxmlformats.org/officeDocument/2006/math">
+                      <m:r>
+                        <a:rPr lang="en-US" altLang="ko-KR" b="0" i="1" smtClean="0">
+                          <a:latin typeface="Cambria Math" panose="02040503050406030204" pitchFamily="18" charset="0"/>
+                        </a:rPr>
+                        <m:t>(</m:t>
+                      </m:r>
+                      <m:r>
+                        <a:rPr lang="en-US" altLang="ko-KR" b="0" i="1" smtClean="0">
+                          <a:latin typeface="Cambria Math" panose="02040503050406030204" pitchFamily="18" charset="0"/>
+                        </a:rPr>
+                        <m:t>𝑥</m:t>
+                      </m:r>
+                      <m:r>
+                        <a:rPr lang="en-US" altLang="ko-KR" b="0" i="1" smtClean="0">
+                          <a:latin typeface="Cambria Math" panose="02040503050406030204" pitchFamily="18" charset="0"/>
+                        </a:rPr>
+                        <m:t>,</m:t>
+                      </m:r>
+                      <m:r>
+                        <a:rPr lang="en-US" altLang="ko-KR" b="0" i="1" smtClean="0">
+                          <a:latin typeface="Cambria Math" panose="02040503050406030204" pitchFamily="18" charset="0"/>
+                        </a:rPr>
+                        <m:t>𝑦</m:t>
+                      </m:r>
+                      <m:r>
+                        <a:rPr lang="en-US" altLang="ko-KR" b="0" i="1" smtClean="0">
+                          <a:latin typeface="Cambria Math" panose="02040503050406030204" pitchFamily="18" charset="0"/>
+                        </a:rPr>
+                        <m:t>)</m:t>
+                      </m:r>
+                    </m:oMath>
+                  </m:oMathPara>
+                </a14:m>
+                <a:endParaRPr lang="ko-KR" altLang="en-US" dirty="0"/>
+              </a:p>
+            </p:txBody>
+          </p:sp>
+        </mc:Choice>
+        <mc:Fallback>
+          <p:sp>
+            <p:nvSpPr>
+              <p:cNvPr id="10" name="TextBox 9">
+                <a:extLst>
+                  <a:ext uri="{FF2B5EF4-FFF2-40B4-BE49-F238E27FC236}">
+                    <a16:creationId xmlns:a16="http://schemas.microsoft.com/office/drawing/2014/main" id="{83E52B73-A700-4F03-97C0-BB3A793A86FF}"/>
+                  </a:ext>
+                </a:extLst>
+              </p:cNvPr>
+              <p:cNvSpPr txBox="1">
+                <a:spLocks noRot="1" noChangeAspect="1" noMove="1" noResize="1" noEditPoints="1" noAdjustHandles="1" noChangeArrowheads="1" noChangeShapeType="1" noTextEdit="1"/>
+              </p:cNvSpPr>
+              <p:nvPr/>
+            </p:nvSpPr>
+            <p:spPr>
+              <a:xfrm>
+                <a:off x="4373535" y="3304043"/>
+                <a:ext cx="780727" cy="369332"/>
+              </a:xfrm>
+              <a:prstGeom prst="rect">
+                <a:avLst/>
+              </a:prstGeom>
+              <a:blipFill>
+                <a:blip r:embed="rId2"/>
+                <a:stretch>
+                  <a:fillRect b="-13115"/>
+                </a:stretch>
+              </a:blipFill>
+            </p:spPr>
+            <p:txBody>
+              <a:bodyPr/>
+              <a:lstStyle/>
+              <a:p>
+                <a:r>
+                  <a:rPr lang="ko-KR" altLang="en-US">
+                    <a:noFill/>
+                  </a:rPr>
+                  <a:t> </a:t>
+                </a:r>
+              </a:p>
+            </p:txBody>
+          </p:sp>
+        </mc:Fallback>
+      </mc:AlternateContent>
+      <mc:AlternateContent xmlns:mc="http://schemas.openxmlformats.org/markup-compatibility/2006">
+        <mc:Choice xmlns:a14="http://schemas.microsoft.com/office/drawing/2010/main" Requires="a14">
+          <p:sp>
+            <p:nvSpPr>
+              <p:cNvPr id="15" name="TextBox 14">
+                <a:extLst>
+                  <a:ext uri="{FF2B5EF4-FFF2-40B4-BE49-F238E27FC236}">
+                    <a16:creationId xmlns:a16="http://schemas.microsoft.com/office/drawing/2014/main" id="{EDA84EEB-9311-4B32-84E5-0A5F218DFAAE}"/>
+                  </a:ext>
+                </a:extLst>
+              </p:cNvPr>
+              <p:cNvSpPr txBox="1"/>
+              <p:nvPr/>
+            </p:nvSpPr>
+            <p:spPr>
+              <a:xfrm>
+                <a:off x="3057599" y="4320082"/>
+                <a:ext cx="887300" cy="369332"/>
+              </a:xfrm>
+              <a:prstGeom prst="rect">
+                <a:avLst/>
+              </a:prstGeom>
+              <a:noFill/>
+            </p:spPr>
+            <p:txBody>
+              <a:bodyPr wrap="square" rtlCol="0">
+                <a:spAutoFit/>
+              </a:bodyPr>
+              <a:lstStyle/>
+              <a:p>
+                <a:pPr/>
+                <a14:m>
+                  <m:oMathPara xmlns:m="http://schemas.openxmlformats.org/officeDocument/2006/math">
+                    <m:oMathParaPr>
+                      <m:jc m:val="centerGroup"/>
+                    </m:oMathParaPr>
+                    <m:oMath xmlns:m="http://schemas.openxmlformats.org/officeDocument/2006/math">
+                      <m:sSub>
+                        <m:sSubPr>
+                          <m:ctrlPr>
+                            <a:rPr lang="en-US" altLang="ko-KR" b="0" i="1" smtClean="0">
+                              <a:latin typeface="Cambria Math" panose="02040503050406030204" pitchFamily="18" charset="0"/>
+                            </a:rPr>
+                          </m:ctrlPr>
+                        </m:sSubPr>
+                        <m:e>
+                          <m:r>
+                            <a:rPr lang="en-US" altLang="ko-KR" b="0" i="1" smtClean="0">
+                              <a:latin typeface="Cambria Math" panose="02040503050406030204" pitchFamily="18" charset="0"/>
+                            </a:rPr>
+                            <m:t>𝐶</m:t>
+                          </m:r>
+                        </m:e>
+                        <m:sub>
+                          <m:r>
+                            <a:rPr lang="en-US" altLang="ko-KR" b="0" i="1" smtClean="0">
+                              <a:latin typeface="Cambria Math" panose="02040503050406030204" pitchFamily="18" charset="0"/>
+                            </a:rPr>
+                            <m:t>𝑘</m:t>
+                          </m:r>
+                        </m:sub>
+                      </m:sSub>
+                    </m:oMath>
+                  </m:oMathPara>
+                </a14:m>
+                <a:endParaRPr lang="ko-KR" altLang="en-US" dirty="0"/>
+              </a:p>
+            </p:txBody>
+          </p:sp>
+        </mc:Choice>
+        <mc:Fallback>
+          <p:sp>
+            <p:nvSpPr>
+              <p:cNvPr id="15" name="TextBox 14">
+                <a:extLst>
+                  <a:ext uri="{FF2B5EF4-FFF2-40B4-BE49-F238E27FC236}">
+                    <a16:creationId xmlns:a16="http://schemas.microsoft.com/office/drawing/2014/main" id="{EDA84EEB-9311-4B32-84E5-0A5F218DFAAE}"/>
+                  </a:ext>
+                </a:extLst>
+              </p:cNvPr>
+              <p:cNvSpPr txBox="1">
+                <a:spLocks noRot="1" noChangeAspect="1" noMove="1" noResize="1" noEditPoints="1" noAdjustHandles="1" noChangeArrowheads="1" noChangeShapeType="1" noTextEdit="1"/>
+              </p:cNvSpPr>
+              <p:nvPr/>
+            </p:nvSpPr>
+            <p:spPr>
+              <a:xfrm>
+                <a:off x="3057599" y="4320082"/>
+                <a:ext cx="887300" cy="369332"/>
+              </a:xfrm>
+              <a:prstGeom prst="rect">
+                <a:avLst/>
+              </a:prstGeom>
+              <a:blipFill>
+                <a:blip r:embed="rId3"/>
+                <a:stretch>
+                  <a:fillRect/>
+                </a:stretch>
+              </a:blipFill>
+            </p:spPr>
+            <p:txBody>
+              <a:bodyPr/>
+              <a:lstStyle/>
+              <a:p>
+                <a:r>
+                  <a:rPr lang="ko-KR" altLang="en-US">
+                    <a:noFill/>
+                  </a:rPr>
+                  <a:t> </a:t>
+                </a:r>
+              </a:p>
+            </p:txBody>
+          </p:sp>
+        </mc:Fallback>
+      </mc:AlternateContent>
+      <p:grpSp>
+        <p:nvGrpSpPr>
+          <p:cNvPr id="21" name="그룹 20">
+            <a:extLst>
+              <a:ext uri="{FF2B5EF4-FFF2-40B4-BE49-F238E27FC236}">
+                <a16:creationId xmlns:a16="http://schemas.microsoft.com/office/drawing/2014/main" id="{5EB6B8D4-D9A0-4134-999D-133FA55E7ED5}"/>
+              </a:ext>
+            </a:extLst>
+          </p:cNvPr>
+          <p:cNvGrpSpPr/>
+          <p:nvPr/>
+        </p:nvGrpSpPr>
+        <p:grpSpPr>
+          <a:xfrm>
+            <a:off x="3300704" y="4470332"/>
+            <a:ext cx="2921618" cy="687046"/>
+            <a:chOff x="2620168" y="4325325"/>
+            <a:chExt cx="2921618" cy="687046"/>
+          </a:xfrm>
+        </p:grpSpPr>
+        <p:sp>
+          <p:nvSpPr>
+            <p:cNvPr id="18" name="원호 17">
+              <a:extLst>
+                <a:ext uri="{FF2B5EF4-FFF2-40B4-BE49-F238E27FC236}">
+                  <a16:creationId xmlns:a16="http://schemas.microsoft.com/office/drawing/2014/main" id="{391337F5-C2AD-43D9-B896-AB2C9DB50A36}"/>
+                </a:ext>
+              </a:extLst>
+            </p:cNvPr>
+            <p:cNvSpPr/>
+            <p:nvPr/>
+          </p:nvSpPr>
+          <p:spPr>
+            <a:xfrm flipV="1">
+              <a:off x="2620168" y="4325326"/>
+              <a:ext cx="2921618" cy="522653"/>
+            </a:xfrm>
+            <a:prstGeom prst="arc">
+              <a:avLst>
+                <a:gd name="adj1" fmla="val 20198693"/>
+                <a:gd name="adj2" fmla="val 21591822"/>
+              </a:avLst>
+            </a:prstGeom>
+            <a:ln>
+              <a:solidFill>
+                <a:schemeClr val="tx1"/>
+              </a:solidFill>
+              <a:prstDash val="dash"/>
+            </a:ln>
+          </p:spPr>
+          <p:style>
+            <a:lnRef idx="1">
+              <a:schemeClr val="accent1"/>
+            </a:lnRef>
+            <a:fillRef idx="0">
+              <a:schemeClr val="accent1"/>
+            </a:fillRef>
+            <a:effectRef idx="0">
+              <a:schemeClr val="accent1"/>
+            </a:effectRef>
+            <a:fontRef idx="minor">
+              <a:schemeClr val="tx1"/>
+            </a:fontRef>
+          </p:style>
+          <p:txBody>
+            <a:bodyPr rtlCol="0" anchor="ctr"/>
+            <a:lstStyle/>
+            <a:p>
+              <a:pPr algn="ctr"/>
+              <a:endParaRPr lang="ko-KR" altLang="en-US"/>
+            </a:p>
+          </p:txBody>
+        </p:sp>
+        <p:sp>
+          <p:nvSpPr>
+            <p:cNvPr id="19" name="원호 18">
+              <a:extLst>
+                <a:ext uri="{FF2B5EF4-FFF2-40B4-BE49-F238E27FC236}">
+                  <a16:creationId xmlns:a16="http://schemas.microsoft.com/office/drawing/2014/main" id="{5D016FCB-5760-4448-B8FD-BE0825BA275B}"/>
+                </a:ext>
+              </a:extLst>
+            </p:cNvPr>
+            <p:cNvSpPr/>
+            <p:nvPr/>
+          </p:nvSpPr>
+          <p:spPr>
+            <a:xfrm flipH="1" flipV="1">
+              <a:off x="2620168" y="4325325"/>
+              <a:ext cx="2921618" cy="522653"/>
+            </a:xfrm>
+            <a:prstGeom prst="arc">
+              <a:avLst>
+                <a:gd name="adj1" fmla="val 20198693"/>
+                <a:gd name="adj2" fmla="val 21591822"/>
+              </a:avLst>
+            </a:prstGeom>
+            <a:ln>
+              <a:solidFill>
+                <a:schemeClr val="tx1"/>
+              </a:solidFill>
+              <a:prstDash val="dash"/>
+            </a:ln>
+          </p:spPr>
+          <p:style>
+            <a:lnRef idx="1">
+              <a:schemeClr val="accent1"/>
+            </a:lnRef>
+            <a:fillRef idx="0">
+              <a:schemeClr val="accent1"/>
+            </a:fillRef>
+            <a:effectRef idx="0">
+              <a:schemeClr val="accent1"/>
+            </a:effectRef>
+            <a:fontRef idx="minor">
+              <a:schemeClr val="tx1"/>
+            </a:fontRef>
+          </p:style>
+          <p:txBody>
+            <a:bodyPr rtlCol="0" anchor="ctr"/>
+            <a:lstStyle/>
+            <a:p>
+              <a:pPr algn="ctr"/>
+              <a:endParaRPr lang="ko-KR" altLang="en-US"/>
+            </a:p>
+          </p:txBody>
+        </p:sp>
+        <mc:AlternateContent xmlns:mc="http://schemas.openxmlformats.org/markup-compatibility/2006">
+          <mc:Choice xmlns:a14="http://schemas.microsoft.com/office/drawing/2010/main" Requires="a14">
+            <p:sp>
+              <p:nvSpPr>
+                <p:cNvPr id="20" name="TextBox 19">
+                  <a:extLst>
+                    <a:ext uri="{FF2B5EF4-FFF2-40B4-BE49-F238E27FC236}">
+                      <a16:creationId xmlns:a16="http://schemas.microsoft.com/office/drawing/2014/main" id="{7B168901-8A12-41B2-8E13-B19114D24912}"/>
+                    </a:ext>
+                  </a:extLst>
+                </p:cNvPr>
+                <p:cNvSpPr txBox="1"/>
+                <p:nvPr/>
+              </p:nvSpPr>
+              <p:spPr>
+                <a:xfrm>
+                  <a:off x="3807189" y="4643039"/>
+                  <a:ext cx="634084" cy="369332"/>
+                </a:xfrm>
+                <a:prstGeom prst="rect">
+                  <a:avLst/>
+                </a:prstGeom>
+                <a:noFill/>
+              </p:spPr>
+              <p:txBody>
+                <a:bodyPr wrap="none" rtlCol="0">
+                  <a:spAutoFit/>
+                </a:bodyPr>
+                <a:lstStyle/>
+                <a:p>
+                  <a:pPr/>
+                  <a14:m>
+                    <m:oMathPara xmlns:m="http://schemas.openxmlformats.org/officeDocument/2006/math">
+                      <m:oMathParaPr>
+                        <m:jc m:val="centerGroup"/>
+                      </m:oMathParaPr>
+                      <m:oMath xmlns:m="http://schemas.openxmlformats.org/officeDocument/2006/math">
+                        <m:r>
+                          <a:rPr lang="en-US" altLang="ko-KR" b="0" i="1" smtClean="0">
+                            <a:latin typeface="Cambria Math" panose="02040503050406030204" pitchFamily="18" charset="0"/>
+                          </a:rPr>
+                          <m:t>2</m:t>
+                        </m:r>
+                        <m:r>
+                          <m:rPr>
+                            <m:sty m:val="p"/>
+                          </m:rPr>
+                          <a:rPr lang="en-US" altLang="ko-KR" b="0" i="0" smtClean="0">
+                            <a:latin typeface="Cambria Math" panose="02040503050406030204" pitchFamily="18" charset="0"/>
+                          </a:rPr>
+                          <m:t>Δ</m:t>
+                        </m:r>
+                        <m:r>
+                          <a:rPr lang="en-US" altLang="ko-KR" b="0" i="1" smtClean="0">
+                            <a:latin typeface="Cambria Math" panose="02040503050406030204" pitchFamily="18" charset="0"/>
+                          </a:rPr>
+                          <m:t>𝑥</m:t>
+                        </m:r>
+                      </m:oMath>
+                    </m:oMathPara>
+                  </a14:m>
+                  <a:endParaRPr lang="ko-KR" altLang="en-US" dirty="0"/>
+                </a:p>
+              </p:txBody>
+            </p:sp>
+          </mc:Choice>
+          <mc:Fallback>
+            <p:sp>
+              <p:nvSpPr>
+                <p:cNvPr id="20" name="TextBox 19">
+                  <a:extLst>
+                    <a:ext uri="{FF2B5EF4-FFF2-40B4-BE49-F238E27FC236}">
+                      <a16:creationId xmlns:a16="http://schemas.microsoft.com/office/drawing/2014/main" id="{7B168901-8A12-41B2-8E13-B19114D24912}"/>
+                    </a:ext>
+                  </a:extLst>
+                </p:cNvPr>
+                <p:cNvSpPr txBox="1">
+                  <a:spLocks noRot="1" noChangeAspect="1" noMove="1" noResize="1" noEditPoints="1" noAdjustHandles="1" noChangeArrowheads="1" noChangeShapeType="1" noTextEdit="1"/>
+                </p:cNvSpPr>
+                <p:nvPr/>
+              </p:nvSpPr>
+              <p:spPr>
+                <a:xfrm>
+                  <a:off x="3807189" y="4643039"/>
+                  <a:ext cx="634084" cy="369332"/>
+                </a:xfrm>
+                <a:prstGeom prst="rect">
+                  <a:avLst/>
+                </a:prstGeom>
+                <a:blipFill>
+                  <a:blip r:embed="rId4"/>
+                  <a:stretch>
+                    <a:fillRect/>
+                  </a:stretch>
+                </a:blipFill>
+              </p:spPr>
+              <p:txBody>
+                <a:bodyPr/>
+                <a:lstStyle/>
+                <a:p>
+                  <a:r>
+                    <a:rPr lang="ko-KR" altLang="en-US">
+                      <a:noFill/>
+                    </a:rPr>
+                    <a:t> </a:t>
+                  </a:r>
+                </a:p>
+              </p:txBody>
+            </p:sp>
+          </mc:Fallback>
+        </mc:AlternateContent>
+      </p:grpSp>
+      <p:sp>
+        <p:nvSpPr>
+          <p:cNvPr id="23" name="원호 22">
+            <a:extLst>
+              <a:ext uri="{FF2B5EF4-FFF2-40B4-BE49-F238E27FC236}">
+                <a16:creationId xmlns:a16="http://schemas.microsoft.com/office/drawing/2014/main" id="{0C2B92C2-6E04-4ACB-88C0-7B61CCB3B2BC}"/>
+              </a:ext>
+            </a:extLst>
+          </p:cNvPr>
+          <p:cNvSpPr/>
+          <p:nvPr/>
+        </p:nvSpPr>
+        <p:spPr>
+          <a:xfrm rot="5400000" flipV="1">
+            <a:off x="1794127" y="3000369"/>
+            <a:ext cx="2921618" cy="522653"/>
+          </a:xfrm>
+          <a:prstGeom prst="arc">
+            <a:avLst>
+              <a:gd name="adj1" fmla="val 20198693"/>
+              <a:gd name="adj2" fmla="val 21591822"/>
+            </a:avLst>
+          </a:prstGeom>
+          <a:ln>
+            <a:solidFill>
+              <a:schemeClr val="tx1"/>
+            </a:solidFill>
+            <a:prstDash val="dash"/>
+          </a:ln>
+        </p:spPr>
+        <p:style>
+          <a:lnRef idx="1">
+            <a:schemeClr val="accent1"/>
+          </a:lnRef>
+          <a:fillRef idx="0">
+            <a:schemeClr val="accent1"/>
+          </a:fillRef>
+          <a:effectRef idx="0">
+            <a:schemeClr val="accent1"/>
+          </a:effectRef>
+          <a:fontRef idx="minor">
+            <a:schemeClr val="tx1"/>
+          </a:fontRef>
+        </p:style>
+        <p:txBody>
+          <a:bodyPr rtlCol="0" anchor="ctr"/>
+          <a:lstStyle/>
+          <a:p>
+            <a:pPr algn="ctr"/>
+            <a:endParaRPr lang="ko-KR" altLang="en-US"/>
+          </a:p>
+        </p:txBody>
+      </p:sp>
+      <p:sp>
+        <p:nvSpPr>
+          <p:cNvPr id="24" name="원호 23">
+            <a:extLst>
+              <a:ext uri="{FF2B5EF4-FFF2-40B4-BE49-F238E27FC236}">
+                <a16:creationId xmlns:a16="http://schemas.microsoft.com/office/drawing/2014/main" id="{79F9492E-8934-40F6-87CC-09BED87BFA49}"/>
+              </a:ext>
+            </a:extLst>
+          </p:cNvPr>
+          <p:cNvSpPr/>
+          <p:nvPr/>
+        </p:nvSpPr>
+        <p:spPr>
+          <a:xfrm rot="5400000" flipH="1" flipV="1">
+            <a:off x="1794128" y="3000369"/>
+            <a:ext cx="2921618" cy="522653"/>
+          </a:xfrm>
+          <a:prstGeom prst="arc">
+            <a:avLst>
+              <a:gd name="adj1" fmla="val 20198693"/>
+              <a:gd name="adj2" fmla="val 21591822"/>
+            </a:avLst>
+          </a:prstGeom>
+          <a:ln>
+            <a:solidFill>
+              <a:schemeClr val="tx1"/>
+            </a:solidFill>
+            <a:prstDash val="dash"/>
+          </a:ln>
+        </p:spPr>
+        <p:style>
+          <a:lnRef idx="1">
+            <a:schemeClr val="accent1"/>
+          </a:lnRef>
+          <a:fillRef idx="0">
+            <a:schemeClr val="accent1"/>
+          </a:fillRef>
+          <a:effectRef idx="0">
+            <a:schemeClr val="accent1"/>
+          </a:effectRef>
+          <a:fontRef idx="minor">
+            <a:schemeClr val="tx1"/>
+          </a:fontRef>
+        </p:style>
+        <p:txBody>
+          <a:bodyPr rtlCol="0" anchor="ctr"/>
+          <a:lstStyle/>
+          <a:p>
+            <a:pPr algn="ctr"/>
+            <a:endParaRPr lang="ko-KR" altLang="en-US"/>
+          </a:p>
+        </p:txBody>
+      </p:sp>
+      <mc:AlternateContent xmlns:mc="http://schemas.openxmlformats.org/markup-compatibility/2006">
+        <mc:Choice xmlns:a14="http://schemas.microsoft.com/office/drawing/2010/main" Requires="a14">
+          <p:sp>
+            <p:nvSpPr>
+              <p:cNvPr id="25" name="TextBox 24">
+                <a:extLst>
+                  <a:ext uri="{FF2B5EF4-FFF2-40B4-BE49-F238E27FC236}">
+                    <a16:creationId xmlns:a16="http://schemas.microsoft.com/office/drawing/2014/main" id="{4C158467-FD2C-4186-95B8-AEF2DC3153AB}"/>
+                  </a:ext>
+                </a:extLst>
+              </p:cNvPr>
+              <p:cNvSpPr txBox="1"/>
+              <p:nvPr/>
+            </p:nvSpPr>
+            <p:spPr>
+              <a:xfrm>
+                <a:off x="2648607" y="3120283"/>
+                <a:ext cx="634084" cy="369332"/>
+              </a:xfrm>
+              <a:prstGeom prst="rect">
+                <a:avLst/>
+              </a:prstGeom>
+              <a:noFill/>
+            </p:spPr>
+            <p:txBody>
+              <a:bodyPr wrap="none" rtlCol="0">
+                <a:spAutoFit/>
+              </a:bodyPr>
+              <a:lstStyle/>
+              <a:p>
+                <a:pPr/>
+                <a14:m>
+                  <m:oMathPara xmlns:m="http://schemas.openxmlformats.org/officeDocument/2006/math">
+                    <m:oMathParaPr>
+                      <m:jc m:val="centerGroup"/>
+                    </m:oMathParaPr>
+                    <m:oMath xmlns:m="http://schemas.openxmlformats.org/officeDocument/2006/math">
+                      <m:r>
+                        <a:rPr lang="en-US" altLang="ko-KR" b="0" i="1" smtClean="0">
+                          <a:latin typeface="Cambria Math" panose="02040503050406030204" pitchFamily="18" charset="0"/>
+                        </a:rPr>
+                        <m:t>2</m:t>
+                      </m:r>
+                      <m:r>
+                        <m:rPr>
+                          <m:sty m:val="p"/>
+                        </m:rPr>
+                        <a:rPr lang="en-US" altLang="ko-KR" b="0" i="0" smtClean="0">
+                          <a:latin typeface="Cambria Math" panose="02040503050406030204" pitchFamily="18" charset="0"/>
+                        </a:rPr>
+                        <m:t>Δ</m:t>
+                      </m:r>
+                      <m:r>
+                        <a:rPr lang="en-US" altLang="ko-KR" b="0" i="1" smtClean="0">
+                          <a:latin typeface="Cambria Math" panose="02040503050406030204" pitchFamily="18" charset="0"/>
+                        </a:rPr>
+                        <m:t>𝑦</m:t>
+                      </m:r>
+                    </m:oMath>
+                  </m:oMathPara>
+                </a14:m>
+                <a:endParaRPr lang="ko-KR" altLang="en-US" dirty="0"/>
+              </a:p>
+            </p:txBody>
+          </p:sp>
+        </mc:Choice>
+        <mc:Fallback>
+          <p:sp>
+            <p:nvSpPr>
+              <p:cNvPr id="25" name="TextBox 24">
+                <a:extLst>
+                  <a:ext uri="{FF2B5EF4-FFF2-40B4-BE49-F238E27FC236}">
+                    <a16:creationId xmlns:a16="http://schemas.microsoft.com/office/drawing/2014/main" id="{4C158467-FD2C-4186-95B8-AEF2DC3153AB}"/>
+                  </a:ext>
+                </a:extLst>
+              </p:cNvPr>
+              <p:cNvSpPr txBox="1">
+                <a:spLocks noRot="1" noChangeAspect="1" noMove="1" noResize="1" noEditPoints="1" noAdjustHandles="1" noChangeArrowheads="1" noChangeShapeType="1" noTextEdit="1"/>
+              </p:cNvSpPr>
+              <p:nvPr/>
+            </p:nvSpPr>
+            <p:spPr>
+              <a:xfrm>
+                <a:off x="2648607" y="3120283"/>
+                <a:ext cx="634084" cy="369332"/>
+              </a:xfrm>
+              <a:prstGeom prst="rect">
+                <a:avLst/>
+              </a:prstGeom>
+              <a:blipFill>
+                <a:blip r:embed="rId5"/>
+                <a:stretch>
+                  <a:fillRect b="-6667"/>
+                </a:stretch>
+              </a:blipFill>
+            </p:spPr>
+            <p:txBody>
+              <a:bodyPr/>
+              <a:lstStyle/>
+              <a:p>
+                <a:r>
+                  <a:rPr lang="ko-KR" altLang="en-US">
+                    <a:noFill/>
+                  </a:rPr>
+                  <a:t> </a:t>
+                </a:r>
+              </a:p>
+            </p:txBody>
+          </p:sp>
+        </mc:Fallback>
+      </mc:AlternateContent>
+      <p:sp>
+        <p:nvSpPr>
+          <p:cNvPr id="26" name="타원 25">
+            <a:extLst>
+              <a:ext uri="{FF2B5EF4-FFF2-40B4-BE49-F238E27FC236}">
+                <a16:creationId xmlns:a16="http://schemas.microsoft.com/office/drawing/2014/main" id="{B8231C6F-DC00-459C-88B5-BDBABB9EDF4B}"/>
+              </a:ext>
+            </a:extLst>
+          </p:cNvPr>
+          <p:cNvSpPr/>
+          <p:nvPr/>
+        </p:nvSpPr>
+        <p:spPr>
+          <a:xfrm>
+            <a:off x="6179975" y="3219348"/>
+            <a:ext cx="84694" cy="84694"/>
+          </a:xfrm>
+          <a:prstGeom prst="ellipse">
+            <a:avLst/>
+          </a:prstGeom>
+          <a:solidFill>
+            <a:srgbClr val="FF0000"/>
+          </a:solidFill>
+          <a:ln>
+            <a:noFill/>
+          </a:ln>
+        </p:spPr>
+        <p:style>
+          <a:lnRef idx="2">
+            <a:schemeClr val="accent1">
+              <a:shade val="50000"/>
+            </a:schemeClr>
+          </a:lnRef>
+          <a:fillRef idx="1">
+            <a:schemeClr val="accent1"/>
+          </a:fillRef>
+          <a:effectRef idx="0">
+            <a:schemeClr val="accent1"/>
+          </a:effectRef>
+          <a:fontRef idx="minor">
+            <a:schemeClr val="lt1"/>
+          </a:fontRef>
+        </p:style>
+        <p:txBody>
+          <a:bodyPr rtlCol="0" anchor="ctr"/>
+          <a:lstStyle/>
+          <a:p>
+            <a:pPr algn="ctr"/>
+            <a:endParaRPr lang="ko-KR" altLang="en-US"/>
+          </a:p>
+        </p:txBody>
+      </p:sp>
+      <p:sp>
+        <p:nvSpPr>
+          <p:cNvPr id="27" name="타원 26">
+            <a:extLst>
+              <a:ext uri="{FF2B5EF4-FFF2-40B4-BE49-F238E27FC236}">
+                <a16:creationId xmlns:a16="http://schemas.microsoft.com/office/drawing/2014/main" id="{8C73FFEB-9BBB-462D-B4C9-48C9039770D1}"/>
+              </a:ext>
+            </a:extLst>
+          </p:cNvPr>
+          <p:cNvSpPr/>
+          <p:nvPr/>
+        </p:nvSpPr>
+        <p:spPr>
+          <a:xfrm>
+            <a:off x="4726366" y="1767695"/>
+            <a:ext cx="84694" cy="84694"/>
+          </a:xfrm>
+          <a:prstGeom prst="ellipse">
+            <a:avLst/>
+          </a:prstGeom>
+          <a:solidFill>
+            <a:srgbClr val="00B0F0"/>
+          </a:solidFill>
+          <a:ln>
+            <a:noFill/>
+          </a:ln>
+        </p:spPr>
+        <p:style>
+          <a:lnRef idx="2">
+            <a:schemeClr val="accent1">
+              <a:shade val="50000"/>
+            </a:schemeClr>
+          </a:lnRef>
+          <a:fillRef idx="1">
+            <a:schemeClr val="accent1"/>
+          </a:fillRef>
+          <a:effectRef idx="0">
+            <a:schemeClr val="accent1"/>
+          </a:effectRef>
+          <a:fontRef idx="minor">
+            <a:schemeClr val="lt1"/>
+          </a:fontRef>
+        </p:style>
+        <p:txBody>
+          <a:bodyPr rtlCol="0" anchor="ctr"/>
+          <a:lstStyle/>
+          <a:p>
+            <a:pPr algn="ctr"/>
+            <a:endParaRPr lang="ko-KR" altLang="en-US"/>
+          </a:p>
+        </p:txBody>
+      </p:sp>
+      <p:sp>
+        <p:nvSpPr>
+          <p:cNvPr id="28" name="타원 27">
+            <a:extLst>
+              <a:ext uri="{FF2B5EF4-FFF2-40B4-BE49-F238E27FC236}">
+                <a16:creationId xmlns:a16="http://schemas.microsoft.com/office/drawing/2014/main" id="{841375BA-B26E-4468-85E6-2FD0121E6A0E}"/>
+              </a:ext>
+            </a:extLst>
+          </p:cNvPr>
+          <p:cNvSpPr/>
+          <p:nvPr/>
+        </p:nvSpPr>
+        <p:spPr>
+          <a:xfrm>
+            <a:off x="4726366" y="3214771"/>
+            <a:ext cx="84694" cy="84694"/>
+          </a:xfrm>
+          <a:prstGeom prst="ellipse">
+            <a:avLst/>
+          </a:prstGeom>
+          <a:solidFill>
+            <a:schemeClr val="accent6"/>
+          </a:solidFill>
+          <a:ln>
+            <a:noFill/>
+          </a:ln>
+        </p:spPr>
+        <p:style>
+          <a:lnRef idx="2">
+            <a:schemeClr val="accent1">
+              <a:shade val="50000"/>
+            </a:schemeClr>
+          </a:lnRef>
+          <a:fillRef idx="1">
+            <a:schemeClr val="accent1"/>
+          </a:fillRef>
+          <a:effectRef idx="0">
+            <a:schemeClr val="accent1"/>
+          </a:effectRef>
+          <a:fontRef idx="minor">
+            <a:schemeClr val="lt1"/>
+          </a:fontRef>
+        </p:style>
+        <p:txBody>
+          <a:bodyPr rtlCol="0" anchor="ctr"/>
+          <a:lstStyle/>
+          <a:p>
+            <a:pPr algn="ctr"/>
+            <a:endParaRPr lang="ko-KR" altLang="en-US"/>
+          </a:p>
+        </p:txBody>
+      </p:sp>
+      <p:sp>
+        <p:nvSpPr>
+          <p:cNvPr id="29" name="타원 28">
+            <a:extLst>
+              <a:ext uri="{FF2B5EF4-FFF2-40B4-BE49-F238E27FC236}">
+                <a16:creationId xmlns:a16="http://schemas.microsoft.com/office/drawing/2014/main" id="{CD122108-5253-402F-997C-C9F9322A0C41}"/>
+              </a:ext>
+            </a:extLst>
+          </p:cNvPr>
+          <p:cNvSpPr/>
+          <p:nvPr/>
+        </p:nvSpPr>
+        <p:spPr>
+          <a:xfrm>
+            <a:off x="3267470" y="3214771"/>
+            <a:ext cx="84694" cy="84694"/>
+          </a:xfrm>
+          <a:prstGeom prst="ellipse">
+            <a:avLst/>
+          </a:prstGeom>
+          <a:solidFill>
+            <a:srgbClr val="66FF66"/>
+          </a:solidFill>
+          <a:ln>
+            <a:noFill/>
+          </a:ln>
+        </p:spPr>
+        <p:style>
+          <a:lnRef idx="2">
+            <a:schemeClr val="accent1">
+              <a:shade val="50000"/>
+            </a:schemeClr>
+          </a:lnRef>
+          <a:fillRef idx="1">
+            <a:schemeClr val="accent1"/>
+          </a:fillRef>
+          <a:effectRef idx="0">
+            <a:schemeClr val="accent1"/>
+          </a:effectRef>
+          <a:fontRef idx="minor">
+            <a:schemeClr val="lt1"/>
+          </a:fontRef>
+        </p:style>
+        <p:txBody>
+          <a:bodyPr rtlCol="0" anchor="ctr"/>
+          <a:lstStyle/>
+          <a:p>
+            <a:pPr algn="ctr"/>
+            <a:endParaRPr lang="ko-KR" altLang="en-US"/>
+          </a:p>
+        </p:txBody>
+      </p:sp>
+      <p:sp>
+        <p:nvSpPr>
+          <p:cNvPr id="30" name="타원 29">
+            <a:extLst>
+              <a:ext uri="{FF2B5EF4-FFF2-40B4-BE49-F238E27FC236}">
+                <a16:creationId xmlns:a16="http://schemas.microsoft.com/office/drawing/2014/main" id="{F104C906-A813-4956-9D95-9F7DE3B74E81}"/>
+              </a:ext>
+            </a:extLst>
+          </p:cNvPr>
+          <p:cNvSpPr/>
+          <p:nvPr/>
+        </p:nvSpPr>
+        <p:spPr>
+          <a:xfrm>
+            <a:off x="4720073" y="4681252"/>
+            <a:ext cx="84694" cy="84694"/>
+          </a:xfrm>
+          <a:prstGeom prst="ellipse">
+            <a:avLst/>
+          </a:prstGeom>
+          <a:solidFill>
+            <a:srgbClr val="CB05AF"/>
+          </a:solidFill>
+          <a:ln>
+            <a:noFill/>
+          </a:ln>
+        </p:spPr>
+        <p:style>
+          <a:lnRef idx="2">
+            <a:schemeClr val="accent1">
+              <a:shade val="50000"/>
+            </a:schemeClr>
+          </a:lnRef>
+          <a:fillRef idx="1">
+            <a:schemeClr val="accent1"/>
+          </a:fillRef>
+          <a:effectRef idx="0">
+            <a:schemeClr val="accent1"/>
+          </a:effectRef>
+          <a:fontRef idx="minor">
+            <a:schemeClr val="lt1"/>
+          </a:fontRef>
+        </p:style>
+        <p:txBody>
+          <a:bodyPr rtlCol="0" anchor="ctr"/>
+          <a:lstStyle/>
+          <a:p>
+            <a:pPr algn="ctr"/>
+            <a:endParaRPr lang="ko-KR" altLang="en-US"/>
+          </a:p>
+        </p:txBody>
+      </p:sp>
+      <mc:AlternateContent xmlns:mc="http://schemas.openxmlformats.org/markup-compatibility/2006">
+        <mc:Choice xmlns:a14="http://schemas.microsoft.com/office/drawing/2010/main" Requires="a14">
+          <p:sp>
+            <p:nvSpPr>
+              <p:cNvPr id="31" name="TextBox 30">
+                <a:extLst>
+                  <a:ext uri="{FF2B5EF4-FFF2-40B4-BE49-F238E27FC236}">
+                    <a16:creationId xmlns:a16="http://schemas.microsoft.com/office/drawing/2014/main" id="{8D1DA3F1-0B60-41A2-89C6-C90E98E5A4EF}"/>
+                  </a:ext>
+                </a:extLst>
+              </p:cNvPr>
+              <p:cNvSpPr txBox="1"/>
+              <p:nvPr/>
+            </p:nvSpPr>
+            <p:spPr>
+              <a:xfrm>
+                <a:off x="6371121" y="2976299"/>
+                <a:ext cx="2071721" cy="646331"/>
+              </a:xfrm>
+              <a:prstGeom prst="rect">
+                <a:avLst/>
+              </a:prstGeom>
+              <a:noFill/>
+            </p:spPr>
+            <p:txBody>
+              <a:bodyPr wrap="none" rtlCol="0">
+                <a:spAutoFit/>
+              </a:bodyPr>
+              <a:lstStyle/>
+              <a:p>
+                <a14:m>
+                  <m:oMathPara xmlns:m="http://schemas.openxmlformats.org/officeDocument/2006/math">
+                    <m:oMathParaPr>
+                      <m:jc m:val="centerGroup"/>
+                    </m:oMathParaPr>
+                    <m:oMath xmlns:m="http://schemas.openxmlformats.org/officeDocument/2006/math">
+                      <m:sSub>
+                        <m:sSubPr>
+                          <m:ctrlPr>
+                            <a:rPr lang="en-US" altLang="ko-KR" b="0" i="1" smtClean="0">
+                              <a:solidFill>
+                                <a:srgbClr val="FF0000"/>
+                              </a:solidFill>
+                              <a:latin typeface="Cambria Math" panose="02040503050406030204" pitchFamily="18" charset="0"/>
+                            </a:rPr>
+                          </m:ctrlPr>
+                        </m:sSubPr>
+                        <m:e>
+                          <m:acc>
+                            <m:accPr>
+                              <m:chr m:val="⃗"/>
+                              <m:ctrlPr>
+                                <a:rPr lang="en-US" altLang="ko-KR" b="0" i="1" smtClean="0">
+                                  <a:solidFill>
+                                    <a:srgbClr val="FF0000"/>
+                                  </a:solidFill>
+                                  <a:latin typeface="Cambria Math" panose="02040503050406030204" pitchFamily="18" charset="0"/>
+                                </a:rPr>
+                              </m:ctrlPr>
+                            </m:accPr>
+                            <m:e>
+                              <m:r>
+                                <a:rPr lang="en-US" altLang="ko-KR" b="0" i="1" smtClean="0">
+                                  <a:solidFill>
+                                    <a:srgbClr val="FF0000"/>
+                                  </a:solidFill>
+                                  <a:latin typeface="Cambria Math" panose="02040503050406030204" pitchFamily="18" charset="0"/>
+                                </a:rPr>
+                                <m:t>𝑣</m:t>
+                              </m:r>
+                            </m:e>
+                          </m:acc>
+                        </m:e>
+                        <m:sub>
+                          <m:r>
+                            <a:rPr lang="en-US" altLang="ko-KR" b="0" i="1" smtClean="0">
+                              <a:solidFill>
+                                <a:srgbClr val="FF0000"/>
+                              </a:solidFill>
+                              <a:latin typeface="Cambria Math" panose="02040503050406030204" pitchFamily="18" charset="0"/>
+                            </a:rPr>
+                            <m:t>1</m:t>
+                          </m:r>
+                        </m:sub>
+                      </m:sSub>
+                      <m:r>
+                        <a:rPr lang="en-US" altLang="ko-KR" b="0" i="1" smtClean="0">
+                          <a:solidFill>
+                            <a:srgbClr val="FF0000"/>
+                          </a:solidFill>
+                          <a:latin typeface="Cambria Math" panose="02040503050406030204" pitchFamily="18" charset="0"/>
+                        </a:rPr>
+                        <m:t>=</m:t>
+                      </m:r>
+                      <m:r>
+                        <a:rPr lang="en-US" altLang="ko-KR" b="0" i="1" smtClean="0">
+                          <a:solidFill>
+                            <a:srgbClr val="FF0000"/>
+                          </a:solidFill>
+                          <a:latin typeface="Cambria Math" panose="02040503050406030204" pitchFamily="18" charset="0"/>
+                        </a:rPr>
+                        <m:t>𝑃</m:t>
+                      </m:r>
+                      <m:d>
+                        <m:dPr>
+                          <m:ctrlPr>
+                            <a:rPr lang="en-US" altLang="ko-KR" b="0" i="1" smtClean="0">
+                              <a:solidFill>
+                                <a:srgbClr val="FF0000"/>
+                              </a:solidFill>
+                              <a:latin typeface="Cambria Math" panose="02040503050406030204" pitchFamily="18" charset="0"/>
+                            </a:rPr>
+                          </m:ctrlPr>
+                        </m:dPr>
+                        <m:e>
+                          <m:r>
+                            <a:rPr lang="en-US" altLang="ko-KR" b="0" i="1" smtClean="0">
+                              <a:solidFill>
+                                <a:srgbClr val="FF0000"/>
+                              </a:solidFill>
+                              <a:latin typeface="Cambria Math" panose="02040503050406030204" pitchFamily="18" charset="0"/>
+                            </a:rPr>
+                            <m:t>𝑥</m:t>
+                          </m:r>
+                          <m:r>
+                            <a:rPr lang="en-US" altLang="ko-KR" b="0" i="1" smtClean="0">
+                              <a:solidFill>
+                                <a:srgbClr val="FF0000"/>
+                              </a:solidFill>
+                              <a:latin typeface="Cambria Math" panose="02040503050406030204" pitchFamily="18" charset="0"/>
+                            </a:rPr>
+                            <m:t>+</m:t>
+                          </m:r>
+                          <m:r>
+                            <m:rPr>
+                              <m:sty m:val="p"/>
+                            </m:rPr>
+                            <a:rPr lang="en-US" altLang="ko-KR" b="0" i="0" smtClean="0">
+                              <a:solidFill>
+                                <a:srgbClr val="FF0000"/>
+                              </a:solidFill>
+                              <a:latin typeface="Cambria Math" panose="02040503050406030204" pitchFamily="18" charset="0"/>
+                            </a:rPr>
+                            <m:t>Δ</m:t>
+                          </m:r>
+                          <m:r>
+                            <a:rPr lang="en-US" altLang="ko-KR" b="0" i="1" smtClean="0">
+                              <a:solidFill>
+                                <a:srgbClr val="FF0000"/>
+                              </a:solidFill>
+                              <a:latin typeface="Cambria Math" panose="02040503050406030204" pitchFamily="18" charset="0"/>
+                            </a:rPr>
+                            <m:t>𝑥</m:t>
+                          </m:r>
+                          <m:r>
+                            <a:rPr lang="en-US" altLang="ko-KR" b="0" i="1" smtClean="0">
+                              <a:solidFill>
+                                <a:srgbClr val="FF0000"/>
+                              </a:solidFill>
+                              <a:latin typeface="Cambria Math" panose="02040503050406030204" pitchFamily="18" charset="0"/>
+                            </a:rPr>
+                            <m:t>, </m:t>
+                          </m:r>
+                          <m:r>
+                            <a:rPr lang="en-US" altLang="ko-KR" b="0" i="1" smtClean="0">
+                              <a:solidFill>
+                                <a:srgbClr val="FF0000"/>
+                              </a:solidFill>
+                              <a:latin typeface="Cambria Math" panose="02040503050406030204" pitchFamily="18" charset="0"/>
+                            </a:rPr>
+                            <m:t>𝑦</m:t>
+                          </m:r>
+                        </m:e>
+                      </m:d>
+                      <m:acc>
+                        <m:accPr>
+                          <m:chr m:val="̂"/>
+                          <m:ctrlPr>
+                            <a:rPr lang="en-US" altLang="ko-KR" b="0" i="1" smtClean="0">
+                              <a:solidFill>
+                                <a:srgbClr val="FF0000"/>
+                              </a:solidFill>
+                              <a:latin typeface="Cambria Math" panose="02040503050406030204" pitchFamily="18" charset="0"/>
+                            </a:rPr>
+                          </m:ctrlPr>
+                        </m:accPr>
+                        <m:e>
+                          <m:r>
+                            <a:rPr lang="en-US" altLang="ko-KR" b="0" i="1" smtClean="0">
+                              <a:solidFill>
+                                <a:srgbClr val="FF0000"/>
+                              </a:solidFill>
+                              <a:latin typeface="Cambria Math" panose="02040503050406030204" pitchFamily="18" charset="0"/>
+                            </a:rPr>
+                            <m:t>𝑖</m:t>
+                          </m:r>
+                        </m:e>
+                      </m:acc>
+                    </m:oMath>
+                  </m:oMathPara>
+                </a14:m>
+                <a:endParaRPr lang="en-US" altLang="ko-KR" b="0" i="1" dirty="0">
+                  <a:solidFill>
+                    <a:srgbClr val="FF0000"/>
+                  </a:solidFill>
+                  <a:latin typeface="Cambria Math" panose="02040503050406030204" pitchFamily="18" charset="0"/>
+                </a:endParaRPr>
+              </a:p>
+              <a:p>
+                <a14:m>
+                  <m:oMathPara xmlns:m="http://schemas.openxmlformats.org/officeDocument/2006/math">
+                    <m:oMathParaPr>
+                      <m:jc m:val="centerGroup"/>
+                    </m:oMathParaPr>
+                    <m:oMath xmlns:m="http://schemas.openxmlformats.org/officeDocument/2006/math">
+                      <m:r>
+                        <a:rPr lang="en-US" altLang="ko-KR" b="0" i="1" smtClean="0">
+                          <a:solidFill>
+                            <a:srgbClr val="FF0000"/>
+                          </a:solidFill>
+                          <a:latin typeface="Cambria Math" panose="02040503050406030204" pitchFamily="18" charset="0"/>
+                        </a:rPr>
+                        <m:t>+</m:t>
+                      </m:r>
+                      <m:r>
+                        <a:rPr lang="en-US" altLang="ko-KR" b="0" i="1" smtClean="0">
+                          <a:solidFill>
+                            <a:srgbClr val="FF0000"/>
+                          </a:solidFill>
+                          <a:latin typeface="Cambria Math" panose="02040503050406030204" pitchFamily="18" charset="0"/>
+                        </a:rPr>
+                        <m:t>𝑄</m:t>
+                      </m:r>
+                      <m:d>
+                        <m:dPr>
+                          <m:ctrlPr>
+                            <a:rPr lang="en-US" altLang="ko-KR" b="0" i="1" smtClean="0">
+                              <a:solidFill>
+                                <a:srgbClr val="FF0000"/>
+                              </a:solidFill>
+                              <a:latin typeface="Cambria Math" panose="02040503050406030204" pitchFamily="18" charset="0"/>
+                            </a:rPr>
+                          </m:ctrlPr>
+                        </m:dPr>
+                        <m:e>
+                          <m:r>
+                            <a:rPr lang="en-US" altLang="ko-KR" b="0" i="1" smtClean="0">
+                              <a:solidFill>
+                                <a:srgbClr val="FF0000"/>
+                              </a:solidFill>
+                              <a:latin typeface="Cambria Math" panose="02040503050406030204" pitchFamily="18" charset="0"/>
+                            </a:rPr>
+                            <m:t>𝑥</m:t>
+                          </m:r>
+                          <m:r>
+                            <a:rPr lang="en-US" altLang="ko-KR" b="0" i="1" smtClean="0">
+                              <a:solidFill>
+                                <a:srgbClr val="FF0000"/>
+                              </a:solidFill>
+                              <a:latin typeface="Cambria Math" panose="02040503050406030204" pitchFamily="18" charset="0"/>
+                            </a:rPr>
+                            <m:t>+</m:t>
+                          </m:r>
+                          <m:r>
+                            <m:rPr>
+                              <m:sty m:val="p"/>
+                            </m:rPr>
+                            <a:rPr lang="en-US" altLang="ko-KR" b="0" i="0" smtClean="0">
+                              <a:solidFill>
+                                <a:srgbClr val="FF0000"/>
+                              </a:solidFill>
+                              <a:latin typeface="Cambria Math" panose="02040503050406030204" pitchFamily="18" charset="0"/>
+                            </a:rPr>
+                            <m:t>Δ</m:t>
+                          </m:r>
+                          <m:r>
+                            <a:rPr lang="en-US" altLang="ko-KR" b="0" i="1" smtClean="0">
+                              <a:solidFill>
+                                <a:srgbClr val="FF0000"/>
+                              </a:solidFill>
+                              <a:latin typeface="Cambria Math" panose="02040503050406030204" pitchFamily="18" charset="0"/>
+                            </a:rPr>
+                            <m:t>𝑥</m:t>
+                          </m:r>
+                          <m:r>
+                            <a:rPr lang="en-US" altLang="ko-KR" b="0" i="1" smtClean="0">
+                              <a:solidFill>
+                                <a:srgbClr val="FF0000"/>
+                              </a:solidFill>
+                              <a:latin typeface="Cambria Math" panose="02040503050406030204" pitchFamily="18" charset="0"/>
+                            </a:rPr>
+                            <m:t>, </m:t>
+                          </m:r>
+                          <m:r>
+                            <a:rPr lang="en-US" altLang="ko-KR" b="0" i="1" smtClean="0">
+                              <a:solidFill>
+                                <a:srgbClr val="FF0000"/>
+                              </a:solidFill>
+                              <a:latin typeface="Cambria Math" panose="02040503050406030204" pitchFamily="18" charset="0"/>
+                            </a:rPr>
+                            <m:t>𝑦</m:t>
+                          </m:r>
+                        </m:e>
+                      </m:d>
+                      <m:acc>
+                        <m:accPr>
+                          <m:chr m:val="̂"/>
+                          <m:ctrlPr>
+                            <a:rPr lang="en-US" altLang="ko-KR" b="0" i="1" smtClean="0">
+                              <a:solidFill>
+                                <a:srgbClr val="FF0000"/>
+                              </a:solidFill>
+                              <a:latin typeface="Cambria Math" panose="02040503050406030204" pitchFamily="18" charset="0"/>
+                            </a:rPr>
+                          </m:ctrlPr>
+                        </m:accPr>
+                        <m:e>
+                          <m:r>
+                            <a:rPr lang="en-US" altLang="ko-KR" b="0" i="1" smtClean="0">
+                              <a:solidFill>
+                                <a:srgbClr val="FF0000"/>
+                              </a:solidFill>
+                              <a:latin typeface="Cambria Math" panose="02040503050406030204" pitchFamily="18" charset="0"/>
+                            </a:rPr>
+                            <m:t>𝑗</m:t>
+                          </m:r>
+                        </m:e>
+                      </m:acc>
+                    </m:oMath>
+                  </m:oMathPara>
+                </a14:m>
+                <a:endParaRPr lang="ko-KR" altLang="en-US" dirty="0">
+                  <a:solidFill>
+                    <a:srgbClr val="FF0000"/>
+                  </a:solidFill>
+                </a:endParaRPr>
+              </a:p>
+            </p:txBody>
+          </p:sp>
+        </mc:Choice>
+        <mc:Fallback>
+          <p:sp>
+            <p:nvSpPr>
+              <p:cNvPr id="31" name="TextBox 30">
+                <a:extLst>
+                  <a:ext uri="{FF2B5EF4-FFF2-40B4-BE49-F238E27FC236}">
+                    <a16:creationId xmlns:a16="http://schemas.microsoft.com/office/drawing/2014/main" id="{8D1DA3F1-0B60-41A2-89C6-C90E98E5A4EF}"/>
+                  </a:ext>
+                </a:extLst>
+              </p:cNvPr>
+              <p:cNvSpPr txBox="1">
+                <a:spLocks noRot="1" noChangeAspect="1" noMove="1" noResize="1" noEditPoints="1" noAdjustHandles="1" noChangeArrowheads="1" noChangeShapeType="1" noTextEdit="1"/>
+              </p:cNvSpPr>
+              <p:nvPr/>
+            </p:nvSpPr>
+            <p:spPr>
+              <a:xfrm>
+                <a:off x="6371121" y="2976299"/>
+                <a:ext cx="2071721" cy="646331"/>
+              </a:xfrm>
+              <a:prstGeom prst="rect">
+                <a:avLst/>
+              </a:prstGeom>
+              <a:blipFill>
+                <a:blip r:embed="rId6"/>
+                <a:stretch>
+                  <a:fillRect t="-12264" r="-11176" b="-5660"/>
+                </a:stretch>
+              </a:blipFill>
+            </p:spPr>
+            <p:txBody>
+              <a:bodyPr/>
+              <a:lstStyle/>
+              <a:p>
+                <a:r>
+                  <a:rPr lang="ko-KR" altLang="en-US">
+                    <a:noFill/>
+                  </a:rPr>
+                  <a:t> </a:t>
+                </a:r>
+              </a:p>
+            </p:txBody>
+          </p:sp>
+        </mc:Fallback>
+      </mc:AlternateContent>
+      <mc:AlternateContent xmlns:mc="http://schemas.openxmlformats.org/markup-compatibility/2006">
+        <mc:Choice xmlns:a14="http://schemas.microsoft.com/office/drawing/2010/main" Requires="a14">
+          <p:sp>
+            <p:nvSpPr>
+              <p:cNvPr id="32" name="TextBox 31">
+                <a:extLst>
+                  <a:ext uri="{FF2B5EF4-FFF2-40B4-BE49-F238E27FC236}">
+                    <a16:creationId xmlns:a16="http://schemas.microsoft.com/office/drawing/2014/main" id="{12BEEE71-9648-478D-A8BC-705095174685}"/>
+                  </a:ext>
+                </a:extLst>
+              </p:cNvPr>
+              <p:cNvSpPr txBox="1"/>
+              <p:nvPr/>
+            </p:nvSpPr>
+            <p:spPr>
+              <a:xfrm>
+                <a:off x="3732852" y="1064978"/>
+                <a:ext cx="2080441" cy="646331"/>
+              </a:xfrm>
+              <a:prstGeom prst="rect">
+                <a:avLst/>
+              </a:prstGeom>
+              <a:noFill/>
+            </p:spPr>
+            <p:txBody>
+              <a:bodyPr wrap="none" rtlCol="0">
+                <a:spAutoFit/>
+              </a:bodyPr>
+              <a:lstStyle/>
+              <a:p>
+                <a14:m>
+                  <m:oMathPara xmlns:m="http://schemas.openxmlformats.org/officeDocument/2006/math">
+                    <m:oMathParaPr>
+                      <m:jc m:val="centerGroup"/>
+                    </m:oMathParaPr>
+                    <m:oMath xmlns:m="http://schemas.openxmlformats.org/officeDocument/2006/math">
+                      <m:sSub>
+                        <m:sSubPr>
+                          <m:ctrlPr>
+                            <a:rPr lang="en-US" altLang="ko-KR" b="0" i="1" smtClean="0">
+                              <a:solidFill>
+                                <a:srgbClr val="00B0F0"/>
+                              </a:solidFill>
+                              <a:latin typeface="Cambria Math" panose="02040503050406030204" pitchFamily="18" charset="0"/>
+                            </a:rPr>
+                          </m:ctrlPr>
+                        </m:sSubPr>
+                        <m:e>
+                          <m:acc>
+                            <m:accPr>
+                              <m:chr m:val="⃗"/>
+                              <m:ctrlPr>
+                                <a:rPr lang="en-US" altLang="ko-KR" b="0" i="1" smtClean="0">
+                                  <a:solidFill>
+                                    <a:srgbClr val="00B0F0"/>
+                                  </a:solidFill>
+                                  <a:latin typeface="Cambria Math" panose="02040503050406030204" pitchFamily="18" charset="0"/>
+                                </a:rPr>
+                              </m:ctrlPr>
+                            </m:accPr>
+                            <m:e>
+                              <m:r>
+                                <a:rPr lang="en-US" altLang="ko-KR" b="0" i="1" smtClean="0">
+                                  <a:solidFill>
+                                    <a:srgbClr val="00B0F0"/>
+                                  </a:solidFill>
+                                  <a:latin typeface="Cambria Math" panose="02040503050406030204" pitchFamily="18" charset="0"/>
+                                </a:rPr>
+                                <m:t>𝑣</m:t>
+                              </m:r>
+                            </m:e>
+                          </m:acc>
+                        </m:e>
+                        <m:sub>
+                          <m:r>
+                            <a:rPr lang="en-US" altLang="ko-KR" b="0" i="1" smtClean="0">
+                              <a:solidFill>
+                                <a:srgbClr val="00B0F0"/>
+                              </a:solidFill>
+                              <a:latin typeface="Cambria Math" panose="02040503050406030204" pitchFamily="18" charset="0"/>
+                            </a:rPr>
+                            <m:t>2</m:t>
+                          </m:r>
+                        </m:sub>
+                      </m:sSub>
+                      <m:r>
+                        <a:rPr lang="en-US" altLang="ko-KR" b="0" i="1" smtClean="0">
+                          <a:solidFill>
+                            <a:srgbClr val="00B0F0"/>
+                          </a:solidFill>
+                          <a:latin typeface="Cambria Math" panose="02040503050406030204" pitchFamily="18" charset="0"/>
+                        </a:rPr>
+                        <m:t>=</m:t>
+                      </m:r>
+                      <m:r>
+                        <a:rPr lang="en-US" altLang="ko-KR" b="0" i="1" smtClean="0">
+                          <a:solidFill>
+                            <a:srgbClr val="00B0F0"/>
+                          </a:solidFill>
+                          <a:latin typeface="Cambria Math" panose="02040503050406030204" pitchFamily="18" charset="0"/>
+                        </a:rPr>
+                        <m:t>𝑃</m:t>
+                      </m:r>
+                      <m:d>
+                        <m:dPr>
+                          <m:ctrlPr>
+                            <a:rPr lang="en-US" altLang="ko-KR" b="0" i="1" smtClean="0">
+                              <a:solidFill>
+                                <a:srgbClr val="00B0F0"/>
+                              </a:solidFill>
+                              <a:latin typeface="Cambria Math" panose="02040503050406030204" pitchFamily="18" charset="0"/>
+                            </a:rPr>
+                          </m:ctrlPr>
+                        </m:dPr>
+                        <m:e>
+                          <m:r>
+                            <a:rPr lang="en-US" altLang="ko-KR" b="0" i="1" smtClean="0">
+                              <a:solidFill>
+                                <a:srgbClr val="00B0F0"/>
+                              </a:solidFill>
+                              <a:latin typeface="Cambria Math" panose="02040503050406030204" pitchFamily="18" charset="0"/>
+                            </a:rPr>
+                            <m:t>𝑥</m:t>
+                          </m:r>
+                          <m:r>
+                            <a:rPr lang="en-US" altLang="ko-KR" b="0" i="1" smtClean="0">
+                              <a:solidFill>
+                                <a:srgbClr val="00B0F0"/>
+                              </a:solidFill>
+                              <a:latin typeface="Cambria Math" panose="02040503050406030204" pitchFamily="18" charset="0"/>
+                            </a:rPr>
+                            <m:t>, </m:t>
+                          </m:r>
+                          <m:r>
+                            <a:rPr lang="en-US" altLang="ko-KR" b="0" i="1" smtClean="0">
+                              <a:solidFill>
+                                <a:srgbClr val="00B0F0"/>
+                              </a:solidFill>
+                              <a:latin typeface="Cambria Math" panose="02040503050406030204" pitchFamily="18" charset="0"/>
+                            </a:rPr>
+                            <m:t>𝑦</m:t>
+                          </m:r>
+                          <m:r>
+                            <a:rPr lang="en-US" altLang="ko-KR" b="0" i="1" smtClean="0">
+                              <a:solidFill>
+                                <a:srgbClr val="00B0F0"/>
+                              </a:solidFill>
+                              <a:latin typeface="Cambria Math" panose="02040503050406030204" pitchFamily="18" charset="0"/>
+                            </a:rPr>
+                            <m:t>+</m:t>
+                          </m:r>
+                          <m:r>
+                            <m:rPr>
+                              <m:sty m:val="p"/>
+                            </m:rPr>
+                            <a:rPr lang="en-US" altLang="ko-KR" b="0" i="0" smtClean="0">
+                              <a:solidFill>
+                                <a:srgbClr val="00B0F0"/>
+                              </a:solidFill>
+                              <a:latin typeface="Cambria Math" panose="02040503050406030204" pitchFamily="18" charset="0"/>
+                            </a:rPr>
+                            <m:t>Δ</m:t>
+                          </m:r>
+                          <m:r>
+                            <a:rPr lang="en-US" altLang="ko-KR" b="0" i="1" smtClean="0">
+                              <a:solidFill>
+                                <a:srgbClr val="00B0F0"/>
+                              </a:solidFill>
+                              <a:latin typeface="Cambria Math" panose="02040503050406030204" pitchFamily="18" charset="0"/>
+                            </a:rPr>
+                            <m:t>𝑦</m:t>
+                          </m:r>
+                        </m:e>
+                      </m:d>
+                      <m:acc>
+                        <m:accPr>
+                          <m:chr m:val="̂"/>
+                          <m:ctrlPr>
+                            <a:rPr lang="en-US" altLang="ko-KR" b="0" i="1" smtClean="0">
+                              <a:solidFill>
+                                <a:srgbClr val="00B0F0"/>
+                              </a:solidFill>
+                              <a:latin typeface="Cambria Math" panose="02040503050406030204" pitchFamily="18" charset="0"/>
+                            </a:rPr>
+                          </m:ctrlPr>
+                        </m:accPr>
+                        <m:e>
+                          <m:r>
+                            <a:rPr lang="en-US" altLang="ko-KR" b="0" i="1" smtClean="0">
+                              <a:solidFill>
+                                <a:srgbClr val="00B0F0"/>
+                              </a:solidFill>
+                              <a:latin typeface="Cambria Math" panose="02040503050406030204" pitchFamily="18" charset="0"/>
+                            </a:rPr>
+                            <m:t>𝑖</m:t>
+                          </m:r>
+                        </m:e>
+                      </m:acc>
+                    </m:oMath>
+                  </m:oMathPara>
+                </a14:m>
+                <a:endParaRPr lang="en-US" altLang="ko-KR" b="0" i="1" dirty="0">
+                  <a:solidFill>
+                    <a:srgbClr val="00B0F0"/>
+                  </a:solidFill>
+                  <a:latin typeface="Cambria Math" panose="02040503050406030204" pitchFamily="18" charset="0"/>
+                </a:endParaRPr>
+              </a:p>
+              <a:p>
+                <a14:m>
+                  <m:oMathPara xmlns:m="http://schemas.openxmlformats.org/officeDocument/2006/math">
+                    <m:oMathParaPr>
+                      <m:jc m:val="centerGroup"/>
+                    </m:oMathParaPr>
+                    <m:oMath xmlns:m="http://schemas.openxmlformats.org/officeDocument/2006/math">
+                      <m:r>
+                        <a:rPr lang="en-US" altLang="ko-KR" b="0" i="1" smtClean="0">
+                          <a:solidFill>
+                            <a:srgbClr val="00B0F0"/>
+                          </a:solidFill>
+                          <a:latin typeface="Cambria Math" panose="02040503050406030204" pitchFamily="18" charset="0"/>
+                        </a:rPr>
+                        <m:t>+</m:t>
+                      </m:r>
+                      <m:r>
+                        <a:rPr lang="en-US" altLang="ko-KR" b="0" i="1" smtClean="0">
+                          <a:solidFill>
+                            <a:srgbClr val="00B0F0"/>
+                          </a:solidFill>
+                          <a:latin typeface="Cambria Math" panose="02040503050406030204" pitchFamily="18" charset="0"/>
+                        </a:rPr>
+                        <m:t>𝑄</m:t>
+                      </m:r>
+                      <m:d>
+                        <m:dPr>
+                          <m:ctrlPr>
+                            <a:rPr lang="en-US" altLang="ko-KR" b="0" i="1" smtClean="0">
+                              <a:solidFill>
+                                <a:srgbClr val="00B0F0"/>
+                              </a:solidFill>
+                              <a:latin typeface="Cambria Math" panose="02040503050406030204" pitchFamily="18" charset="0"/>
+                            </a:rPr>
+                          </m:ctrlPr>
+                        </m:dPr>
+                        <m:e>
+                          <m:r>
+                            <a:rPr lang="en-US" altLang="ko-KR" b="0" i="1" smtClean="0">
+                              <a:solidFill>
+                                <a:srgbClr val="00B0F0"/>
+                              </a:solidFill>
+                              <a:latin typeface="Cambria Math" panose="02040503050406030204" pitchFamily="18" charset="0"/>
+                            </a:rPr>
+                            <m:t>𝑥</m:t>
+                          </m:r>
+                          <m:r>
+                            <a:rPr lang="en-US" altLang="ko-KR" b="0" i="1" smtClean="0">
+                              <a:solidFill>
+                                <a:srgbClr val="00B0F0"/>
+                              </a:solidFill>
+                              <a:latin typeface="Cambria Math" panose="02040503050406030204" pitchFamily="18" charset="0"/>
+                            </a:rPr>
+                            <m:t>, </m:t>
+                          </m:r>
+                          <m:r>
+                            <a:rPr lang="en-US" altLang="ko-KR" b="0" i="1" smtClean="0">
+                              <a:solidFill>
+                                <a:srgbClr val="00B0F0"/>
+                              </a:solidFill>
+                              <a:latin typeface="Cambria Math" panose="02040503050406030204" pitchFamily="18" charset="0"/>
+                            </a:rPr>
+                            <m:t>𝑦</m:t>
+                          </m:r>
+                          <m:r>
+                            <a:rPr lang="en-US" altLang="ko-KR" b="0" i="1" smtClean="0">
+                              <a:solidFill>
+                                <a:srgbClr val="00B0F0"/>
+                              </a:solidFill>
+                              <a:latin typeface="Cambria Math" panose="02040503050406030204" pitchFamily="18" charset="0"/>
+                            </a:rPr>
+                            <m:t>+</m:t>
+                          </m:r>
+                          <m:r>
+                            <m:rPr>
+                              <m:sty m:val="p"/>
+                            </m:rPr>
+                            <a:rPr lang="en-US" altLang="ko-KR" b="0" i="0" smtClean="0">
+                              <a:solidFill>
+                                <a:srgbClr val="00B0F0"/>
+                              </a:solidFill>
+                              <a:latin typeface="Cambria Math" panose="02040503050406030204" pitchFamily="18" charset="0"/>
+                            </a:rPr>
+                            <m:t>Δ</m:t>
+                          </m:r>
+                          <m:r>
+                            <a:rPr lang="en-US" altLang="ko-KR" b="0" i="1" smtClean="0">
+                              <a:solidFill>
+                                <a:srgbClr val="00B0F0"/>
+                              </a:solidFill>
+                              <a:latin typeface="Cambria Math" panose="02040503050406030204" pitchFamily="18" charset="0"/>
+                            </a:rPr>
+                            <m:t>𝑦</m:t>
+                          </m:r>
+                        </m:e>
+                      </m:d>
+                      <m:acc>
+                        <m:accPr>
+                          <m:chr m:val="̂"/>
+                          <m:ctrlPr>
+                            <a:rPr lang="en-US" altLang="ko-KR" b="0" i="1" smtClean="0">
+                              <a:solidFill>
+                                <a:srgbClr val="00B0F0"/>
+                              </a:solidFill>
+                              <a:latin typeface="Cambria Math" panose="02040503050406030204" pitchFamily="18" charset="0"/>
+                            </a:rPr>
+                          </m:ctrlPr>
+                        </m:accPr>
+                        <m:e>
+                          <m:r>
+                            <a:rPr lang="en-US" altLang="ko-KR" b="0" i="1" smtClean="0">
+                              <a:solidFill>
+                                <a:srgbClr val="00B0F0"/>
+                              </a:solidFill>
+                              <a:latin typeface="Cambria Math" panose="02040503050406030204" pitchFamily="18" charset="0"/>
+                            </a:rPr>
+                            <m:t>𝑗</m:t>
+                          </m:r>
+                        </m:e>
+                      </m:acc>
+                    </m:oMath>
+                  </m:oMathPara>
+                </a14:m>
+                <a:endParaRPr lang="ko-KR" altLang="en-US" dirty="0">
+                  <a:solidFill>
+                    <a:srgbClr val="00B0F0"/>
+                  </a:solidFill>
+                </a:endParaRPr>
+              </a:p>
+            </p:txBody>
+          </p:sp>
+        </mc:Choice>
+        <mc:Fallback>
+          <p:sp>
+            <p:nvSpPr>
+              <p:cNvPr id="32" name="TextBox 31">
+                <a:extLst>
+                  <a:ext uri="{FF2B5EF4-FFF2-40B4-BE49-F238E27FC236}">
+                    <a16:creationId xmlns:a16="http://schemas.microsoft.com/office/drawing/2014/main" id="{12BEEE71-9648-478D-A8BC-705095174685}"/>
+                  </a:ext>
+                </a:extLst>
+              </p:cNvPr>
+              <p:cNvSpPr txBox="1">
+                <a:spLocks noRot="1" noChangeAspect="1" noMove="1" noResize="1" noEditPoints="1" noAdjustHandles="1" noChangeArrowheads="1" noChangeShapeType="1" noTextEdit="1"/>
+              </p:cNvSpPr>
+              <p:nvPr/>
+            </p:nvSpPr>
+            <p:spPr>
+              <a:xfrm>
+                <a:off x="3732852" y="1064978"/>
+                <a:ext cx="2080441" cy="646331"/>
+              </a:xfrm>
+              <a:prstGeom prst="rect">
+                <a:avLst/>
+              </a:prstGeom>
+              <a:blipFill>
+                <a:blip r:embed="rId7"/>
+                <a:stretch>
+                  <a:fillRect t="-12264" r="-11111" b="-4717"/>
+                </a:stretch>
+              </a:blipFill>
+            </p:spPr>
+            <p:txBody>
+              <a:bodyPr/>
+              <a:lstStyle/>
+              <a:p>
+                <a:r>
+                  <a:rPr lang="ko-KR" altLang="en-US">
+                    <a:noFill/>
+                  </a:rPr>
+                  <a:t> </a:t>
+                </a:r>
+              </a:p>
+            </p:txBody>
+          </p:sp>
+        </mc:Fallback>
+      </mc:AlternateContent>
+      <mc:AlternateContent xmlns:mc="http://schemas.openxmlformats.org/markup-compatibility/2006">
+        <mc:Choice xmlns:a14="http://schemas.microsoft.com/office/drawing/2010/main" Requires="a14">
+          <p:sp>
+            <p:nvSpPr>
+              <p:cNvPr id="33" name="TextBox 32">
+                <a:extLst>
+                  <a:ext uri="{FF2B5EF4-FFF2-40B4-BE49-F238E27FC236}">
+                    <a16:creationId xmlns:a16="http://schemas.microsoft.com/office/drawing/2014/main" id="{927E2139-203B-405A-A9D5-6A3353A5B890}"/>
+                  </a:ext>
+                </a:extLst>
+              </p:cNvPr>
+              <p:cNvSpPr txBox="1"/>
+              <p:nvPr/>
+            </p:nvSpPr>
+            <p:spPr>
+              <a:xfrm>
+                <a:off x="701158" y="2978518"/>
+                <a:ext cx="2077042" cy="646331"/>
+              </a:xfrm>
+              <a:prstGeom prst="rect">
+                <a:avLst/>
+              </a:prstGeom>
+              <a:noFill/>
+            </p:spPr>
+            <p:txBody>
+              <a:bodyPr wrap="none" rtlCol="0">
+                <a:spAutoFit/>
+              </a:bodyPr>
+              <a:lstStyle/>
+              <a:p>
+                <a14:m>
+                  <m:oMathPara xmlns:m="http://schemas.openxmlformats.org/officeDocument/2006/math">
+                    <m:oMathParaPr>
+                      <m:jc m:val="centerGroup"/>
+                    </m:oMathParaPr>
+                    <m:oMath xmlns:m="http://schemas.openxmlformats.org/officeDocument/2006/math">
+                      <m:sSub>
+                        <m:sSubPr>
+                          <m:ctrlPr>
+                            <a:rPr lang="en-US" altLang="ko-KR" b="0" i="1" smtClean="0">
+                              <a:solidFill>
+                                <a:srgbClr val="00B050"/>
+                              </a:solidFill>
+                              <a:latin typeface="Cambria Math" panose="02040503050406030204" pitchFamily="18" charset="0"/>
+                            </a:rPr>
+                          </m:ctrlPr>
+                        </m:sSubPr>
+                        <m:e>
+                          <m:acc>
+                            <m:accPr>
+                              <m:chr m:val="⃗"/>
+                              <m:ctrlPr>
+                                <a:rPr lang="en-US" altLang="ko-KR" b="0" i="1" smtClean="0">
+                                  <a:solidFill>
+                                    <a:srgbClr val="00B050"/>
+                                  </a:solidFill>
+                                  <a:latin typeface="Cambria Math" panose="02040503050406030204" pitchFamily="18" charset="0"/>
+                                </a:rPr>
+                              </m:ctrlPr>
+                            </m:accPr>
+                            <m:e>
+                              <m:r>
+                                <a:rPr lang="en-US" altLang="ko-KR" b="0" i="1" smtClean="0">
+                                  <a:solidFill>
+                                    <a:srgbClr val="00B050"/>
+                                  </a:solidFill>
+                                  <a:latin typeface="Cambria Math" panose="02040503050406030204" pitchFamily="18" charset="0"/>
+                                </a:rPr>
+                                <m:t>𝑣</m:t>
+                              </m:r>
+                            </m:e>
+                          </m:acc>
+                        </m:e>
+                        <m:sub>
+                          <m:r>
+                            <a:rPr lang="en-US" altLang="ko-KR" b="0" i="1" smtClean="0">
+                              <a:solidFill>
+                                <a:srgbClr val="00B050"/>
+                              </a:solidFill>
+                              <a:latin typeface="Cambria Math" panose="02040503050406030204" pitchFamily="18" charset="0"/>
+                            </a:rPr>
+                            <m:t>3</m:t>
+                          </m:r>
+                        </m:sub>
+                      </m:sSub>
+                      <m:r>
+                        <a:rPr lang="en-US" altLang="ko-KR" b="0" i="1" smtClean="0">
+                          <a:solidFill>
+                            <a:srgbClr val="00B050"/>
+                          </a:solidFill>
+                          <a:latin typeface="Cambria Math" panose="02040503050406030204" pitchFamily="18" charset="0"/>
+                        </a:rPr>
+                        <m:t>=</m:t>
+                      </m:r>
+                      <m:r>
+                        <a:rPr lang="en-US" altLang="ko-KR" b="0" i="1" smtClean="0">
+                          <a:solidFill>
+                            <a:srgbClr val="00B050"/>
+                          </a:solidFill>
+                          <a:latin typeface="Cambria Math" panose="02040503050406030204" pitchFamily="18" charset="0"/>
+                        </a:rPr>
+                        <m:t>𝑃</m:t>
+                      </m:r>
+                      <m:d>
+                        <m:dPr>
+                          <m:ctrlPr>
+                            <a:rPr lang="en-US" altLang="ko-KR" b="0" i="1" smtClean="0">
+                              <a:solidFill>
+                                <a:srgbClr val="00B050"/>
+                              </a:solidFill>
+                              <a:latin typeface="Cambria Math" panose="02040503050406030204" pitchFamily="18" charset="0"/>
+                            </a:rPr>
+                          </m:ctrlPr>
+                        </m:dPr>
+                        <m:e>
+                          <m:r>
+                            <a:rPr lang="en-US" altLang="ko-KR" b="0" i="1" smtClean="0">
+                              <a:solidFill>
+                                <a:srgbClr val="00B050"/>
+                              </a:solidFill>
+                              <a:latin typeface="Cambria Math" panose="02040503050406030204" pitchFamily="18" charset="0"/>
+                            </a:rPr>
+                            <m:t>𝑥</m:t>
+                          </m:r>
+                          <m:r>
+                            <a:rPr lang="en-US" altLang="ko-KR" b="0" i="1" smtClean="0">
+                              <a:solidFill>
+                                <a:srgbClr val="00B050"/>
+                              </a:solidFill>
+                              <a:latin typeface="Cambria Math" panose="02040503050406030204" pitchFamily="18" charset="0"/>
+                            </a:rPr>
+                            <m:t>−</m:t>
+                          </m:r>
+                          <m:r>
+                            <m:rPr>
+                              <m:sty m:val="p"/>
+                            </m:rPr>
+                            <a:rPr lang="en-US" altLang="ko-KR" b="0" i="0" smtClean="0">
+                              <a:solidFill>
+                                <a:srgbClr val="00B050"/>
+                              </a:solidFill>
+                              <a:latin typeface="Cambria Math" panose="02040503050406030204" pitchFamily="18" charset="0"/>
+                            </a:rPr>
+                            <m:t>Δ</m:t>
+                          </m:r>
+                          <m:r>
+                            <a:rPr lang="en-US" altLang="ko-KR" b="0" i="1" smtClean="0">
+                              <a:solidFill>
+                                <a:srgbClr val="00B050"/>
+                              </a:solidFill>
+                              <a:latin typeface="Cambria Math" panose="02040503050406030204" pitchFamily="18" charset="0"/>
+                            </a:rPr>
+                            <m:t>𝑥</m:t>
+                          </m:r>
+                          <m:r>
+                            <a:rPr lang="en-US" altLang="ko-KR" b="0" i="1" smtClean="0">
+                              <a:solidFill>
+                                <a:srgbClr val="00B050"/>
+                              </a:solidFill>
+                              <a:latin typeface="Cambria Math" panose="02040503050406030204" pitchFamily="18" charset="0"/>
+                            </a:rPr>
+                            <m:t>, </m:t>
+                          </m:r>
+                          <m:r>
+                            <a:rPr lang="en-US" altLang="ko-KR" b="0" i="1" smtClean="0">
+                              <a:solidFill>
+                                <a:srgbClr val="00B050"/>
+                              </a:solidFill>
+                              <a:latin typeface="Cambria Math" panose="02040503050406030204" pitchFamily="18" charset="0"/>
+                            </a:rPr>
+                            <m:t>𝑦</m:t>
+                          </m:r>
+                        </m:e>
+                      </m:d>
+                      <m:acc>
+                        <m:accPr>
+                          <m:chr m:val="̂"/>
+                          <m:ctrlPr>
+                            <a:rPr lang="en-US" altLang="ko-KR" b="0" i="1" smtClean="0">
+                              <a:solidFill>
+                                <a:srgbClr val="00B050"/>
+                              </a:solidFill>
+                              <a:latin typeface="Cambria Math" panose="02040503050406030204" pitchFamily="18" charset="0"/>
+                            </a:rPr>
+                          </m:ctrlPr>
+                        </m:accPr>
+                        <m:e>
+                          <m:r>
+                            <a:rPr lang="en-US" altLang="ko-KR" b="0" i="1" smtClean="0">
+                              <a:solidFill>
+                                <a:srgbClr val="00B050"/>
+                              </a:solidFill>
+                              <a:latin typeface="Cambria Math" panose="02040503050406030204" pitchFamily="18" charset="0"/>
+                            </a:rPr>
+                            <m:t>𝑖</m:t>
+                          </m:r>
+                        </m:e>
+                      </m:acc>
+                    </m:oMath>
+                  </m:oMathPara>
+                </a14:m>
+                <a:endParaRPr lang="en-US" altLang="ko-KR" b="0" i="1" dirty="0">
+                  <a:solidFill>
+                    <a:srgbClr val="00B050"/>
+                  </a:solidFill>
+                  <a:latin typeface="Cambria Math" panose="02040503050406030204" pitchFamily="18" charset="0"/>
+                </a:endParaRPr>
+              </a:p>
+              <a:p>
+                <a14:m>
+                  <m:oMathPara xmlns:m="http://schemas.openxmlformats.org/officeDocument/2006/math">
+                    <m:oMathParaPr>
+                      <m:jc m:val="centerGroup"/>
+                    </m:oMathParaPr>
+                    <m:oMath xmlns:m="http://schemas.openxmlformats.org/officeDocument/2006/math">
+                      <m:r>
+                        <a:rPr lang="en-US" altLang="ko-KR" b="0" i="1" smtClean="0">
+                          <a:solidFill>
+                            <a:srgbClr val="00B050"/>
+                          </a:solidFill>
+                          <a:latin typeface="Cambria Math" panose="02040503050406030204" pitchFamily="18" charset="0"/>
+                        </a:rPr>
+                        <m:t>+</m:t>
+                      </m:r>
+                      <m:r>
+                        <a:rPr lang="en-US" altLang="ko-KR" b="0" i="1" smtClean="0">
+                          <a:solidFill>
+                            <a:srgbClr val="00B050"/>
+                          </a:solidFill>
+                          <a:latin typeface="Cambria Math" panose="02040503050406030204" pitchFamily="18" charset="0"/>
+                        </a:rPr>
+                        <m:t>𝑄</m:t>
+                      </m:r>
+                      <m:d>
+                        <m:dPr>
+                          <m:ctrlPr>
+                            <a:rPr lang="en-US" altLang="ko-KR" b="0" i="1" smtClean="0">
+                              <a:solidFill>
+                                <a:srgbClr val="00B050"/>
+                              </a:solidFill>
+                              <a:latin typeface="Cambria Math" panose="02040503050406030204" pitchFamily="18" charset="0"/>
+                            </a:rPr>
+                          </m:ctrlPr>
+                        </m:dPr>
+                        <m:e>
+                          <m:r>
+                            <a:rPr lang="en-US" altLang="ko-KR" b="0" i="1" smtClean="0">
+                              <a:solidFill>
+                                <a:srgbClr val="00B050"/>
+                              </a:solidFill>
+                              <a:latin typeface="Cambria Math" panose="02040503050406030204" pitchFamily="18" charset="0"/>
+                            </a:rPr>
+                            <m:t>𝑥</m:t>
+                          </m:r>
+                          <m:r>
+                            <a:rPr lang="en-US" altLang="ko-KR" b="0" i="1" smtClean="0">
+                              <a:solidFill>
+                                <a:srgbClr val="00B050"/>
+                              </a:solidFill>
+                              <a:latin typeface="Cambria Math" panose="02040503050406030204" pitchFamily="18" charset="0"/>
+                            </a:rPr>
+                            <m:t>−</m:t>
+                          </m:r>
+                          <m:r>
+                            <m:rPr>
+                              <m:sty m:val="p"/>
+                            </m:rPr>
+                            <a:rPr lang="en-US" altLang="ko-KR" b="0" i="0" smtClean="0">
+                              <a:solidFill>
+                                <a:srgbClr val="00B050"/>
+                              </a:solidFill>
+                              <a:latin typeface="Cambria Math" panose="02040503050406030204" pitchFamily="18" charset="0"/>
+                            </a:rPr>
+                            <m:t>Δ</m:t>
+                          </m:r>
+                          <m:r>
+                            <a:rPr lang="en-US" altLang="ko-KR" b="0" i="1" smtClean="0">
+                              <a:solidFill>
+                                <a:srgbClr val="00B050"/>
+                              </a:solidFill>
+                              <a:latin typeface="Cambria Math" panose="02040503050406030204" pitchFamily="18" charset="0"/>
+                            </a:rPr>
+                            <m:t>𝑥</m:t>
+                          </m:r>
+                          <m:r>
+                            <a:rPr lang="en-US" altLang="ko-KR" b="0" i="1" smtClean="0">
+                              <a:solidFill>
+                                <a:srgbClr val="00B050"/>
+                              </a:solidFill>
+                              <a:latin typeface="Cambria Math" panose="02040503050406030204" pitchFamily="18" charset="0"/>
+                            </a:rPr>
+                            <m:t>, </m:t>
+                          </m:r>
+                          <m:r>
+                            <a:rPr lang="en-US" altLang="ko-KR" b="0" i="1" smtClean="0">
+                              <a:solidFill>
+                                <a:srgbClr val="00B050"/>
+                              </a:solidFill>
+                              <a:latin typeface="Cambria Math" panose="02040503050406030204" pitchFamily="18" charset="0"/>
+                            </a:rPr>
+                            <m:t>𝑦</m:t>
+                          </m:r>
+                        </m:e>
+                      </m:d>
+                      <m:acc>
+                        <m:accPr>
+                          <m:chr m:val="̂"/>
+                          <m:ctrlPr>
+                            <a:rPr lang="en-US" altLang="ko-KR" b="0" i="1" smtClean="0">
+                              <a:solidFill>
+                                <a:srgbClr val="00B050"/>
+                              </a:solidFill>
+                              <a:latin typeface="Cambria Math" panose="02040503050406030204" pitchFamily="18" charset="0"/>
+                            </a:rPr>
+                          </m:ctrlPr>
+                        </m:accPr>
+                        <m:e>
+                          <m:r>
+                            <a:rPr lang="en-US" altLang="ko-KR" b="0" i="1" smtClean="0">
+                              <a:solidFill>
+                                <a:srgbClr val="00B050"/>
+                              </a:solidFill>
+                              <a:latin typeface="Cambria Math" panose="02040503050406030204" pitchFamily="18" charset="0"/>
+                            </a:rPr>
+                            <m:t>𝑗</m:t>
+                          </m:r>
+                        </m:e>
+                      </m:acc>
+                    </m:oMath>
+                  </m:oMathPara>
+                </a14:m>
+                <a:endParaRPr lang="ko-KR" altLang="en-US" dirty="0">
+                  <a:solidFill>
+                    <a:srgbClr val="00B050"/>
+                  </a:solidFill>
+                </a:endParaRPr>
+              </a:p>
+            </p:txBody>
+          </p:sp>
+        </mc:Choice>
+        <mc:Fallback>
+          <p:sp>
+            <p:nvSpPr>
+              <p:cNvPr id="33" name="TextBox 32">
+                <a:extLst>
+                  <a:ext uri="{FF2B5EF4-FFF2-40B4-BE49-F238E27FC236}">
+                    <a16:creationId xmlns:a16="http://schemas.microsoft.com/office/drawing/2014/main" id="{927E2139-203B-405A-A9D5-6A3353A5B890}"/>
+                  </a:ext>
+                </a:extLst>
+              </p:cNvPr>
+              <p:cNvSpPr txBox="1">
+                <a:spLocks noRot="1" noChangeAspect="1" noMove="1" noResize="1" noEditPoints="1" noAdjustHandles="1" noChangeArrowheads="1" noChangeShapeType="1" noTextEdit="1"/>
+              </p:cNvSpPr>
+              <p:nvPr/>
+            </p:nvSpPr>
+            <p:spPr>
+              <a:xfrm>
+                <a:off x="701158" y="2978518"/>
+                <a:ext cx="2077042" cy="646331"/>
+              </a:xfrm>
+              <a:prstGeom prst="rect">
+                <a:avLst/>
+              </a:prstGeom>
+              <a:blipFill>
+                <a:blip r:embed="rId8"/>
+                <a:stretch>
+                  <a:fillRect t="-12264" r="-11144" b="-4717"/>
+                </a:stretch>
+              </a:blipFill>
+            </p:spPr>
+            <p:txBody>
+              <a:bodyPr/>
+              <a:lstStyle/>
+              <a:p>
+                <a:r>
+                  <a:rPr lang="ko-KR" altLang="en-US">
+                    <a:noFill/>
+                  </a:rPr>
+                  <a:t> </a:t>
+                </a:r>
+              </a:p>
+            </p:txBody>
+          </p:sp>
+        </mc:Fallback>
+      </mc:AlternateContent>
+      <mc:AlternateContent xmlns:mc="http://schemas.openxmlformats.org/markup-compatibility/2006">
+        <mc:Choice xmlns:a14="http://schemas.microsoft.com/office/drawing/2010/main" Requires="a14">
+          <p:sp>
+            <p:nvSpPr>
+              <p:cNvPr id="35" name="TextBox 34">
+                <a:extLst>
+                  <a:ext uri="{FF2B5EF4-FFF2-40B4-BE49-F238E27FC236}">
+                    <a16:creationId xmlns:a16="http://schemas.microsoft.com/office/drawing/2014/main" id="{7DAFB40F-E926-47EF-AEFD-87F22B330044}"/>
+                  </a:ext>
+                </a:extLst>
+              </p:cNvPr>
+              <p:cNvSpPr txBox="1"/>
+              <p:nvPr/>
+            </p:nvSpPr>
+            <p:spPr>
+              <a:xfrm>
+                <a:off x="3751094" y="5146692"/>
+                <a:ext cx="2067169" cy="646331"/>
+              </a:xfrm>
+              <a:prstGeom prst="rect">
+                <a:avLst/>
+              </a:prstGeom>
+              <a:noFill/>
+            </p:spPr>
+            <p:txBody>
+              <a:bodyPr wrap="none" rtlCol="0">
+                <a:spAutoFit/>
+              </a:bodyPr>
+              <a:lstStyle/>
+              <a:p>
+                <a14:m>
+                  <m:oMathPara xmlns:m="http://schemas.openxmlformats.org/officeDocument/2006/math">
+                    <m:oMathParaPr>
+                      <m:jc m:val="centerGroup"/>
+                    </m:oMathParaPr>
+                    <m:oMath xmlns:m="http://schemas.openxmlformats.org/officeDocument/2006/math">
+                      <m:sSub>
+                        <m:sSubPr>
+                          <m:ctrlPr>
+                            <a:rPr lang="en-US" altLang="ko-KR" b="0" i="1" smtClean="0">
+                              <a:solidFill>
+                                <a:srgbClr val="CB05AF"/>
+                              </a:solidFill>
+                              <a:latin typeface="Cambria Math" panose="02040503050406030204" pitchFamily="18" charset="0"/>
+                            </a:rPr>
+                          </m:ctrlPr>
+                        </m:sSubPr>
+                        <m:e>
+                          <m:acc>
+                            <m:accPr>
+                              <m:chr m:val="⃗"/>
+                              <m:ctrlPr>
+                                <a:rPr lang="en-US" altLang="ko-KR" b="0" i="1" smtClean="0">
+                                  <a:solidFill>
+                                    <a:srgbClr val="CB05AF"/>
+                                  </a:solidFill>
+                                  <a:latin typeface="Cambria Math" panose="02040503050406030204" pitchFamily="18" charset="0"/>
+                                </a:rPr>
+                              </m:ctrlPr>
+                            </m:accPr>
+                            <m:e>
+                              <m:r>
+                                <a:rPr lang="en-US" altLang="ko-KR" b="0" i="1" smtClean="0">
+                                  <a:solidFill>
+                                    <a:srgbClr val="CB05AF"/>
+                                  </a:solidFill>
+                                  <a:latin typeface="Cambria Math" panose="02040503050406030204" pitchFamily="18" charset="0"/>
+                                </a:rPr>
+                                <m:t>𝑣</m:t>
+                              </m:r>
+                            </m:e>
+                          </m:acc>
+                        </m:e>
+                        <m:sub>
+                          <m:r>
+                            <a:rPr lang="en-US" altLang="ko-KR" b="0" i="1" smtClean="0">
+                              <a:solidFill>
+                                <a:srgbClr val="CB05AF"/>
+                              </a:solidFill>
+                              <a:latin typeface="Cambria Math" panose="02040503050406030204" pitchFamily="18" charset="0"/>
+                            </a:rPr>
+                            <m:t>4</m:t>
+                          </m:r>
+                        </m:sub>
+                      </m:sSub>
+                      <m:r>
+                        <a:rPr lang="en-US" altLang="ko-KR" b="0" i="1" smtClean="0">
+                          <a:solidFill>
+                            <a:srgbClr val="CB05AF"/>
+                          </a:solidFill>
+                          <a:latin typeface="Cambria Math" panose="02040503050406030204" pitchFamily="18" charset="0"/>
+                        </a:rPr>
+                        <m:t>=</m:t>
+                      </m:r>
+                      <m:r>
+                        <a:rPr lang="en-US" altLang="ko-KR" b="0" i="1" smtClean="0">
+                          <a:solidFill>
+                            <a:srgbClr val="CB05AF"/>
+                          </a:solidFill>
+                          <a:latin typeface="Cambria Math" panose="02040503050406030204" pitchFamily="18" charset="0"/>
+                        </a:rPr>
+                        <m:t>𝑃</m:t>
+                      </m:r>
+                      <m:d>
+                        <m:dPr>
+                          <m:ctrlPr>
+                            <a:rPr lang="en-US" altLang="ko-KR" b="0" i="1" smtClean="0">
+                              <a:solidFill>
+                                <a:srgbClr val="CB05AF"/>
+                              </a:solidFill>
+                              <a:latin typeface="Cambria Math" panose="02040503050406030204" pitchFamily="18" charset="0"/>
+                            </a:rPr>
+                          </m:ctrlPr>
+                        </m:dPr>
+                        <m:e>
+                          <m:r>
+                            <a:rPr lang="en-US" altLang="ko-KR" b="0" i="1" smtClean="0">
+                              <a:solidFill>
+                                <a:srgbClr val="CB05AF"/>
+                              </a:solidFill>
+                              <a:latin typeface="Cambria Math" panose="02040503050406030204" pitchFamily="18" charset="0"/>
+                            </a:rPr>
+                            <m:t>𝑥</m:t>
+                          </m:r>
+                          <m:r>
+                            <a:rPr lang="en-US" altLang="ko-KR" b="0" i="1" smtClean="0">
+                              <a:solidFill>
+                                <a:srgbClr val="CB05AF"/>
+                              </a:solidFill>
+                              <a:latin typeface="Cambria Math" panose="02040503050406030204" pitchFamily="18" charset="0"/>
+                            </a:rPr>
+                            <m:t>+</m:t>
+                          </m:r>
+                          <m:r>
+                            <m:rPr>
+                              <m:sty m:val="p"/>
+                            </m:rPr>
+                            <a:rPr lang="en-US" altLang="ko-KR" b="0" i="0" smtClean="0">
+                              <a:solidFill>
+                                <a:srgbClr val="CB05AF"/>
+                              </a:solidFill>
+                              <a:latin typeface="Cambria Math" panose="02040503050406030204" pitchFamily="18" charset="0"/>
+                            </a:rPr>
+                            <m:t>Δ</m:t>
+                          </m:r>
+                          <m:r>
+                            <a:rPr lang="en-US" altLang="ko-KR" b="0" i="1" smtClean="0">
+                              <a:solidFill>
+                                <a:srgbClr val="CB05AF"/>
+                              </a:solidFill>
+                              <a:latin typeface="Cambria Math" panose="02040503050406030204" pitchFamily="18" charset="0"/>
+                            </a:rPr>
+                            <m:t>𝑥</m:t>
+                          </m:r>
+                          <m:r>
+                            <a:rPr lang="en-US" altLang="ko-KR" b="0" i="1" smtClean="0">
+                              <a:solidFill>
+                                <a:srgbClr val="CB05AF"/>
+                              </a:solidFill>
+                              <a:latin typeface="Cambria Math" panose="02040503050406030204" pitchFamily="18" charset="0"/>
+                            </a:rPr>
+                            <m:t>, </m:t>
+                          </m:r>
+                          <m:r>
+                            <a:rPr lang="en-US" altLang="ko-KR" b="0" i="1" smtClean="0">
+                              <a:solidFill>
+                                <a:srgbClr val="CB05AF"/>
+                              </a:solidFill>
+                              <a:latin typeface="Cambria Math" panose="02040503050406030204" pitchFamily="18" charset="0"/>
+                            </a:rPr>
+                            <m:t>𝑦</m:t>
+                          </m:r>
+                        </m:e>
+                      </m:d>
+                      <m:acc>
+                        <m:accPr>
+                          <m:chr m:val="̂"/>
+                          <m:ctrlPr>
+                            <a:rPr lang="en-US" altLang="ko-KR" b="0" i="1" smtClean="0">
+                              <a:solidFill>
+                                <a:srgbClr val="CB05AF"/>
+                              </a:solidFill>
+                              <a:latin typeface="Cambria Math" panose="02040503050406030204" pitchFamily="18" charset="0"/>
+                            </a:rPr>
+                          </m:ctrlPr>
+                        </m:accPr>
+                        <m:e>
+                          <m:r>
+                            <a:rPr lang="en-US" altLang="ko-KR" b="0" i="1" smtClean="0">
+                              <a:solidFill>
+                                <a:srgbClr val="CB05AF"/>
+                              </a:solidFill>
+                              <a:latin typeface="Cambria Math" panose="02040503050406030204" pitchFamily="18" charset="0"/>
+                            </a:rPr>
+                            <m:t>𝑖</m:t>
+                          </m:r>
+                        </m:e>
+                      </m:acc>
+                    </m:oMath>
+                  </m:oMathPara>
+                </a14:m>
+                <a:endParaRPr lang="en-US" altLang="ko-KR" b="0" i="1" dirty="0">
+                  <a:solidFill>
+                    <a:srgbClr val="CB05AF"/>
+                  </a:solidFill>
+                  <a:latin typeface="Cambria Math" panose="02040503050406030204" pitchFamily="18" charset="0"/>
+                </a:endParaRPr>
+              </a:p>
+              <a:p>
+                <a14:m>
+                  <m:oMathPara xmlns:m="http://schemas.openxmlformats.org/officeDocument/2006/math">
+                    <m:oMathParaPr>
+                      <m:jc m:val="centerGroup"/>
+                    </m:oMathParaPr>
+                    <m:oMath xmlns:m="http://schemas.openxmlformats.org/officeDocument/2006/math">
+                      <m:r>
+                        <a:rPr lang="en-US" altLang="ko-KR" b="0" i="1" smtClean="0">
+                          <a:solidFill>
+                            <a:srgbClr val="CB05AF"/>
+                          </a:solidFill>
+                          <a:latin typeface="Cambria Math" panose="02040503050406030204" pitchFamily="18" charset="0"/>
+                        </a:rPr>
+                        <m:t>+</m:t>
+                      </m:r>
+                      <m:r>
+                        <a:rPr lang="en-US" altLang="ko-KR" b="0" i="1" smtClean="0">
+                          <a:solidFill>
+                            <a:srgbClr val="CB05AF"/>
+                          </a:solidFill>
+                          <a:latin typeface="Cambria Math" panose="02040503050406030204" pitchFamily="18" charset="0"/>
+                        </a:rPr>
+                        <m:t>𝑄</m:t>
+                      </m:r>
+                      <m:d>
+                        <m:dPr>
+                          <m:ctrlPr>
+                            <a:rPr lang="en-US" altLang="ko-KR" b="0" i="1" smtClean="0">
+                              <a:solidFill>
+                                <a:srgbClr val="CB05AF"/>
+                              </a:solidFill>
+                              <a:latin typeface="Cambria Math" panose="02040503050406030204" pitchFamily="18" charset="0"/>
+                            </a:rPr>
+                          </m:ctrlPr>
+                        </m:dPr>
+                        <m:e>
+                          <m:r>
+                            <a:rPr lang="en-US" altLang="ko-KR" b="0" i="1" smtClean="0">
+                              <a:solidFill>
+                                <a:srgbClr val="CB05AF"/>
+                              </a:solidFill>
+                              <a:latin typeface="Cambria Math" panose="02040503050406030204" pitchFamily="18" charset="0"/>
+                            </a:rPr>
+                            <m:t>𝑥</m:t>
+                          </m:r>
+                          <m:r>
+                            <a:rPr lang="en-US" altLang="ko-KR" b="0" i="1" smtClean="0">
+                              <a:solidFill>
+                                <a:srgbClr val="CB05AF"/>
+                              </a:solidFill>
+                              <a:latin typeface="Cambria Math" panose="02040503050406030204" pitchFamily="18" charset="0"/>
+                            </a:rPr>
+                            <m:t>+</m:t>
+                          </m:r>
+                          <m:r>
+                            <m:rPr>
+                              <m:sty m:val="p"/>
+                            </m:rPr>
+                            <a:rPr lang="en-US" altLang="ko-KR" b="0" i="0" smtClean="0">
+                              <a:solidFill>
+                                <a:srgbClr val="CB05AF"/>
+                              </a:solidFill>
+                              <a:latin typeface="Cambria Math" panose="02040503050406030204" pitchFamily="18" charset="0"/>
+                            </a:rPr>
+                            <m:t>Δ</m:t>
+                          </m:r>
+                          <m:r>
+                            <a:rPr lang="en-US" altLang="ko-KR" b="0" i="1" smtClean="0">
+                              <a:solidFill>
+                                <a:srgbClr val="CB05AF"/>
+                              </a:solidFill>
+                              <a:latin typeface="Cambria Math" panose="02040503050406030204" pitchFamily="18" charset="0"/>
+                            </a:rPr>
+                            <m:t>𝑥</m:t>
+                          </m:r>
+                          <m:r>
+                            <a:rPr lang="en-US" altLang="ko-KR" b="0" i="1" smtClean="0">
+                              <a:solidFill>
+                                <a:srgbClr val="CB05AF"/>
+                              </a:solidFill>
+                              <a:latin typeface="Cambria Math" panose="02040503050406030204" pitchFamily="18" charset="0"/>
+                            </a:rPr>
+                            <m:t>, </m:t>
+                          </m:r>
+                          <m:r>
+                            <a:rPr lang="en-US" altLang="ko-KR" b="0" i="1" smtClean="0">
+                              <a:solidFill>
+                                <a:srgbClr val="CB05AF"/>
+                              </a:solidFill>
+                              <a:latin typeface="Cambria Math" panose="02040503050406030204" pitchFamily="18" charset="0"/>
+                            </a:rPr>
+                            <m:t>𝑦</m:t>
+                          </m:r>
+                        </m:e>
+                      </m:d>
+                      <m:acc>
+                        <m:accPr>
+                          <m:chr m:val="̂"/>
+                          <m:ctrlPr>
+                            <a:rPr lang="en-US" altLang="ko-KR" b="0" i="1" smtClean="0">
+                              <a:solidFill>
+                                <a:srgbClr val="CB05AF"/>
+                              </a:solidFill>
+                              <a:latin typeface="Cambria Math" panose="02040503050406030204" pitchFamily="18" charset="0"/>
+                            </a:rPr>
+                          </m:ctrlPr>
+                        </m:accPr>
+                        <m:e>
+                          <m:r>
+                            <a:rPr lang="en-US" altLang="ko-KR" b="0" i="1" smtClean="0">
+                              <a:solidFill>
+                                <a:srgbClr val="CB05AF"/>
+                              </a:solidFill>
+                              <a:latin typeface="Cambria Math" panose="02040503050406030204" pitchFamily="18" charset="0"/>
+                            </a:rPr>
+                            <m:t>𝑗</m:t>
+                          </m:r>
+                        </m:e>
+                      </m:acc>
+                    </m:oMath>
+                  </m:oMathPara>
+                </a14:m>
+                <a:endParaRPr lang="ko-KR" altLang="en-US" dirty="0">
+                  <a:solidFill>
+                    <a:srgbClr val="CB05AF"/>
+                  </a:solidFill>
+                </a:endParaRPr>
+              </a:p>
+            </p:txBody>
+          </p:sp>
+        </mc:Choice>
+        <mc:Fallback>
+          <p:sp>
+            <p:nvSpPr>
+              <p:cNvPr id="35" name="TextBox 34">
+                <a:extLst>
+                  <a:ext uri="{FF2B5EF4-FFF2-40B4-BE49-F238E27FC236}">
+                    <a16:creationId xmlns:a16="http://schemas.microsoft.com/office/drawing/2014/main" id="{7DAFB40F-E926-47EF-AEFD-87F22B330044}"/>
+                  </a:ext>
+                </a:extLst>
+              </p:cNvPr>
+              <p:cNvSpPr txBox="1">
+                <a:spLocks noRot="1" noChangeAspect="1" noMove="1" noResize="1" noEditPoints="1" noAdjustHandles="1" noChangeArrowheads="1" noChangeShapeType="1" noTextEdit="1"/>
+              </p:cNvSpPr>
+              <p:nvPr/>
+            </p:nvSpPr>
+            <p:spPr>
+              <a:xfrm>
+                <a:off x="3751094" y="5146692"/>
+                <a:ext cx="2067169" cy="646331"/>
+              </a:xfrm>
+              <a:prstGeom prst="rect">
+                <a:avLst/>
+              </a:prstGeom>
+              <a:blipFill>
+                <a:blip r:embed="rId9"/>
+                <a:stretch>
+                  <a:fillRect t="-12264" r="-11504" b="-5660"/>
+                </a:stretch>
+              </a:blipFill>
+            </p:spPr>
+            <p:txBody>
+              <a:bodyPr/>
+              <a:lstStyle/>
+              <a:p>
+                <a:r>
+                  <a:rPr lang="ko-KR" altLang="en-US">
+                    <a:noFill/>
+                  </a:rPr>
+                  <a:t> </a:t>
+                </a:r>
+              </a:p>
+            </p:txBody>
+          </p:sp>
+        </mc:Fallback>
+      </mc:AlternateContent>
+    </p:spTree>
+    <p:extLst>
+      <p:ext uri="{BB962C8B-B14F-4D97-AF65-F5344CB8AC3E}">
+        <p14:creationId xmlns:p14="http://schemas.microsoft.com/office/powerpoint/2010/main" val="1354409101"/>
       </p:ext>
     </p:extLst>
   </p:cSld>

--- a/pics/2020-08-19-divergence_theorem_2D/pics.pptx
+++ b/pics/2020-08-19-divergence_theorem_2D/pics.pptx
@@ -9,7 +9,8 @@
     <p:sldId id="257" r:id="rId3"/>
     <p:sldId id="258" r:id="rId4"/>
     <p:sldId id="259" r:id="rId5"/>
-    <p:sldId id="260" r:id="rId6"/>
+    <p:sldId id="261" r:id="rId6"/>
+    <p:sldId id="260" r:id="rId7"/>
   </p:sldIdLst>
   <p:sldSz cx="9144000" cy="6858000" type="screen4x3"/>
   <p:notesSz cx="6858000" cy="9144000"/>
@@ -247,7 +248,7 @@
           <a:p>
             <a:fld id="{0379DBDA-FAAE-48AD-A451-E5EFCE7993C9}" type="datetimeFigureOut">
               <a:rPr lang="ko-KR" altLang="en-US" smtClean="0"/>
-              <a:t>2020-08-24</a:t>
+              <a:t>2023-04-28</a:t>
             </a:fld>
             <a:endParaRPr lang="ko-KR" altLang="en-US"/>
           </a:p>
@@ -417,7 +418,7 @@
           <a:p>
             <a:fld id="{0379DBDA-FAAE-48AD-A451-E5EFCE7993C9}" type="datetimeFigureOut">
               <a:rPr lang="ko-KR" altLang="en-US" smtClean="0"/>
-              <a:t>2020-08-24</a:t>
+              <a:t>2023-04-28</a:t>
             </a:fld>
             <a:endParaRPr lang="ko-KR" altLang="en-US"/>
           </a:p>
@@ -597,7 +598,7 @@
           <a:p>
             <a:fld id="{0379DBDA-FAAE-48AD-A451-E5EFCE7993C9}" type="datetimeFigureOut">
               <a:rPr lang="ko-KR" altLang="en-US" smtClean="0"/>
-              <a:t>2020-08-24</a:t>
+              <a:t>2023-04-28</a:t>
             </a:fld>
             <a:endParaRPr lang="ko-KR" altLang="en-US"/>
           </a:p>
@@ -767,7 +768,7 @@
           <a:p>
             <a:fld id="{0379DBDA-FAAE-48AD-A451-E5EFCE7993C9}" type="datetimeFigureOut">
               <a:rPr lang="ko-KR" altLang="en-US" smtClean="0"/>
-              <a:t>2020-08-24</a:t>
+              <a:t>2023-04-28</a:t>
             </a:fld>
             <a:endParaRPr lang="ko-KR" altLang="en-US"/>
           </a:p>
@@ -1011,7 +1012,7 @@
           <a:p>
             <a:fld id="{0379DBDA-FAAE-48AD-A451-E5EFCE7993C9}" type="datetimeFigureOut">
               <a:rPr lang="ko-KR" altLang="en-US" smtClean="0"/>
-              <a:t>2020-08-24</a:t>
+              <a:t>2023-04-28</a:t>
             </a:fld>
             <a:endParaRPr lang="ko-KR" altLang="en-US"/>
           </a:p>
@@ -1243,7 +1244,7 @@
           <a:p>
             <a:fld id="{0379DBDA-FAAE-48AD-A451-E5EFCE7993C9}" type="datetimeFigureOut">
               <a:rPr lang="ko-KR" altLang="en-US" smtClean="0"/>
-              <a:t>2020-08-24</a:t>
+              <a:t>2023-04-28</a:t>
             </a:fld>
             <a:endParaRPr lang="ko-KR" altLang="en-US"/>
           </a:p>
@@ -1610,7 +1611,7 @@
           <a:p>
             <a:fld id="{0379DBDA-FAAE-48AD-A451-E5EFCE7993C9}" type="datetimeFigureOut">
               <a:rPr lang="ko-KR" altLang="en-US" smtClean="0"/>
-              <a:t>2020-08-24</a:t>
+              <a:t>2023-04-28</a:t>
             </a:fld>
             <a:endParaRPr lang="ko-KR" altLang="en-US"/>
           </a:p>
@@ -1728,7 +1729,7 @@
           <a:p>
             <a:fld id="{0379DBDA-FAAE-48AD-A451-E5EFCE7993C9}" type="datetimeFigureOut">
               <a:rPr lang="ko-KR" altLang="en-US" smtClean="0"/>
-              <a:t>2020-08-24</a:t>
+              <a:t>2023-04-28</a:t>
             </a:fld>
             <a:endParaRPr lang="ko-KR" altLang="en-US"/>
           </a:p>
@@ -1823,7 +1824,7 @@
           <a:p>
             <a:fld id="{0379DBDA-FAAE-48AD-A451-E5EFCE7993C9}" type="datetimeFigureOut">
               <a:rPr lang="ko-KR" altLang="en-US" smtClean="0"/>
-              <a:t>2020-08-24</a:t>
+              <a:t>2023-04-28</a:t>
             </a:fld>
             <a:endParaRPr lang="ko-KR" altLang="en-US"/>
           </a:p>
@@ -2100,7 +2101,7 @@
           <a:p>
             <a:fld id="{0379DBDA-FAAE-48AD-A451-E5EFCE7993C9}" type="datetimeFigureOut">
               <a:rPr lang="ko-KR" altLang="en-US" smtClean="0"/>
-              <a:t>2020-08-24</a:t>
+              <a:t>2023-04-28</a:t>
             </a:fld>
             <a:endParaRPr lang="ko-KR" altLang="en-US"/>
           </a:p>
@@ -2357,7 +2358,7 @@
           <a:p>
             <a:fld id="{0379DBDA-FAAE-48AD-A451-E5EFCE7993C9}" type="datetimeFigureOut">
               <a:rPr lang="ko-KR" altLang="en-US" smtClean="0"/>
-              <a:t>2020-08-24</a:t>
+              <a:t>2023-04-28</a:t>
             </a:fld>
             <a:endParaRPr lang="ko-KR" altLang="en-US"/>
           </a:p>
@@ -2570,7 +2571,7 @@
           <a:p>
             <a:fld id="{0379DBDA-FAAE-48AD-A451-E5EFCE7993C9}" type="datetimeFigureOut">
               <a:rPr lang="ko-KR" altLang="en-US" smtClean="0"/>
-              <a:t>2020-08-24</a:t>
+              <a:t>2023-04-28</a:t>
             </a:fld>
             <a:endParaRPr lang="ko-KR" altLang="en-US"/>
           </a:p>
@@ -3858,8 +3859,8 @@
           </a:fontRef>
         </p:style>
       </p:cxnSp>
-      <mc:AlternateContent xmlns:mc="http://schemas.openxmlformats.org/markup-compatibility/2006">
-        <mc:Choice xmlns:a14="http://schemas.microsoft.com/office/drawing/2010/main" Requires="a14">
+      <mc:AlternateContent xmlns:mc="http://schemas.openxmlformats.org/markup-compatibility/2006" xmlns:a14="http://schemas.microsoft.com/office/drawing/2010/main">
+        <mc:Choice Requires="a14">
           <p:sp>
             <p:nvSpPr>
               <p:cNvPr id="15" name="TextBox 14"/>
@@ -3922,7 +3923,7 @@
             </p:txBody>
           </p:sp>
         </mc:Choice>
-        <mc:Fallback>
+        <mc:Fallback xmlns="">
           <p:sp>
             <p:nvSpPr>
               <p:cNvPr id="15" name="TextBox 14"/>
@@ -3961,8 +3962,8 @@
           </p:sp>
         </mc:Fallback>
       </mc:AlternateContent>
-      <mc:AlternateContent xmlns:mc="http://schemas.openxmlformats.org/markup-compatibility/2006">
-        <mc:Choice xmlns:a14="http://schemas.microsoft.com/office/drawing/2010/main" Requires="a14">
+      <mc:AlternateContent xmlns:mc="http://schemas.openxmlformats.org/markup-compatibility/2006" xmlns:a14="http://schemas.microsoft.com/office/drawing/2010/main">
+        <mc:Choice Requires="a14">
           <p:sp>
             <p:nvSpPr>
               <p:cNvPr id="16" name="TextBox 15"/>
@@ -4025,7 +4026,7 @@
             </p:txBody>
           </p:sp>
         </mc:Choice>
-        <mc:Fallback>
+        <mc:Fallback xmlns="">
           <p:sp>
             <p:nvSpPr>
               <p:cNvPr id="16" name="TextBox 15"/>
@@ -4064,8 +4065,8 @@
           </p:sp>
         </mc:Fallback>
       </mc:AlternateContent>
-      <mc:AlternateContent xmlns:mc="http://schemas.openxmlformats.org/markup-compatibility/2006">
-        <mc:Choice xmlns:a14="http://schemas.microsoft.com/office/drawing/2010/main" Requires="a14">
+      <mc:AlternateContent xmlns:mc="http://schemas.openxmlformats.org/markup-compatibility/2006" xmlns:a14="http://schemas.microsoft.com/office/drawing/2010/main">
+        <mc:Choice Requires="a14">
           <p:sp>
             <p:nvSpPr>
               <p:cNvPr id="2" name="TextBox 1">
@@ -4094,6 +4095,7 @@
               </a:bodyPr>
               <a:lstStyle/>
               <a:p>
+                <a:pPr/>
                 <a14:m>
                   <m:oMathPara xmlns:m="http://schemas.openxmlformats.org/officeDocument/2006/math">
                     <m:oMathParaPr>
@@ -4133,7 +4135,7 @@
             </p:txBody>
           </p:sp>
         </mc:Choice>
-        <mc:Fallback>
+        <mc:Fallback xmlns="">
           <p:sp>
             <p:nvSpPr>
               <p:cNvPr id="2" name="TextBox 1">
@@ -4178,8 +4180,8 @@
           </p:sp>
         </mc:Fallback>
       </mc:AlternateContent>
-      <mc:AlternateContent xmlns:mc="http://schemas.openxmlformats.org/markup-compatibility/2006">
-        <mc:Choice xmlns:a14="http://schemas.microsoft.com/office/drawing/2010/main" Requires="a14">
+      <mc:AlternateContent xmlns:mc="http://schemas.openxmlformats.org/markup-compatibility/2006" xmlns:a14="http://schemas.microsoft.com/office/drawing/2010/main">
+        <mc:Choice Requires="a14">
           <p:sp>
             <p:nvSpPr>
               <p:cNvPr id="14" name="TextBox 13">
@@ -4208,6 +4210,7 @@
               </a:bodyPr>
               <a:lstStyle/>
               <a:p>
+                <a:pPr/>
                 <a14:m>
                   <m:oMathPara xmlns:m="http://schemas.openxmlformats.org/officeDocument/2006/math">
                     <m:oMathParaPr>
@@ -4247,7 +4250,7 @@
             </p:txBody>
           </p:sp>
         </mc:Choice>
-        <mc:Fallback>
+        <mc:Fallback xmlns="">
           <p:sp>
             <p:nvSpPr>
               <p:cNvPr id="14" name="TextBox 13">
@@ -4878,8 +4881,8 @@
           </a:fontRef>
         </p:style>
       </p:cxnSp>
-      <mc:AlternateContent xmlns:mc="http://schemas.openxmlformats.org/markup-compatibility/2006">
-        <mc:Choice xmlns:a14="http://schemas.microsoft.com/office/drawing/2010/main" Requires="a14">
+      <mc:AlternateContent xmlns:mc="http://schemas.openxmlformats.org/markup-compatibility/2006" xmlns:a14="http://schemas.microsoft.com/office/drawing/2010/main">
+        <mc:Choice Requires="a14">
           <p:sp>
             <p:nvSpPr>
               <p:cNvPr id="39" name="TextBox 38">
@@ -4908,6 +4911,7 @@
               </a:bodyPr>
               <a:lstStyle/>
               <a:p>
+                <a:pPr/>
                 <a14:m>
                   <m:oMathPara xmlns:m="http://schemas.openxmlformats.org/officeDocument/2006/math">
                     <m:oMathParaPr>
@@ -4928,7 +4932,7 @@
             </p:txBody>
           </p:sp>
         </mc:Choice>
-        <mc:Fallback>
+        <mc:Fallback xmlns="">
           <p:sp>
             <p:nvSpPr>
               <p:cNvPr id="39" name="TextBox 38">
@@ -4973,8 +4977,8 @@
           </p:sp>
         </mc:Fallback>
       </mc:AlternateContent>
-      <mc:AlternateContent xmlns:mc="http://schemas.openxmlformats.org/markup-compatibility/2006">
-        <mc:Choice xmlns:a14="http://schemas.microsoft.com/office/drawing/2010/main" Requires="a14">
+      <mc:AlternateContent xmlns:mc="http://schemas.openxmlformats.org/markup-compatibility/2006" xmlns:a14="http://schemas.microsoft.com/office/drawing/2010/main">
+        <mc:Choice Requires="a14">
           <p:sp>
             <p:nvSpPr>
               <p:cNvPr id="40" name="TextBox 39">
@@ -5003,6 +5007,7 @@
               </a:bodyPr>
               <a:lstStyle/>
               <a:p>
+                <a:pPr/>
                 <a14:m>
                   <m:oMathPara xmlns:m="http://schemas.openxmlformats.org/officeDocument/2006/math">
                     <m:oMathParaPr>
@@ -5023,7 +5028,7 @@
             </p:txBody>
           </p:sp>
         </mc:Choice>
-        <mc:Fallback>
+        <mc:Fallback xmlns="">
           <p:sp>
             <p:nvSpPr>
               <p:cNvPr id="40" name="TextBox 39">
@@ -5068,8 +5073,8 @@
           </p:sp>
         </mc:Fallback>
       </mc:AlternateContent>
-      <mc:AlternateContent xmlns:mc="http://schemas.openxmlformats.org/markup-compatibility/2006">
-        <mc:Choice xmlns:a14="http://schemas.microsoft.com/office/drawing/2010/main" Requires="a14">
+      <mc:AlternateContent xmlns:mc="http://schemas.openxmlformats.org/markup-compatibility/2006" xmlns:a14="http://schemas.microsoft.com/office/drawing/2010/main">
+        <mc:Choice Requires="a14">
           <p:sp>
             <p:nvSpPr>
               <p:cNvPr id="41" name="TextBox 40">
@@ -5098,6 +5103,7 @@
               </a:bodyPr>
               <a:lstStyle/>
               <a:p>
+                <a:pPr/>
                 <a14:m>
                   <m:oMathPara xmlns:m="http://schemas.openxmlformats.org/officeDocument/2006/math">
                     <m:oMathParaPr>
@@ -5118,7 +5124,7 @@
             </p:txBody>
           </p:sp>
         </mc:Choice>
-        <mc:Fallback>
+        <mc:Fallback xmlns="">
           <p:sp>
             <p:nvSpPr>
               <p:cNvPr id="41" name="TextBox 40">
@@ -5498,8 +5504,8 @@
           </a:fontRef>
         </p:style>
       </p:cxnSp>
-      <mc:AlternateContent xmlns:mc="http://schemas.openxmlformats.org/markup-compatibility/2006">
-        <mc:Choice xmlns:a14="http://schemas.microsoft.com/office/drawing/2010/main" Requires="a14">
+      <mc:AlternateContent xmlns:mc="http://schemas.openxmlformats.org/markup-compatibility/2006" xmlns:a14="http://schemas.microsoft.com/office/drawing/2010/main">
+        <mc:Choice Requires="a14">
           <p:sp>
             <p:nvSpPr>
               <p:cNvPr id="15" name="TextBox 14"/>
@@ -5562,7 +5568,7 @@
             </p:txBody>
           </p:sp>
         </mc:Choice>
-        <mc:Fallback>
+        <mc:Fallback xmlns="">
           <p:sp>
             <p:nvSpPr>
               <p:cNvPr id="15" name="TextBox 14"/>
@@ -5601,8 +5607,8 @@
           </p:sp>
         </mc:Fallback>
       </mc:AlternateContent>
-      <mc:AlternateContent xmlns:mc="http://schemas.openxmlformats.org/markup-compatibility/2006">
-        <mc:Choice xmlns:a14="http://schemas.microsoft.com/office/drawing/2010/main" Requires="a14">
+      <mc:AlternateContent xmlns:mc="http://schemas.openxmlformats.org/markup-compatibility/2006" xmlns:a14="http://schemas.microsoft.com/office/drawing/2010/main">
+        <mc:Choice Requires="a14">
           <p:sp>
             <p:nvSpPr>
               <p:cNvPr id="16" name="TextBox 15"/>
@@ -5665,7 +5671,7 @@
             </p:txBody>
           </p:sp>
         </mc:Choice>
-        <mc:Fallback>
+        <mc:Fallback xmlns="">
           <p:sp>
             <p:nvSpPr>
               <p:cNvPr id="16" name="TextBox 15"/>
@@ -5735,8 +5741,8 @@
           </a:fontRef>
         </p:style>
       </p:cxnSp>
-      <mc:AlternateContent xmlns:mc="http://schemas.openxmlformats.org/markup-compatibility/2006">
-        <mc:Choice xmlns:a14="http://schemas.microsoft.com/office/drawing/2010/main" Requires="a14">
+      <mc:AlternateContent xmlns:mc="http://schemas.openxmlformats.org/markup-compatibility/2006" xmlns:a14="http://schemas.microsoft.com/office/drawing/2010/main">
+        <mc:Choice Requires="a14">
           <p:sp>
             <p:nvSpPr>
               <p:cNvPr id="17" name="TextBox 16"/>
@@ -5799,7 +5805,7 @@
             </p:txBody>
           </p:sp>
         </mc:Choice>
-        <mc:Fallback>
+        <mc:Fallback xmlns="">
           <p:sp>
             <p:nvSpPr>
               <p:cNvPr id="17" name="TextBox 16"/>
@@ -5838,8 +5844,8 @@
           </p:sp>
         </mc:Fallback>
       </mc:AlternateContent>
-      <mc:AlternateContent xmlns:mc="http://schemas.openxmlformats.org/markup-compatibility/2006">
-        <mc:Choice xmlns:a14="http://schemas.microsoft.com/office/drawing/2010/main" Requires="a14">
+      <mc:AlternateContent xmlns:mc="http://schemas.openxmlformats.org/markup-compatibility/2006" xmlns:a14="http://schemas.microsoft.com/office/drawing/2010/main">
+        <mc:Choice Requires="a14">
           <p:sp>
             <p:nvSpPr>
               <p:cNvPr id="18" name="TextBox 17"/>
@@ -5902,7 +5908,7 @@
             </p:txBody>
           </p:sp>
         </mc:Choice>
-        <mc:Fallback>
+        <mc:Fallback xmlns="">
           <p:sp>
             <p:nvSpPr>
               <p:cNvPr id="18" name="TextBox 17"/>
@@ -5941,8 +5947,8 @@
           </p:sp>
         </mc:Fallback>
       </mc:AlternateContent>
-      <mc:AlternateContent xmlns:mc="http://schemas.openxmlformats.org/markup-compatibility/2006">
-        <mc:Choice xmlns:a14="http://schemas.microsoft.com/office/drawing/2010/main" Requires="a14">
+      <mc:AlternateContent xmlns:mc="http://schemas.openxmlformats.org/markup-compatibility/2006" xmlns:a14="http://schemas.microsoft.com/office/drawing/2010/main">
+        <mc:Choice Requires="a14">
           <p:sp>
             <p:nvSpPr>
               <p:cNvPr id="19" name="TextBox 18">
@@ -5971,6 +5977,7 @@
               </a:bodyPr>
               <a:lstStyle/>
               <a:p>
+                <a:pPr/>
                 <a14:m>
                   <m:oMathPara xmlns:m="http://schemas.openxmlformats.org/officeDocument/2006/math">
                     <m:oMathParaPr>
@@ -5991,7 +5998,7 @@
             </p:txBody>
           </p:sp>
         </mc:Choice>
-        <mc:Fallback>
+        <mc:Fallback xmlns="">
           <p:sp>
             <p:nvSpPr>
               <p:cNvPr id="19" name="TextBox 18">
@@ -6036,8 +6043,8 @@
           </p:sp>
         </mc:Fallback>
       </mc:AlternateContent>
-      <mc:AlternateContent xmlns:mc="http://schemas.openxmlformats.org/markup-compatibility/2006">
-        <mc:Choice xmlns:a14="http://schemas.microsoft.com/office/drawing/2010/main" Requires="a14">
+      <mc:AlternateContent xmlns:mc="http://schemas.openxmlformats.org/markup-compatibility/2006" xmlns:a14="http://schemas.microsoft.com/office/drawing/2010/main">
+        <mc:Choice Requires="a14">
           <p:sp>
             <p:nvSpPr>
               <p:cNvPr id="20" name="TextBox 19">
@@ -6066,6 +6073,7 @@
               </a:bodyPr>
               <a:lstStyle/>
               <a:p>
+                <a:pPr/>
                 <a14:m>
                   <m:oMathPara xmlns:m="http://schemas.openxmlformats.org/officeDocument/2006/math">
                     <m:oMathParaPr>
@@ -6086,7 +6094,7 @@
             </p:txBody>
           </p:sp>
         </mc:Choice>
-        <mc:Fallback>
+        <mc:Fallback xmlns="">
           <p:sp>
             <p:nvSpPr>
               <p:cNvPr id="20" name="TextBox 19">
@@ -6131,8 +6139,8 @@
           </p:sp>
         </mc:Fallback>
       </mc:AlternateContent>
-      <mc:AlternateContent xmlns:mc="http://schemas.openxmlformats.org/markup-compatibility/2006">
-        <mc:Choice xmlns:a14="http://schemas.microsoft.com/office/drawing/2010/main" Requires="a14">
+      <mc:AlternateContent xmlns:mc="http://schemas.openxmlformats.org/markup-compatibility/2006" xmlns:a14="http://schemas.microsoft.com/office/drawing/2010/main">
+        <mc:Choice Requires="a14">
           <p:sp>
             <p:nvSpPr>
               <p:cNvPr id="21" name="TextBox 20">
@@ -6161,6 +6169,7 @@
               </a:bodyPr>
               <a:lstStyle/>
               <a:p>
+                <a:pPr/>
                 <a14:m>
                   <m:oMathPara xmlns:m="http://schemas.openxmlformats.org/officeDocument/2006/math">
                     <m:oMathParaPr>
@@ -6181,7 +6190,7 @@
             </p:txBody>
           </p:sp>
         </mc:Choice>
-        <mc:Fallback>
+        <mc:Fallback xmlns="">
           <p:sp>
             <p:nvSpPr>
               <p:cNvPr id="21" name="TextBox 20">
@@ -8457,8 +8466,8 @@
           </p:sp>
         </mc:Fallback>
       </mc:AlternateContent>
-      <mc:AlternateContent xmlns:mc="http://schemas.openxmlformats.org/markup-compatibility/2006">
-        <mc:Choice xmlns:a14="http://schemas.microsoft.com/office/drawing/2010/main" Requires="a14">
+      <mc:AlternateContent xmlns:mc="http://schemas.openxmlformats.org/markup-compatibility/2006" xmlns:a14="http://schemas.microsoft.com/office/drawing/2010/main">
+        <mc:Choice Requires="a14">
           <p:sp>
             <p:nvSpPr>
               <p:cNvPr id="56" name="TextBox 55"/>
@@ -8535,7 +8544,7 @@
             </p:txBody>
           </p:sp>
         </mc:Choice>
-        <mc:Fallback>
+        <mc:Fallback xmlns="">
           <p:sp>
             <p:nvSpPr>
               <p:cNvPr id="56" name="TextBox 55"/>
@@ -8742,8 +8751,8 @@
           </a:fontRef>
         </p:style>
       </p:cxnSp>
-      <mc:AlternateContent xmlns:mc="http://schemas.openxmlformats.org/markup-compatibility/2006">
-        <mc:Choice xmlns:a14="http://schemas.microsoft.com/office/drawing/2010/main" Requires="a14">
+      <mc:AlternateContent xmlns:mc="http://schemas.openxmlformats.org/markup-compatibility/2006" xmlns:a14="http://schemas.microsoft.com/office/drawing/2010/main">
+        <mc:Choice Requires="a14">
           <p:sp>
             <p:nvSpPr>
               <p:cNvPr id="23" name="TextBox 22">
@@ -8812,7 +8821,7 @@
             </p:txBody>
           </p:sp>
         </mc:Choice>
-        <mc:Fallback>
+        <mc:Fallback xmlns="">
           <p:sp>
             <p:nvSpPr>
               <p:cNvPr id="23" name="TextBox 22">
@@ -8901,8 +8910,8 @@
           </a:fontRef>
         </p:style>
       </p:cxnSp>
-      <mc:AlternateContent xmlns:mc="http://schemas.openxmlformats.org/markup-compatibility/2006">
-        <mc:Choice xmlns:a14="http://schemas.microsoft.com/office/drawing/2010/main" Requires="a14">
+      <mc:AlternateContent xmlns:mc="http://schemas.openxmlformats.org/markup-compatibility/2006" xmlns:a14="http://schemas.microsoft.com/office/drawing/2010/main">
+        <mc:Choice Requires="a14">
           <p:sp>
             <p:nvSpPr>
               <p:cNvPr id="25" name="TextBox 24">
@@ -8931,6 +8940,7 @@
               </a:bodyPr>
               <a:lstStyle/>
               <a:p>
+                <a:pPr/>
                 <a14:m>
                   <m:oMathPara xmlns:m="http://schemas.openxmlformats.org/officeDocument/2006/math">
                     <m:oMathParaPr>
@@ -8951,7 +8961,7 @@
             </p:txBody>
           </p:sp>
         </mc:Choice>
-        <mc:Fallback>
+        <mc:Fallback xmlns="">
           <p:sp>
             <p:nvSpPr>
               <p:cNvPr id="25" name="TextBox 24">
@@ -8996,8 +9006,8 @@
           </p:sp>
         </mc:Fallback>
       </mc:AlternateContent>
-      <mc:AlternateContent xmlns:mc="http://schemas.openxmlformats.org/markup-compatibility/2006">
-        <mc:Choice xmlns:a14="http://schemas.microsoft.com/office/drawing/2010/main" Requires="a14">
+      <mc:AlternateContent xmlns:mc="http://schemas.openxmlformats.org/markup-compatibility/2006" xmlns:a14="http://schemas.microsoft.com/office/drawing/2010/main">
+        <mc:Choice Requires="a14">
           <p:sp>
             <p:nvSpPr>
               <p:cNvPr id="26" name="TextBox 25">
@@ -9026,6 +9036,7 @@
               </a:bodyPr>
               <a:lstStyle/>
               <a:p>
+                <a:pPr/>
                 <a14:m>
                   <m:oMathPara xmlns:m="http://schemas.openxmlformats.org/officeDocument/2006/math">
                     <m:oMathParaPr>
@@ -9046,7 +9057,7 @@
             </p:txBody>
           </p:sp>
         </mc:Choice>
-        <mc:Fallback>
+        <mc:Fallback xmlns="">
           <p:sp>
             <p:nvSpPr>
               <p:cNvPr id="26" name="TextBox 25">
@@ -9091,8 +9102,8 @@
           </p:sp>
         </mc:Fallback>
       </mc:AlternateContent>
-      <mc:AlternateContent xmlns:mc="http://schemas.openxmlformats.org/markup-compatibility/2006">
-        <mc:Choice xmlns:a14="http://schemas.microsoft.com/office/drawing/2010/main" Requires="a14">
+      <mc:AlternateContent xmlns:mc="http://schemas.openxmlformats.org/markup-compatibility/2006" xmlns:a14="http://schemas.microsoft.com/office/drawing/2010/main">
+        <mc:Choice Requires="a14">
           <p:sp>
             <p:nvSpPr>
               <p:cNvPr id="27" name="TextBox 26">
@@ -9121,6 +9132,7 @@
               </a:bodyPr>
               <a:lstStyle/>
               <a:p>
+                <a:pPr/>
                 <a14:m>
                   <m:oMathPara xmlns:m="http://schemas.openxmlformats.org/officeDocument/2006/math">
                     <m:oMathParaPr>
@@ -9141,7 +9153,7 @@
             </p:txBody>
           </p:sp>
         </mc:Choice>
-        <mc:Fallback>
+        <mc:Fallback xmlns="">
           <p:sp>
             <p:nvSpPr>
               <p:cNvPr id="27" name="TextBox 26">
@@ -9218,6 +9230,1672 @@
       </p:grpSpPr>
       <p:sp>
         <p:nvSpPr>
+          <p:cNvPr id="9" name="자유형 8"/>
+          <p:cNvSpPr/>
+          <p:nvPr/>
+        </p:nvSpPr>
+        <p:spPr>
+          <a:xfrm>
+            <a:off x="1548786" y="2016461"/>
+            <a:ext cx="3576888" cy="2001866"/>
+          </a:xfrm>
+          <a:custGeom>
+            <a:avLst/>
+            <a:gdLst>
+              <a:gd name="connsiteX0" fmla="*/ 548462 w 2280366"/>
+              <a:gd name="connsiteY0" fmla="*/ 105953 h 1275152"/>
+              <a:gd name="connsiteX1" fmla="*/ 19956 w 2280366"/>
+              <a:gd name="connsiteY1" fmla="*/ 1179744 h 1275152"/>
+              <a:gd name="connsiteX2" fmla="*/ 1202804 w 2280366"/>
+              <a:gd name="connsiteY2" fmla="*/ 1079076 h 1275152"/>
+              <a:gd name="connsiteX3" fmla="*/ 2092037 w 2280366"/>
+              <a:gd name="connsiteY3" fmla="*/ 1263634 h 1275152"/>
+              <a:gd name="connsiteX4" fmla="*/ 2251427 w 2280366"/>
+              <a:gd name="connsiteY4" fmla="*/ 684794 h 1275152"/>
+              <a:gd name="connsiteX5" fmla="*/ 1680976 w 2280366"/>
+              <a:gd name="connsiteY5" fmla="*/ 105953 h 1275152"/>
+              <a:gd name="connsiteX6" fmla="*/ 548462 w 2280366"/>
+              <a:gd name="connsiteY6" fmla="*/ 105953 h 1275152"/>
+            </a:gdLst>
+            <a:ahLst/>
+            <a:cxnLst>
+              <a:cxn ang="0">
+                <a:pos x="connsiteX0" y="connsiteY0"/>
+              </a:cxn>
+              <a:cxn ang="0">
+                <a:pos x="connsiteX1" y="connsiteY1"/>
+              </a:cxn>
+              <a:cxn ang="0">
+                <a:pos x="connsiteX2" y="connsiteY2"/>
+              </a:cxn>
+              <a:cxn ang="0">
+                <a:pos x="connsiteX3" y="connsiteY3"/>
+              </a:cxn>
+              <a:cxn ang="0">
+                <a:pos x="connsiteX4" y="connsiteY4"/>
+              </a:cxn>
+              <a:cxn ang="0">
+                <a:pos x="connsiteX5" y="connsiteY5"/>
+              </a:cxn>
+              <a:cxn ang="0">
+                <a:pos x="connsiteX6" y="connsiteY6"/>
+              </a:cxn>
+            </a:cxnLst>
+            <a:rect l="l" t="t" r="r" b="b"/>
+            <a:pathLst>
+              <a:path w="2280366" h="1275152">
+                <a:moveTo>
+                  <a:pt x="548462" y="105953"/>
+                </a:moveTo>
+                <a:cubicBezTo>
+                  <a:pt x="271625" y="284918"/>
+                  <a:pt x="-89101" y="1017557"/>
+                  <a:pt x="19956" y="1179744"/>
+                </a:cubicBezTo>
+                <a:cubicBezTo>
+                  <a:pt x="129013" y="1341931"/>
+                  <a:pt x="857457" y="1065094"/>
+                  <a:pt x="1202804" y="1079076"/>
+                </a:cubicBezTo>
+                <a:cubicBezTo>
+                  <a:pt x="1548151" y="1093058"/>
+                  <a:pt x="1917267" y="1329348"/>
+                  <a:pt x="2092037" y="1263634"/>
+                </a:cubicBezTo>
+                <a:cubicBezTo>
+                  <a:pt x="2266807" y="1197920"/>
+                  <a:pt x="2319937" y="877741"/>
+                  <a:pt x="2251427" y="684794"/>
+                </a:cubicBezTo>
+                <a:cubicBezTo>
+                  <a:pt x="2182917" y="491847"/>
+                  <a:pt x="1960609" y="203825"/>
+                  <a:pt x="1680976" y="105953"/>
+                </a:cubicBezTo>
+                <a:cubicBezTo>
+                  <a:pt x="1401343" y="8081"/>
+                  <a:pt x="825299" y="-73012"/>
+                  <a:pt x="548462" y="105953"/>
+                </a:cubicBezTo>
+                <a:close/>
+              </a:path>
+            </a:pathLst>
+          </a:custGeom>
+          <a:pattFill prst="lgGrid">
+            <a:fgClr>
+              <a:schemeClr val="accent6"/>
+            </a:fgClr>
+            <a:bgClr>
+              <a:schemeClr val="bg1"/>
+            </a:bgClr>
+          </a:pattFill>
+          <a:ln w="50800">
+            <a:solidFill>
+              <a:schemeClr val="accent6"/>
+            </a:solidFill>
+          </a:ln>
+        </p:spPr>
+        <p:style>
+          <a:lnRef idx="2">
+            <a:schemeClr val="accent1">
+              <a:shade val="50000"/>
+            </a:schemeClr>
+          </a:lnRef>
+          <a:fillRef idx="1">
+            <a:schemeClr val="accent1"/>
+          </a:fillRef>
+          <a:effectRef idx="0">
+            <a:schemeClr val="accent1"/>
+          </a:effectRef>
+          <a:fontRef idx="minor">
+            <a:schemeClr val="lt1"/>
+          </a:fontRef>
+        </p:style>
+        <p:txBody>
+          <a:bodyPr rtlCol="0" anchor="ctr"/>
+          <a:lstStyle/>
+          <a:p>
+            <a:pPr algn="ctr"/>
+            <a:endParaRPr lang="ko-KR" altLang="en-US" sz="6600" dirty="0">
+              <a:solidFill>
+                <a:sysClr val="windowText" lastClr="000000"/>
+              </a:solidFill>
+            </a:endParaRPr>
+          </a:p>
+        </p:txBody>
+      </p:sp>
+      <p:cxnSp>
+        <p:nvCxnSpPr>
+          <p:cNvPr id="5" name="직선 화살표 연결선 4"/>
+          <p:cNvCxnSpPr/>
+          <p:nvPr/>
+        </p:nvCxnSpPr>
+        <p:spPr>
+          <a:xfrm flipV="1">
+            <a:off x="1065402" y="1249960"/>
+            <a:ext cx="0" cy="3766657"/>
+          </a:xfrm>
+          <a:prstGeom prst="straightConnector1">
+            <a:avLst/>
+          </a:prstGeom>
+          <a:ln>
+            <a:solidFill>
+              <a:schemeClr val="tx1"/>
+            </a:solidFill>
+            <a:tailEnd type="triangle"/>
+          </a:ln>
+        </p:spPr>
+        <p:style>
+          <a:lnRef idx="1">
+            <a:schemeClr val="accent1"/>
+          </a:lnRef>
+          <a:fillRef idx="0">
+            <a:schemeClr val="accent1"/>
+          </a:fillRef>
+          <a:effectRef idx="0">
+            <a:schemeClr val="accent1"/>
+          </a:effectRef>
+          <a:fontRef idx="minor">
+            <a:schemeClr val="tx1"/>
+          </a:fontRef>
+        </p:style>
+      </p:cxnSp>
+      <p:cxnSp>
+        <p:nvCxnSpPr>
+          <p:cNvPr id="7" name="직선 화살표 연결선 6"/>
+          <p:cNvCxnSpPr/>
+          <p:nvPr/>
+        </p:nvCxnSpPr>
+        <p:spPr>
+          <a:xfrm>
+            <a:off x="763399" y="4622334"/>
+            <a:ext cx="4941115" cy="0"/>
+          </a:xfrm>
+          <a:prstGeom prst="straightConnector1">
+            <a:avLst/>
+          </a:prstGeom>
+          <a:ln>
+            <a:solidFill>
+              <a:schemeClr val="tx1"/>
+            </a:solidFill>
+            <a:tailEnd type="triangle"/>
+          </a:ln>
+        </p:spPr>
+        <p:style>
+          <a:lnRef idx="1">
+            <a:schemeClr val="accent1"/>
+          </a:lnRef>
+          <a:fillRef idx="0">
+            <a:schemeClr val="accent1"/>
+          </a:fillRef>
+          <a:effectRef idx="0">
+            <a:schemeClr val="accent1"/>
+          </a:effectRef>
+          <a:fontRef idx="minor">
+            <a:schemeClr val="tx1"/>
+          </a:fontRef>
+        </p:style>
+      </p:cxnSp>
+      <p:sp>
+        <p:nvSpPr>
+          <p:cNvPr id="44" name="갈매기형 수장 43"/>
+          <p:cNvSpPr/>
+          <p:nvPr/>
+        </p:nvSpPr>
+        <p:spPr>
+          <a:xfrm rot="7168053">
+            <a:off x="2080469" y="2281806"/>
+            <a:ext cx="184558" cy="293614"/>
+          </a:xfrm>
+          <a:prstGeom prst="chevron">
+            <a:avLst/>
+          </a:prstGeom>
+          <a:solidFill>
+            <a:schemeClr val="accent6"/>
+          </a:solidFill>
+          <a:ln>
+            <a:noFill/>
+          </a:ln>
+        </p:spPr>
+        <p:style>
+          <a:lnRef idx="2">
+            <a:schemeClr val="accent1">
+              <a:shade val="50000"/>
+            </a:schemeClr>
+          </a:lnRef>
+          <a:fillRef idx="1">
+            <a:schemeClr val="accent1"/>
+          </a:fillRef>
+          <a:effectRef idx="0">
+            <a:schemeClr val="accent1"/>
+          </a:effectRef>
+          <a:fontRef idx="minor">
+            <a:schemeClr val="lt1"/>
+          </a:fontRef>
+        </p:style>
+        <p:txBody>
+          <a:bodyPr rtlCol="0" anchor="ctr"/>
+          <a:lstStyle/>
+          <a:p>
+            <a:pPr algn="ctr"/>
+            <a:endParaRPr lang="ko-KR" altLang="en-US">
+              <a:solidFill>
+                <a:schemeClr val="tx1"/>
+              </a:solidFill>
+            </a:endParaRPr>
+          </a:p>
+        </p:txBody>
+      </p:sp>
+      <p:sp>
+        <p:nvSpPr>
+          <p:cNvPr id="45" name="갈매기형 수장 44"/>
+          <p:cNvSpPr/>
+          <p:nvPr/>
+        </p:nvSpPr>
+        <p:spPr>
+          <a:xfrm rot="20700000">
+            <a:off x="2610375" y="3663888"/>
+            <a:ext cx="184558" cy="293614"/>
+          </a:xfrm>
+          <a:prstGeom prst="chevron">
+            <a:avLst/>
+          </a:prstGeom>
+          <a:solidFill>
+            <a:schemeClr val="accent6"/>
+          </a:solidFill>
+          <a:ln>
+            <a:noFill/>
+          </a:ln>
+        </p:spPr>
+        <p:style>
+          <a:lnRef idx="2">
+            <a:schemeClr val="accent1">
+              <a:shade val="50000"/>
+            </a:schemeClr>
+          </a:lnRef>
+          <a:fillRef idx="1">
+            <a:schemeClr val="accent1"/>
+          </a:fillRef>
+          <a:effectRef idx="0">
+            <a:schemeClr val="accent1"/>
+          </a:effectRef>
+          <a:fontRef idx="minor">
+            <a:schemeClr val="lt1"/>
+          </a:fontRef>
+        </p:style>
+        <p:txBody>
+          <a:bodyPr rtlCol="0" anchor="ctr"/>
+          <a:lstStyle/>
+          <a:p>
+            <a:pPr algn="ctr"/>
+            <a:endParaRPr lang="ko-KR" altLang="en-US">
+              <a:solidFill>
+                <a:schemeClr val="tx1"/>
+              </a:solidFill>
+            </a:endParaRPr>
+          </a:p>
+        </p:txBody>
+      </p:sp>
+      <p:sp>
+        <p:nvSpPr>
+          <p:cNvPr id="46" name="갈매기형 수장 45"/>
+          <p:cNvSpPr/>
+          <p:nvPr/>
+        </p:nvSpPr>
+        <p:spPr>
+          <a:xfrm rot="15300000">
+            <a:off x="5005635" y="3036275"/>
+            <a:ext cx="184558" cy="293614"/>
+          </a:xfrm>
+          <a:prstGeom prst="chevron">
+            <a:avLst/>
+          </a:prstGeom>
+          <a:solidFill>
+            <a:schemeClr val="accent6"/>
+          </a:solidFill>
+          <a:ln>
+            <a:noFill/>
+          </a:ln>
+        </p:spPr>
+        <p:style>
+          <a:lnRef idx="2">
+            <a:schemeClr val="accent1">
+              <a:shade val="50000"/>
+            </a:schemeClr>
+          </a:lnRef>
+          <a:fillRef idx="1">
+            <a:schemeClr val="accent1"/>
+          </a:fillRef>
+          <a:effectRef idx="0">
+            <a:schemeClr val="accent1"/>
+          </a:effectRef>
+          <a:fontRef idx="minor">
+            <a:schemeClr val="lt1"/>
+          </a:fontRef>
+        </p:style>
+        <p:txBody>
+          <a:bodyPr rtlCol="0" anchor="ctr"/>
+          <a:lstStyle/>
+          <a:p>
+            <a:pPr algn="ctr"/>
+            <a:endParaRPr lang="ko-KR" altLang="en-US">
+              <a:solidFill>
+                <a:schemeClr val="tx1"/>
+              </a:solidFill>
+            </a:endParaRPr>
+          </a:p>
+        </p:txBody>
+      </p:sp>
+      <p:sp>
+        <p:nvSpPr>
+          <p:cNvPr id="47" name="갈매기형 수장 46"/>
+          <p:cNvSpPr/>
+          <p:nvPr/>
+        </p:nvSpPr>
+        <p:spPr>
+          <a:xfrm rot="11700000">
+            <a:off x="3958410" y="2014156"/>
+            <a:ext cx="184558" cy="293614"/>
+          </a:xfrm>
+          <a:prstGeom prst="chevron">
+            <a:avLst/>
+          </a:prstGeom>
+          <a:solidFill>
+            <a:schemeClr val="accent6"/>
+          </a:solidFill>
+          <a:ln>
+            <a:noFill/>
+          </a:ln>
+        </p:spPr>
+        <p:style>
+          <a:lnRef idx="2">
+            <a:schemeClr val="accent1">
+              <a:shade val="50000"/>
+            </a:schemeClr>
+          </a:lnRef>
+          <a:fillRef idx="1">
+            <a:schemeClr val="accent1"/>
+          </a:fillRef>
+          <a:effectRef idx="0">
+            <a:schemeClr val="accent1"/>
+          </a:effectRef>
+          <a:fontRef idx="minor">
+            <a:schemeClr val="lt1"/>
+          </a:fontRef>
+        </p:style>
+        <p:txBody>
+          <a:bodyPr rtlCol="0" anchor="ctr"/>
+          <a:lstStyle/>
+          <a:p>
+            <a:pPr algn="ctr"/>
+            <a:endParaRPr lang="ko-KR" altLang="en-US">
+              <a:solidFill>
+                <a:schemeClr val="tx1"/>
+              </a:solidFill>
+            </a:endParaRPr>
+          </a:p>
+        </p:txBody>
+      </p:sp>
+      <p:sp>
+        <p:nvSpPr>
+          <p:cNvPr id="48" name="타원 47"/>
+          <p:cNvSpPr/>
+          <p:nvPr/>
+        </p:nvSpPr>
+        <p:spPr>
+          <a:xfrm>
+            <a:off x="3164957" y="2550694"/>
+            <a:ext cx="162026" cy="162026"/>
+          </a:xfrm>
+          <a:prstGeom prst="ellipse">
+            <a:avLst/>
+          </a:prstGeom>
+          <a:noFill/>
+          <a:ln w="57150">
+            <a:solidFill>
+              <a:srgbClr val="FF0000"/>
+            </a:solidFill>
+          </a:ln>
+        </p:spPr>
+        <p:style>
+          <a:lnRef idx="2">
+            <a:schemeClr val="accent1">
+              <a:shade val="50000"/>
+            </a:schemeClr>
+          </a:lnRef>
+          <a:fillRef idx="1">
+            <a:schemeClr val="accent1"/>
+          </a:fillRef>
+          <a:effectRef idx="0">
+            <a:schemeClr val="accent1"/>
+          </a:effectRef>
+          <a:fontRef idx="minor">
+            <a:schemeClr val="lt1"/>
+          </a:fontRef>
+        </p:style>
+        <p:txBody>
+          <a:bodyPr rtlCol="0" anchor="ctr"/>
+          <a:lstStyle/>
+          <a:p>
+            <a:pPr algn="ctr"/>
+            <a:endParaRPr lang="ko-KR" altLang="en-US"/>
+          </a:p>
+        </p:txBody>
+      </p:sp>
+      <p:sp>
+        <p:nvSpPr>
+          <p:cNvPr id="49" name="직사각형 48"/>
+          <p:cNvSpPr/>
+          <p:nvPr/>
+        </p:nvSpPr>
+        <p:spPr>
+          <a:xfrm>
+            <a:off x="6199464" y="1820411"/>
+            <a:ext cx="1577130" cy="1577130"/>
+          </a:xfrm>
+          <a:prstGeom prst="rect">
+            <a:avLst/>
+          </a:prstGeom>
+          <a:noFill/>
+          <a:ln>
+            <a:solidFill>
+              <a:srgbClr val="92D050"/>
+            </a:solidFill>
+          </a:ln>
+        </p:spPr>
+        <p:style>
+          <a:lnRef idx="2">
+            <a:schemeClr val="accent1">
+              <a:shade val="50000"/>
+            </a:schemeClr>
+          </a:lnRef>
+          <a:fillRef idx="1">
+            <a:schemeClr val="accent1"/>
+          </a:fillRef>
+          <a:effectRef idx="0">
+            <a:schemeClr val="accent1"/>
+          </a:effectRef>
+          <a:fontRef idx="minor">
+            <a:schemeClr val="lt1"/>
+          </a:fontRef>
+        </p:style>
+        <p:txBody>
+          <a:bodyPr rtlCol="0" anchor="ctr"/>
+          <a:lstStyle/>
+          <a:p>
+            <a:pPr algn="ctr"/>
+            <a:endParaRPr lang="ko-KR" altLang="en-US"/>
+          </a:p>
+        </p:txBody>
+      </p:sp>
+      <p:sp>
+        <p:nvSpPr>
+          <p:cNvPr id="50" name="갈매기형 수장 49"/>
+          <p:cNvSpPr/>
+          <p:nvPr/>
+        </p:nvSpPr>
+        <p:spPr>
+          <a:xfrm rot="5400000">
+            <a:off x="6133648" y="2827959"/>
+            <a:ext cx="131632" cy="204900"/>
+          </a:xfrm>
+          <a:prstGeom prst="chevron">
+            <a:avLst>
+              <a:gd name="adj" fmla="val 72236"/>
+            </a:avLst>
+          </a:prstGeom>
+          <a:solidFill>
+            <a:schemeClr val="accent6"/>
+          </a:solidFill>
+          <a:ln>
+            <a:noFill/>
+          </a:ln>
+        </p:spPr>
+        <p:style>
+          <a:lnRef idx="2">
+            <a:schemeClr val="accent1">
+              <a:shade val="50000"/>
+            </a:schemeClr>
+          </a:lnRef>
+          <a:fillRef idx="1">
+            <a:schemeClr val="accent1"/>
+          </a:fillRef>
+          <a:effectRef idx="0">
+            <a:schemeClr val="accent1"/>
+          </a:effectRef>
+          <a:fontRef idx="minor">
+            <a:schemeClr val="lt1"/>
+          </a:fontRef>
+        </p:style>
+        <p:txBody>
+          <a:bodyPr rtlCol="0" anchor="ctr"/>
+          <a:lstStyle/>
+          <a:p>
+            <a:pPr algn="ctr"/>
+            <a:endParaRPr lang="ko-KR" altLang="en-US">
+              <a:solidFill>
+                <a:schemeClr val="tx1"/>
+              </a:solidFill>
+            </a:endParaRPr>
+          </a:p>
+        </p:txBody>
+      </p:sp>
+      <p:sp>
+        <p:nvSpPr>
+          <p:cNvPr id="51" name="갈매기형 수장 50"/>
+          <p:cNvSpPr/>
+          <p:nvPr/>
+        </p:nvSpPr>
+        <p:spPr>
+          <a:xfrm>
+            <a:off x="7286224" y="3295091"/>
+            <a:ext cx="131632" cy="204900"/>
+          </a:xfrm>
+          <a:prstGeom prst="chevron">
+            <a:avLst>
+              <a:gd name="adj" fmla="val 72236"/>
+            </a:avLst>
+          </a:prstGeom>
+          <a:solidFill>
+            <a:schemeClr val="accent6"/>
+          </a:solidFill>
+          <a:ln>
+            <a:noFill/>
+          </a:ln>
+        </p:spPr>
+        <p:style>
+          <a:lnRef idx="2">
+            <a:schemeClr val="accent1">
+              <a:shade val="50000"/>
+            </a:schemeClr>
+          </a:lnRef>
+          <a:fillRef idx="1">
+            <a:schemeClr val="accent1"/>
+          </a:fillRef>
+          <a:effectRef idx="0">
+            <a:schemeClr val="accent1"/>
+          </a:effectRef>
+          <a:fontRef idx="minor">
+            <a:schemeClr val="lt1"/>
+          </a:fontRef>
+        </p:style>
+        <p:txBody>
+          <a:bodyPr rtlCol="0" anchor="ctr"/>
+          <a:lstStyle/>
+          <a:p>
+            <a:pPr algn="ctr"/>
+            <a:endParaRPr lang="ko-KR" altLang="en-US">
+              <a:solidFill>
+                <a:schemeClr val="tx1"/>
+              </a:solidFill>
+            </a:endParaRPr>
+          </a:p>
+        </p:txBody>
+      </p:sp>
+      <p:sp>
+        <p:nvSpPr>
+          <p:cNvPr id="52" name="갈매기형 수장 51"/>
+          <p:cNvSpPr/>
+          <p:nvPr/>
+        </p:nvSpPr>
+        <p:spPr>
+          <a:xfrm rot="16200000">
+            <a:off x="7710778" y="2158386"/>
+            <a:ext cx="131632" cy="204900"/>
+          </a:xfrm>
+          <a:prstGeom prst="chevron">
+            <a:avLst>
+              <a:gd name="adj" fmla="val 72236"/>
+            </a:avLst>
+          </a:prstGeom>
+          <a:solidFill>
+            <a:schemeClr val="accent6"/>
+          </a:solidFill>
+          <a:ln>
+            <a:noFill/>
+          </a:ln>
+        </p:spPr>
+        <p:style>
+          <a:lnRef idx="2">
+            <a:schemeClr val="accent1">
+              <a:shade val="50000"/>
+            </a:schemeClr>
+          </a:lnRef>
+          <a:fillRef idx="1">
+            <a:schemeClr val="accent1"/>
+          </a:fillRef>
+          <a:effectRef idx="0">
+            <a:schemeClr val="accent1"/>
+          </a:effectRef>
+          <a:fontRef idx="minor">
+            <a:schemeClr val="lt1"/>
+          </a:fontRef>
+        </p:style>
+        <p:txBody>
+          <a:bodyPr rtlCol="0" anchor="ctr"/>
+          <a:lstStyle/>
+          <a:p>
+            <a:pPr algn="ctr"/>
+            <a:endParaRPr lang="ko-KR" altLang="en-US">
+              <a:solidFill>
+                <a:schemeClr val="tx1"/>
+              </a:solidFill>
+            </a:endParaRPr>
+          </a:p>
+        </p:txBody>
+      </p:sp>
+      <p:sp>
+        <p:nvSpPr>
+          <p:cNvPr id="53" name="갈매기형 수장 52"/>
+          <p:cNvSpPr/>
+          <p:nvPr/>
+        </p:nvSpPr>
+        <p:spPr>
+          <a:xfrm rot="10800000">
+            <a:off x="6588477" y="1717961"/>
+            <a:ext cx="131632" cy="204900"/>
+          </a:xfrm>
+          <a:prstGeom prst="chevron">
+            <a:avLst>
+              <a:gd name="adj" fmla="val 72236"/>
+            </a:avLst>
+          </a:prstGeom>
+          <a:solidFill>
+            <a:schemeClr val="accent6"/>
+          </a:solidFill>
+          <a:ln>
+            <a:noFill/>
+          </a:ln>
+        </p:spPr>
+        <p:style>
+          <a:lnRef idx="2">
+            <a:schemeClr val="accent1">
+              <a:shade val="50000"/>
+            </a:schemeClr>
+          </a:lnRef>
+          <a:fillRef idx="1">
+            <a:schemeClr val="accent1"/>
+          </a:fillRef>
+          <a:effectRef idx="0">
+            <a:schemeClr val="accent1"/>
+          </a:effectRef>
+          <a:fontRef idx="minor">
+            <a:schemeClr val="lt1"/>
+          </a:fontRef>
+        </p:style>
+        <p:txBody>
+          <a:bodyPr rtlCol="0" anchor="ctr"/>
+          <a:lstStyle/>
+          <a:p>
+            <a:pPr algn="ctr"/>
+            <a:endParaRPr lang="ko-KR" altLang="en-US">
+              <a:solidFill>
+                <a:schemeClr val="tx1"/>
+              </a:solidFill>
+            </a:endParaRPr>
+          </a:p>
+        </p:txBody>
+      </p:sp>
+      <p:sp>
+        <p:nvSpPr>
+          <p:cNvPr id="54" name="타원 53"/>
+          <p:cNvSpPr/>
+          <p:nvPr/>
+        </p:nvSpPr>
+        <p:spPr>
+          <a:xfrm>
+            <a:off x="6965659" y="2581174"/>
+            <a:ext cx="45719" cy="45719"/>
+          </a:xfrm>
+          <a:prstGeom prst="ellipse">
+            <a:avLst/>
+          </a:prstGeom>
+          <a:solidFill>
+            <a:schemeClr val="accent6"/>
+          </a:solidFill>
+          <a:ln>
+            <a:noFill/>
+          </a:ln>
+        </p:spPr>
+        <p:style>
+          <a:lnRef idx="2">
+            <a:schemeClr val="accent1">
+              <a:shade val="50000"/>
+            </a:schemeClr>
+          </a:lnRef>
+          <a:fillRef idx="1">
+            <a:schemeClr val="accent1"/>
+          </a:fillRef>
+          <a:effectRef idx="0">
+            <a:schemeClr val="accent1"/>
+          </a:effectRef>
+          <a:fontRef idx="minor">
+            <a:schemeClr val="lt1"/>
+          </a:fontRef>
+        </p:style>
+        <p:txBody>
+          <a:bodyPr rtlCol="0" anchor="ctr"/>
+          <a:lstStyle/>
+          <a:p>
+            <a:pPr algn="ctr"/>
+            <a:endParaRPr lang="ko-KR" altLang="en-US"/>
+          </a:p>
+        </p:txBody>
+      </p:sp>
+      <mc:AlternateContent xmlns:mc="http://schemas.openxmlformats.org/markup-compatibility/2006" xmlns:a14="http://schemas.microsoft.com/office/drawing/2010/main">
+        <mc:Choice Requires="a14">
+          <p:sp>
+            <p:nvSpPr>
+              <p:cNvPr id="55" name="TextBox 54"/>
+              <p:cNvSpPr txBox="1"/>
+              <p:nvPr/>
+            </p:nvSpPr>
+            <p:spPr>
+              <a:xfrm>
+                <a:off x="6663418" y="2626893"/>
+                <a:ext cx="1010726" cy="369332"/>
+              </a:xfrm>
+              <a:prstGeom prst="rect">
+                <a:avLst/>
+              </a:prstGeom>
+              <a:noFill/>
+            </p:spPr>
+            <p:txBody>
+              <a:bodyPr wrap="none" rtlCol="0">
+                <a:spAutoFit/>
+              </a:bodyPr>
+              <a:lstStyle/>
+              <a:p>
+                <a:pPr/>
+                <a14:m>
+                  <m:oMathPara xmlns:m="http://schemas.openxmlformats.org/officeDocument/2006/math">
+                    <m:oMathParaPr>
+                      <m:jc m:val="centerGroup"/>
+                    </m:oMathParaPr>
+                    <m:oMath xmlns:m="http://schemas.openxmlformats.org/officeDocument/2006/math">
+                      <m:r>
+                        <a:rPr lang="en-US" altLang="ko-KR" b="0" i="1" smtClean="0">
+                          <a:latin typeface="Cambria Math" panose="02040503050406030204" pitchFamily="18" charset="0"/>
+                        </a:rPr>
+                        <m:t>(</m:t>
+                      </m:r>
+                      <m:sSub>
+                        <m:sSubPr>
+                          <m:ctrlPr>
+                            <a:rPr lang="en-US" altLang="ko-KR" b="0" i="1" smtClean="0">
+                              <a:latin typeface="Cambria Math" panose="02040503050406030204" pitchFamily="18" charset="0"/>
+                            </a:rPr>
+                          </m:ctrlPr>
+                        </m:sSubPr>
+                        <m:e>
+                          <m:r>
+                            <a:rPr lang="en-US" altLang="ko-KR" b="0" i="1" smtClean="0">
+                              <a:latin typeface="Cambria Math" panose="02040503050406030204" pitchFamily="18" charset="0"/>
+                            </a:rPr>
+                            <m:t>𝑥</m:t>
+                          </m:r>
+                        </m:e>
+                        <m:sub>
+                          <m:r>
+                            <a:rPr lang="en-US" altLang="ko-KR" b="0" i="1" smtClean="0">
+                              <a:latin typeface="Cambria Math" panose="02040503050406030204" pitchFamily="18" charset="0"/>
+                            </a:rPr>
+                            <m:t>𝑘</m:t>
+                          </m:r>
+                        </m:sub>
+                      </m:sSub>
+                      <m:r>
+                        <a:rPr lang="en-US" altLang="ko-KR" b="0" i="1" smtClean="0">
+                          <a:latin typeface="Cambria Math" panose="02040503050406030204" pitchFamily="18" charset="0"/>
+                        </a:rPr>
+                        <m:t>,</m:t>
+                      </m:r>
+                      <m:sSub>
+                        <m:sSubPr>
+                          <m:ctrlPr>
+                            <a:rPr lang="en-US" altLang="ko-KR" b="0" i="1" smtClean="0">
+                              <a:latin typeface="Cambria Math" panose="02040503050406030204" pitchFamily="18" charset="0"/>
+                            </a:rPr>
+                          </m:ctrlPr>
+                        </m:sSubPr>
+                        <m:e>
+                          <m:r>
+                            <a:rPr lang="en-US" altLang="ko-KR" b="0" i="1" smtClean="0">
+                              <a:latin typeface="Cambria Math" panose="02040503050406030204" pitchFamily="18" charset="0"/>
+                            </a:rPr>
+                            <m:t>𝑦</m:t>
+                          </m:r>
+                        </m:e>
+                        <m:sub>
+                          <m:r>
+                            <a:rPr lang="en-US" altLang="ko-KR" b="0" i="1" smtClean="0">
+                              <a:latin typeface="Cambria Math" panose="02040503050406030204" pitchFamily="18" charset="0"/>
+                            </a:rPr>
+                            <m:t>𝑘</m:t>
+                          </m:r>
+                        </m:sub>
+                      </m:sSub>
+                      <m:r>
+                        <a:rPr lang="en-US" altLang="ko-KR" b="0" i="1" smtClean="0">
+                          <a:latin typeface="Cambria Math" panose="02040503050406030204" pitchFamily="18" charset="0"/>
+                        </a:rPr>
+                        <m:t>)</m:t>
+                      </m:r>
+                    </m:oMath>
+                  </m:oMathPara>
+                </a14:m>
+                <a:endParaRPr lang="ko-KR" altLang="en-US" dirty="0"/>
+              </a:p>
+            </p:txBody>
+          </p:sp>
+        </mc:Choice>
+        <mc:Fallback xmlns="">
+          <p:sp>
+            <p:nvSpPr>
+              <p:cNvPr id="55" name="TextBox 54"/>
+              <p:cNvSpPr txBox="1">
+                <a:spLocks noRot="1" noChangeAspect="1" noMove="1" noResize="1" noEditPoints="1" noAdjustHandles="1" noChangeArrowheads="1" noChangeShapeType="1" noTextEdit="1"/>
+              </p:cNvSpPr>
+              <p:nvPr/>
+            </p:nvSpPr>
+            <p:spPr>
+              <a:xfrm>
+                <a:off x="6663418" y="2626893"/>
+                <a:ext cx="1010726" cy="369332"/>
+              </a:xfrm>
+              <a:prstGeom prst="rect">
+                <a:avLst/>
+              </a:prstGeom>
+              <a:blipFill>
+                <a:blip r:embed="rId2"/>
+                <a:stretch>
+                  <a:fillRect b="-11475"/>
+                </a:stretch>
+              </a:blipFill>
+            </p:spPr>
+            <p:txBody>
+              <a:bodyPr/>
+              <a:lstStyle/>
+              <a:p>
+                <a:r>
+                  <a:rPr lang="ko-KR" altLang="en-US">
+                    <a:noFill/>
+                  </a:rPr>
+                  <a:t> </a:t>
+                </a:r>
+              </a:p>
+            </p:txBody>
+          </p:sp>
+        </mc:Fallback>
+      </mc:AlternateContent>
+      <mc:AlternateContent xmlns:mc="http://schemas.openxmlformats.org/markup-compatibility/2006">
+        <mc:Choice xmlns:a14="http://schemas.microsoft.com/office/drawing/2010/main" Requires="a14">
+          <p:sp>
+            <p:nvSpPr>
+              <p:cNvPr id="56" name="TextBox 55"/>
+              <p:cNvSpPr txBox="1"/>
+              <p:nvPr/>
+            </p:nvSpPr>
+            <p:spPr>
+              <a:xfrm>
+                <a:off x="6376675" y="3780273"/>
+                <a:ext cx="1197251" cy="369332"/>
+              </a:xfrm>
+              <a:prstGeom prst="rect">
+                <a:avLst/>
+              </a:prstGeom>
+              <a:noFill/>
+            </p:spPr>
+            <p:txBody>
+              <a:bodyPr wrap="none" rtlCol="0">
+                <a:spAutoFit/>
+              </a:bodyPr>
+              <a:lstStyle/>
+              <a:p>
+                <a:r>
+                  <a:rPr lang="en-US" altLang="ko-KR" dirty="0"/>
+                  <a:t>Area</a:t>
+                </a:r>
+                <a:r>
+                  <a:rPr lang="ko-KR" altLang="en-US" dirty="0"/>
+                  <a:t> </a:t>
+                </a:r>
+                <a:r>
+                  <a:rPr lang="en-US" altLang="ko-KR" dirty="0"/>
+                  <a:t>: </a:t>
+                </a:r>
+                <a14:m>
+                  <m:oMath xmlns:m="http://schemas.openxmlformats.org/officeDocument/2006/math">
+                    <m:r>
+                      <a:rPr lang="en-US" altLang="ko-KR" b="0" i="1" smtClean="0">
+                        <a:latin typeface="Cambria Math" panose="02040503050406030204" pitchFamily="18" charset="0"/>
+                      </a:rPr>
+                      <m:t>|</m:t>
+                    </m:r>
+                    <m:sSub>
+                      <m:sSubPr>
+                        <m:ctrlPr>
+                          <a:rPr lang="en-US" altLang="ko-KR" b="0" i="1" smtClean="0">
+                            <a:latin typeface="Cambria Math" panose="02040503050406030204" pitchFamily="18" charset="0"/>
+                          </a:rPr>
+                        </m:ctrlPr>
+                      </m:sSubPr>
+                      <m:e>
+                        <m:r>
+                          <a:rPr lang="en-US" altLang="ko-KR" b="0" i="1" smtClean="0">
+                            <a:latin typeface="Cambria Math" panose="02040503050406030204" pitchFamily="18" charset="0"/>
+                          </a:rPr>
+                          <m:t>𝑅</m:t>
+                        </m:r>
+                      </m:e>
+                      <m:sub>
+                        <m:r>
+                          <a:rPr lang="en-US" altLang="ko-KR" b="0" i="1" smtClean="0">
+                            <a:latin typeface="Cambria Math" panose="02040503050406030204" pitchFamily="18" charset="0"/>
+                          </a:rPr>
+                          <m:t>𝑘</m:t>
+                        </m:r>
+                      </m:sub>
+                    </m:sSub>
+                    <m:r>
+                      <a:rPr lang="en-US" altLang="ko-KR" b="0" i="1" smtClean="0">
+                        <a:latin typeface="Cambria Math" panose="02040503050406030204" pitchFamily="18" charset="0"/>
+                      </a:rPr>
+                      <m:t>|</m:t>
+                    </m:r>
+                  </m:oMath>
+                </a14:m>
+                <a:endParaRPr lang="ko-KR" altLang="en-US" dirty="0"/>
+              </a:p>
+            </p:txBody>
+          </p:sp>
+        </mc:Choice>
+        <mc:Fallback>
+          <p:sp>
+            <p:nvSpPr>
+              <p:cNvPr id="56" name="TextBox 55"/>
+              <p:cNvSpPr txBox="1">
+                <a:spLocks noRot="1" noChangeAspect="1" noMove="1" noResize="1" noEditPoints="1" noAdjustHandles="1" noChangeArrowheads="1" noChangeShapeType="1" noTextEdit="1"/>
+              </p:cNvSpPr>
+              <p:nvPr/>
+            </p:nvSpPr>
+            <p:spPr>
+              <a:xfrm>
+                <a:off x="6376675" y="3780273"/>
+                <a:ext cx="1197251" cy="369332"/>
+              </a:xfrm>
+              <a:prstGeom prst="rect">
+                <a:avLst/>
+              </a:prstGeom>
+              <a:blipFill>
+                <a:blip r:embed="rId3"/>
+                <a:stretch>
+                  <a:fillRect l="-4082" t="-8197" r="-1020" b="-24590"/>
+                </a:stretch>
+              </a:blipFill>
+            </p:spPr>
+            <p:txBody>
+              <a:bodyPr/>
+              <a:lstStyle/>
+              <a:p>
+                <a:r>
+                  <a:rPr lang="en-US">
+                    <a:noFill/>
+                  </a:rPr>
+                  <a:t> </a:t>
+                </a:r>
+              </a:p>
+            </p:txBody>
+          </p:sp>
+        </mc:Fallback>
+      </mc:AlternateContent>
+      <p:cxnSp>
+        <p:nvCxnSpPr>
+          <p:cNvPr id="59" name="구부러진 연결선 58"/>
+          <p:cNvCxnSpPr>
+            <a:stCxn id="48" idx="7"/>
+          </p:cNvCxnSpPr>
+          <p:nvPr/>
+        </p:nvCxnSpPr>
+        <p:spPr>
+          <a:xfrm rot="5400000" flipH="1" flipV="1">
+            <a:off x="4575504" y="973323"/>
+            <a:ext cx="328850" cy="2873349"/>
+          </a:xfrm>
+          <a:prstGeom prst="curvedConnector2">
+            <a:avLst/>
+          </a:prstGeom>
+          <a:ln>
+            <a:solidFill>
+              <a:srgbClr val="FF0000"/>
+            </a:solidFill>
+            <a:tailEnd type="triangle"/>
+          </a:ln>
+        </p:spPr>
+        <p:style>
+          <a:lnRef idx="1">
+            <a:schemeClr val="accent1"/>
+          </a:lnRef>
+          <a:fillRef idx="0">
+            <a:schemeClr val="accent1"/>
+          </a:fillRef>
+          <a:effectRef idx="0">
+            <a:schemeClr val="accent1"/>
+          </a:effectRef>
+          <a:fontRef idx="minor">
+            <a:schemeClr val="tx1"/>
+          </a:fontRef>
+        </p:style>
+      </p:cxnSp>
+      <p:cxnSp>
+        <p:nvCxnSpPr>
+          <p:cNvPr id="3" name="직선 화살표 연결선 2">
+            <a:extLst>
+              <a:ext uri="{FF2B5EF4-FFF2-40B4-BE49-F238E27FC236}">
+                <a16:creationId xmlns:a16="http://schemas.microsoft.com/office/drawing/2014/main" id="{83CA1B03-06FD-4B41-B4B0-48290E00D51F}"/>
+              </a:ext>
+            </a:extLst>
+          </p:cNvPr>
+          <p:cNvCxnSpPr/>
+          <p:nvPr/>
+        </p:nvCxnSpPr>
+        <p:spPr>
+          <a:xfrm flipV="1">
+            <a:off x="7011378" y="1478279"/>
+            <a:ext cx="0" cy="342131"/>
+          </a:xfrm>
+          <a:prstGeom prst="straightConnector1">
+            <a:avLst/>
+          </a:prstGeom>
+          <a:ln w="28575">
+            <a:solidFill>
+              <a:srgbClr val="FF0000"/>
+            </a:solidFill>
+            <a:tailEnd type="triangle"/>
+          </a:ln>
+        </p:spPr>
+        <p:style>
+          <a:lnRef idx="1">
+            <a:schemeClr val="accent1"/>
+          </a:lnRef>
+          <a:fillRef idx="0">
+            <a:schemeClr val="accent1"/>
+          </a:fillRef>
+          <a:effectRef idx="0">
+            <a:schemeClr val="accent1"/>
+          </a:effectRef>
+          <a:fontRef idx="minor">
+            <a:schemeClr val="tx1"/>
+          </a:fontRef>
+        </p:style>
+      </p:cxnSp>
+      <p:cxnSp>
+        <p:nvCxnSpPr>
+          <p:cNvPr id="21" name="직선 화살표 연결선 20">
+            <a:extLst>
+              <a:ext uri="{FF2B5EF4-FFF2-40B4-BE49-F238E27FC236}">
+                <a16:creationId xmlns:a16="http://schemas.microsoft.com/office/drawing/2014/main" id="{A41AB78A-D4CD-4021-9FCC-81AF481915E7}"/>
+              </a:ext>
+            </a:extLst>
+          </p:cNvPr>
+          <p:cNvCxnSpPr>
+            <a:cxnSpLocks/>
+          </p:cNvCxnSpPr>
+          <p:nvPr/>
+        </p:nvCxnSpPr>
+        <p:spPr>
+          <a:xfrm rot="16200000" flipV="1">
+            <a:off x="6028398" y="2451632"/>
+            <a:ext cx="0" cy="342131"/>
+          </a:xfrm>
+          <a:prstGeom prst="straightConnector1">
+            <a:avLst/>
+          </a:prstGeom>
+          <a:ln w="28575">
+            <a:solidFill>
+              <a:srgbClr val="FF0000"/>
+            </a:solidFill>
+            <a:tailEnd type="triangle"/>
+          </a:ln>
+        </p:spPr>
+        <p:style>
+          <a:lnRef idx="1">
+            <a:schemeClr val="accent1"/>
+          </a:lnRef>
+          <a:fillRef idx="0">
+            <a:schemeClr val="accent1"/>
+          </a:fillRef>
+          <a:effectRef idx="0">
+            <a:schemeClr val="accent1"/>
+          </a:effectRef>
+          <a:fontRef idx="minor">
+            <a:schemeClr val="tx1"/>
+          </a:fontRef>
+        </p:style>
+      </p:cxnSp>
+      <p:cxnSp>
+        <p:nvCxnSpPr>
+          <p:cNvPr id="22" name="직선 화살표 연결선 21">
+            <a:extLst>
+              <a:ext uri="{FF2B5EF4-FFF2-40B4-BE49-F238E27FC236}">
+                <a16:creationId xmlns:a16="http://schemas.microsoft.com/office/drawing/2014/main" id="{A41A8CD2-CB14-453D-8B8D-E842B4DC5C92}"/>
+              </a:ext>
+            </a:extLst>
+          </p:cNvPr>
+          <p:cNvCxnSpPr>
+            <a:cxnSpLocks/>
+          </p:cNvCxnSpPr>
+          <p:nvPr/>
+        </p:nvCxnSpPr>
+        <p:spPr>
+          <a:xfrm rot="10800000" flipV="1">
+            <a:off x="7011378" y="3409291"/>
+            <a:ext cx="0" cy="342131"/>
+          </a:xfrm>
+          <a:prstGeom prst="straightConnector1">
+            <a:avLst/>
+          </a:prstGeom>
+          <a:ln w="28575">
+            <a:solidFill>
+              <a:srgbClr val="FF0000"/>
+            </a:solidFill>
+            <a:tailEnd type="triangle"/>
+          </a:ln>
+        </p:spPr>
+        <p:style>
+          <a:lnRef idx="1">
+            <a:schemeClr val="accent1"/>
+          </a:lnRef>
+          <a:fillRef idx="0">
+            <a:schemeClr val="accent1"/>
+          </a:fillRef>
+          <a:effectRef idx="0">
+            <a:schemeClr val="accent1"/>
+          </a:effectRef>
+          <a:fontRef idx="minor">
+            <a:schemeClr val="tx1"/>
+          </a:fontRef>
+        </p:style>
+      </p:cxnSp>
+      <mc:AlternateContent xmlns:mc="http://schemas.openxmlformats.org/markup-compatibility/2006" xmlns:a14="http://schemas.microsoft.com/office/drawing/2010/main">
+        <mc:Choice Requires="a14">
+          <p:sp>
+            <p:nvSpPr>
+              <p:cNvPr id="23" name="TextBox 22">
+                <a:extLst>
+                  <a:ext uri="{FF2B5EF4-FFF2-40B4-BE49-F238E27FC236}">
+                    <a16:creationId xmlns:a16="http://schemas.microsoft.com/office/drawing/2014/main" id="{DF27BADB-0108-4EEF-B95A-840802FCF7A3}"/>
+                  </a:ext>
+                </a:extLst>
+              </p:cNvPr>
+              <p:cNvSpPr txBox="1"/>
+              <p:nvPr/>
+            </p:nvSpPr>
+            <p:spPr>
+              <a:xfrm>
+                <a:off x="6122836" y="3031118"/>
+                <a:ext cx="478977" cy="369332"/>
+              </a:xfrm>
+              <a:prstGeom prst="rect">
+                <a:avLst/>
+              </a:prstGeom>
+              <a:noFill/>
+            </p:spPr>
+            <p:txBody>
+              <a:bodyPr wrap="none" rtlCol="0">
+                <a:spAutoFit/>
+              </a:bodyPr>
+              <a:lstStyle/>
+              <a:p>
+                <a:pPr/>
+                <a14:m>
+                  <m:oMathPara xmlns:m="http://schemas.openxmlformats.org/officeDocument/2006/math">
+                    <m:oMathParaPr>
+                      <m:jc m:val="centerGroup"/>
+                    </m:oMathParaPr>
+                    <m:oMath xmlns:m="http://schemas.openxmlformats.org/officeDocument/2006/math">
+                      <m:sSub>
+                        <m:sSubPr>
+                          <m:ctrlPr>
+                            <a:rPr lang="en-US" altLang="ko-KR" b="0" i="1" smtClean="0">
+                              <a:latin typeface="Cambria Math" panose="02040503050406030204" pitchFamily="18" charset="0"/>
+                            </a:rPr>
+                          </m:ctrlPr>
+                        </m:sSubPr>
+                        <m:e>
+                          <m:r>
+                            <a:rPr lang="en-US" altLang="ko-KR" b="0" i="1" smtClean="0">
+                              <a:latin typeface="Cambria Math" panose="02040503050406030204" pitchFamily="18" charset="0"/>
+                            </a:rPr>
+                            <m:t>𝐶</m:t>
+                          </m:r>
+                        </m:e>
+                        <m:sub>
+                          <m:r>
+                            <a:rPr lang="en-US" altLang="ko-KR" b="0" i="1" smtClean="0">
+                              <a:latin typeface="Cambria Math" panose="02040503050406030204" pitchFamily="18" charset="0"/>
+                            </a:rPr>
+                            <m:t>𝑘</m:t>
+                          </m:r>
+                        </m:sub>
+                      </m:sSub>
+                    </m:oMath>
+                  </m:oMathPara>
+                </a14:m>
+                <a:endParaRPr lang="ko-KR" altLang="en-US" dirty="0"/>
+              </a:p>
+            </p:txBody>
+          </p:sp>
+        </mc:Choice>
+        <mc:Fallback xmlns="">
+          <p:sp>
+            <p:nvSpPr>
+              <p:cNvPr id="23" name="TextBox 22">
+                <a:extLst>
+                  <a:ext uri="{FF2B5EF4-FFF2-40B4-BE49-F238E27FC236}">
+                    <a16:creationId xmlns:a16="http://schemas.microsoft.com/office/drawing/2014/main" id="{DF27BADB-0108-4EEF-B95A-840802FCF7A3}"/>
+                  </a:ext>
+                </a:extLst>
+              </p:cNvPr>
+              <p:cNvSpPr txBox="1">
+                <a:spLocks noRot="1" noChangeAspect="1" noMove="1" noResize="1" noEditPoints="1" noAdjustHandles="1" noChangeArrowheads="1" noChangeShapeType="1" noTextEdit="1"/>
+              </p:cNvSpPr>
+              <p:nvPr/>
+            </p:nvSpPr>
+            <p:spPr>
+              <a:xfrm>
+                <a:off x="6122836" y="3031118"/>
+                <a:ext cx="478977" cy="369332"/>
+              </a:xfrm>
+              <a:prstGeom prst="rect">
+                <a:avLst/>
+              </a:prstGeom>
+              <a:blipFill>
+                <a:blip r:embed="rId4"/>
+                <a:stretch>
+                  <a:fillRect/>
+                </a:stretch>
+              </a:blipFill>
+            </p:spPr>
+            <p:txBody>
+              <a:bodyPr/>
+              <a:lstStyle/>
+              <a:p>
+                <a:r>
+                  <a:rPr lang="ko-KR" altLang="en-US">
+                    <a:noFill/>
+                  </a:rPr>
+                  <a:t> </a:t>
+                </a:r>
+              </a:p>
+            </p:txBody>
+          </p:sp>
+        </mc:Fallback>
+      </mc:AlternateContent>
+      <p:cxnSp>
+        <p:nvCxnSpPr>
+          <p:cNvPr id="24" name="직선 화살표 연결선 23">
+            <a:extLst>
+              <a:ext uri="{FF2B5EF4-FFF2-40B4-BE49-F238E27FC236}">
+                <a16:creationId xmlns:a16="http://schemas.microsoft.com/office/drawing/2014/main" id="{25B065F8-B265-4B89-B7E4-A7F6AF41925D}"/>
+              </a:ext>
+            </a:extLst>
+          </p:cNvPr>
+          <p:cNvCxnSpPr>
+            <a:cxnSpLocks/>
+          </p:cNvCxnSpPr>
+          <p:nvPr/>
+        </p:nvCxnSpPr>
+        <p:spPr>
+          <a:xfrm rot="5400000" flipH="1" flipV="1">
+            <a:off x="7948577" y="2464762"/>
+            <a:ext cx="0" cy="342131"/>
+          </a:xfrm>
+          <a:prstGeom prst="straightConnector1">
+            <a:avLst/>
+          </a:prstGeom>
+          <a:ln w="28575">
+            <a:solidFill>
+              <a:srgbClr val="FF0000"/>
+            </a:solidFill>
+            <a:tailEnd type="triangle"/>
+          </a:ln>
+        </p:spPr>
+        <p:style>
+          <a:lnRef idx="1">
+            <a:schemeClr val="accent1"/>
+          </a:lnRef>
+          <a:fillRef idx="0">
+            <a:schemeClr val="accent1"/>
+          </a:fillRef>
+          <a:effectRef idx="0">
+            <a:schemeClr val="accent1"/>
+          </a:effectRef>
+          <a:fontRef idx="minor">
+            <a:schemeClr val="tx1"/>
+          </a:fontRef>
+        </p:style>
+      </p:cxnSp>
+      <mc:AlternateContent xmlns:mc="http://schemas.openxmlformats.org/markup-compatibility/2006" xmlns:a14="http://schemas.microsoft.com/office/drawing/2010/main">
+        <mc:Choice Requires="a14">
+          <p:sp>
+            <p:nvSpPr>
+              <p:cNvPr id="25" name="TextBox 24">
+                <a:extLst>
+                  <a:ext uri="{FF2B5EF4-FFF2-40B4-BE49-F238E27FC236}">
+                    <a16:creationId xmlns:a16="http://schemas.microsoft.com/office/drawing/2014/main" id="{8C6CF9B0-F5FF-44B9-AC5E-A2725FF976B9}"/>
+                  </a:ext>
+                </a:extLst>
+              </p:cNvPr>
+              <p:cNvSpPr txBox="1"/>
+              <p:nvPr/>
+            </p:nvSpPr>
+            <p:spPr>
+              <a:xfrm>
+                <a:off x="757600" y="4622334"/>
+                <a:ext cx="365805" cy="369332"/>
+              </a:xfrm>
+              <a:prstGeom prst="rect">
+                <a:avLst/>
+              </a:prstGeom>
+              <a:noFill/>
+            </p:spPr>
+            <p:txBody>
+              <a:bodyPr wrap="none" rtlCol="0">
+                <a:spAutoFit/>
+              </a:bodyPr>
+              <a:lstStyle/>
+              <a:p>
+                <a:pPr/>
+                <a14:m>
+                  <m:oMathPara xmlns:m="http://schemas.openxmlformats.org/officeDocument/2006/math">
+                    <m:oMathParaPr>
+                      <m:jc m:val="centerGroup"/>
+                    </m:oMathParaPr>
+                    <m:oMath xmlns:m="http://schemas.openxmlformats.org/officeDocument/2006/math">
+                      <m:r>
+                        <a:rPr lang="en-US" altLang="ko-KR" b="0" i="1" smtClean="0">
+                          <a:latin typeface="Cambria Math" panose="02040503050406030204" pitchFamily="18" charset="0"/>
+                        </a:rPr>
+                        <m:t>0</m:t>
+                      </m:r>
+                    </m:oMath>
+                  </m:oMathPara>
+                </a14:m>
+                <a:endParaRPr lang="ko-KR" altLang="en-US" dirty="0"/>
+              </a:p>
+            </p:txBody>
+          </p:sp>
+        </mc:Choice>
+        <mc:Fallback xmlns="">
+          <p:sp>
+            <p:nvSpPr>
+              <p:cNvPr id="25" name="TextBox 24">
+                <a:extLst>
+                  <a:ext uri="{FF2B5EF4-FFF2-40B4-BE49-F238E27FC236}">
+                    <a16:creationId xmlns:a16="http://schemas.microsoft.com/office/drawing/2014/main" id="{8C6CF9B0-F5FF-44B9-AC5E-A2725FF976B9}"/>
+                  </a:ext>
+                </a:extLst>
+              </p:cNvPr>
+              <p:cNvSpPr txBox="1">
+                <a:spLocks noRot="1" noChangeAspect="1" noMove="1" noResize="1" noEditPoints="1" noAdjustHandles="1" noChangeArrowheads="1" noChangeShapeType="1" noTextEdit="1"/>
+              </p:cNvSpPr>
+              <p:nvPr/>
+            </p:nvSpPr>
+            <p:spPr>
+              <a:xfrm>
+                <a:off x="757600" y="4622334"/>
+                <a:ext cx="365805" cy="369332"/>
+              </a:xfrm>
+              <a:prstGeom prst="rect">
+                <a:avLst/>
+              </a:prstGeom>
+              <a:blipFill>
+                <a:blip r:embed="rId5"/>
+                <a:stretch>
+                  <a:fillRect/>
+                </a:stretch>
+              </a:blipFill>
+            </p:spPr>
+            <p:txBody>
+              <a:bodyPr/>
+              <a:lstStyle/>
+              <a:p>
+                <a:r>
+                  <a:rPr lang="ko-KR" altLang="en-US">
+                    <a:noFill/>
+                  </a:rPr>
+                  <a:t> </a:t>
+                </a:r>
+              </a:p>
+            </p:txBody>
+          </p:sp>
+        </mc:Fallback>
+      </mc:AlternateContent>
+      <mc:AlternateContent xmlns:mc="http://schemas.openxmlformats.org/markup-compatibility/2006" xmlns:a14="http://schemas.microsoft.com/office/drawing/2010/main">
+        <mc:Choice Requires="a14">
+          <p:sp>
+            <p:nvSpPr>
+              <p:cNvPr id="26" name="TextBox 25">
+                <a:extLst>
+                  <a:ext uri="{FF2B5EF4-FFF2-40B4-BE49-F238E27FC236}">
+                    <a16:creationId xmlns:a16="http://schemas.microsoft.com/office/drawing/2014/main" id="{2A0775B3-CF85-4576-88A4-E52014211B37}"/>
+                  </a:ext>
+                </a:extLst>
+              </p:cNvPr>
+              <p:cNvSpPr txBox="1"/>
+              <p:nvPr/>
+            </p:nvSpPr>
+            <p:spPr>
+              <a:xfrm>
+                <a:off x="757600" y="1337596"/>
+                <a:ext cx="371384" cy="369332"/>
+              </a:xfrm>
+              <a:prstGeom prst="rect">
+                <a:avLst/>
+              </a:prstGeom>
+              <a:noFill/>
+            </p:spPr>
+            <p:txBody>
+              <a:bodyPr wrap="none" rtlCol="0">
+                <a:spAutoFit/>
+              </a:bodyPr>
+              <a:lstStyle/>
+              <a:p>
+                <a:pPr/>
+                <a14:m>
+                  <m:oMathPara xmlns:m="http://schemas.openxmlformats.org/officeDocument/2006/math">
+                    <m:oMathParaPr>
+                      <m:jc m:val="centerGroup"/>
+                    </m:oMathParaPr>
+                    <m:oMath xmlns:m="http://schemas.openxmlformats.org/officeDocument/2006/math">
+                      <m:r>
+                        <a:rPr lang="en-US" altLang="ko-KR" b="0" i="1" smtClean="0">
+                          <a:latin typeface="Cambria Math" panose="02040503050406030204" pitchFamily="18" charset="0"/>
+                        </a:rPr>
+                        <m:t>𝑦</m:t>
+                      </m:r>
+                    </m:oMath>
+                  </m:oMathPara>
+                </a14:m>
+                <a:endParaRPr lang="ko-KR" altLang="en-US" dirty="0"/>
+              </a:p>
+            </p:txBody>
+          </p:sp>
+        </mc:Choice>
+        <mc:Fallback xmlns="">
+          <p:sp>
+            <p:nvSpPr>
+              <p:cNvPr id="26" name="TextBox 25">
+                <a:extLst>
+                  <a:ext uri="{FF2B5EF4-FFF2-40B4-BE49-F238E27FC236}">
+                    <a16:creationId xmlns:a16="http://schemas.microsoft.com/office/drawing/2014/main" id="{2A0775B3-CF85-4576-88A4-E52014211B37}"/>
+                  </a:ext>
+                </a:extLst>
+              </p:cNvPr>
+              <p:cNvSpPr txBox="1">
+                <a:spLocks noRot="1" noChangeAspect="1" noMove="1" noResize="1" noEditPoints="1" noAdjustHandles="1" noChangeArrowheads="1" noChangeShapeType="1" noTextEdit="1"/>
+              </p:cNvSpPr>
+              <p:nvPr/>
+            </p:nvSpPr>
+            <p:spPr>
+              <a:xfrm>
+                <a:off x="757600" y="1337596"/>
+                <a:ext cx="371384" cy="369332"/>
+              </a:xfrm>
+              <a:prstGeom prst="rect">
+                <a:avLst/>
+              </a:prstGeom>
+              <a:blipFill>
+                <a:blip r:embed="rId6"/>
+                <a:stretch>
+                  <a:fillRect b="-6557"/>
+                </a:stretch>
+              </a:blipFill>
+            </p:spPr>
+            <p:txBody>
+              <a:bodyPr/>
+              <a:lstStyle/>
+              <a:p>
+                <a:r>
+                  <a:rPr lang="ko-KR" altLang="en-US">
+                    <a:noFill/>
+                  </a:rPr>
+                  <a:t> </a:t>
+                </a:r>
+              </a:p>
+            </p:txBody>
+          </p:sp>
+        </mc:Fallback>
+      </mc:AlternateContent>
+      <mc:AlternateContent xmlns:mc="http://schemas.openxmlformats.org/markup-compatibility/2006" xmlns:a14="http://schemas.microsoft.com/office/drawing/2010/main">
+        <mc:Choice Requires="a14">
+          <p:sp>
+            <p:nvSpPr>
+              <p:cNvPr id="27" name="TextBox 26">
+                <a:extLst>
+                  <a:ext uri="{FF2B5EF4-FFF2-40B4-BE49-F238E27FC236}">
+                    <a16:creationId xmlns:a16="http://schemas.microsoft.com/office/drawing/2014/main" id="{A9E18999-CC6C-4BEB-8D8E-CE63E911E6AD}"/>
+                  </a:ext>
+                </a:extLst>
+              </p:cNvPr>
+              <p:cNvSpPr txBox="1"/>
+              <p:nvPr/>
+            </p:nvSpPr>
+            <p:spPr>
+              <a:xfrm>
+                <a:off x="5451620" y="4638225"/>
+                <a:ext cx="371384" cy="369332"/>
+              </a:xfrm>
+              <a:prstGeom prst="rect">
+                <a:avLst/>
+              </a:prstGeom>
+              <a:noFill/>
+            </p:spPr>
+            <p:txBody>
+              <a:bodyPr wrap="none" rtlCol="0">
+                <a:spAutoFit/>
+              </a:bodyPr>
+              <a:lstStyle/>
+              <a:p>
+                <a:pPr/>
+                <a14:m>
+                  <m:oMathPara xmlns:m="http://schemas.openxmlformats.org/officeDocument/2006/math">
+                    <m:oMathParaPr>
+                      <m:jc m:val="centerGroup"/>
+                    </m:oMathParaPr>
+                    <m:oMath xmlns:m="http://schemas.openxmlformats.org/officeDocument/2006/math">
+                      <m:r>
+                        <a:rPr lang="en-US" altLang="ko-KR" b="0" i="1" smtClean="0">
+                          <a:latin typeface="Cambria Math" panose="02040503050406030204" pitchFamily="18" charset="0"/>
+                        </a:rPr>
+                        <m:t>𝑥</m:t>
+                      </m:r>
+                    </m:oMath>
+                  </m:oMathPara>
+                </a14:m>
+                <a:endParaRPr lang="ko-KR" altLang="en-US" dirty="0"/>
+              </a:p>
+            </p:txBody>
+          </p:sp>
+        </mc:Choice>
+        <mc:Fallback xmlns="">
+          <p:sp>
+            <p:nvSpPr>
+              <p:cNvPr id="27" name="TextBox 26">
+                <a:extLst>
+                  <a:ext uri="{FF2B5EF4-FFF2-40B4-BE49-F238E27FC236}">
+                    <a16:creationId xmlns:a16="http://schemas.microsoft.com/office/drawing/2014/main" id="{A9E18999-CC6C-4BEB-8D8E-CE63E911E6AD}"/>
+                  </a:ext>
+                </a:extLst>
+              </p:cNvPr>
+              <p:cNvSpPr txBox="1">
+                <a:spLocks noRot="1" noChangeAspect="1" noMove="1" noResize="1" noEditPoints="1" noAdjustHandles="1" noChangeArrowheads="1" noChangeShapeType="1" noTextEdit="1"/>
+              </p:cNvSpPr>
+              <p:nvPr/>
+            </p:nvSpPr>
+            <p:spPr>
+              <a:xfrm>
+                <a:off x="5451620" y="4638225"/>
+                <a:ext cx="371384" cy="369332"/>
+              </a:xfrm>
+              <a:prstGeom prst="rect">
+                <a:avLst/>
+              </a:prstGeom>
+              <a:blipFill>
+                <a:blip r:embed="rId7"/>
+                <a:stretch>
+                  <a:fillRect/>
+                </a:stretch>
+              </a:blipFill>
+            </p:spPr>
+            <p:txBody>
+              <a:bodyPr/>
+              <a:lstStyle/>
+              <a:p>
+                <a:r>
+                  <a:rPr lang="ko-KR" altLang="en-US">
+                    <a:noFill/>
+                  </a:rPr>
+                  <a:t> </a:t>
+                </a:r>
+              </a:p>
+            </p:txBody>
+          </p:sp>
+        </mc:Fallback>
+      </mc:AlternateContent>
+    </p:spTree>
+    <p:extLst>
+      <p:ext uri="{BB962C8B-B14F-4D97-AF65-F5344CB8AC3E}">
+        <p14:creationId xmlns:p14="http://schemas.microsoft.com/office/powerpoint/2010/main" val="2091833877"/>
+      </p:ext>
+    </p:extLst>
+  </p:cSld>
+  <p:clrMapOvr>
+    <a:masterClrMapping/>
+  </p:clrMapOvr>
+</p:sld>
+</file>
+
+<file path=ppt/slides/slide6.xml><?xml version="1.0" encoding="utf-8"?>
+<p:sld xmlns:a="http://schemas.openxmlformats.org/drawingml/2006/main" xmlns:r="http://schemas.openxmlformats.org/officeDocument/2006/relationships" xmlns:p="http://schemas.openxmlformats.org/presentationml/2006/main">
+  <p:cSld>
+    <p:spTree>
+      <p:nvGrpSpPr>
+        <p:cNvPr id="1" name=""/>
+        <p:cNvGrpSpPr/>
+        <p:nvPr/>
+      </p:nvGrpSpPr>
+      <p:grpSpPr>
+        <a:xfrm>
+          <a:off x="0" y="0"/>
+          <a:ext cx="0" cy="0"/>
+          <a:chOff x="0" y="0"/>
+          <a:chExt cx="0" cy="0"/>
+        </a:xfrm>
+      </p:grpSpPr>
+      <p:sp>
+        <p:nvSpPr>
           <p:cNvPr id="4" name="직사각형 3">
             <a:extLst>
               <a:ext uri="{FF2B5EF4-FFF2-40B4-BE49-F238E27FC236}">
@@ -9320,8 +10998,8 @@
           </a:p>
         </p:txBody>
       </p:sp>
-      <mc:AlternateContent xmlns:mc="http://schemas.openxmlformats.org/markup-compatibility/2006">
-        <mc:Choice xmlns:a14="http://schemas.microsoft.com/office/drawing/2010/main" Requires="a14">
+      <mc:AlternateContent xmlns:mc="http://schemas.openxmlformats.org/markup-compatibility/2006" xmlns:a14="http://schemas.microsoft.com/office/drawing/2010/main">
+        <mc:Choice Requires="a14">
           <p:sp>
             <p:nvSpPr>
               <p:cNvPr id="10" name="TextBox 9">
@@ -9395,7 +11073,7 @@
             </p:txBody>
           </p:sp>
         </mc:Choice>
-        <mc:Fallback>
+        <mc:Fallback xmlns="">
           <p:sp>
             <p:nvSpPr>
               <p:cNvPr id="10" name="TextBox 9">
@@ -9440,8 +11118,8 @@
           </p:sp>
         </mc:Fallback>
       </mc:AlternateContent>
-      <mc:AlternateContent xmlns:mc="http://schemas.openxmlformats.org/markup-compatibility/2006">
-        <mc:Choice xmlns:a14="http://schemas.microsoft.com/office/drawing/2010/main" Requires="a14">
+      <mc:AlternateContent xmlns:mc="http://schemas.openxmlformats.org/markup-compatibility/2006" xmlns:a14="http://schemas.microsoft.com/office/drawing/2010/main">
+        <mc:Choice Requires="a14">
           <p:sp>
             <p:nvSpPr>
               <p:cNvPr id="15" name="TextBox 14">
@@ -9510,7 +11188,7 @@
             </p:txBody>
           </p:sp>
         </mc:Choice>
-        <mc:Fallback>
+        <mc:Fallback xmlns="">
           <p:sp>
             <p:nvSpPr>
               <p:cNvPr id="15" name="TextBox 14">
@@ -9681,8 +11359,8 @@
             </a:p>
           </p:txBody>
         </p:sp>
-        <mc:AlternateContent xmlns:mc="http://schemas.openxmlformats.org/markup-compatibility/2006">
-          <mc:Choice xmlns:a14="http://schemas.microsoft.com/office/drawing/2010/main" Requires="a14">
+        <mc:AlternateContent xmlns:mc="http://schemas.openxmlformats.org/markup-compatibility/2006" xmlns:a14="http://schemas.microsoft.com/office/drawing/2010/main">
+          <mc:Choice Requires="a14">
             <p:sp>
               <p:nvSpPr>
                 <p:cNvPr id="20" name="TextBox 19">
@@ -9747,7 +11425,7 @@
               </p:txBody>
             </p:sp>
           </mc:Choice>
-          <mc:Fallback>
+          <mc:Fallback xmlns="">
             <p:sp>
               <p:nvSpPr>
                 <p:cNvPr id="20" name="TextBox 19">
@@ -9899,8 +11577,8 @@
           </a:p>
         </p:txBody>
       </p:sp>
-      <mc:AlternateContent xmlns:mc="http://schemas.openxmlformats.org/markup-compatibility/2006">
-        <mc:Choice xmlns:a14="http://schemas.microsoft.com/office/drawing/2010/main" Requires="a14">
+      <mc:AlternateContent xmlns:mc="http://schemas.openxmlformats.org/markup-compatibility/2006" xmlns:a14="http://schemas.microsoft.com/office/drawing/2010/main">
+        <mc:Choice Requires="a14">
           <p:sp>
             <p:nvSpPr>
               <p:cNvPr id="25" name="TextBox 24">
@@ -9965,7 +11643,7 @@
             </p:txBody>
           </p:sp>
         </mc:Choice>
-        <mc:Fallback>
+        <mc:Fallback xmlns="">
           <p:sp>
             <p:nvSpPr>
               <p:cNvPr id="25" name="TextBox 24">
@@ -10270,8 +11948,8 @@
           </a:p>
         </p:txBody>
       </p:sp>
-      <mc:AlternateContent xmlns:mc="http://schemas.openxmlformats.org/markup-compatibility/2006">
-        <mc:Choice xmlns:a14="http://schemas.microsoft.com/office/drawing/2010/main" Requires="a14">
+      <mc:AlternateContent xmlns:mc="http://schemas.openxmlformats.org/markup-compatibility/2006" xmlns:a14="http://schemas.microsoft.com/office/drawing/2010/main">
+        <mc:Choice Requires="a14">
           <p:sp>
             <p:nvSpPr>
               <p:cNvPr id="31" name="TextBox 30">
@@ -10300,6 +11978,7 @@
               </a:bodyPr>
               <a:lstStyle/>
               <a:p>
+                <a:pPr/>
                 <a14:m>
                   <m:oMathPara xmlns:m="http://schemas.openxmlformats.org/officeDocument/2006/math">
                     <m:oMathParaPr>
@@ -10479,6 +12158,7 @@
                 </a:endParaRPr>
               </a:p>
               <a:p>
+                <a:pPr/>
                 <a14:m>
                   <m:oMathPara xmlns:m="http://schemas.openxmlformats.org/officeDocument/2006/math">
                     <m:oMathParaPr>
@@ -10610,7 +12290,7 @@
             </p:txBody>
           </p:sp>
         </mc:Choice>
-        <mc:Fallback>
+        <mc:Fallback xmlns="">
           <p:sp>
             <p:nvSpPr>
               <p:cNvPr id="31" name="TextBox 30">
@@ -10655,8 +12335,8 @@
           </p:sp>
         </mc:Fallback>
       </mc:AlternateContent>
-      <mc:AlternateContent xmlns:mc="http://schemas.openxmlformats.org/markup-compatibility/2006">
-        <mc:Choice xmlns:a14="http://schemas.microsoft.com/office/drawing/2010/main" Requires="a14">
+      <mc:AlternateContent xmlns:mc="http://schemas.openxmlformats.org/markup-compatibility/2006" xmlns:a14="http://schemas.microsoft.com/office/drawing/2010/main">
+        <mc:Choice Requires="a14">
           <p:sp>
             <p:nvSpPr>
               <p:cNvPr id="32" name="TextBox 31">
@@ -10685,6 +12365,7 @@
               </a:bodyPr>
               <a:lstStyle/>
               <a:p>
+                <a:pPr/>
                 <a14:m>
                   <m:oMathPara xmlns:m="http://schemas.openxmlformats.org/officeDocument/2006/math">
                     <m:oMathParaPr>
@@ -10864,6 +12545,7 @@
                 </a:endParaRPr>
               </a:p>
               <a:p>
+                <a:pPr/>
                 <a14:m>
                   <m:oMathPara xmlns:m="http://schemas.openxmlformats.org/officeDocument/2006/math">
                     <m:oMathParaPr>
@@ -10995,7 +12677,7 @@
             </p:txBody>
           </p:sp>
         </mc:Choice>
-        <mc:Fallback>
+        <mc:Fallback xmlns="">
           <p:sp>
             <p:nvSpPr>
               <p:cNvPr id="32" name="TextBox 31">
@@ -11040,8 +12722,8 @@
           </p:sp>
         </mc:Fallback>
       </mc:AlternateContent>
-      <mc:AlternateContent xmlns:mc="http://schemas.openxmlformats.org/markup-compatibility/2006">
-        <mc:Choice xmlns:a14="http://schemas.microsoft.com/office/drawing/2010/main" Requires="a14">
+      <mc:AlternateContent xmlns:mc="http://schemas.openxmlformats.org/markup-compatibility/2006" xmlns:a14="http://schemas.microsoft.com/office/drawing/2010/main">
+        <mc:Choice Requires="a14">
           <p:sp>
             <p:nvSpPr>
               <p:cNvPr id="33" name="TextBox 32">
@@ -11070,6 +12752,7 @@
               </a:bodyPr>
               <a:lstStyle/>
               <a:p>
+                <a:pPr/>
                 <a14:m>
                   <m:oMathPara xmlns:m="http://schemas.openxmlformats.org/officeDocument/2006/math">
                     <m:oMathParaPr>
@@ -11249,6 +12932,7 @@
                 </a:endParaRPr>
               </a:p>
               <a:p>
+                <a:pPr/>
                 <a14:m>
                   <m:oMathPara xmlns:m="http://schemas.openxmlformats.org/officeDocument/2006/math">
                     <m:oMathParaPr>
@@ -11380,7 +13064,7 @@
             </p:txBody>
           </p:sp>
         </mc:Choice>
-        <mc:Fallback>
+        <mc:Fallback xmlns="">
           <p:sp>
             <p:nvSpPr>
               <p:cNvPr id="33" name="TextBox 32">
@@ -11425,8 +13109,8 @@
           </p:sp>
         </mc:Fallback>
       </mc:AlternateContent>
-      <mc:AlternateContent xmlns:mc="http://schemas.openxmlformats.org/markup-compatibility/2006">
-        <mc:Choice xmlns:a14="http://schemas.microsoft.com/office/drawing/2010/main" Requires="a14">
+      <mc:AlternateContent xmlns:mc="http://schemas.openxmlformats.org/markup-compatibility/2006" xmlns:a14="http://schemas.microsoft.com/office/drawing/2010/main">
+        <mc:Choice Requires="a14">
           <p:sp>
             <p:nvSpPr>
               <p:cNvPr id="35" name="TextBox 34">
@@ -11455,6 +13139,7 @@
               </a:bodyPr>
               <a:lstStyle/>
               <a:p>
+                <a:pPr/>
                 <a14:m>
                   <m:oMathPara xmlns:m="http://schemas.openxmlformats.org/officeDocument/2006/math">
                     <m:oMathParaPr>
@@ -11634,6 +13319,7 @@
                 </a:endParaRPr>
               </a:p>
               <a:p>
+                <a:pPr/>
                 <a14:m>
                   <m:oMathPara xmlns:m="http://schemas.openxmlformats.org/officeDocument/2006/math">
                     <m:oMathParaPr>
@@ -11765,7 +13451,7 @@
             </p:txBody>
           </p:sp>
         </mc:Choice>
-        <mc:Fallback>
+        <mc:Fallback xmlns="">
           <p:sp>
             <p:nvSpPr>
               <p:cNvPr id="35" name="TextBox 34">
